--- a/17. Análise dos Eventos para cada Cenário.pptx
+++ b/17. Análise dos Eventos para cada Cenário.pptx
@@ -115,16 +115,9 @@
 <file path=ppt/revisionInfo.xml><?xml version="1.0" encoding="utf-8"?>
 <p1510:revInfo xmlns:a="http://schemas.openxmlformats.org/drawingml/2006/main" xmlns:r="http://schemas.openxmlformats.org/officeDocument/2006/relationships" xmlns:p1510="http://schemas.microsoft.com/office/powerpoint/2015/10/main">
   <p1510:revLst>
-    <p1510:client id="{0A4A5C8D-7DDB-4F92-BCFD-85FD07326FF3}" v="46" dt="2020-09-24T01:51:00.152"/>
-    <p1510:client id="{3362563C-53B9-484E-8408-855BEC19CDBE}" v="63" dt="2020-09-24T02:04:15.431"/>
-    <p1510:client id="{349AAE9E-C771-46EC-9B10-B450480A52C6}" v="196" dt="2020-09-26T02:29:35.802"/>
-    <p1510:client id="{48F34075-8D3A-4B18-85B4-459B2F378364}" v="58" dt="2020-09-23T22:56:59.670"/>
-    <p1510:client id="{7656C24C-951D-49DF-9A04-0950D7A94734}" v="28" dt="2020-09-24T01:44:31.175"/>
-    <p1510:client id="{828215AA-66AF-4240-9A1E-26248AC8A8B5}" v="2" dt="2020-09-26T14:03:13.625"/>
-    <p1510:client id="{9D7EAF55-64C7-4079-884C-B851116451D5}" v="61" dt="2020-09-26T02:39:00.660"/>
-    <p1510:client id="{AD06ECA9-1D1C-4F96-8E92-A8CD9F25A8C3}" v="137" dt="2020-09-24T02:09:04.135"/>
-    <p1510:client id="{AFCF4948-873C-46BC-8F46-2CAB659E542B}" v="55" dt="2020-09-26T02:15:19.064"/>
-    <p1510:client id="{B0A51382-F174-4C64-B07D-7369731A7F8D}" v="47" dt="2020-09-24T01:44:03.402"/>
+    <p1510:client id="{187941EF-599A-4C87-AB48-C140F9C2F133}" v="87" dt="2020-10-22T01:47:53.901"/>
+    <p1510:client id="{8161FFDA-3093-4086-B729-BEC2D76A044F}" v="61" dt="2020-10-22T01:53:00.095"/>
+    <p1510:client id="{B2C3CF42-D4A8-454D-8DB4-63CF74E0080C}" v="42" dt="2020-10-22T02:01:54.306"/>
   </p1510:revLst>
 </p1510:revInfo>
 </file>
@@ -132,32 +125,152 @@
 <file path=ppt/changesInfos/changesInfo1.xml><?xml version="1.0" encoding="utf-8"?>
 <pc:chgInfo xmlns:a="http://schemas.openxmlformats.org/drawingml/2006/main" xmlns:r="http://schemas.openxmlformats.org/officeDocument/2006/relationships" xmlns:ac="http://schemas.microsoft.com/office/drawing/2013/main/command" xmlns:pc="http://schemas.microsoft.com/office/powerpoint/2013/main/command">
   <pc:docChgLst>
-    <pc:chgData name="Eduardo Marques" userId="b9dd18581288d1e4" providerId="Windows Live" clId="Web-{828215AA-66AF-4240-9A1E-26248AC8A8B5}"/>
+    <pc:chgData name="Bruno Pires" userId="7cd031024afa7b54" providerId="Windows Live" clId="Web-{B2C3CF42-D4A8-454D-8DB4-63CF74E0080C}"/>
     <pc:docChg chg="modSld">
-      <pc:chgData name="Eduardo Marques" userId="b9dd18581288d1e4" providerId="Windows Live" clId="Web-{828215AA-66AF-4240-9A1E-26248AC8A8B5}" dt="2020-09-26T14:03:13.625" v="1" actId="1076"/>
+      <pc:chgData name="Bruno Pires" userId="7cd031024afa7b54" providerId="Windows Live" clId="Web-{B2C3CF42-D4A8-454D-8DB4-63CF74E0080C}" dt="2020-10-22T01:54:33.140" v="1"/>
       <pc:docMkLst>
         <pc:docMk/>
       </pc:docMkLst>
-      <pc:sldChg chg="delSp modSp">
-        <pc:chgData name="Eduardo Marques" userId="b9dd18581288d1e4" providerId="Windows Live" clId="Web-{828215AA-66AF-4240-9A1E-26248AC8A8B5}" dt="2020-09-26T14:03:13.625" v="1" actId="1076"/>
+      <pc:sldChg chg="modSp">
+        <pc:chgData name="Bruno Pires" userId="7cd031024afa7b54" providerId="Windows Live" clId="Web-{B2C3CF42-D4A8-454D-8DB4-63CF74E0080C}" dt="2020-10-22T01:54:33.140" v="1"/>
         <pc:sldMkLst>
           <pc:docMk/>
           <pc:sldMk cId="2345061847" sldId="256"/>
         </pc:sldMkLst>
-        <pc:spChg chg="del">
-          <ac:chgData name="Eduardo Marques" userId="b9dd18581288d1e4" providerId="Windows Live" clId="Web-{828215AA-66AF-4240-9A1E-26248AC8A8B5}" dt="2020-09-26T14:03:00.485" v="0"/>
-          <ac:spMkLst>
-            <pc:docMk/>
-            <pc:sldMk cId="2345061847" sldId="256"/>
-            <ac:spMk id="2" creationId="{45E9EE82-159C-4AA4-A8E3-C89F6E8A5335}"/>
-          </ac:spMkLst>
-        </pc:spChg>
-        <pc:graphicFrameChg chg="mod">
-          <ac:chgData name="Eduardo Marques" userId="b9dd18581288d1e4" providerId="Windows Live" clId="Web-{828215AA-66AF-4240-9A1E-26248AC8A8B5}" dt="2020-09-26T14:03:13.625" v="1" actId="1076"/>
+        <pc:graphicFrameChg chg="modGraphic">
+          <ac:chgData name="Bruno Pires" userId="7cd031024afa7b54" providerId="Windows Live" clId="Web-{B2C3CF42-D4A8-454D-8DB4-63CF74E0080C}" dt="2020-10-22T01:54:33.140" v="1"/>
           <ac:graphicFrameMkLst>
             <pc:docMk/>
             <pc:sldMk cId="2345061847" sldId="256"/>
-            <ac:graphicFrameMk id="4" creationId="{28BD0582-8EFC-4C90-8082-7251ECA405ED}"/>
+            <ac:graphicFrameMk id="4" creationId="{E678F784-405B-46CC-8532-C4A18EEEBB49}"/>
+          </ac:graphicFrameMkLst>
+        </pc:graphicFrameChg>
+      </pc:sldChg>
+    </pc:docChg>
+  </pc:docChgLst>
+  <pc:docChgLst>
+    <pc:chgData name="Gabriel Fernandes C. dos Santos" userId="153fb557aa2a4591" providerId="LiveId" clId="{69299D69-D058-497B-A74B-B762E515ABDB}"/>
+    <pc:docChg chg="undo custSel modSld">
+      <pc:chgData name="Gabriel Fernandes C. dos Santos" userId="153fb557aa2a4591" providerId="LiveId" clId="{69299D69-D058-497B-A74B-B762E515ABDB}" dt="2020-10-22T01:37:10.390" v="45" actId="313"/>
+      <pc:docMkLst>
+        <pc:docMk/>
+      </pc:docMkLst>
+      <pc:sldChg chg="addSp delSp modSp mod">
+        <pc:chgData name="Gabriel Fernandes C. dos Santos" userId="153fb557aa2a4591" providerId="LiveId" clId="{69299D69-D058-497B-A74B-B762E515ABDB}" dt="2020-10-22T01:37:10.390" v="45" actId="313"/>
+        <pc:sldMkLst>
+          <pc:docMk/>
+          <pc:sldMk cId="2345061847" sldId="256"/>
+        </pc:sldMkLst>
+        <pc:graphicFrameChg chg="add del mod">
+          <ac:chgData name="Gabriel Fernandes C. dos Santos" userId="153fb557aa2a4591" providerId="LiveId" clId="{69299D69-D058-497B-A74B-B762E515ABDB}" dt="2020-10-16T23:32:40.843" v="4"/>
+          <ac:graphicFrameMkLst>
+            <pc:docMk/>
+            <pc:sldMk cId="2345061847" sldId="256"/>
+            <ac:graphicFrameMk id="2" creationId="{A68C04A6-8098-48FB-B8A7-55C15013BC37}"/>
+          </ac:graphicFrameMkLst>
+        </pc:graphicFrameChg>
+        <pc:graphicFrameChg chg="add del mod">
+          <ac:chgData name="Gabriel Fernandes C. dos Santos" userId="153fb557aa2a4591" providerId="LiveId" clId="{69299D69-D058-497B-A74B-B762E515ABDB}" dt="2020-10-22T01:33:41.704" v="11"/>
+          <ac:graphicFrameMkLst>
+            <pc:docMk/>
+            <pc:sldMk cId="2345061847" sldId="256"/>
+            <ac:graphicFrameMk id="2" creationId="{CBF114E5-2EC9-464B-B236-447A73E5FCDC}"/>
+          </ac:graphicFrameMkLst>
+        </pc:graphicFrameChg>
+        <pc:graphicFrameChg chg="add del mod">
+          <ac:chgData name="Gabriel Fernandes C. dos Santos" userId="153fb557aa2a4591" providerId="LiveId" clId="{69299D69-D058-497B-A74B-B762E515ABDB}" dt="2020-10-22T01:33:21.185" v="7" actId="478"/>
+          <ac:graphicFrameMkLst>
+            <pc:docMk/>
+            <pc:sldMk cId="2345061847" sldId="256"/>
+            <ac:graphicFrameMk id="3" creationId="{5D2B3D1A-C8AB-485F-9B1B-D78C25E2D1D9}"/>
+          </ac:graphicFrameMkLst>
+        </pc:graphicFrameChg>
+        <pc:graphicFrameChg chg="add mod modGraphic">
+          <ac:chgData name="Gabriel Fernandes C. dos Santos" userId="153fb557aa2a4591" providerId="LiveId" clId="{69299D69-D058-497B-A74B-B762E515ABDB}" dt="2020-10-22T01:37:10.390" v="45" actId="313"/>
+          <ac:graphicFrameMkLst>
+            <pc:docMk/>
+            <pc:sldMk cId="2345061847" sldId="256"/>
+            <ac:graphicFrameMk id="4" creationId="{E678F784-405B-46CC-8532-C4A18EEEBB49}"/>
+          </ac:graphicFrameMkLst>
+        </pc:graphicFrameChg>
+        <pc:graphicFrameChg chg="del">
+          <ac:chgData name="Gabriel Fernandes C. dos Santos" userId="153fb557aa2a4591" providerId="LiveId" clId="{69299D69-D058-497B-A74B-B762E515ABDB}" dt="2020-10-16T23:32:15.343" v="0" actId="478"/>
+          <ac:graphicFrameMkLst>
+            <pc:docMk/>
+            <pc:sldMk cId="2345061847" sldId="256"/>
+            <ac:graphicFrameMk id="13" creationId="{77CB4DFE-B102-4036-9DE1-B362A8D240E2}"/>
+          </ac:graphicFrameMkLst>
+        </pc:graphicFrameChg>
+      </pc:sldChg>
+    </pc:docChg>
+  </pc:docChgLst>
+  <pc:docChgLst>
+    <pc:chgData name="Gabriel Fernandes C. dos Santos" userId="153fb557aa2a4591" providerId="Windows Live" clId="Web-{7656C24C-951D-49DF-9A04-0950D7A94734}"/>
+    <pc:docChg chg="modSld">
+      <pc:chgData name="Gabriel Fernandes C. dos Santos" userId="153fb557aa2a4591" providerId="Windows Live" clId="Web-{7656C24C-951D-49DF-9A04-0950D7A94734}" dt="2020-09-24T01:44:17.346" v="2"/>
+      <pc:docMkLst>
+        <pc:docMk/>
+      </pc:docMkLst>
+      <pc:sldChg chg="modSp">
+        <pc:chgData name="Gabriel Fernandes C. dos Santos" userId="153fb557aa2a4591" providerId="Windows Live" clId="Web-{7656C24C-951D-49DF-9A04-0950D7A94734}" dt="2020-09-24T01:44:17.346" v="2"/>
+        <pc:sldMkLst>
+          <pc:docMk/>
+          <pc:sldMk cId="2345061847" sldId="256"/>
+        </pc:sldMkLst>
+        <pc:graphicFrameChg chg="mod modGraphic">
+          <ac:chgData name="Gabriel Fernandes C. dos Santos" userId="153fb557aa2a4591" providerId="Windows Live" clId="Web-{7656C24C-951D-49DF-9A04-0950D7A94734}" dt="2020-09-24T01:44:17.346" v="2"/>
+          <ac:graphicFrameMkLst>
+            <pc:docMk/>
+            <pc:sldMk cId="2345061847" sldId="256"/>
+            <ac:graphicFrameMk id="5" creationId="{46A473E8-649E-4002-8B3E-C39FF3347046}"/>
+          </ac:graphicFrameMkLst>
+        </pc:graphicFrameChg>
+      </pc:sldChg>
+    </pc:docChg>
+  </pc:docChgLst>
+  <pc:docChgLst>
+    <pc:chgData name="Gabriel Casagrande" userId="e7a325a1baaa42ba" providerId="Windows Live" clId="Web-{B0A51382-F174-4C64-B07D-7369731A7F8D}"/>
+    <pc:docChg chg="modSld">
+      <pc:chgData name="Gabriel Casagrande" userId="e7a325a1baaa42ba" providerId="Windows Live" clId="Web-{B0A51382-F174-4C64-B07D-7369731A7F8D}" dt="2020-09-24T01:44:03.402" v="16"/>
+      <pc:docMkLst>
+        <pc:docMk/>
+      </pc:docMkLst>
+      <pc:sldChg chg="modSp">
+        <pc:chgData name="Gabriel Casagrande" userId="e7a325a1baaa42ba" providerId="Windows Live" clId="Web-{B0A51382-F174-4C64-B07D-7369731A7F8D}" dt="2020-09-24T01:44:03.402" v="16"/>
+        <pc:sldMkLst>
+          <pc:docMk/>
+          <pc:sldMk cId="2345061847" sldId="256"/>
+        </pc:sldMkLst>
+        <pc:graphicFrameChg chg="mod modGraphic">
+          <ac:chgData name="Gabriel Casagrande" userId="e7a325a1baaa42ba" providerId="Windows Live" clId="Web-{B0A51382-F174-4C64-B07D-7369731A7F8D}" dt="2020-09-24T01:44:03.402" v="16"/>
+          <ac:graphicFrameMkLst>
+            <pc:docMk/>
+            <pc:sldMk cId="2345061847" sldId="256"/>
+            <ac:graphicFrameMk id="5" creationId="{46A473E8-649E-4002-8B3E-C39FF3347046}"/>
+          </ac:graphicFrameMkLst>
+        </pc:graphicFrameChg>
+      </pc:sldChg>
+    </pc:docChg>
+  </pc:docChgLst>
+  <pc:docChgLst>
+    <pc:chgData name="Eduardo Marques" userId="b9dd18581288d1e4" providerId="Windows Live" clId="Web-{889B64D8-EA6B-4C41-985D-B9B3F0CF6C28}"/>
+    <pc:docChg chg="modSld">
+      <pc:chgData name="Eduardo Marques" userId="b9dd18581288d1e4" providerId="Windows Live" clId="Web-{889B64D8-EA6B-4C41-985D-B9B3F0CF6C28}" dt="2020-10-17T02:05:35.400" v="77"/>
+      <pc:docMkLst>
+        <pc:docMk/>
+      </pc:docMkLst>
+      <pc:sldChg chg="modSp">
+        <pc:chgData name="Eduardo Marques" userId="b9dd18581288d1e4" providerId="Windows Live" clId="Web-{889B64D8-EA6B-4C41-985D-B9B3F0CF6C28}" dt="2020-10-17T02:05:35.400" v="77"/>
+        <pc:sldMkLst>
+          <pc:docMk/>
+          <pc:sldMk cId="2345061847" sldId="256"/>
+        </pc:sldMkLst>
+        <pc:graphicFrameChg chg="mod modGraphic">
+          <ac:chgData name="Eduardo Marques" userId="b9dd18581288d1e4" providerId="Windows Live" clId="Web-{889B64D8-EA6B-4C41-985D-B9B3F0CF6C28}" dt="2020-10-17T02:05:35.400" v="77"/>
+          <ac:graphicFrameMkLst>
+            <pc:docMk/>
+            <pc:sldMk cId="2345061847" sldId="256"/>
+            <ac:graphicFrameMk id="3" creationId="{5D2B3D1A-C8AB-485F-9B1B-D78C25E2D1D9}"/>
           </ac:graphicFrameMkLst>
         </pc:graphicFrameChg>
       </pc:sldChg>
@@ -178,6 +291,182 @@
         </pc:sldMkLst>
         <pc:graphicFrameChg chg="mod modGraphic">
           <ac:chgData name="Bruno Pires" userId="2e75d9009844921f" providerId="Windows Live" clId="Web-{349AAE9E-C771-46EC-9B10-B450480A52C6}" dt="2020-09-26T02:29:35.802" v="166"/>
+          <ac:graphicFrameMkLst>
+            <pc:docMk/>
+            <pc:sldMk cId="2345061847" sldId="256"/>
+            <ac:graphicFrameMk id="4" creationId="{28BD0582-8EFC-4C90-8082-7251ECA405ED}"/>
+          </ac:graphicFrameMkLst>
+        </pc:graphicFrameChg>
+      </pc:sldChg>
+    </pc:docChg>
+  </pc:docChgLst>
+  <pc:docChgLst>
+    <pc:chgData name="Eduardo Marques" userId="b9dd18581288d1e4" providerId="Windows Live" clId="Web-{48F34075-8D3A-4B18-85B4-459B2F378364}"/>
+    <pc:docChg chg="modSld">
+      <pc:chgData name="Eduardo Marques" userId="b9dd18581288d1e4" providerId="Windows Live" clId="Web-{48F34075-8D3A-4B18-85B4-459B2F378364}" dt="2020-09-23T22:56:59.670" v="19" actId="20577"/>
+      <pc:docMkLst>
+        <pc:docMk/>
+      </pc:docMkLst>
+      <pc:sldChg chg="modSp">
+        <pc:chgData name="Eduardo Marques" userId="b9dd18581288d1e4" providerId="Windows Live" clId="Web-{48F34075-8D3A-4B18-85B4-459B2F378364}" dt="2020-09-23T22:56:58.951" v="18" actId="20577"/>
+        <pc:sldMkLst>
+          <pc:docMk/>
+          <pc:sldMk cId="2345061847" sldId="256"/>
+        </pc:sldMkLst>
+        <pc:spChg chg="mod">
+          <ac:chgData name="Eduardo Marques" userId="b9dd18581288d1e4" providerId="Windows Live" clId="Web-{48F34075-8D3A-4B18-85B4-459B2F378364}" dt="2020-09-23T22:56:58.951" v="18" actId="20577"/>
+          <ac:spMkLst>
+            <pc:docMk/>
+            <pc:sldMk cId="2345061847" sldId="256"/>
+            <ac:spMk id="8" creationId="{8E7A4FA2-F736-429E-9EC7-F125DFF8B15B}"/>
+          </ac:spMkLst>
+        </pc:spChg>
+        <pc:graphicFrameChg chg="mod modGraphic">
+          <ac:chgData name="Eduardo Marques" userId="b9dd18581288d1e4" providerId="Windows Live" clId="Web-{48F34075-8D3A-4B18-85B4-459B2F378364}" dt="2020-09-23T22:55:15.685" v="16"/>
+          <ac:graphicFrameMkLst>
+            <pc:docMk/>
+            <pc:sldMk cId="2345061847" sldId="256"/>
+            <ac:graphicFrameMk id="5" creationId="{46A473E8-649E-4002-8B3E-C39FF3347046}"/>
+          </ac:graphicFrameMkLst>
+        </pc:graphicFrameChg>
+      </pc:sldChg>
+    </pc:docChg>
+  </pc:docChgLst>
+  <pc:docChgLst>
+    <pc:chgData name="Gabriel Fernandes C. dos Santos" userId="153fb557aa2a4591" providerId="Windows Live" clId="Web-{B8EEC1EF-CAC5-42BD-811C-10CAB84DAE8A}"/>
+    <pc:docChg chg="modSld">
+      <pc:chgData name="Gabriel Fernandes C. dos Santos" userId="153fb557aa2a4591" providerId="Windows Live" clId="Web-{B8EEC1EF-CAC5-42BD-811C-10CAB84DAE8A}" dt="2020-10-16T23:30:42.733" v="9"/>
+      <pc:docMkLst>
+        <pc:docMk/>
+      </pc:docMkLst>
+      <pc:sldChg chg="addSp delSp modSp">
+        <pc:chgData name="Gabriel Fernandes C. dos Santos" userId="153fb557aa2a4591" providerId="Windows Live" clId="Web-{B8EEC1EF-CAC5-42BD-811C-10CAB84DAE8A}" dt="2020-10-16T23:30:42.733" v="9"/>
+        <pc:sldMkLst>
+          <pc:docMk/>
+          <pc:sldMk cId="2345061847" sldId="256"/>
+        </pc:sldMkLst>
+        <pc:graphicFrameChg chg="add del mod">
+          <ac:chgData name="Gabriel Fernandes C. dos Santos" userId="153fb557aa2a4591" providerId="Windows Live" clId="Web-{B8EEC1EF-CAC5-42BD-811C-10CAB84DAE8A}" dt="2020-10-16T23:27:49.854" v="2"/>
+          <ac:graphicFrameMkLst>
+            <pc:docMk/>
+            <pc:sldMk cId="2345061847" sldId="256"/>
+            <ac:graphicFrameMk id="3" creationId="{75AEC90D-D6F3-4876-B776-0365B1173AB2}"/>
+          </ac:graphicFrameMkLst>
+        </pc:graphicFrameChg>
+        <pc:graphicFrameChg chg="del">
+          <ac:chgData name="Gabriel Fernandes C. dos Santos" userId="153fb557aa2a4591" providerId="Windows Live" clId="Web-{B8EEC1EF-CAC5-42BD-811C-10CAB84DAE8A}" dt="2020-10-16T23:27:33.228" v="0"/>
+          <ac:graphicFrameMkLst>
+            <pc:docMk/>
+            <pc:sldMk cId="2345061847" sldId="256"/>
+            <ac:graphicFrameMk id="4" creationId="{28BD0582-8EFC-4C90-8082-7251ECA405ED}"/>
+          </ac:graphicFrameMkLst>
+        </pc:graphicFrameChg>
+        <pc:graphicFrameChg chg="add del mod">
+          <ac:chgData name="Gabriel Fernandes C. dos Santos" userId="153fb557aa2a4591" providerId="Windows Live" clId="Web-{B8EEC1EF-CAC5-42BD-811C-10CAB84DAE8A}" dt="2020-10-16T23:28:57.605" v="4"/>
+          <ac:graphicFrameMkLst>
+            <pc:docMk/>
+            <pc:sldMk cId="2345061847" sldId="256"/>
+            <ac:graphicFrameMk id="6" creationId="{FF40D0CA-F052-425F-9C3B-7F1A857D7F61}"/>
+          </ac:graphicFrameMkLst>
+        </pc:graphicFrameChg>
+        <pc:graphicFrameChg chg="add del mod">
+          <ac:chgData name="Gabriel Fernandes C. dos Santos" userId="153fb557aa2a4591" providerId="Windows Live" clId="Web-{B8EEC1EF-CAC5-42BD-811C-10CAB84DAE8A}" dt="2020-10-16T23:30:09.310" v="6"/>
+          <ac:graphicFrameMkLst>
+            <pc:docMk/>
+            <pc:sldMk cId="2345061847" sldId="256"/>
+            <ac:graphicFrameMk id="9" creationId="{884F4A19-851A-460B-8638-FDAD22C9EFC1}"/>
+          </ac:graphicFrameMkLst>
+        </pc:graphicFrameChg>
+        <pc:graphicFrameChg chg="add del mod">
+          <ac:chgData name="Gabriel Fernandes C. dos Santos" userId="153fb557aa2a4591" providerId="Windows Live" clId="Web-{B8EEC1EF-CAC5-42BD-811C-10CAB84DAE8A}" dt="2020-10-16T23:30:31.482" v="8"/>
+          <ac:graphicFrameMkLst>
+            <pc:docMk/>
+            <pc:sldMk cId="2345061847" sldId="256"/>
+            <ac:graphicFrameMk id="11" creationId="{3F2318B3-38E1-4DCD-81F6-9FE104BBC2C0}"/>
+          </ac:graphicFrameMkLst>
+        </pc:graphicFrameChg>
+        <pc:graphicFrameChg chg="add mod">
+          <ac:chgData name="Gabriel Fernandes C. dos Santos" userId="153fb557aa2a4591" providerId="Windows Live" clId="Web-{B8EEC1EF-CAC5-42BD-811C-10CAB84DAE8A}" dt="2020-10-16T23:30:42.733" v="9"/>
+          <ac:graphicFrameMkLst>
+            <pc:docMk/>
+            <pc:sldMk cId="2345061847" sldId="256"/>
+            <ac:graphicFrameMk id="13" creationId="{77CB4DFE-B102-4036-9DE1-B362A8D240E2}"/>
+          </ac:graphicFrameMkLst>
+        </pc:graphicFrameChg>
+      </pc:sldChg>
+    </pc:docChg>
+  </pc:docChgLst>
+  <pc:docChgLst>
+    <pc:chgData name="Gabriel Fernandes C. dos Santos" userId="153fb557aa2a4591" providerId="Windows Live" clId="Web-{187941EF-599A-4C87-AB48-C140F9C2F133}"/>
+    <pc:docChg chg="modSld">
+      <pc:chgData name="Gabriel Fernandes C. dos Santos" userId="153fb557aa2a4591" providerId="Windows Live" clId="Web-{187941EF-599A-4C87-AB48-C140F9C2F133}" dt="2020-10-22T01:47:53.901" v="8"/>
+      <pc:docMkLst>
+        <pc:docMk/>
+      </pc:docMkLst>
+      <pc:sldChg chg="modSp">
+        <pc:chgData name="Gabriel Fernandes C. dos Santos" userId="153fb557aa2a4591" providerId="Windows Live" clId="Web-{187941EF-599A-4C87-AB48-C140F9C2F133}" dt="2020-10-22T01:47:53.901" v="8"/>
+        <pc:sldMkLst>
+          <pc:docMk/>
+          <pc:sldMk cId="2345061847" sldId="256"/>
+        </pc:sldMkLst>
+        <pc:graphicFrameChg chg="mod modGraphic">
+          <ac:chgData name="Gabriel Fernandes C. dos Santos" userId="153fb557aa2a4591" providerId="Windows Live" clId="Web-{187941EF-599A-4C87-AB48-C140F9C2F133}" dt="2020-10-22T01:47:53.901" v="8"/>
+          <ac:graphicFrameMkLst>
+            <pc:docMk/>
+            <pc:sldMk cId="2345061847" sldId="256"/>
+            <ac:graphicFrameMk id="4" creationId="{E678F784-405B-46CC-8532-C4A18EEEBB49}"/>
+          </ac:graphicFrameMkLst>
+        </pc:graphicFrameChg>
+      </pc:sldChg>
+    </pc:docChg>
+  </pc:docChgLst>
+  <pc:docChgLst>
+    <pc:chgData name="Bruno Pires" userId="2e75d9009844921f" providerId="Windows Live" clId="Web-{6758334A-420A-463E-AC66-C846E84EBBF5}"/>
+    <pc:docChg chg="modSld">
+      <pc:chgData name="Bruno Pires" userId="2e75d9009844921f" providerId="Windows Live" clId="Web-{6758334A-420A-463E-AC66-C846E84EBBF5}" dt="2020-10-16T23:35:22.395" v="3"/>
+      <pc:docMkLst>
+        <pc:docMk/>
+      </pc:docMkLst>
+      <pc:sldChg chg="modSp">
+        <pc:chgData name="Bruno Pires" userId="2e75d9009844921f" providerId="Windows Live" clId="Web-{6758334A-420A-463E-AC66-C846E84EBBF5}" dt="2020-10-16T23:35:22.395" v="3"/>
+        <pc:sldMkLst>
+          <pc:docMk/>
+          <pc:sldMk cId="2345061847" sldId="256"/>
+        </pc:sldMkLst>
+        <pc:graphicFrameChg chg="mod modGraphic">
+          <ac:chgData name="Bruno Pires" userId="2e75d9009844921f" providerId="Windows Live" clId="Web-{6758334A-420A-463E-AC66-C846E84EBBF5}" dt="2020-10-16T23:35:22.395" v="3"/>
+          <ac:graphicFrameMkLst>
+            <pc:docMk/>
+            <pc:sldMk cId="2345061847" sldId="256"/>
+            <ac:graphicFrameMk id="3" creationId="{5D2B3D1A-C8AB-485F-9B1B-D78C25E2D1D9}"/>
+          </ac:graphicFrameMkLst>
+        </pc:graphicFrameChg>
+      </pc:sldChg>
+    </pc:docChg>
+  </pc:docChgLst>
+  <pc:docChgLst>
+    <pc:chgData name="Eduardo Marques" userId="b9dd18581288d1e4" providerId="Windows Live" clId="Web-{AFCF4948-873C-46BC-8F46-2CAB659E542B}"/>
+    <pc:docChg chg="modSld">
+      <pc:chgData name="Eduardo Marques" userId="b9dd18581288d1e4" providerId="Windows Live" clId="Web-{AFCF4948-873C-46BC-8F46-2CAB659E542B}" dt="2020-09-26T02:15:19.064" v="22"/>
+      <pc:docMkLst>
+        <pc:docMk/>
+      </pc:docMkLst>
+      <pc:sldChg chg="modSp">
+        <pc:chgData name="Eduardo Marques" userId="b9dd18581288d1e4" providerId="Windows Live" clId="Web-{AFCF4948-873C-46BC-8F46-2CAB659E542B}" dt="2020-09-26T02:15:19.064" v="22"/>
+        <pc:sldMkLst>
+          <pc:docMk/>
+          <pc:sldMk cId="2345061847" sldId="256"/>
+        </pc:sldMkLst>
+        <pc:spChg chg="mod">
+          <ac:chgData name="Eduardo Marques" userId="b9dd18581288d1e4" providerId="Windows Live" clId="Web-{AFCF4948-873C-46BC-8F46-2CAB659E542B}" dt="2020-09-26T01:40:37.655" v="1" actId="20577"/>
+          <ac:spMkLst>
+            <pc:docMk/>
+            <pc:sldMk cId="2345061847" sldId="256"/>
+            <ac:spMk id="2" creationId="{45E9EE82-159C-4AA4-A8E3-C89F6E8A5335}"/>
+          </ac:spMkLst>
+        </pc:spChg>
+        <pc:graphicFrameChg chg="mod modGraphic">
+          <ac:chgData name="Eduardo Marques" userId="b9dd18581288d1e4" providerId="Windows Live" clId="Web-{AFCF4948-873C-46BC-8F46-2CAB659E542B}" dt="2020-09-26T02:15:19.064" v="22"/>
           <ac:graphicFrameMkLst>
             <pc:docMk/>
             <pc:sldMk cId="2345061847" sldId="256"/>
@@ -236,56 +525,120 @@
     </pc:docChg>
   </pc:docChgLst>
   <pc:docChgLst>
-    <pc:chgData name="Gabriel Casagrande" userId="e7a325a1baaa42ba" providerId="Windows Live" clId="Web-{B0A51382-F174-4C64-B07D-7369731A7F8D}"/>
+    <pc:chgData name="Eduardo Marques" userId="b9dd18581288d1e4" providerId="Windows Live" clId="Web-{8161FFDA-3093-4086-B729-BEC2D76A044F}"/>
     <pc:docChg chg="modSld">
-      <pc:chgData name="Gabriel Casagrande" userId="e7a325a1baaa42ba" providerId="Windows Live" clId="Web-{B0A51382-F174-4C64-B07D-7369731A7F8D}" dt="2020-09-24T01:44:03.402" v="16"/>
+      <pc:chgData name="Eduardo Marques" userId="b9dd18581288d1e4" providerId="Windows Live" clId="Web-{8161FFDA-3093-4086-B729-BEC2D76A044F}" dt="2020-10-22T01:52:58.705" v="17"/>
       <pc:docMkLst>
         <pc:docMk/>
       </pc:docMkLst>
       <pc:sldChg chg="modSp">
-        <pc:chgData name="Gabriel Casagrande" userId="e7a325a1baaa42ba" providerId="Windows Live" clId="Web-{B0A51382-F174-4C64-B07D-7369731A7F8D}" dt="2020-09-24T01:44:03.402" v="16"/>
+        <pc:chgData name="Eduardo Marques" userId="b9dd18581288d1e4" providerId="Windows Live" clId="Web-{8161FFDA-3093-4086-B729-BEC2D76A044F}" dt="2020-10-22T01:52:58.705" v="17"/>
         <pc:sldMkLst>
           <pc:docMk/>
           <pc:sldMk cId="2345061847" sldId="256"/>
         </pc:sldMkLst>
         <pc:graphicFrameChg chg="mod modGraphic">
-          <ac:chgData name="Gabriel Casagrande" userId="e7a325a1baaa42ba" providerId="Windows Live" clId="Web-{B0A51382-F174-4C64-B07D-7369731A7F8D}" dt="2020-09-24T01:44:03.402" v="16"/>
+          <ac:chgData name="Eduardo Marques" userId="b9dd18581288d1e4" providerId="Windows Live" clId="Web-{8161FFDA-3093-4086-B729-BEC2D76A044F}" dt="2020-10-22T01:52:58.705" v="17"/>
           <ac:graphicFrameMkLst>
             <pc:docMk/>
             <pc:sldMk cId="2345061847" sldId="256"/>
-            <ac:graphicFrameMk id="5" creationId="{46A473E8-649E-4002-8B3E-C39FF3347046}"/>
+            <ac:graphicFrameMk id="4" creationId="{E678F784-405B-46CC-8532-C4A18EEEBB49}"/>
           </ac:graphicFrameMkLst>
         </pc:graphicFrameChg>
       </pc:sldChg>
     </pc:docChg>
   </pc:docChgLst>
   <pc:docChgLst>
-    <pc:chgData name="Eduardo Marques" userId="b9dd18581288d1e4" providerId="Windows Live" clId="Web-{AFCF4948-873C-46BC-8F46-2CAB659E542B}"/>
+    <pc:chgData name="Edilene Marques" userId="ad8df458748d149b" providerId="Windows Live" clId="Web-{5CBB0CD4-0AFB-4B8C-88FF-EEB785AD92F0}"/>
     <pc:docChg chg="modSld">
-      <pc:chgData name="Eduardo Marques" userId="b9dd18581288d1e4" providerId="Windows Live" clId="Web-{AFCF4948-873C-46BC-8F46-2CAB659E542B}" dt="2020-09-26T02:15:19.064" v="22"/>
+      <pc:chgData name="Edilene Marques" userId="ad8df458748d149b" providerId="Windows Live" clId="Web-{5CBB0CD4-0AFB-4B8C-88FF-EEB785AD92F0}" dt="2020-10-09T23:28:14.033" v="19"/>
       <pc:docMkLst>
         <pc:docMk/>
       </pc:docMkLst>
       <pc:sldChg chg="modSp">
-        <pc:chgData name="Eduardo Marques" userId="b9dd18581288d1e4" providerId="Windows Live" clId="Web-{AFCF4948-873C-46BC-8F46-2CAB659E542B}" dt="2020-09-26T02:15:19.064" v="22"/>
+        <pc:chgData name="Edilene Marques" userId="ad8df458748d149b" providerId="Windows Live" clId="Web-{5CBB0CD4-0AFB-4B8C-88FF-EEB785AD92F0}" dt="2020-10-09T23:28:14.033" v="18"/>
         <pc:sldMkLst>
           <pc:docMk/>
           <pc:sldMk cId="2345061847" sldId="256"/>
         </pc:sldMkLst>
-        <pc:spChg chg="mod">
-          <ac:chgData name="Eduardo Marques" userId="b9dd18581288d1e4" providerId="Windows Live" clId="Web-{AFCF4948-873C-46BC-8F46-2CAB659E542B}" dt="2020-09-26T01:40:37.655" v="1" actId="20577"/>
-          <ac:spMkLst>
-            <pc:docMk/>
-            <pc:sldMk cId="2345061847" sldId="256"/>
-            <ac:spMk id="2" creationId="{45E9EE82-159C-4AA4-A8E3-C89F6E8A5335}"/>
-          </ac:spMkLst>
-        </pc:spChg>
         <pc:graphicFrameChg chg="mod modGraphic">
-          <ac:chgData name="Eduardo Marques" userId="b9dd18581288d1e4" providerId="Windows Live" clId="Web-{AFCF4948-873C-46BC-8F46-2CAB659E542B}" dt="2020-09-26T02:15:19.064" v="22"/>
+          <ac:chgData name="Edilene Marques" userId="ad8df458748d149b" providerId="Windows Live" clId="Web-{5CBB0CD4-0AFB-4B8C-88FF-EEB785AD92F0}" dt="2020-10-09T23:28:14.033" v="18"/>
           <ac:graphicFrameMkLst>
             <pc:docMk/>
             <pc:sldMk cId="2345061847" sldId="256"/>
             <ac:graphicFrameMk id="4" creationId="{28BD0582-8EFC-4C90-8082-7251ECA405ED}"/>
+          </ac:graphicFrameMkLst>
+        </pc:graphicFrameChg>
+      </pc:sldChg>
+    </pc:docChg>
+  </pc:docChgLst>
+  <pc:docChgLst>
+    <pc:chgData name="Eduardo Marques" userId="b9dd18581288d1e4" providerId="Windows Live" clId="Web-{AD06ECA9-1D1C-4F96-8E92-A8CD9F25A8C3}"/>
+    <pc:docChg chg="modSld">
+      <pc:chgData name="Eduardo Marques" userId="b9dd18581288d1e4" providerId="Windows Live" clId="Web-{AD06ECA9-1D1C-4F96-8E92-A8CD9F25A8C3}" dt="2020-09-24T02:09:02.885" v="78"/>
+      <pc:docMkLst>
+        <pc:docMk/>
+      </pc:docMkLst>
+      <pc:sldChg chg="modSp">
+        <pc:chgData name="Eduardo Marques" userId="b9dd18581288d1e4" providerId="Windows Live" clId="Web-{AD06ECA9-1D1C-4F96-8E92-A8CD9F25A8C3}" dt="2020-09-24T02:09:02.885" v="78"/>
+        <pc:sldMkLst>
+          <pc:docMk/>
+          <pc:sldMk cId="2345061847" sldId="256"/>
+        </pc:sldMkLst>
+        <pc:graphicFrameChg chg="mod modGraphic">
+          <ac:chgData name="Eduardo Marques" userId="b9dd18581288d1e4" providerId="Windows Live" clId="Web-{AD06ECA9-1D1C-4F96-8E92-A8CD9F25A8C3}" dt="2020-09-24T02:09:02.885" v="78"/>
+          <ac:graphicFrameMkLst>
+            <pc:docMk/>
+            <pc:sldMk cId="2345061847" sldId="256"/>
+            <ac:graphicFrameMk id="4" creationId="{28BD0582-8EFC-4C90-8082-7251ECA405ED}"/>
+          </ac:graphicFrameMkLst>
+        </pc:graphicFrameChg>
+      </pc:sldChg>
+    </pc:docChg>
+  </pc:docChgLst>
+  <pc:docChgLst>
+    <pc:chgData name="Gabriel Fernandes C. dos Santos" userId="153fb557aa2a4591" providerId="Windows Live" clId="Web-{43CDE625-7C44-4B3B-81E3-9A4D3339250D}"/>
+    <pc:docChg chg="modSld">
+      <pc:chgData name="Gabriel Fernandes C. dos Santos" userId="153fb557aa2a4591" providerId="Windows Live" clId="Web-{43CDE625-7C44-4B3B-81E3-9A4D3339250D}" dt="2020-10-17T00:44:16.870" v="9"/>
+      <pc:docMkLst>
+        <pc:docMk/>
+      </pc:docMkLst>
+      <pc:sldChg chg="modSp">
+        <pc:chgData name="Gabriel Fernandes C. dos Santos" userId="153fb557aa2a4591" providerId="Windows Live" clId="Web-{43CDE625-7C44-4B3B-81E3-9A4D3339250D}" dt="2020-10-17T00:44:16.870" v="9"/>
+        <pc:sldMkLst>
+          <pc:docMk/>
+          <pc:sldMk cId="2345061847" sldId="256"/>
+        </pc:sldMkLst>
+        <pc:graphicFrameChg chg="mod modGraphic">
+          <ac:chgData name="Gabriel Fernandes C. dos Santos" userId="153fb557aa2a4591" providerId="Windows Live" clId="Web-{43CDE625-7C44-4B3B-81E3-9A4D3339250D}" dt="2020-10-17T00:44:16.870" v="9"/>
+          <ac:graphicFrameMkLst>
+            <pc:docMk/>
+            <pc:sldMk cId="2345061847" sldId="256"/>
+            <ac:graphicFrameMk id="3" creationId="{5D2B3D1A-C8AB-485F-9B1B-D78C25E2D1D9}"/>
+          </ac:graphicFrameMkLst>
+        </pc:graphicFrameChg>
+      </pc:sldChg>
+    </pc:docChg>
+  </pc:docChgLst>
+  <pc:docChgLst>
+    <pc:chgData name="Eduardo Marques" userId="b9dd18581288d1e4" providerId="Windows Live" clId="Web-{EC2C7CA5-251E-46E7-8B51-D29174C9CDC5}"/>
+    <pc:docChg chg="modSld">
+      <pc:chgData name="Eduardo Marques" userId="b9dd18581288d1e4" providerId="Windows Live" clId="Web-{EC2C7CA5-251E-46E7-8B51-D29174C9CDC5}" dt="2020-10-17T03:51:35.668" v="47"/>
+      <pc:docMkLst>
+        <pc:docMk/>
+      </pc:docMkLst>
+      <pc:sldChg chg="modSp">
+        <pc:chgData name="Eduardo Marques" userId="b9dd18581288d1e4" providerId="Windows Live" clId="Web-{EC2C7CA5-251E-46E7-8B51-D29174C9CDC5}" dt="2020-10-17T03:51:35.668" v="47"/>
+        <pc:sldMkLst>
+          <pc:docMk/>
+          <pc:sldMk cId="2345061847" sldId="256"/>
+        </pc:sldMkLst>
+        <pc:graphicFrameChg chg="mod modGraphic">
+          <ac:chgData name="Eduardo Marques" userId="b9dd18581288d1e4" providerId="Windows Live" clId="Web-{EC2C7CA5-251E-46E7-8B51-D29174C9CDC5}" dt="2020-10-17T03:51:35.668" v="47"/>
+          <ac:graphicFrameMkLst>
+            <pc:docMk/>
+            <pc:sldMk cId="2345061847" sldId="256"/>
+            <ac:graphicFrameMk id="3" creationId="{5D2B3D1A-C8AB-485F-9B1B-D78C25E2D1D9}"/>
           </ac:graphicFrameMkLst>
         </pc:graphicFrameChg>
       </pc:sldChg>
@@ -324,44 +677,28 @@
     </pc:docChg>
   </pc:docChgLst>
   <pc:docChgLst>
-    <pc:chgData name="Gabriel Fernandes C. dos Santos" userId="153fb557aa2a4591" providerId="Windows Live" clId="Web-{7656C24C-951D-49DF-9A04-0950D7A94734}"/>
+    <pc:chgData name="Eduardo Marques" userId="b9dd18581288d1e4" providerId="Windows Live" clId="Web-{828215AA-66AF-4240-9A1E-26248AC8A8B5}"/>
     <pc:docChg chg="modSld">
-      <pc:chgData name="Gabriel Fernandes C. dos Santos" userId="153fb557aa2a4591" providerId="Windows Live" clId="Web-{7656C24C-951D-49DF-9A04-0950D7A94734}" dt="2020-09-24T01:44:17.346" v="2"/>
+      <pc:chgData name="Eduardo Marques" userId="b9dd18581288d1e4" providerId="Windows Live" clId="Web-{828215AA-66AF-4240-9A1E-26248AC8A8B5}" dt="2020-09-26T14:03:13.625" v="1" actId="1076"/>
       <pc:docMkLst>
         <pc:docMk/>
       </pc:docMkLst>
-      <pc:sldChg chg="modSp">
-        <pc:chgData name="Gabriel Fernandes C. dos Santos" userId="153fb557aa2a4591" providerId="Windows Live" clId="Web-{7656C24C-951D-49DF-9A04-0950D7A94734}" dt="2020-09-24T01:44:17.346" v="2"/>
+      <pc:sldChg chg="delSp modSp">
+        <pc:chgData name="Eduardo Marques" userId="b9dd18581288d1e4" providerId="Windows Live" clId="Web-{828215AA-66AF-4240-9A1E-26248AC8A8B5}" dt="2020-09-26T14:03:13.625" v="1" actId="1076"/>
         <pc:sldMkLst>
           <pc:docMk/>
           <pc:sldMk cId="2345061847" sldId="256"/>
         </pc:sldMkLst>
-        <pc:graphicFrameChg chg="mod modGraphic">
-          <ac:chgData name="Gabriel Fernandes C. dos Santos" userId="153fb557aa2a4591" providerId="Windows Live" clId="Web-{7656C24C-951D-49DF-9A04-0950D7A94734}" dt="2020-09-24T01:44:17.346" v="2"/>
-          <ac:graphicFrameMkLst>
+        <pc:spChg chg="del">
+          <ac:chgData name="Eduardo Marques" userId="b9dd18581288d1e4" providerId="Windows Live" clId="Web-{828215AA-66AF-4240-9A1E-26248AC8A8B5}" dt="2020-09-26T14:03:00.485" v="0"/>
+          <ac:spMkLst>
             <pc:docMk/>
             <pc:sldMk cId="2345061847" sldId="256"/>
-            <ac:graphicFrameMk id="5" creationId="{46A473E8-649E-4002-8B3E-C39FF3347046}"/>
-          </ac:graphicFrameMkLst>
-        </pc:graphicFrameChg>
-      </pc:sldChg>
-    </pc:docChg>
-  </pc:docChgLst>
-  <pc:docChgLst>
-    <pc:chgData name="Eduardo Marques" userId="b9dd18581288d1e4" providerId="Windows Live" clId="Web-{AD06ECA9-1D1C-4F96-8E92-A8CD9F25A8C3}"/>
-    <pc:docChg chg="modSld">
-      <pc:chgData name="Eduardo Marques" userId="b9dd18581288d1e4" providerId="Windows Live" clId="Web-{AD06ECA9-1D1C-4F96-8E92-A8CD9F25A8C3}" dt="2020-09-24T02:09:02.885" v="78"/>
-      <pc:docMkLst>
-        <pc:docMk/>
-      </pc:docMkLst>
-      <pc:sldChg chg="modSp">
-        <pc:chgData name="Eduardo Marques" userId="b9dd18581288d1e4" providerId="Windows Live" clId="Web-{AD06ECA9-1D1C-4F96-8E92-A8CD9F25A8C3}" dt="2020-09-24T02:09:02.885" v="78"/>
-        <pc:sldMkLst>
-          <pc:docMk/>
-          <pc:sldMk cId="2345061847" sldId="256"/>
-        </pc:sldMkLst>
-        <pc:graphicFrameChg chg="mod modGraphic">
-          <ac:chgData name="Eduardo Marques" userId="b9dd18581288d1e4" providerId="Windows Live" clId="Web-{AD06ECA9-1D1C-4F96-8E92-A8CD9F25A8C3}" dt="2020-09-24T02:09:02.885" v="78"/>
+            <ac:spMk id="2" creationId="{45E9EE82-159C-4AA4-A8E3-C89F6E8A5335}"/>
+          </ac:spMkLst>
+        </pc:spChg>
+        <pc:graphicFrameChg chg="mod">
+          <ac:chgData name="Eduardo Marques" userId="b9dd18581288d1e4" providerId="Windows Live" clId="Web-{828215AA-66AF-4240-9A1E-26248AC8A8B5}" dt="2020-09-26T14:03:13.625" v="1" actId="1076"/>
           <ac:graphicFrameMkLst>
             <pc:docMk/>
             <pc:sldMk cId="2345061847" sldId="256"/>
@@ -390,38 +727,6 @@
             <pc:docMk/>
             <pc:sldMk cId="2345061847" sldId="256"/>
             <ac:graphicFrameMk id="4" creationId="{28BD0582-8EFC-4C90-8082-7251ECA405ED}"/>
-          </ac:graphicFrameMkLst>
-        </pc:graphicFrameChg>
-      </pc:sldChg>
-    </pc:docChg>
-  </pc:docChgLst>
-  <pc:docChgLst>
-    <pc:chgData name="Eduardo Marques" userId="b9dd18581288d1e4" providerId="Windows Live" clId="Web-{48F34075-8D3A-4B18-85B4-459B2F378364}"/>
-    <pc:docChg chg="modSld">
-      <pc:chgData name="Eduardo Marques" userId="b9dd18581288d1e4" providerId="Windows Live" clId="Web-{48F34075-8D3A-4B18-85B4-459B2F378364}" dt="2020-09-23T22:56:59.670" v="19" actId="20577"/>
-      <pc:docMkLst>
-        <pc:docMk/>
-      </pc:docMkLst>
-      <pc:sldChg chg="modSp">
-        <pc:chgData name="Eduardo Marques" userId="b9dd18581288d1e4" providerId="Windows Live" clId="Web-{48F34075-8D3A-4B18-85B4-459B2F378364}" dt="2020-09-23T22:56:58.951" v="18" actId="20577"/>
-        <pc:sldMkLst>
-          <pc:docMk/>
-          <pc:sldMk cId="2345061847" sldId="256"/>
-        </pc:sldMkLst>
-        <pc:spChg chg="mod">
-          <ac:chgData name="Eduardo Marques" userId="b9dd18581288d1e4" providerId="Windows Live" clId="Web-{48F34075-8D3A-4B18-85B4-459B2F378364}" dt="2020-09-23T22:56:58.951" v="18" actId="20577"/>
-          <ac:spMkLst>
-            <pc:docMk/>
-            <pc:sldMk cId="2345061847" sldId="256"/>
-            <ac:spMk id="8" creationId="{8E7A4FA2-F736-429E-9EC7-F125DFF8B15B}"/>
-          </ac:spMkLst>
-        </pc:spChg>
-        <pc:graphicFrameChg chg="mod modGraphic">
-          <ac:chgData name="Eduardo Marques" userId="b9dd18581288d1e4" providerId="Windows Live" clId="Web-{48F34075-8D3A-4B18-85B4-459B2F378364}" dt="2020-09-23T22:55:15.685" v="16"/>
-          <ac:graphicFrameMkLst>
-            <pc:docMk/>
-            <pc:sldMk cId="2345061847" sldId="256"/>
-            <ac:graphicFrameMk id="5" creationId="{46A473E8-649E-4002-8B3E-C39FF3347046}"/>
           </ac:graphicFrameMkLst>
         </pc:graphicFrameChg>
       </pc:sldChg>
@@ -577,7 +882,7 @@
           <a:p>
             <a:fld id="{4301E9E3-EC59-49D9-A019-F72927E38D20}" type="datetimeFigureOut">
               <a:rPr lang="pt-BR" smtClean="0"/>
-              <a:t>26/09/2020</a:t>
+              <a:t>21/10/2020</a:t>
             </a:fld>
             <a:endParaRPr lang="pt-BR"/>
           </a:p>
@@ -631,7 +936,7 @@
           <a:p>
             <a:fld id="{8B3BFE33-A1A0-4656-BFAE-74B5918D5E50}" type="slidenum">
               <a:rPr lang="pt-BR" smtClean="0"/>
-              <a:t>‹nº›</a:t>
+              <a:t>‹#›</a:t>
             </a:fld>
             <a:endParaRPr lang="pt-BR"/>
           </a:p>
@@ -775,7 +1080,7 @@
           <a:p>
             <a:fld id="{4301E9E3-EC59-49D9-A019-F72927E38D20}" type="datetimeFigureOut">
               <a:rPr lang="pt-BR" smtClean="0"/>
-              <a:t>26/09/2020</a:t>
+              <a:t>21/10/2020</a:t>
             </a:fld>
             <a:endParaRPr lang="pt-BR"/>
           </a:p>
@@ -829,7 +1134,7 @@
           <a:p>
             <a:fld id="{8B3BFE33-A1A0-4656-BFAE-74B5918D5E50}" type="slidenum">
               <a:rPr lang="pt-BR" smtClean="0"/>
-              <a:t>‹nº›</a:t>
+              <a:t>‹#›</a:t>
             </a:fld>
             <a:endParaRPr lang="pt-BR"/>
           </a:p>
@@ -983,7 +1288,7 @@
           <a:p>
             <a:fld id="{4301E9E3-EC59-49D9-A019-F72927E38D20}" type="datetimeFigureOut">
               <a:rPr lang="pt-BR" smtClean="0"/>
-              <a:t>26/09/2020</a:t>
+              <a:t>21/10/2020</a:t>
             </a:fld>
             <a:endParaRPr lang="pt-BR"/>
           </a:p>
@@ -1037,7 +1342,7 @@
           <a:p>
             <a:fld id="{8B3BFE33-A1A0-4656-BFAE-74B5918D5E50}" type="slidenum">
               <a:rPr lang="pt-BR" smtClean="0"/>
-              <a:t>‹nº›</a:t>
+              <a:t>‹#›</a:t>
             </a:fld>
             <a:endParaRPr lang="pt-BR"/>
           </a:p>
@@ -1181,7 +1486,7 @@
           <a:p>
             <a:fld id="{4301E9E3-EC59-49D9-A019-F72927E38D20}" type="datetimeFigureOut">
               <a:rPr lang="pt-BR" smtClean="0"/>
-              <a:t>26/09/2020</a:t>
+              <a:t>21/10/2020</a:t>
             </a:fld>
             <a:endParaRPr lang="pt-BR"/>
           </a:p>
@@ -1235,7 +1540,7 @@
           <a:p>
             <a:fld id="{8B3BFE33-A1A0-4656-BFAE-74B5918D5E50}" type="slidenum">
               <a:rPr lang="pt-BR" smtClean="0"/>
-              <a:t>‹nº›</a:t>
+              <a:t>‹#›</a:t>
             </a:fld>
             <a:endParaRPr lang="pt-BR"/>
           </a:p>
@@ -1456,7 +1761,7 @@
           <a:p>
             <a:fld id="{4301E9E3-EC59-49D9-A019-F72927E38D20}" type="datetimeFigureOut">
               <a:rPr lang="pt-BR" smtClean="0"/>
-              <a:t>26/09/2020</a:t>
+              <a:t>21/10/2020</a:t>
             </a:fld>
             <a:endParaRPr lang="pt-BR"/>
           </a:p>
@@ -1510,7 +1815,7 @@
           <a:p>
             <a:fld id="{8B3BFE33-A1A0-4656-BFAE-74B5918D5E50}" type="slidenum">
               <a:rPr lang="pt-BR" smtClean="0"/>
-              <a:t>‹nº›</a:t>
+              <a:t>‹#›</a:t>
             </a:fld>
             <a:endParaRPr lang="pt-BR"/>
           </a:p>
@@ -1721,7 +2026,7 @@
           <a:p>
             <a:fld id="{4301E9E3-EC59-49D9-A019-F72927E38D20}" type="datetimeFigureOut">
               <a:rPr lang="pt-BR" smtClean="0"/>
-              <a:t>26/09/2020</a:t>
+              <a:t>21/10/2020</a:t>
             </a:fld>
             <a:endParaRPr lang="pt-BR"/>
           </a:p>
@@ -1775,7 +2080,7 @@
           <a:p>
             <a:fld id="{8B3BFE33-A1A0-4656-BFAE-74B5918D5E50}" type="slidenum">
               <a:rPr lang="pt-BR" smtClean="0"/>
-              <a:t>‹nº›</a:t>
+              <a:t>‹#›</a:t>
             </a:fld>
             <a:endParaRPr lang="pt-BR"/>
           </a:p>
@@ -2133,7 +2438,7 @@
           <a:p>
             <a:fld id="{4301E9E3-EC59-49D9-A019-F72927E38D20}" type="datetimeFigureOut">
               <a:rPr lang="pt-BR" smtClean="0"/>
-              <a:t>26/09/2020</a:t>
+              <a:t>21/10/2020</a:t>
             </a:fld>
             <a:endParaRPr lang="pt-BR"/>
           </a:p>
@@ -2187,7 +2492,7 @@
           <a:p>
             <a:fld id="{8B3BFE33-A1A0-4656-BFAE-74B5918D5E50}" type="slidenum">
               <a:rPr lang="pt-BR" smtClean="0"/>
-              <a:t>‹nº›</a:t>
+              <a:t>‹#›</a:t>
             </a:fld>
             <a:endParaRPr lang="pt-BR"/>
           </a:p>
@@ -2274,7 +2579,7 @@
           <a:p>
             <a:fld id="{4301E9E3-EC59-49D9-A019-F72927E38D20}" type="datetimeFigureOut">
               <a:rPr lang="pt-BR" smtClean="0"/>
-              <a:t>26/09/2020</a:t>
+              <a:t>21/10/2020</a:t>
             </a:fld>
             <a:endParaRPr lang="pt-BR"/>
           </a:p>
@@ -2328,7 +2633,7 @@
           <a:p>
             <a:fld id="{8B3BFE33-A1A0-4656-BFAE-74B5918D5E50}" type="slidenum">
               <a:rPr lang="pt-BR" smtClean="0"/>
-              <a:t>‹nº›</a:t>
+              <a:t>‹#›</a:t>
             </a:fld>
             <a:endParaRPr lang="pt-BR"/>
           </a:p>
@@ -2387,7 +2692,7 @@
           <a:p>
             <a:fld id="{4301E9E3-EC59-49D9-A019-F72927E38D20}" type="datetimeFigureOut">
               <a:rPr lang="pt-BR" smtClean="0"/>
-              <a:t>26/09/2020</a:t>
+              <a:t>21/10/2020</a:t>
             </a:fld>
             <a:endParaRPr lang="pt-BR"/>
           </a:p>
@@ -2441,7 +2746,7 @@
           <a:p>
             <a:fld id="{8B3BFE33-A1A0-4656-BFAE-74B5918D5E50}" type="slidenum">
               <a:rPr lang="pt-BR" smtClean="0"/>
-              <a:t>‹nº›</a:t>
+              <a:t>‹#›</a:t>
             </a:fld>
             <a:endParaRPr lang="pt-BR"/>
           </a:p>
@@ -2698,7 +3003,7 @@
           <a:p>
             <a:fld id="{4301E9E3-EC59-49D9-A019-F72927E38D20}" type="datetimeFigureOut">
               <a:rPr lang="pt-BR" smtClean="0"/>
-              <a:t>26/09/2020</a:t>
+              <a:t>21/10/2020</a:t>
             </a:fld>
             <a:endParaRPr lang="pt-BR"/>
           </a:p>
@@ -2752,7 +3057,7 @@
           <a:p>
             <a:fld id="{8B3BFE33-A1A0-4656-BFAE-74B5918D5E50}" type="slidenum">
               <a:rPr lang="pt-BR" smtClean="0"/>
-              <a:t>‹nº›</a:t>
+              <a:t>‹#›</a:t>
             </a:fld>
             <a:endParaRPr lang="pt-BR"/>
           </a:p>
@@ -2986,7 +3291,7 @@
           <a:p>
             <a:fld id="{4301E9E3-EC59-49D9-A019-F72927E38D20}" type="datetimeFigureOut">
               <a:rPr lang="pt-BR" smtClean="0"/>
-              <a:t>26/09/2020</a:t>
+              <a:t>21/10/2020</a:t>
             </a:fld>
             <a:endParaRPr lang="pt-BR"/>
           </a:p>
@@ -3040,7 +3345,7 @@
           <a:p>
             <a:fld id="{8B3BFE33-A1A0-4656-BFAE-74B5918D5E50}" type="slidenum">
               <a:rPr lang="pt-BR" smtClean="0"/>
-              <a:t>‹nº›</a:t>
+              <a:t>‹#›</a:t>
             </a:fld>
             <a:endParaRPr lang="pt-BR"/>
           </a:p>
@@ -3227,7 +3532,7 @@
           <a:p>
             <a:fld id="{4301E9E3-EC59-49D9-A019-F72927E38D20}" type="datetimeFigureOut">
               <a:rPr lang="pt-BR" smtClean="0"/>
-              <a:t>26/09/2020</a:t>
+              <a:t>21/10/2020</a:t>
             </a:fld>
             <a:endParaRPr lang="pt-BR"/>
           </a:p>
@@ -3317,7 +3622,7 @@
           <a:p>
             <a:fld id="{8B3BFE33-A1A0-4656-BFAE-74B5918D5E50}" type="slidenum">
               <a:rPr lang="pt-BR" smtClean="0"/>
-              <a:t>‹nº›</a:t>
+              <a:t>‹#›</a:t>
             </a:fld>
             <a:endParaRPr lang="pt-BR"/>
           </a:p>
@@ -3683,7 +3988,7 @@
           <p:cNvPr id="4" name="Tabela 3">
             <a:extLst>
               <a:ext uri="{FF2B5EF4-FFF2-40B4-BE49-F238E27FC236}">
-                <a16:creationId xmlns:a16="http://schemas.microsoft.com/office/drawing/2014/main" id="{28BD0582-8EFC-4C90-8082-7251ECA405ED}"/>
+                <a16:creationId xmlns:a16="http://schemas.microsoft.com/office/drawing/2014/main" id="{E678F784-405B-46CC-8532-C4A18EEEBB49}"/>
               </a:ext>
             </a:extLst>
           </p:cNvPr>
@@ -3693,92 +3998,92 @@
           <p:nvPr>
             <p:extLst>
               <p:ext uri="{D42A27DB-BD31-4B8C-83A1-F6EECF244321}">
-                <p14:modId xmlns:p14="http://schemas.microsoft.com/office/powerpoint/2010/main" val="635874984"/>
+                <p14:modId xmlns:p14="http://schemas.microsoft.com/office/powerpoint/2010/main" val="4198399371"/>
               </p:ext>
             </p:extLst>
           </p:nvPr>
         </p:nvGraphicFramePr>
         <p:xfrm>
-          <a:off x="862717" y="1766004"/>
-          <a:ext cx="10566248" cy="3248197"/>
+          <a:off x="1009649" y="1758968"/>
+          <a:ext cx="10172695" cy="3672840"/>
         </p:xfrm>
         <a:graphic>
           <a:graphicData uri="http://schemas.openxmlformats.org/drawingml/2006/table">
             <a:tbl>
               <a:tblPr/>
               <a:tblGrid>
-                <a:gridCol w="1077300">
+                <a:gridCol w="942681">
                   <a:extLst>
                     <a:ext uri="{9D8B030D-6E8A-4147-A177-3AD203B41FA5}">
-                      <a16:colId xmlns:a16="http://schemas.microsoft.com/office/drawing/2014/main" val="3664376355"/>
+                      <a16:colId xmlns:a16="http://schemas.microsoft.com/office/drawing/2014/main" val="1767190896"/>
                     </a:ext>
                   </a:extLst>
                 </a:gridCol>
-                <a:gridCol w="362727">
+                <a:gridCol w="317401">
                   <a:extLst>
                     <a:ext uri="{9D8B030D-6E8A-4147-A177-3AD203B41FA5}">
-                      <a16:colId xmlns:a16="http://schemas.microsoft.com/office/drawing/2014/main" val="753536813"/>
+                      <a16:colId xmlns:a16="http://schemas.microsoft.com/office/drawing/2014/main" val="529398237"/>
                     </a:ext>
                   </a:extLst>
                 </a:gridCol>
-                <a:gridCol w="293810">
+                <a:gridCol w="257094">
                   <a:extLst>
                     <a:ext uri="{9D8B030D-6E8A-4147-A177-3AD203B41FA5}">
-                      <a16:colId xmlns:a16="http://schemas.microsoft.com/office/drawing/2014/main" val="2124206428"/>
+                      <a16:colId xmlns:a16="http://schemas.microsoft.com/office/drawing/2014/main" val="2948340006"/>
                     </a:ext>
                   </a:extLst>
                 </a:gridCol>
-                <a:gridCol w="3032401">
+                <a:gridCol w="3580282">
                   <a:extLst>
                     <a:ext uri="{9D8B030D-6E8A-4147-A177-3AD203B41FA5}">
-                      <a16:colId xmlns:a16="http://schemas.microsoft.com/office/drawing/2014/main" val="1249631936"/>
+                      <a16:colId xmlns:a16="http://schemas.microsoft.com/office/drawing/2014/main" val="3282056946"/>
                     </a:ext>
                   </a:extLst>
                 </a:gridCol>
-                <a:gridCol w="870545">
+                <a:gridCol w="761762">
                   <a:extLst>
                     <a:ext uri="{9D8B030D-6E8A-4147-A177-3AD203B41FA5}">
-                      <a16:colId xmlns:a16="http://schemas.microsoft.com/office/drawing/2014/main" val="727829083"/>
+                      <a16:colId xmlns:a16="http://schemas.microsoft.com/office/drawing/2014/main" val="3581360133"/>
                     </a:ext>
                   </a:extLst>
                 </a:gridCol>
-                <a:gridCol w="1229646">
+                <a:gridCol w="1075988">
                   <a:extLst>
                     <a:ext uri="{9D8B030D-6E8A-4147-A177-3AD203B41FA5}">
-                      <a16:colId xmlns:a16="http://schemas.microsoft.com/office/drawing/2014/main" val="3118239033"/>
+                      <a16:colId xmlns:a16="http://schemas.microsoft.com/office/drawing/2014/main" val="2797274564"/>
                     </a:ext>
                   </a:extLst>
                 </a:gridCol>
-                <a:gridCol w="729082">
+                <a:gridCol w="637975">
                   <a:extLst>
                     <a:ext uri="{9D8B030D-6E8A-4147-A177-3AD203B41FA5}">
-                      <a16:colId xmlns:a16="http://schemas.microsoft.com/office/drawing/2014/main" val="3842359193"/>
+                      <a16:colId xmlns:a16="http://schemas.microsoft.com/office/drawing/2014/main" val="1423971415"/>
                     </a:ext>
                   </a:extLst>
                 </a:gridCol>
-                <a:gridCol w="761727">
+                <a:gridCol w="666541">
                   <a:extLst>
                     <a:ext uri="{9D8B030D-6E8A-4147-A177-3AD203B41FA5}">
-                      <a16:colId xmlns:a16="http://schemas.microsoft.com/office/drawing/2014/main" val="1863389285"/>
+                      <a16:colId xmlns:a16="http://schemas.microsoft.com/office/drawing/2014/main" val="2917596027"/>
                     </a:ext>
                   </a:extLst>
                 </a:gridCol>
-                <a:gridCol w="990245">
+                <a:gridCol w="866505">
                   <a:extLst>
                     <a:ext uri="{9D8B030D-6E8A-4147-A177-3AD203B41FA5}">
-                      <a16:colId xmlns:a16="http://schemas.microsoft.com/office/drawing/2014/main" val="427462022"/>
+                      <a16:colId xmlns:a16="http://schemas.microsoft.com/office/drawing/2014/main" val="3735416215"/>
                     </a:ext>
                   </a:extLst>
                 </a:gridCol>
-                <a:gridCol w="1218765">
+                <a:gridCol w="1066466">
                   <a:extLst>
                     <a:ext uri="{9D8B030D-6E8A-4147-A177-3AD203B41FA5}">
-                      <a16:colId xmlns:a16="http://schemas.microsoft.com/office/drawing/2014/main" val="2775336247"/>
+                      <a16:colId xmlns:a16="http://schemas.microsoft.com/office/drawing/2014/main" val="2030206000"/>
                     </a:ext>
                   </a:extLst>
                 </a:gridCol>
               </a:tblGrid>
-              <a:tr h="338418">
+              <a:tr h="190500">
                 <a:tc>
                   <a:txBody>
                     <a:bodyPr/>
@@ -4105,11 +4410,11 @@
                 </a:tc>
                 <a:extLst>
                   <a:ext uri="{0D108BD9-81ED-4DB2-BD59-A6C34878D82A}">
-                    <a16:rowId xmlns:a16="http://schemas.microsoft.com/office/drawing/2014/main" val="1451767841"/>
+                    <a16:rowId xmlns:a16="http://schemas.microsoft.com/office/drawing/2014/main" val="943244598"/>
                   </a:ext>
                 </a:extLst>
               </a:tr>
-              <a:tr h="303962">
+              <a:tr h="190500">
                 <a:tc>
                   <a:txBody>
                     <a:bodyPr/>
@@ -4322,11 +4627,11 @@
                 </a:tc>
                 <a:extLst>
                   <a:ext uri="{0D108BD9-81ED-4DB2-BD59-A6C34878D82A}">
-                    <a16:rowId xmlns:a16="http://schemas.microsoft.com/office/drawing/2014/main" val="1232795894"/>
+                    <a16:rowId xmlns:a16="http://schemas.microsoft.com/office/drawing/2014/main" val="4240552499"/>
                   </a:ext>
                 </a:extLst>
               </a:tr>
-              <a:tr h="355339">
+              <a:tr h="365760">
                 <a:tc gridSpan="2">
                   <a:txBody>
                     <a:bodyPr/>
@@ -4406,7 +4711,7 @@
                             <a:srgbClr val="000000"/>
                           </a:solidFill>
                           <a:effectLst/>
-                          <a:latin typeface="Arial"/>
+                          <a:latin typeface="Arial" panose="020B0604020202020204" pitchFamily="34" charset="0"/>
                         </a:rPr>
                         <a:t>Nº</a:t>
                       </a:r>
@@ -4456,7 +4761,7 @@
                     <a:bodyPr/>
                     <a:lstStyle/>
                     <a:p>
-                      <a:pPr algn="ctr" fontAlgn="ctr"/>
+                      <a:pPr algn="l" fontAlgn="ctr"/>
                       <a:r>
                         <a:rPr lang="pt-BR" sz="1100" b="1" i="0" u="none" strike="noStrike">
                           <a:solidFill>
@@ -4852,12 +5157,12 @@
                 </a:tc>
                 <a:extLst>
                   <a:ext uri="{0D108BD9-81ED-4DB2-BD59-A6C34878D82A}">
-                    <a16:rowId xmlns:a16="http://schemas.microsoft.com/office/drawing/2014/main" val="2073282148"/>
+                    <a16:rowId xmlns:a16="http://schemas.microsoft.com/office/drawing/2014/main" val="35755302"/>
                   </a:ext>
                 </a:extLst>
               </a:tr>
-              <a:tr h="456864">
-                <a:tc rowSpan="5">
+              <a:tr h="365760">
+                <a:tc rowSpan="3">
                   <a:txBody>
                     <a:bodyPr/>
                     <a:lstStyle/>
@@ -4871,7 +5176,7 @@
                           <a:effectLst/>
                           <a:latin typeface="Arial"/>
                         </a:rPr>
-                        <a:t>Dar entrada no pedido</a:t>
+                        <a:t>Dar entrada em pedido</a:t>
                       </a:r>
                     </a:p>
                   </a:txBody>
@@ -4917,7 +5222,7 @@
                     </a:solidFill>
                   </a:tcPr>
                 </a:tc>
-                <a:tc>
+                <a:tc rowSpan="3">
                   <a:txBody>
                     <a:bodyPr/>
                     <a:lstStyle/>
@@ -4979,7 +5284,7 @@
                     <a:bodyPr/>
                     <a:lstStyle/>
                     <a:p>
-                      <a:pPr algn="ctr" fontAlgn="ctr"/>
+                      <a:pPr algn="ctr" fontAlgn="b"/>
                       <a:r>
                         <a:rPr lang="pt-BR" sz="1100" b="0" i="0" u="none" strike="noStrike">
                           <a:solidFill>
@@ -5036,7 +5341,7 @@
                     <a:bodyPr/>
                     <a:lstStyle/>
                     <a:p>
-                      <a:pPr algn="ctr" fontAlgn="ctr"/>
+                      <a:pPr algn="l" fontAlgn="ctr"/>
                       <a:r>
                         <a:rPr lang="pt-BR" sz="1100" b="0" i="0" u="none" strike="noStrike">
                           <a:solidFill>
@@ -5094,12 +5399,12 @@
                     <a:lstStyle/>
                     <a:p>
                       <a:pPr algn="ctr" fontAlgn="ctr"/>
-                      <a:endParaRPr lang="pt-BR" sz="1100" b="1" i="0" u="none" strike="noStrike">
+                      <a:endParaRPr lang="pt-BR" sz="1100" b="0" i="0" u="none" strike="noStrike">
                         <a:solidFill>
-                          <a:srgbClr val="3F3F76"/>
+                          <a:srgbClr val="000000"/>
                         </a:solidFill>
                         <a:effectLst/>
-                        <a:latin typeface="Calibri"/>
+                        <a:latin typeface="Arial"/>
                       </a:endParaRPr>
                     </a:p>
                   </a:txBody>
@@ -5141,11 +5446,1278 @@
                       <a:tailEnd type="none" w="med" len="med"/>
                     </a:lnB>
                     <a:solidFill>
-                      <a:srgbClr val="FFCC99"/>
+                      <a:srgbClr val="FCE4D6"/>
                     </a:solidFill>
                   </a:tcPr>
                 </a:tc>
                 <a:tc>
+                  <a:txBody>
+                    <a:bodyPr/>
+                    <a:lstStyle/>
+                    <a:p>
+                      <a:pPr algn="ctr" fontAlgn="ctr"/>
+                      <a:r>
+                        <a:rPr lang="pt-BR" sz="1100" b="0" i="0" u="none" strike="noStrike">
+                          <a:solidFill>
+                            <a:srgbClr val="000000"/>
+                          </a:solidFill>
+                          <a:effectLst/>
+                          <a:latin typeface="Arial"/>
+                        </a:rPr>
+                        <a:t>x</a:t>
+                      </a:r>
+                    </a:p>
+                  </a:txBody>
+                  <a:tcPr marL="9525" marR="9525" marT="9525" marB="0" anchor="ctr">
+                    <a:lnL w="6350" cap="flat" cmpd="sng" algn="ctr">
+                      <a:solidFill>
+                        <a:srgbClr val="000000"/>
+                      </a:solidFill>
+                      <a:prstDash val="solid"/>
+                      <a:round/>
+                      <a:headEnd type="none" w="med" len="med"/>
+                      <a:tailEnd type="none" w="med" len="med"/>
+                    </a:lnL>
+                    <a:lnR w="6350" cap="flat" cmpd="sng" algn="ctr">
+                      <a:solidFill>
+                        <a:srgbClr val="000000"/>
+                      </a:solidFill>
+                      <a:prstDash val="solid"/>
+                      <a:round/>
+                      <a:headEnd type="none" w="med" len="med"/>
+                      <a:tailEnd type="none" w="med" len="med"/>
+                    </a:lnR>
+                    <a:lnT w="6350" cap="flat" cmpd="sng" algn="ctr">
+                      <a:solidFill>
+                        <a:srgbClr val="000000"/>
+                      </a:solidFill>
+                      <a:prstDash val="solid"/>
+                      <a:round/>
+                      <a:headEnd type="none" w="med" len="med"/>
+                      <a:tailEnd type="none" w="med" len="med"/>
+                    </a:lnT>
+                    <a:lnB w="6350" cap="flat" cmpd="sng" algn="ctr">
+                      <a:solidFill>
+                        <a:srgbClr val="000000"/>
+                      </a:solidFill>
+                      <a:prstDash val="solid"/>
+                      <a:round/>
+                      <a:headEnd type="none" w="med" len="med"/>
+                      <a:tailEnd type="none" w="med" len="med"/>
+                    </a:lnB>
+                    <a:solidFill>
+                      <a:srgbClr val="FCE4D6"/>
+                    </a:solidFill>
+                  </a:tcPr>
+                </a:tc>
+                <a:tc>
+                  <a:txBody>
+                    <a:bodyPr/>
+                    <a:lstStyle/>
+                    <a:p>
+                      <a:pPr algn="ctr" fontAlgn="ctr"/>
+                      <a:endParaRPr lang="pt-BR" sz="1100" b="0" i="0" u="none" strike="noStrike">
+                        <a:solidFill>
+                          <a:srgbClr val="000000"/>
+                        </a:solidFill>
+                        <a:effectLst/>
+                        <a:latin typeface="Arial"/>
+                      </a:endParaRPr>
+                    </a:p>
+                  </a:txBody>
+                  <a:tcPr marL="9525" marR="9525" marT="9525" marB="0" anchor="ctr">
+                    <a:lnL w="6350" cap="flat" cmpd="sng" algn="ctr">
+                      <a:solidFill>
+                        <a:srgbClr val="000000"/>
+                      </a:solidFill>
+                      <a:prstDash val="solid"/>
+                      <a:round/>
+                      <a:headEnd type="none" w="med" len="med"/>
+                      <a:tailEnd type="none" w="med" len="med"/>
+                    </a:lnL>
+                    <a:lnR w="6350" cap="flat" cmpd="sng" algn="ctr">
+                      <a:solidFill>
+                        <a:srgbClr val="000000"/>
+                      </a:solidFill>
+                      <a:prstDash val="solid"/>
+                      <a:round/>
+                      <a:headEnd type="none" w="med" len="med"/>
+                      <a:tailEnd type="none" w="med" len="med"/>
+                    </a:lnR>
+                    <a:lnT w="6350" cap="flat" cmpd="sng" algn="ctr">
+                      <a:solidFill>
+                        <a:srgbClr val="000000"/>
+                      </a:solidFill>
+                      <a:prstDash val="solid"/>
+                      <a:round/>
+                      <a:headEnd type="none" w="med" len="med"/>
+                      <a:tailEnd type="none" w="med" len="med"/>
+                    </a:lnT>
+                    <a:lnB w="6350" cap="flat" cmpd="sng" algn="ctr">
+                      <a:solidFill>
+                        <a:srgbClr val="000000"/>
+                      </a:solidFill>
+                      <a:prstDash val="solid"/>
+                      <a:round/>
+                      <a:headEnd type="none" w="med" len="med"/>
+                      <a:tailEnd type="none" w="med" len="med"/>
+                    </a:lnB>
+                    <a:solidFill>
+                      <a:srgbClr val="E2EFDA"/>
+                    </a:solidFill>
+                  </a:tcPr>
+                </a:tc>
+                <a:tc>
+                  <a:txBody>
+                    <a:bodyPr/>
+                    <a:lstStyle/>
+                    <a:p>
+                      <a:pPr algn="ctr" fontAlgn="ctr"/>
+                      <a:endParaRPr lang="pt-BR" sz="1100" b="0" i="0" u="none" strike="noStrike">
+                        <a:solidFill>
+                          <a:srgbClr val="000000"/>
+                        </a:solidFill>
+                        <a:effectLst/>
+                        <a:latin typeface="Arial"/>
+                      </a:endParaRPr>
+                    </a:p>
+                  </a:txBody>
+                  <a:tcPr marL="9525" marR="9525" marT="9525" marB="0" anchor="ctr">
+                    <a:lnL w="6350" cap="flat" cmpd="sng" algn="ctr">
+                      <a:solidFill>
+                        <a:srgbClr val="000000"/>
+                      </a:solidFill>
+                      <a:prstDash val="solid"/>
+                      <a:round/>
+                      <a:headEnd type="none" w="med" len="med"/>
+                      <a:tailEnd type="none" w="med" len="med"/>
+                    </a:lnL>
+                    <a:lnR w="6350" cap="flat" cmpd="sng" algn="ctr">
+                      <a:solidFill>
+                        <a:srgbClr val="000000"/>
+                      </a:solidFill>
+                      <a:prstDash val="solid"/>
+                      <a:round/>
+                      <a:headEnd type="none" w="med" len="med"/>
+                      <a:tailEnd type="none" w="med" len="med"/>
+                    </a:lnR>
+                    <a:lnT w="6350" cap="flat" cmpd="sng" algn="ctr">
+                      <a:solidFill>
+                        <a:srgbClr val="000000"/>
+                      </a:solidFill>
+                      <a:prstDash val="solid"/>
+                      <a:round/>
+                      <a:headEnd type="none" w="med" len="med"/>
+                      <a:tailEnd type="none" w="med" len="med"/>
+                    </a:lnT>
+                    <a:lnB w="6350" cap="flat" cmpd="sng" algn="ctr">
+                      <a:solidFill>
+                        <a:srgbClr val="000000"/>
+                      </a:solidFill>
+                      <a:prstDash val="solid"/>
+                      <a:round/>
+                      <a:headEnd type="none" w="med" len="med"/>
+                      <a:tailEnd type="none" w="med" len="med"/>
+                    </a:lnB>
+                    <a:solidFill>
+                      <a:srgbClr val="E2EFDA"/>
+                    </a:solidFill>
+                  </a:tcPr>
+                </a:tc>
+                <a:tc>
+                  <a:txBody>
+                    <a:bodyPr/>
+                    <a:lstStyle/>
+                    <a:p>
+                      <a:pPr algn="ctr" fontAlgn="ctr"/>
+                      <a:endParaRPr lang="pt-BR" sz="1100" b="0" i="0" u="none" strike="noStrike">
+                        <a:solidFill>
+                          <a:srgbClr val="000000"/>
+                        </a:solidFill>
+                        <a:effectLst/>
+                        <a:latin typeface="Arial"/>
+                      </a:endParaRPr>
+                    </a:p>
+                  </a:txBody>
+                  <a:tcPr marL="9525" marR="9525" marT="9525" marB="0" anchor="ctr">
+                    <a:lnL w="6350" cap="flat" cmpd="sng" algn="ctr">
+                      <a:solidFill>
+                        <a:srgbClr val="000000"/>
+                      </a:solidFill>
+                      <a:prstDash val="solid"/>
+                      <a:round/>
+                      <a:headEnd type="none" w="med" len="med"/>
+                      <a:tailEnd type="none" w="med" len="med"/>
+                    </a:lnL>
+                    <a:lnR w="6350" cap="flat" cmpd="sng" algn="ctr">
+                      <a:solidFill>
+                        <a:srgbClr val="000000"/>
+                      </a:solidFill>
+                      <a:prstDash val="solid"/>
+                      <a:round/>
+                      <a:headEnd type="none" w="med" len="med"/>
+                      <a:tailEnd type="none" w="med" len="med"/>
+                    </a:lnR>
+                    <a:lnT w="6350" cap="flat" cmpd="sng" algn="ctr">
+                      <a:solidFill>
+                        <a:srgbClr val="000000"/>
+                      </a:solidFill>
+                      <a:prstDash val="solid"/>
+                      <a:round/>
+                      <a:headEnd type="none" w="med" len="med"/>
+                      <a:tailEnd type="none" w="med" len="med"/>
+                    </a:lnT>
+                    <a:lnB w="6350" cap="flat" cmpd="sng" algn="ctr">
+                      <a:solidFill>
+                        <a:srgbClr val="000000"/>
+                      </a:solidFill>
+                      <a:prstDash val="solid"/>
+                      <a:round/>
+                      <a:headEnd type="none" w="med" len="med"/>
+                      <a:tailEnd type="none" w="med" len="med"/>
+                    </a:lnB>
+                    <a:solidFill>
+                      <a:srgbClr val="E2EFDA"/>
+                    </a:solidFill>
+                  </a:tcPr>
+                </a:tc>
+                <a:tc>
+                  <a:txBody>
+                    <a:bodyPr/>
+                    <a:lstStyle/>
+                    <a:p>
+                      <a:pPr algn="ctr" fontAlgn="ctr"/>
+                      <a:endParaRPr lang="pt-BR" sz="1100" b="0" i="0" u="none" strike="noStrike">
+                        <a:solidFill>
+                          <a:srgbClr val="000000"/>
+                        </a:solidFill>
+                        <a:effectLst/>
+                        <a:latin typeface="Arial"/>
+                      </a:endParaRPr>
+                    </a:p>
+                  </a:txBody>
+                  <a:tcPr marL="9525" marR="9525" marT="9525" marB="0" anchor="ctr">
+                    <a:lnL w="6350" cap="flat" cmpd="sng" algn="ctr">
+                      <a:solidFill>
+                        <a:srgbClr val="000000"/>
+                      </a:solidFill>
+                      <a:prstDash val="solid"/>
+                      <a:round/>
+                      <a:headEnd type="none" w="med" len="med"/>
+                      <a:tailEnd type="none" w="med" len="med"/>
+                    </a:lnL>
+                    <a:lnR w="6350" cap="flat" cmpd="sng" algn="ctr">
+                      <a:solidFill>
+                        <a:srgbClr val="000000"/>
+                      </a:solidFill>
+                      <a:prstDash val="solid"/>
+                      <a:round/>
+                      <a:headEnd type="none" w="med" len="med"/>
+                      <a:tailEnd type="none" w="med" len="med"/>
+                    </a:lnR>
+                    <a:lnT w="6350" cap="flat" cmpd="sng" algn="ctr">
+                      <a:solidFill>
+                        <a:srgbClr val="000000"/>
+                      </a:solidFill>
+                      <a:prstDash val="solid"/>
+                      <a:round/>
+                      <a:headEnd type="none" w="med" len="med"/>
+                      <a:tailEnd type="none" w="med" len="med"/>
+                    </a:lnT>
+                    <a:lnB w="6350" cap="flat" cmpd="sng" algn="ctr">
+                      <a:solidFill>
+                        <a:srgbClr val="000000"/>
+                      </a:solidFill>
+                      <a:prstDash val="solid"/>
+                      <a:round/>
+                      <a:headEnd type="none" w="med" len="med"/>
+                      <a:tailEnd type="none" w="med" len="med"/>
+                    </a:lnB>
+                    <a:solidFill>
+                      <a:srgbClr val="D0CECE"/>
+                    </a:solidFill>
+                  </a:tcPr>
+                </a:tc>
+                <a:extLst>
+                  <a:ext uri="{0D108BD9-81ED-4DB2-BD59-A6C34878D82A}">
+                    <a16:rowId xmlns:a16="http://schemas.microsoft.com/office/drawing/2014/main" val="2728093465"/>
+                  </a:ext>
+                </a:extLst>
+              </a:tr>
+              <a:tr h="365760">
+                <a:tc vMerge="1">
+                  <a:txBody>
+                    <a:bodyPr/>
+                    <a:lstStyle/>
+                    <a:p>
+                      <a:endParaRPr lang="pt-BR"/>
+                    </a:p>
+                  </a:txBody>
+                  <a:tcPr/>
+                </a:tc>
+                <a:tc vMerge="1">
+                  <a:txBody>
+                    <a:bodyPr/>
+                    <a:lstStyle/>
+                    <a:p>
+                      <a:endParaRPr lang="pt-BR"/>
+                    </a:p>
+                  </a:txBody>
+                  <a:tcPr/>
+                </a:tc>
+                <a:tc>
+                  <a:txBody>
+                    <a:bodyPr/>
+                    <a:lstStyle/>
+                    <a:p>
+                      <a:pPr algn="ctr" fontAlgn="b"/>
+                      <a:r>
+                        <a:rPr lang="pt-BR" sz="1100" b="0" i="0" u="none" strike="noStrike">
+                          <a:solidFill>
+                            <a:srgbClr val="000000"/>
+                          </a:solidFill>
+                          <a:effectLst/>
+                          <a:latin typeface="Arial"/>
+                        </a:rPr>
+                        <a:t>2</a:t>
+                      </a:r>
+                    </a:p>
+                  </a:txBody>
+                  <a:tcPr marL="9525" marR="9525" marT="9525" marB="0" anchor="ctr">
+                    <a:lnL w="6350" cap="flat" cmpd="sng" algn="ctr">
+                      <a:solidFill>
+                        <a:srgbClr val="000000"/>
+                      </a:solidFill>
+                      <a:prstDash val="solid"/>
+                      <a:round/>
+                      <a:headEnd type="none" w="med" len="med"/>
+                      <a:tailEnd type="none" w="med" len="med"/>
+                    </a:lnL>
+                    <a:lnR w="6350" cap="flat" cmpd="sng" algn="ctr">
+                      <a:solidFill>
+                        <a:srgbClr val="000000"/>
+                      </a:solidFill>
+                      <a:prstDash val="solid"/>
+                      <a:round/>
+                      <a:headEnd type="none" w="med" len="med"/>
+                      <a:tailEnd type="none" w="med" len="med"/>
+                    </a:lnR>
+                    <a:lnT w="6350" cap="flat" cmpd="sng" algn="ctr">
+                      <a:solidFill>
+                        <a:srgbClr val="000000"/>
+                      </a:solidFill>
+                      <a:prstDash val="solid"/>
+                      <a:round/>
+                      <a:headEnd type="none" w="med" len="med"/>
+                      <a:tailEnd type="none" w="med" len="med"/>
+                    </a:lnT>
+                    <a:lnB w="6350" cap="flat" cmpd="sng" algn="ctr">
+                      <a:solidFill>
+                        <a:srgbClr val="000000"/>
+                      </a:solidFill>
+                      <a:prstDash val="solid"/>
+                      <a:round/>
+                      <a:headEnd type="none" w="med" len="med"/>
+                      <a:tailEnd type="none" w="med" len="med"/>
+                    </a:lnB>
+                  </a:tcPr>
+                </a:tc>
+                <a:tc>
+                  <a:txBody>
+                    <a:bodyPr/>
+                    <a:lstStyle/>
+                    <a:p>
+                      <a:pPr algn="l" fontAlgn="ctr"/>
+                      <a:r>
+                        <a:rPr lang="pt-BR" sz="1100" b="0" i="0" u="none" strike="noStrike">
+                          <a:solidFill>
+                            <a:srgbClr val="000000"/>
+                          </a:solidFill>
+                          <a:effectLst/>
+                          <a:latin typeface="Arial"/>
+                        </a:rPr>
+                        <a:t>Confecção envia resposta de orçamento</a:t>
+                      </a:r>
+                    </a:p>
+                  </a:txBody>
+                  <a:tcPr marL="9525" marR="9525" marT="9525" marB="0" anchor="ctr">
+                    <a:lnL w="6350" cap="flat" cmpd="sng" algn="ctr">
+                      <a:solidFill>
+                        <a:srgbClr val="000000"/>
+                      </a:solidFill>
+                      <a:prstDash val="solid"/>
+                      <a:round/>
+                      <a:headEnd type="none" w="med" len="med"/>
+                      <a:tailEnd type="none" w="med" len="med"/>
+                    </a:lnL>
+                    <a:lnR w="6350" cap="flat" cmpd="sng" algn="ctr">
+                      <a:solidFill>
+                        <a:srgbClr val="000000"/>
+                      </a:solidFill>
+                      <a:prstDash val="solid"/>
+                      <a:round/>
+                      <a:headEnd type="none" w="med" len="med"/>
+                      <a:tailEnd type="none" w="med" len="med"/>
+                    </a:lnR>
+                    <a:lnT w="6350" cap="flat" cmpd="sng" algn="ctr">
+                      <a:solidFill>
+                        <a:srgbClr val="000000"/>
+                      </a:solidFill>
+                      <a:prstDash val="solid"/>
+                      <a:round/>
+                      <a:headEnd type="none" w="med" len="med"/>
+                      <a:tailEnd type="none" w="med" len="med"/>
+                    </a:lnT>
+                    <a:lnB w="6350" cap="flat" cmpd="sng" algn="ctr">
+                      <a:solidFill>
+                        <a:srgbClr val="000000"/>
+                      </a:solidFill>
+                      <a:prstDash val="solid"/>
+                      <a:round/>
+                      <a:headEnd type="none" w="med" len="med"/>
+                      <a:tailEnd type="none" w="med" len="med"/>
+                    </a:lnB>
+                  </a:tcPr>
+                </a:tc>
+                <a:tc>
+                  <a:txBody>
+                    <a:bodyPr/>
+                    <a:lstStyle/>
+                    <a:p>
+                      <a:pPr algn="ctr" fontAlgn="ctr"/>
+                      <a:endParaRPr lang="pt-BR" sz="1100" b="0" i="0" u="none" strike="noStrike">
+                        <a:solidFill>
+                          <a:srgbClr val="000000"/>
+                        </a:solidFill>
+                        <a:effectLst/>
+                        <a:latin typeface="Arial"/>
+                      </a:endParaRPr>
+                    </a:p>
+                  </a:txBody>
+                  <a:tcPr marL="9525" marR="9525" marT="9525" marB="0" anchor="ctr">
+                    <a:lnL w="6350" cap="flat" cmpd="sng" algn="ctr">
+                      <a:solidFill>
+                        <a:srgbClr val="000000"/>
+                      </a:solidFill>
+                      <a:prstDash val="solid"/>
+                      <a:round/>
+                      <a:headEnd type="none" w="med" len="med"/>
+                      <a:tailEnd type="none" w="med" len="med"/>
+                    </a:lnL>
+                    <a:lnR w="6350" cap="flat" cmpd="sng" algn="ctr">
+                      <a:solidFill>
+                        <a:srgbClr val="000000"/>
+                      </a:solidFill>
+                      <a:prstDash val="solid"/>
+                      <a:round/>
+                      <a:headEnd type="none" w="med" len="med"/>
+                      <a:tailEnd type="none" w="med" len="med"/>
+                    </a:lnR>
+                    <a:lnT w="6350" cap="flat" cmpd="sng" algn="ctr">
+                      <a:solidFill>
+                        <a:srgbClr val="000000"/>
+                      </a:solidFill>
+                      <a:prstDash val="solid"/>
+                      <a:round/>
+                      <a:headEnd type="none" w="med" len="med"/>
+                      <a:tailEnd type="none" w="med" len="med"/>
+                    </a:lnT>
+                    <a:lnB w="6350" cap="flat" cmpd="sng" algn="ctr">
+                      <a:solidFill>
+                        <a:srgbClr val="000000"/>
+                      </a:solidFill>
+                      <a:prstDash val="solid"/>
+                      <a:round/>
+                      <a:headEnd type="none" w="med" len="med"/>
+                      <a:tailEnd type="none" w="med" len="med"/>
+                    </a:lnB>
+                    <a:solidFill>
+                      <a:srgbClr val="FCE4D6"/>
+                    </a:solidFill>
+                  </a:tcPr>
+                </a:tc>
+                <a:tc>
+                  <a:txBody>
+                    <a:bodyPr/>
+                    <a:lstStyle/>
+                    <a:p>
+                      <a:pPr algn="ctr" fontAlgn="ctr"/>
+                      <a:endParaRPr lang="pt-BR" sz="1100" b="0" i="0" u="none" strike="noStrike">
+                        <a:solidFill>
+                          <a:srgbClr val="000000"/>
+                        </a:solidFill>
+                        <a:effectLst/>
+                        <a:latin typeface="Arial"/>
+                      </a:endParaRPr>
+                    </a:p>
+                  </a:txBody>
+                  <a:tcPr marL="9525" marR="9525" marT="9525" marB="0" anchor="ctr">
+                    <a:lnL w="6350" cap="flat" cmpd="sng" algn="ctr">
+                      <a:solidFill>
+                        <a:srgbClr val="000000"/>
+                      </a:solidFill>
+                      <a:prstDash val="solid"/>
+                      <a:round/>
+                      <a:headEnd type="none" w="med" len="med"/>
+                      <a:tailEnd type="none" w="med" len="med"/>
+                    </a:lnL>
+                    <a:lnR w="6350" cap="flat" cmpd="sng" algn="ctr">
+                      <a:solidFill>
+                        <a:srgbClr val="000000"/>
+                      </a:solidFill>
+                      <a:prstDash val="solid"/>
+                      <a:round/>
+                      <a:headEnd type="none" w="med" len="med"/>
+                      <a:tailEnd type="none" w="med" len="med"/>
+                    </a:lnR>
+                    <a:lnT w="6350" cap="flat" cmpd="sng" algn="ctr">
+                      <a:solidFill>
+                        <a:srgbClr val="000000"/>
+                      </a:solidFill>
+                      <a:prstDash val="solid"/>
+                      <a:round/>
+                      <a:headEnd type="none" w="med" len="med"/>
+                      <a:tailEnd type="none" w="med" len="med"/>
+                    </a:lnT>
+                    <a:lnB w="6350" cap="flat" cmpd="sng" algn="ctr">
+                      <a:solidFill>
+                        <a:srgbClr val="000000"/>
+                      </a:solidFill>
+                      <a:prstDash val="solid"/>
+                      <a:round/>
+                      <a:headEnd type="none" w="med" len="med"/>
+                      <a:tailEnd type="none" w="med" len="med"/>
+                    </a:lnB>
+                    <a:solidFill>
+                      <a:srgbClr val="FCE4D6"/>
+                    </a:solidFill>
+                  </a:tcPr>
+                </a:tc>
+                <a:tc>
+                  <a:txBody>
+                    <a:bodyPr/>
+                    <a:lstStyle/>
+                    <a:p>
+                      <a:pPr algn="ctr" fontAlgn="ctr"/>
+                      <a:r>
+                        <a:rPr lang="pt-BR" sz="1100" b="0" i="0" u="none" strike="noStrike">
+                          <a:solidFill>
+                            <a:srgbClr val="000000"/>
+                          </a:solidFill>
+                          <a:effectLst/>
+                          <a:latin typeface="Arial"/>
+                        </a:rPr>
+                        <a:t>x(1)</a:t>
+                      </a:r>
+                    </a:p>
+                  </a:txBody>
+                  <a:tcPr marL="9525" marR="9525" marT="9525" marB="0" anchor="ctr">
+                    <a:lnL w="6350" cap="flat" cmpd="sng" algn="ctr">
+                      <a:solidFill>
+                        <a:srgbClr val="000000"/>
+                      </a:solidFill>
+                      <a:prstDash val="solid"/>
+                      <a:round/>
+                      <a:headEnd type="none" w="med" len="med"/>
+                      <a:tailEnd type="none" w="med" len="med"/>
+                    </a:lnL>
+                    <a:lnR w="6350" cap="flat" cmpd="sng" algn="ctr">
+                      <a:solidFill>
+                        <a:srgbClr val="000000"/>
+                      </a:solidFill>
+                      <a:prstDash val="solid"/>
+                      <a:round/>
+                      <a:headEnd type="none" w="med" len="med"/>
+                      <a:tailEnd type="none" w="med" len="med"/>
+                    </a:lnR>
+                    <a:lnT w="6350" cap="flat" cmpd="sng" algn="ctr">
+                      <a:solidFill>
+                        <a:srgbClr val="000000"/>
+                      </a:solidFill>
+                      <a:prstDash val="solid"/>
+                      <a:round/>
+                      <a:headEnd type="none" w="med" len="med"/>
+                      <a:tailEnd type="none" w="med" len="med"/>
+                    </a:lnT>
+                    <a:lnB w="6350" cap="flat" cmpd="sng" algn="ctr">
+                      <a:solidFill>
+                        <a:srgbClr val="000000"/>
+                      </a:solidFill>
+                      <a:prstDash val="solid"/>
+                      <a:round/>
+                      <a:headEnd type="none" w="med" len="med"/>
+                      <a:tailEnd type="none" w="med" len="med"/>
+                    </a:lnB>
+                    <a:solidFill>
+                      <a:srgbClr val="E2EFDA"/>
+                    </a:solidFill>
+                  </a:tcPr>
+                </a:tc>
+                <a:tc>
+                  <a:txBody>
+                    <a:bodyPr/>
+                    <a:lstStyle/>
+                    <a:p>
+                      <a:pPr algn="ctr" fontAlgn="ctr"/>
+                      <a:endParaRPr lang="pt-BR" sz="1100" b="0" i="0" u="none" strike="noStrike">
+                        <a:solidFill>
+                          <a:srgbClr val="000000"/>
+                        </a:solidFill>
+                        <a:effectLst/>
+                        <a:latin typeface="Arial"/>
+                      </a:endParaRPr>
+                    </a:p>
+                  </a:txBody>
+                  <a:tcPr marL="9525" marR="9525" marT="9525" marB="0" anchor="ctr">
+                    <a:lnL w="6350" cap="flat" cmpd="sng" algn="ctr">
+                      <a:solidFill>
+                        <a:srgbClr val="000000"/>
+                      </a:solidFill>
+                      <a:prstDash val="solid"/>
+                      <a:round/>
+                      <a:headEnd type="none" w="med" len="med"/>
+                      <a:tailEnd type="none" w="med" len="med"/>
+                    </a:lnL>
+                    <a:lnR w="6350" cap="flat" cmpd="sng" algn="ctr">
+                      <a:solidFill>
+                        <a:srgbClr val="000000"/>
+                      </a:solidFill>
+                      <a:prstDash val="solid"/>
+                      <a:round/>
+                      <a:headEnd type="none" w="med" len="med"/>
+                      <a:tailEnd type="none" w="med" len="med"/>
+                    </a:lnR>
+                    <a:lnT w="6350" cap="flat" cmpd="sng" algn="ctr">
+                      <a:solidFill>
+                        <a:srgbClr val="000000"/>
+                      </a:solidFill>
+                      <a:prstDash val="solid"/>
+                      <a:round/>
+                      <a:headEnd type="none" w="med" len="med"/>
+                      <a:tailEnd type="none" w="med" len="med"/>
+                    </a:lnT>
+                    <a:lnB w="6350" cap="flat" cmpd="sng" algn="ctr">
+                      <a:solidFill>
+                        <a:srgbClr val="000000"/>
+                      </a:solidFill>
+                      <a:prstDash val="solid"/>
+                      <a:round/>
+                      <a:headEnd type="none" w="med" len="med"/>
+                      <a:tailEnd type="none" w="med" len="med"/>
+                    </a:lnB>
+                    <a:solidFill>
+                      <a:srgbClr val="E2EFDA"/>
+                    </a:solidFill>
+                  </a:tcPr>
+                </a:tc>
+                <a:tc>
+                  <a:txBody>
+                    <a:bodyPr/>
+                    <a:lstStyle/>
+                    <a:p>
+                      <a:pPr algn="ctr" fontAlgn="ctr"/>
+                      <a:endParaRPr lang="pt-BR" sz="1100" b="0" i="0" u="none" strike="noStrike">
+                        <a:solidFill>
+                          <a:srgbClr val="000000"/>
+                        </a:solidFill>
+                        <a:effectLst/>
+                        <a:latin typeface="Arial"/>
+                      </a:endParaRPr>
+                    </a:p>
+                  </a:txBody>
+                  <a:tcPr marL="9525" marR="9525" marT="9525" marB="0" anchor="ctr">
+                    <a:lnL w="6350" cap="flat" cmpd="sng" algn="ctr">
+                      <a:solidFill>
+                        <a:srgbClr val="000000"/>
+                      </a:solidFill>
+                      <a:prstDash val="solid"/>
+                      <a:round/>
+                      <a:headEnd type="none" w="med" len="med"/>
+                      <a:tailEnd type="none" w="med" len="med"/>
+                    </a:lnL>
+                    <a:lnR w="6350" cap="flat" cmpd="sng" algn="ctr">
+                      <a:solidFill>
+                        <a:srgbClr val="000000"/>
+                      </a:solidFill>
+                      <a:prstDash val="solid"/>
+                      <a:round/>
+                      <a:headEnd type="none" w="med" len="med"/>
+                      <a:tailEnd type="none" w="med" len="med"/>
+                    </a:lnR>
+                    <a:lnT w="6350" cap="flat" cmpd="sng" algn="ctr">
+                      <a:solidFill>
+                        <a:srgbClr val="000000"/>
+                      </a:solidFill>
+                      <a:prstDash val="solid"/>
+                      <a:round/>
+                      <a:headEnd type="none" w="med" len="med"/>
+                      <a:tailEnd type="none" w="med" len="med"/>
+                    </a:lnT>
+                    <a:lnB w="6350" cap="flat" cmpd="sng" algn="ctr">
+                      <a:solidFill>
+                        <a:srgbClr val="000000"/>
+                      </a:solidFill>
+                      <a:prstDash val="solid"/>
+                      <a:round/>
+                      <a:headEnd type="none" w="med" len="med"/>
+                      <a:tailEnd type="none" w="med" len="med"/>
+                    </a:lnB>
+                    <a:solidFill>
+                      <a:srgbClr val="E2EFDA"/>
+                    </a:solidFill>
+                  </a:tcPr>
+                </a:tc>
+                <a:tc>
+                  <a:txBody>
+                    <a:bodyPr/>
+                    <a:lstStyle/>
+                    <a:p>
+                      <a:pPr algn="ctr" fontAlgn="ctr"/>
+                      <a:endParaRPr lang="pt-BR" sz="1100" b="0" i="0" u="none" strike="noStrike">
+                        <a:solidFill>
+                          <a:srgbClr val="000000"/>
+                        </a:solidFill>
+                        <a:effectLst/>
+                        <a:latin typeface="Arial"/>
+                      </a:endParaRPr>
+                    </a:p>
+                  </a:txBody>
+                  <a:tcPr marL="9525" marR="9525" marT="9525" marB="0" anchor="ctr">
+                    <a:lnL w="6350" cap="flat" cmpd="sng" algn="ctr">
+                      <a:solidFill>
+                        <a:srgbClr val="000000"/>
+                      </a:solidFill>
+                      <a:prstDash val="solid"/>
+                      <a:round/>
+                      <a:headEnd type="none" w="med" len="med"/>
+                      <a:tailEnd type="none" w="med" len="med"/>
+                    </a:lnL>
+                    <a:lnR w="6350" cap="flat" cmpd="sng" algn="ctr">
+                      <a:solidFill>
+                        <a:srgbClr val="000000"/>
+                      </a:solidFill>
+                      <a:prstDash val="solid"/>
+                      <a:round/>
+                      <a:headEnd type="none" w="med" len="med"/>
+                      <a:tailEnd type="none" w="med" len="med"/>
+                    </a:lnR>
+                    <a:lnT w="6350" cap="flat" cmpd="sng" algn="ctr">
+                      <a:solidFill>
+                        <a:srgbClr val="000000"/>
+                      </a:solidFill>
+                      <a:prstDash val="solid"/>
+                      <a:round/>
+                      <a:headEnd type="none" w="med" len="med"/>
+                      <a:tailEnd type="none" w="med" len="med"/>
+                    </a:lnT>
+                    <a:lnB w="6350" cap="flat" cmpd="sng" algn="ctr">
+                      <a:solidFill>
+                        <a:srgbClr val="000000"/>
+                      </a:solidFill>
+                      <a:prstDash val="solid"/>
+                      <a:round/>
+                      <a:headEnd type="none" w="med" len="med"/>
+                      <a:tailEnd type="none" w="med" len="med"/>
+                    </a:lnB>
+                    <a:solidFill>
+                      <a:srgbClr val="D0CECE"/>
+                    </a:solidFill>
+                  </a:tcPr>
+                </a:tc>
+                <a:extLst>
+                  <a:ext uri="{0D108BD9-81ED-4DB2-BD59-A6C34878D82A}">
+                    <a16:rowId xmlns:a16="http://schemas.microsoft.com/office/drawing/2014/main" val="1109752189"/>
+                  </a:ext>
+                </a:extLst>
+              </a:tr>
+              <a:tr h="365760">
+                <a:tc vMerge="1">
+                  <a:txBody>
+                    <a:bodyPr/>
+                    <a:lstStyle/>
+                    <a:p>
+                      <a:endParaRPr lang="pt-BR"/>
+                    </a:p>
+                  </a:txBody>
+                  <a:tcPr/>
+                </a:tc>
+                <a:tc vMerge="1">
+                  <a:txBody>
+                    <a:bodyPr/>
+                    <a:lstStyle/>
+                    <a:p>
+                      <a:endParaRPr lang="pt-BR"/>
+                    </a:p>
+                  </a:txBody>
+                  <a:tcPr/>
+                </a:tc>
+                <a:tc>
+                  <a:txBody>
+                    <a:bodyPr/>
+                    <a:lstStyle/>
+                    <a:p>
+                      <a:pPr algn="ctr" fontAlgn="b"/>
+                      <a:r>
+                        <a:rPr lang="pt-BR" sz="1100" b="0" i="0" u="none" strike="noStrike">
+                          <a:solidFill>
+                            <a:srgbClr val="000000"/>
+                          </a:solidFill>
+                          <a:effectLst/>
+                          <a:latin typeface="Arial"/>
+                        </a:rPr>
+                        <a:t>3</a:t>
+                      </a:r>
+                    </a:p>
+                  </a:txBody>
+                  <a:tcPr marL="9525" marR="9525" marT="9525" marB="0" anchor="ctr">
+                    <a:lnL w="6350" cap="flat" cmpd="sng" algn="ctr">
+                      <a:solidFill>
+                        <a:srgbClr val="000000"/>
+                      </a:solidFill>
+                      <a:prstDash val="solid"/>
+                      <a:round/>
+                      <a:headEnd type="none" w="med" len="med"/>
+                      <a:tailEnd type="none" w="med" len="med"/>
+                    </a:lnL>
+                    <a:lnR w="6350" cap="flat" cmpd="sng" algn="ctr">
+                      <a:solidFill>
+                        <a:srgbClr val="000000"/>
+                      </a:solidFill>
+                      <a:prstDash val="solid"/>
+                      <a:round/>
+                      <a:headEnd type="none" w="med" len="med"/>
+                      <a:tailEnd type="none" w="med" len="med"/>
+                    </a:lnR>
+                    <a:lnT w="6350" cap="flat" cmpd="sng" algn="ctr">
+                      <a:solidFill>
+                        <a:srgbClr val="000000"/>
+                      </a:solidFill>
+                      <a:prstDash val="solid"/>
+                      <a:round/>
+                      <a:headEnd type="none" w="med" len="med"/>
+                      <a:tailEnd type="none" w="med" len="med"/>
+                    </a:lnT>
+                    <a:lnB w="6350" cap="flat" cmpd="sng" algn="ctr">
+                      <a:solidFill>
+                        <a:srgbClr val="000000"/>
+                      </a:solidFill>
+                      <a:prstDash val="solid"/>
+                      <a:round/>
+                      <a:headEnd type="none" w="med" len="med"/>
+                      <a:tailEnd type="none" w="med" len="med"/>
+                    </a:lnB>
+                  </a:tcPr>
+                </a:tc>
+                <a:tc>
+                  <a:txBody>
+                    <a:bodyPr/>
+                    <a:lstStyle/>
+                    <a:p>
+                      <a:pPr algn="l" fontAlgn="ctr"/>
+                      <a:r>
+                        <a:rPr lang="pt-BR" sz="1100" b="0" i="0" u="none" strike="noStrike">
+                          <a:solidFill>
+                            <a:srgbClr val="000000"/>
+                          </a:solidFill>
+                          <a:effectLst/>
+                          <a:latin typeface="Arial"/>
+                        </a:rPr>
+                        <a:t>Cliente aceita resposta ao orçamento</a:t>
+                      </a:r>
+                    </a:p>
+                  </a:txBody>
+                  <a:tcPr marL="9525" marR="9525" marT="9525" marB="0" anchor="ctr">
+                    <a:lnL w="6350" cap="flat" cmpd="sng" algn="ctr">
+                      <a:solidFill>
+                        <a:srgbClr val="000000"/>
+                      </a:solidFill>
+                      <a:prstDash val="solid"/>
+                      <a:round/>
+                      <a:headEnd type="none" w="med" len="med"/>
+                      <a:tailEnd type="none" w="med" len="med"/>
+                    </a:lnL>
+                    <a:lnR w="6350" cap="flat" cmpd="sng" algn="ctr">
+                      <a:solidFill>
+                        <a:srgbClr val="000000"/>
+                      </a:solidFill>
+                      <a:prstDash val="solid"/>
+                      <a:round/>
+                      <a:headEnd type="none" w="med" len="med"/>
+                      <a:tailEnd type="none" w="med" len="med"/>
+                    </a:lnR>
+                    <a:lnT w="6350" cap="flat" cmpd="sng" algn="ctr">
+                      <a:solidFill>
+                        <a:srgbClr val="000000"/>
+                      </a:solidFill>
+                      <a:prstDash val="solid"/>
+                      <a:round/>
+                      <a:headEnd type="none" w="med" len="med"/>
+                      <a:tailEnd type="none" w="med" len="med"/>
+                    </a:lnT>
+                    <a:lnB w="6350" cap="flat" cmpd="sng" algn="ctr">
+                      <a:solidFill>
+                        <a:srgbClr val="000000"/>
+                      </a:solidFill>
+                      <a:prstDash val="solid"/>
+                      <a:round/>
+                      <a:headEnd type="none" w="med" len="med"/>
+                      <a:tailEnd type="none" w="med" len="med"/>
+                    </a:lnB>
+                  </a:tcPr>
+                </a:tc>
+                <a:tc>
+                  <a:txBody>
+                    <a:bodyPr/>
+                    <a:lstStyle/>
+                    <a:p>
+                      <a:pPr algn="ctr" fontAlgn="ctr"/>
+                      <a:r>
+                        <a:rPr lang="pt-BR" sz="1100" b="0" i="0" u="none" strike="noStrike">
+                          <a:solidFill>
+                            <a:srgbClr val="000000"/>
+                          </a:solidFill>
+                          <a:effectLst/>
+                          <a:latin typeface="Arial"/>
+                        </a:rPr>
+                        <a:t>x(2)</a:t>
+                      </a:r>
+                    </a:p>
+                  </a:txBody>
+                  <a:tcPr marL="9525" marR="9525" marT="9525" marB="0" anchor="ctr">
+                    <a:lnL w="6350" cap="flat" cmpd="sng" algn="ctr">
+                      <a:solidFill>
+                        <a:srgbClr val="000000"/>
+                      </a:solidFill>
+                      <a:prstDash val="solid"/>
+                      <a:round/>
+                      <a:headEnd type="none" w="med" len="med"/>
+                      <a:tailEnd type="none" w="med" len="med"/>
+                    </a:lnL>
+                    <a:lnR w="6350" cap="flat" cmpd="sng" algn="ctr">
+                      <a:solidFill>
+                        <a:srgbClr val="000000"/>
+                      </a:solidFill>
+                      <a:prstDash val="solid"/>
+                      <a:round/>
+                      <a:headEnd type="none" w="med" len="med"/>
+                      <a:tailEnd type="none" w="med" len="med"/>
+                    </a:lnR>
+                    <a:lnT w="6350" cap="flat" cmpd="sng" algn="ctr">
+                      <a:solidFill>
+                        <a:srgbClr val="000000"/>
+                      </a:solidFill>
+                      <a:prstDash val="solid"/>
+                      <a:round/>
+                      <a:headEnd type="none" w="med" len="med"/>
+                      <a:tailEnd type="none" w="med" len="med"/>
+                    </a:lnT>
+                    <a:lnB w="6350" cap="flat" cmpd="sng" algn="ctr">
+                      <a:solidFill>
+                        <a:srgbClr val="000000"/>
+                      </a:solidFill>
+                      <a:prstDash val="solid"/>
+                      <a:round/>
+                      <a:headEnd type="none" w="med" len="med"/>
+                      <a:tailEnd type="none" w="med" len="med"/>
+                    </a:lnB>
+                    <a:solidFill>
+                      <a:srgbClr val="FCE4D6"/>
+                    </a:solidFill>
+                  </a:tcPr>
+                </a:tc>
+                <a:tc>
+                  <a:txBody>
+                    <a:bodyPr/>
+                    <a:lstStyle/>
+                    <a:p>
+                      <a:pPr algn="ctr" fontAlgn="ctr"/>
+                      <a:endParaRPr lang="pt-BR" sz="1100" b="0" i="0" u="none" strike="noStrike">
+                        <a:solidFill>
+                          <a:srgbClr val="000000"/>
+                        </a:solidFill>
+                        <a:effectLst/>
+                        <a:latin typeface="Arial"/>
+                      </a:endParaRPr>
+                    </a:p>
+                  </a:txBody>
+                  <a:tcPr marL="9525" marR="9525" marT="9525" marB="0" anchor="ctr">
+                    <a:lnL w="6350" cap="flat" cmpd="sng" algn="ctr">
+                      <a:solidFill>
+                        <a:srgbClr val="000000"/>
+                      </a:solidFill>
+                      <a:prstDash val="solid"/>
+                      <a:round/>
+                      <a:headEnd type="none" w="med" len="med"/>
+                      <a:tailEnd type="none" w="med" len="med"/>
+                    </a:lnL>
+                    <a:lnR w="6350" cap="flat" cmpd="sng" algn="ctr">
+                      <a:solidFill>
+                        <a:srgbClr val="000000"/>
+                      </a:solidFill>
+                      <a:prstDash val="solid"/>
+                      <a:round/>
+                      <a:headEnd type="none" w="med" len="med"/>
+                      <a:tailEnd type="none" w="med" len="med"/>
+                    </a:lnR>
+                    <a:lnT w="6350" cap="flat" cmpd="sng" algn="ctr">
+                      <a:solidFill>
+                        <a:srgbClr val="000000"/>
+                      </a:solidFill>
+                      <a:prstDash val="solid"/>
+                      <a:round/>
+                      <a:headEnd type="none" w="med" len="med"/>
+                      <a:tailEnd type="none" w="med" len="med"/>
+                    </a:lnT>
+                    <a:lnB w="6350" cap="flat" cmpd="sng" algn="ctr">
+                      <a:solidFill>
+                        <a:srgbClr val="000000"/>
+                      </a:solidFill>
+                      <a:prstDash val="solid"/>
+                      <a:round/>
+                      <a:headEnd type="none" w="med" len="med"/>
+                      <a:tailEnd type="none" w="med" len="med"/>
+                    </a:lnB>
+                    <a:solidFill>
+                      <a:srgbClr val="FCE4D6"/>
+                    </a:solidFill>
+                  </a:tcPr>
+                </a:tc>
+                <a:tc>
+                  <a:txBody>
+                    <a:bodyPr/>
+                    <a:lstStyle/>
+                    <a:p>
+                      <a:pPr algn="ctr" fontAlgn="ctr"/>
+                      <a:endParaRPr lang="pt-BR" sz="1100" b="0" i="0" u="none" strike="noStrike">
+                        <a:solidFill>
+                          <a:srgbClr val="000000"/>
+                        </a:solidFill>
+                        <a:effectLst/>
+                        <a:latin typeface="Arial"/>
+                      </a:endParaRPr>
+                    </a:p>
+                  </a:txBody>
+                  <a:tcPr marL="9525" marR="9525" marT="9525" marB="0" anchor="ctr">
+                    <a:lnL w="6350" cap="flat" cmpd="sng" algn="ctr">
+                      <a:solidFill>
+                        <a:srgbClr val="000000"/>
+                      </a:solidFill>
+                      <a:prstDash val="solid"/>
+                      <a:round/>
+                      <a:headEnd type="none" w="med" len="med"/>
+                      <a:tailEnd type="none" w="med" len="med"/>
+                    </a:lnL>
+                    <a:lnR w="6350" cap="flat" cmpd="sng" algn="ctr">
+                      <a:solidFill>
+                        <a:srgbClr val="000000"/>
+                      </a:solidFill>
+                      <a:prstDash val="solid"/>
+                      <a:round/>
+                      <a:headEnd type="none" w="med" len="med"/>
+                      <a:tailEnd type="none" w="med" len="med"/>
+                    </a:lnR>
+                    <a:lnT w="6350" cap="flat" cmpd="sng" algn="ctr">
+                      <a:solidFill>
+                        <a:srgbClr val="000000"/>
+                      </a:solidFill>
+                      <a:prstDash val="solid"/>
+                      <a:round/>
+                      <a:headEnd type="none" w="med" len="med"/>
+                      <a:tailEnd type="none" w="med" len="med"/>
+                    </a:lnT>
+                    <a:lnB w="6350" cap="flat" cmpd="sng" algn="ctr">
+                      <a:solidFill>
+                        <a:srgbClr val="000000"/>
+                      </a:solidFill>
+                      <a:prstDash val="solid"/>
+                      <a:round/>
+                      <a:headEnd type="none" w="med" len="med"/>
+                      <a:tailEnd type="none" w="med" len="med"/>
+                    </a:lnB>
+                    <a:solidFill>
+                      <a:srgbClr val="E2EFDA"/>
+                    </a:solidFill>
+                  </a:tcPr>
+                </a:tc>
+                <a:tc>
+                  <a:txBody>
+                    <a:bodyPr/>
+                    <a:lstStyle/>
+                    <a:p>
+                      <a:pPr algn="ctr" fontAlgn="ctr"/>
+                      <a:endParaRPr lang="pt-BR" sz="1100" b="0" i="0" u="none" strike="noStrike">
+                        <a:solidFill>
+                          <a:srgbClr val="000000"/>
+                        </a:solidFill>
+                        <a:effectLst/>
+                        <a:latin typeface="Arial"/>
+                      </a:endParaRPr>
+                    </a:p>
+                  </a:txBody>
+                  <a:tcPr marL="9525" marR="9525" marT="9525" marB="0" anchor="ctr">
+                    <a:lnL w="6350" cap="flat" cmpd="sng" algn="ctr">
+                      <a:solidFill>
+                        <a:srgbClr val="000000"/>
+                      </a:solidFill>
+                      <a:prstDash val="solid"/>
+                      <a:round/>
+                      <a:headEnd type="none" w="med" len="med"/>
+                      <a:tailEnd type="none" w="med" len="med"/>
+                    </a:lnL>
+                    <a:lnR w="6350" cap="flat" cmpd="sng" algn="ctr">
+                      <a:solidFill>
+                        <a:srgbClr val="000000"/>
+                      </a:solidFill>
+                      <a:prstDash val="solid"/>
+                      <a:round/>
+                      <a:headEnd type="none" w="med" len="med"/>
+                      <a:tailEnd type="none" w="med" len="med"/>
+                    </a:lnR>
+                    <a:lnT w="6350" cap="flat" cmpd="sng" algn="ctr">
+                      <a:solidFill>
+                        <a:srgbClr val="000000"/>
+                      </a:solidFill>
+                      <a:prstDash val="solid"/>
+                      <a:round/>
+                      <a:headEnd type="none" w="med" len="med"/>
+                      <a:tailEnd type="none" w="med" len="med"/>
+                    </a:lnT>
+                    <a:lnB w="6350" cap="flat" cmpd="sng" algn="ctr">
+                      <a:solidFill>
+                        <a:srgbClr val="000000"/>
+                      </a:solidFill>
+                      <a:prstDash val="solid"/>
+                      <a:round/>
+                      <a:headEnd type="none" w="med" len="med"/>
+                      <a:tailEnd type="none" w="med" len="med"/>
+                    </a:lnB>
+                    <a:solidFill>
+                      <a:srgbClr val="E2EFDA"/>
+                    </a:solidFill>
+                  </a:tcPr>
+                </a:tc>
+                <a:tc>
+                  <a:txBody>
+                    <a:bodyPr/>
+                    <a:lstStyle/>
+                    <a:p>
+                      <a:pPr algn="ctr" fontAlgn="ctr"/>
+                      <a:endParaRPr lang="pt-BR" sz="1100" b="0" i="0" u="none" strike="noStrike">
+                        <a:solidFill>
+                          <a:srgbClr val="000000"/>
+                        </a:solidFill>
+                        <a:effectLst/>
+                        <a:latin typeface="Arial"/>
+                      </a:endParaRPr>
+                    </a:p>
+                  </a:txBody>
+                  <a:tcPr marL="9525" marR="9525" marT="9525" marB="0" anchor="ctr">
+                    <a:lnL w="6350" cap="flat" cmpd="sng" algn="ctr">
+                      <a:solidFill>
+                        <a:srgbClr val="000000"/>
+                      </a:solidFill>
+                      <a:prstDash val="solid"/>
+                      <a:round/>
+                      <a:headEnd type="none" w="med" len="med"/>
+                      <a:tailEnd type="none" w="med" len="med"/>
+                    </a:lnL>
+                    <a:lnR w="6350" cap="flat" cmpd="sng" algn="ctr">
+                      <a:solidFill>
+                        <a:srgbClr val="000000"/>
+                      </a:solidFill>
+                      <a:prstDash val="solid"/>
+                      <a:round/>
+                      <a:headEnd type="none" w="med" len="med"/>
+                      <a:tailEnd type="none" w="med" len="med"/>
+                    </a:lnR>
+                    <a:lnT w="6350" cap="flat" cmpd="sng" algn="ctr">
+                      <a:solidFill>
+                        <a:srgbClr val="000000"/>
+                      </a:solidFill>
+                      <a:prstDash val="solid"/>
+                      <a:round/>
+                      <a:headEnd type="none" w="med" len="med"/>
+                      <a:tailEnd type="none" w="med" len="med"/>
+                    </a:lnT>
+                    <a:lnB w="6350" cap="flat" cmpd="sng" algn="ctr">
+                      <a:solidFill>
+                        <a:srgbClr val="000000"/>
+                      </a:solidFill>
+                      <a:prstDash val="solid"/>
+                      <a:round/>
+                      <a:headEnd type="none" w="med" len="med"/>
+                      <a:tailEnd type="none" w="med" len="med"/>
+                    </a:lnB>
+                    <a:solidFill>
+                      <a:srgbClr val="E2EFDA"/>
+                    </a:solidFill>
+                  </a:tcPr>
+                </a:tc>
+                <a:tc>
+                  <a:txBody>
+                    <a:bodyPr/>
+                    <a:lstStyle/>
+                    <a:p>
+                      <a:pPr algn="ctr" fontAlgn="ctr"/>
+                      <a:endParaRPr lang="pt-BR" sz="1100" b="0" i="0" u="none" strike="noStrike">
+                        <a:solidFill>
+                          <a:srgbClr val="000000"/>
+                        </a:solidFill>
+                        <a:effectLst/>
+                        <a:latin typeface="Arial"/>
+                      </a:endParaRPr>
+                    </a:p>
+                  </a:txBody>
+                  <a:tcPr marL="9525" marR="9525" marT="9525" marB="0" anchor="ctr">
+                    <a:lnL w="6350" cap="flat" cmpd="sng" algn="ctr">
+                      <a:solidFill>
+                        <a:srgbClr val="000000"/>
+                      </a:solidFill>
+                      <a:prstDash val="solid"/>
+                      <a:round/>
+                      <a:headEnd type="none" w="med" len="med"/>
+                      <a:tailEnd type="none" w="med" len="med"/>
+                    </a:lnL>
+                    <a:lnR w="6350" cap="flat" cmpd="sng" algn="ctr">
+                      <a:solidFill>
+                        <a:srgbClr val="000000"/>
+                      </a:solidFill>
+                      <a:prstDash val="solid"/>
+                      <a:round/>
+                      <a:headEnd type="none" w="med" len="med"/>
+                      <a:tailEnd type="none" w="med" len="med"/>
+                    </a:lnR>
+                    <a:lnT w="6350" cap="flat" cmpd="sng" algn="ctr">
+                      <a:solidFill>
+                        <a:srgbClr val="000000"/>
+                      </a:solidFill>
+                      <a:prstDash val="solid"/>
+                      <a:round/>
+                      <a:headEnd type="none" w="med" len="med"/>
+                      <a:tailEnd type="none" w="med" len="med"/>
+                    </a:lnT>
+                    <a:lnB w="6350" cap="flat" cmpd="sng" algn="ctr">
+                      <a:solidFill>
+                        <a:srgbClr val="000000"/>
+                      </a:solidFill>
+                      <a:prstDash val="solid"/>
+                      <a:round/>
+                      <a:headEnd type="none" w="med" len="med"/>
+                      <a:tailEnd type="none" w="med" len="med"/>
+                    </a:lnB>
+                    <a:solidFill>
+                      <a:srgbClr val="D0CECE"/>
+                    </a:solidFill>
+                  </a:tcPr>
+                </a:tc>
+                <a:extLst>
+                  <a:ext uri="{0D108BD9-81ED-4DB2-BD59-A6C34878D82A}">
+                    <a16:rowId xmlns:a16="http://schemas.microsoft.com/office/drawing/2014/main" val="1080411680"/>
+                  </a:ext>
+                </a:extLst>
+              </a:tr>
+              <a:tr h="365760">
+                <a:tc rowSpan="5">
                   <a:txBody>
                     <a:bodyPr/>
                     <a:lstStyle/>
@@ -5157,13 +6729,13 @@
                             <a:srgbClr val="000000"/>
                           </a:solidFill>
                           <a:effectLst/>
-                          <a:latin typeface="Calibri"/>
+                          <a:latin typeface="Arial"/>
                         </a:rPr>
-                        <a:t>X</a:t>
+                        <a:t>Cancelar o pedido</a:t>
                       </a:r>
                     </a:p>
                   </a:txBody>
-                  <a:tcPr marL="9525" marR="9525" marT="9525" marB="0" anchor="ctr">
+                  <a:tcPr marL="9525" marR="9525" marT="9525" marB="0" vert="vert270" anchor="ctr">
                     <a:lnL w="6350" cap="flat" cmpd="sng" algn="ctr">
                       <a:solidFill>
                         <a:srgbClr val="000000"/>
@@ -5201,256 +6773,11 @@
                       <a:tailEnd type="none" w="med" len="med"/>
                     </a:lnB>
                     <a:solidFill>
-                      <a:srgbClr val="FFCC99"/>
+                      <a:srgbClr val="00B0F0"/>
                     </a:solidFill>
                   </a:tcPr>
                 </a:tc>
-                <a:tc>
-                  <a:txBody>
-                    <a:bodyPr/>
-                    <a:lstStyle/>
-                    <a:p>
-                      <a:pPr algn="ctr" fontAlgn="ctr"/>
-                      <a:endParaRPr lang="pt-BR" sz="1100" b="1" i="0" u="none" strike="noStrike">
-                        <a:solidFill>
-                          <a:srgbClr val="006100"/>
-                        </a:solidFill>
-                        <a:effectLst/>
-                        <a:latin typeface="Calibri"/>
-                      </a:endParaRPr>
-                    </a:p>
-                  </a:txBody>
-                  <a:tcPr marL="9525" marR="9525" marT="9525" marB="0" anchor="ctr">
-                    <a:lnL w="6350" cap="flat" cmpd="sng" algn="ctr">
-                      <a:solidFill>
-                        <a:srgbClr val="000000"/>
-                      </a:solidFill>
-                      <a:prstDash val="solid"/>
-                      <a:round/>
-                      <a:headEnd type="none" w="med" len="med"/>
-                      <a:tailEnd type="none" w="med" len="med"/>
-                    </a:lnL>
-                    <a:lnR w="6350" cap="flat" cmpd="sng" algn="ctr">
-                      <a:solidFill>
-                        <a:srgbClr val="000000"/>
-                      </a:solidFill>
-                      <a:prstDash val="solid"/>
-                      <a:round/>
-                      <a:headEnd type="none" w="med" len="med"/>
-                      <a:tailEnd type="none" w="med" len="med"/>
-                    </a:lnR>
-                    <a:lnT w="6350" cap="flat" cmpd="sng" algn="ctr">
-                      <a:solidFill>
-                        <a:srgbClr val="000000"/>
-                      </a:solidFill>
-                      <a:prstDash val="solid"/>
-                      <a:round/>
-                      <a:headEnd type="none" w="med" len="med"/>
-                      <a:tailEnd type="none" w="med" len="med"/>
-                    </a:lnT>
-                    <a:lnB w="6350" cap="flat" cmpd="sng" algn="ctr">
-                      <a:solidFill>
-                        <a:srgbClr val="000000"/>
-                      </a:solidFill>
-                      <a:prstDash val="solid"/>
-                      <a:round/>
-                      <a:headEnd type="none" w="med" len="med"/>
-                      <a:tailEnd type="none" w="med" len="med"/>
-                    </a:lnB>
-                    <a:solidFill>
-                      <a:srgbClr val="C6EFCE"/>
-                    </a:solidFill>
-                  </a:tcPr>
-                </a:tc>
-                <a:tc>
-                  <a:txBody>
-                    <a:bodyPr/>
-                    <a:lstStyle/>
-                    <a:p>
-                      <a:pPr algn="ctr" fontAlgn="ctr"/>
-                      <a:endParaRPr lang="pt-BR" sz="1100" b="1" i="0" u="none" strike="noStrike">
-                        <a:solidFill>
-                          <a:srgbClr val="006100"/>
-                        </a:solidFill>
-                        <a:effectLst/>
-                        <a:latin typeface="Calibri"/>
-                      </a:endParaRPr>
-                    </a:p>
-                  </a:txBody>
-                  <a:tcPr marL="9525" marR="9525" marT="9525" marB="0" anchor="ctr">
-                    <a:lnL w="6350" cap="flat" cmpd="sng" algn="ctr">
-                      <a:solidFill>
-                        <a:srgbClr val="000000"/>
-                      </a:solidFill>
-                      <a:prstDash val="solid"/>
-                      <a:round/>
-                      <a:headEnd type="none" w="med" len="med"/>
-                      <a:tailEnd type="none" w="med" len="med"/>
-                    </a:lnL>
-                    <a:lnR w="6350" cap="flat" cmpd="sng" algn="ctr">
-                      <a:solidFill>
-                        <a:srgbClr val="000000"/>
-                      </a:solidFill>
-                      <a:prstDash val="solid"/>
-                      <a:round/>
-                      <a:headEnd type="none" w="med" len="med"/>
-                      <a:tailEnd type="none" w="med" len="med"/>
-                    </a:lnR>
-                    <a:lnT w="6350" cap="flat" cmpd="sng" algn="ctr">
-                      <a:solidFill>
-                        <a:srgbClr val="000000"/>
-                      </a:solidFill>
-                      <a:prstDash val="solid"/>
-                      <a:round/>
-                      <a:headEnd type="none" w="med" len="med"/>
-                      <a:tailEnd type="none" w="med" len="med"/>
-                    </a:lnT>
-                    <a:lnB w="6350" cap="flat" cmpd="sng" algn="ctr">
-                      <a:solidFill>
-                        <a:srgbClr val="000000"/>
-                      </a:solidFill>
-                      <a:prstDash val="solid"/>
-                      <a:round/>
-                      <a:headEnd type="none" w="med" len="med"/>
-                      <a:tailEnd type="none" w="med" len="med"/>
-                    </a:lnB>
-                    <a:solidFill>
-                      <a:srgbClr val="C6EFCE"/>
-                    </a:solidFill>
-                  </a:tcPr>
-                </a:tc>
-                <a:tc>
-                  <a:txBody>
-                    <a:bodyPr/>
-                    <a:lstStyle/>
-                    <a:p>
-                      <a:pPr algn="ctr" fontAlgn="ctr"/>
-                      <a:endParaRPr lang="pt-BR" sz="1100" b="1" i="0" u="none" strike="noStrike">
-                        <a:solidFill>
-                          <a:srgbClr val="006100"/>
-                        </a:solidFill>
-                        <a:effectLst/>
-                        <a:latin typeface="Calibri"/>
-                      </a:endParaRPr>
-                    </a:p>
-                  </a:txBody>
-                  <a:tcPr marL="9525" marR="9525" marT="9525" marB="0" anchor="ctr">
-                    <a:lnL w="6350" cap="flat" cmpd="sng" algn="ctr">
-                      <a:solidFill>
-                        <a:srgbClr val="000000"/>
-                      </a:solidFill>
-                      <a:prstDash val="solid"/>
-                      <a:round/>
-                      <a:headEnd type="none" w="med" len="med"/>
-                      <a:tailEnd type="none" w="med" len="med"/>
-                    </a:lnL>
-                    <a:lnR w="6350" cap="flat" cmpd="sng" algn="ctr">
-                      <a:solidFill>
-                        <a:srgbClr val="000000"/>
-                      </a:solidFill>
-                      <a:prstDash val="solid"/>
-                      <a:round/>
-                      <a:headEnd type="none" w="med" len="med"/>
-                      <a:tailEnd type="none" w="med" len="med"/>
-                    </a:lnR>
-                    <a:lnT w="6350" cap="flat" cmpd="sng" algn="ctr">
-                      <a:solidFill>
-                        <a:srgbClr val="000000"/>
-                      </a:solidFill>
-                      <a:prstDash val="solid"/>
-                      <a:round/>
-                      <a:headEnd type="none" w="med" len="med"/>
-                      <a:tailEnd type="none" w="med" len="med"/>
-                    </a:lnT>
-                    <a:lnB w="6350" cap="flat" cmpd="sng" algn="ctr">
-                      <a:solidFill>
-                        <a:srgbClr val="000000"/>
-                      </a:solidFill>
-                      <a:prstDash val="solid"/>
-                      <a:round/>
-                      <a:headEnd type="none" w="med" len="med"/>
-                      <a:tailEnd type="none" w="med" len="med"/>
-                    </a:lnB>
-                    <a:solidFill>
-                      <a:srgbClr val="C6EFCE"/>
-                    </a:solidFill>
-                  </a:tcPr>
-                </a:tc>
-                <a:tc>
-                  <a:txBody>
-                    <a:bodyPr/>
-                    <a:lstStyle/>
-                    <a:p>
-                      <a:pPr algn="ctr" fontAlgn="ctr"/>
-                      <a:endParaRPr lang="pt-BR" sz="1100" b="1" i="0" u="none" strike="noStrike">
-                        <a:solidFill>
-                          <a:srgbClr val="000000"/>
-                        </a:solidFill>
-                        <a:effectLst/>
-                        <a:latin typeface="Arial"/>
-                      </a:endParaRPr>
-                    </a:p>
-                  </a:txBody>
-                  <a:tcPr marL="9525" marR="9525" marT="9525" marB="0" anchor="ctr">
-                    <a:lnL w="6350" cap="flat" cmpd="sng" algn="ctr">
-                      <a:solidFill>
-                        <a:srgbClr val="000000"/>
-                      </a:solidFill>
-                      <a:prstDash val="solid"/>
-                      <a:round/>
-                      <a:headEnd type="none" w="med" len="med"/>
-                      <a:tailEnd type="none" w="med" len="med"/>
-                    </a:lnL>
-                    <a:lnR w="6350" cap="flat" cmpd="sng" algn="ctr">
-                      <a:solidFill>
-                        <a:srgbClr val="000000"/>
-                      </a:solidFill>
-                      <a:prstDash val="solid"/>
-                      <a:round/>
-                      <a:headEnd type="none" w="med" len="med"/>
-                      <a:tailEnd type="none" w="med" len="med"/>
-                    </a:lnR>
-                    <a:lnT w="6350" cap="flat" cmpd="sng" algn="ctr">
-                      <a:solidFill>
-                        <a:srgbClr val="000000"/>
-                      </a:solidFill>
-                      <a:prstDash val="solid"/>
-                      <a:round/>
-                      <a:headEnd type="none" w="med" len="med"/>
-                      <a:tailEnd type="none" w="med" len="med"/>
-                    </a:lnT>
-                    <a:lnB w="6350" cap="flat" cmpd="sng" algn="ctr">
-                      <a:solidFill>
-                        <a:srgbClr val="000000"/>
-                      </a:solidFill>
-                      <a:prstDash val="solid"/>
-                      <a:round/>
-                      <a:headEnd type="none" w="med" len="med"/>
-                      <a:tailEnd type="none" w="med" len="med"/>
-                    </a:lnB>
-                    <a:solidFill>
-                      <a:srgbClr val="D0CECE"/>
-                    </a:solidFill>
-                  </a:tcPr>
-                </a:tc>
-                <a:extLst>
-                  <a:ext uri="{0D108BD9-81ED-4DB2-BD59-A6C34878D82A}">
-                    <a16:rowId xmlns:a16="http://schemas.microsoft.com/office/drawing/2014/main" val="144265176"/>
-                  </a:ext>
-                </a:extLst>
-              </a:tr>
-              <a:tr h="456864">
-                <a:tc vMerge="1">
-                  <a:txBody>
-                    <a:bodyPr/>
-                    <a:lstStyle/>
-                    <a:p>
-                      <a:endParaRPr lang="pt-BR"/>
-                    </a:p>
-                  </a:txBody>
-                  <a:tcPr/>
-                </a:tc>
-                <a:tc>
+                <a:tc rowSpan="4">
                   <a:txBody>
                     <a:bodyPr/>
                     <a:lstStyle/>
@@ -5512,1096 +6839,7 @@
                     <a:bodyPr/>
                     <a:lstStyle/>
                     <a:p>
-                      <a:pPr algn="ctr" fontAlgn="ctr"/>
-                      <a:r>
-                        <a:rPr lang="pt-BR" sz="1100" b="0" i="0" u="none" strike="noStrike">
-                          <a:solidFill>
-                            <a:srgbClr val="000000"/>
-                          </a:solidFill>
-                          <a:effectLst/>
-                          <a:latin typeface="Arial"/>
-                        </a:rPr>
-                        <a:t>2</a:t>
-                      </a:r>
-                    </a:p>
-                  </a:txBody>
-                  <a:tcPr marL="9525" marR="9525" marT="9525" marB="0" anchor="ctr">
-                    <a:lnL w="6350" cap="flat" cmpd="sng" algn="ctr">
-                      <a:solidFill>
-                        <a:srgbClr val="000000"/>
-                      </a:solidFill>
-                      <a:prstDash val="solid"/>
-                      <a:round/>
-                      <a:headEnd type="none" w="med" len="med"/>
-                      <a:tailEnd type="none" w="med" len="med"/>
-                    </a:lnL>
-                    <a:lnR w="6350" cap="flat" cmpd="sng" algn="ctr">
-                      <a:solidFill>
-                        <a:srgbClr val="000000"/>
-                      </a:solidFill>
-                      <a:prstDash val="solid"/>
-                      <a:round/>
-                      <a:headEnd type="none" w="med" len="med"/>
-                      <a:tailEnd type="none" w="med" len="med"/>
-                    </a:lnR>
-                    <a:lnT w="6350" cap="flat" cmpd="sng" algn="ctr">
-                      <a:solidFill>
-                        <a:srgbClr val="000000"/>
-                      </a:solidFill>
-                      <a:prstDash val="solid"/>
-                      <a:round/>
-                      <a:headEnd type="none" w="med" len="med"/>
-                      <a:tailEnd type="none" w="med" len="med"/>
-                    </a:lnT>
-                    <a:lnB w="6350" cap="flat" cmpd="sng" algn="ctr">
-                      <a:solidFill>
-                        <a:srgbClr val="000000"/>
-                      </a:solidFill>
-                      <a:prstDash val="solid"/>
-                      <a:round/>
-                      <a:headEnd type="none" w="med" len="med"/>
-                      <a:tailEnd type="none" w="med" len="med"/>
-                    </a:lnB>
-                  </a:tcPr>
-                </a:tc>
-                <a:tc>
-                  <a:txBody>
-                    <a:bodyPr/>
-                    <a:lstStyle/>
-                    <a:p>
-                      <a:pPr algn="ctr" fontAlgn="ctr"/>
-                      <a:r>
-                        <a:rPr lang="pt-BR" sz="1100" b="0" i="0" u="none" strike="noStrike">
-                          <a:solidFill>
-                            <a:srgbClr val="000000"/>
-                          </a:solidFill>
-                          <a:effectLst/>
-                          <a:latin typeface="Arial"/>
-                        </a:rPr>
-                        <a:t>Confecção envia orçamento</a:t>
-                      </a:r>
-                    </a:p>
-                  </a:txBody>
-                  <a:tcPr marL="9525" marR="9525" marT="9525" marB="0" anchor="ctr">
-                    <a:lnL w="6350" cap="flat" cmpd="sng" algn="ctr">
-                      <a:solidFill>
-                        <a:srgbClr val="000000"/>
-                      </a:solidFill>
-                      <a:prstDash val="solid"/>
-                      <a:round/>
-                      <a:headEnd type="none" w="med" len="med"/>
-                      <a:tailEnd type="none" w="med" len="med"/>
-                    </a:lnL>
-                    <a:lnR w="6350" cap="flat" cmpd="sng" algn="ctr">
-                      <a:solidFill>
-                        <a:srgbClr val="000000"/>
-                      </a:solidFill>
-                      <a:prstDash val="solid"/>
-                      <a:round/>
-                      <a:headEnd type="none" w="med" len="med"/>
-                      <a:tailEnd type="none" w="med" len="med"/>
-                    </a:lnR>
-                    <a:lnT w="6350" cap="flat" cmpd="sng" algn="ctr">
-                      <a:solidFill>
-                        <a:srgbClr val="000000"/>
-                      </a:solidFill>
-                      <a:prstDash val="solid"/>
-                      <a:round/>
-                      <a:headEnd type="none" w="med" len="med"/>
-                      <a:tailEnd type="none" w="med" len="med"/>
-                    </a:lnT>
-                    <a:lnB w="6350" cap="flat" cmpd="sng" algn="ctr">
-                      <a:solidFill>
-                        <a:srgbClr val="000000"/>
-                      </a:solidFill>
-                      <a:prstDash val="solid"/>
-                      <a:round/>
-                      <a:headEnd type="none" w="med" len="med"/>
-                      <a:tailEnd type="none" w="med" len="med"/>
-                    </a:lnB>
-                  </a:tcPr>
-                </a:tc>
-                <a:tc>
-                  <a:txBody>
-                    <a:bodyPr/>
-                    <a:lstStyle/>
-                    <a:p>
-                      <a:pPr algn="ctr" fontAlgn="ctr"/>
-                      <a:endParaRPr lang="pt-BR" sz="1100" b="1" i="0" u="none" strike="noStrike">
-                        <a:solidFill>
-                          <a:srgbClr val="3F3F76"/>
-                        </a:solidFill>
-                        <a:effectLst/>
-                        <a:latin typeface="Calibri"/>
-                      </a:endParaRPr>
-                    </a:p>
-                  </a:txBody>
-                  <a:tcPr marL="9525" marR="9525" marT="9525" marB="0" anchor="ctr">
-                    <a:lnL w="6350" cap="flat" cmpd="sng" algn="ctr">
-                      <a:solidFill>
-                        <a:srgbClr val="000000"/>
-                      </a:solidFill>
-                      <a:prstDash val="solid"/>
-                      <a:round/>
-                      <a:headEnd type="none" w="med" len="med"/>
-                      <a:tailEnd type="none" w="med" len="med"/>
-                    </a:lnL>
-                    <a:lnR w="6350" cap="flat" cmpd="sng" algn="ctr">
-                      <a:solidFill>
-                        <a:srgbClr val="000000"/>
-                      </a:solidFill>
-                      <a:prstDash val="solid"/>
-                      <a:round/>
-                      <a:headEnd type="none" w="med" len="med"/>
-                      <a:tailEnd type="none" w="med" len="med"/>
-                    </a:lnR>
-                    <a:lnT w="6350" cap="flat" cmpd="sng" algn="ctr">
-                      <a:solidFill>
-                        <a:srgbClr val="000000"/>
-                      </a:solidFill>
-                      <a:prstDash val="solid"/>
-                      <a:round/>
-                      <a:headEnd type="none" w="med" len="med"/>
-                      <a:tailEnd type="none" w="med" len="med"/>
-                    </a:lnT>
-                    <a:lnB w="6350" cap="flat" cmpd="sng" algn="ctr">
-                      <a:solidFill>
-                        <a:srgbClr val="000000"/>
-                      </a:solidFill>
-                      <a:prstDash val="solid"/>
-                      <a:round/>
-                      <a:headEnd type="none" w="med" len="med"/>
-                      <a:tailEnd type="none" w="med" len="med"/>
-                    </a:lnB>
-                    <a:solidFill>
-                      <a:srgbClr val="FFCC99"/>
-                    </a:solidFill>
-                  </a:tcPr>
-                </a:tc>
-                <a:tc>
-                  <a:txBody>
-                    <a:bodyPr/>
-                    <a:lstStyle/>
-                    <a:p>
-                      <a:pPr algn="ctr" fontAlgn="ctr"/>
-                      <a:endParaRPr lang="pt-BR" sz="1100" b="1" i="0" u="none" strike="noStrike">
-                        <a:solidFill>
-                          <a:srgbClr val="3F3F76"/>
-                        </a:solidFill>
-                        <a:effectLst/>
-                        <a:latin typeface="Calibri"/>
-                      </a:endParaRPr>
-                    </a:p>
-                  </a:txBody>
-                  <a:tcPr marL="9525" marR="9525" marT="9525" marB="0" anchor="ctr">
-                    <a:lnL w="6350" cap="flat" cmpd="sng" algn="ctr">
-                      <a:solidFill>
-                        <a:srgbClr val="000000"/>
-                      </a:solidFill>
-                      <a:prstDash val="solid"/>
-                      <a:round/>
-                      <a:headEnd type="none" w="med" len="med"/>
-                      <a:tailEnd type="none" w="med" len="med"/>
-                    </a:lnL>
-                    <a:lnR w="6350" cap="flat" cmpd="sng" algn="ctr">
-                      <a:solidFill>
-                        <a:srgbClr val="000000"/>
-                      </a:solidFill>
-                      <a:prstDash val="solid"/>
-                      <a:round/>
-                      <a:headEnd type="none" w="med" len="med"/>
-                      <a:tailEnd type="none" w="med" len="med"/>
-                    </a:lnR>
-                    <a:lnT w="6350" cap="flat" cmpd="sng" algn="ctr">
-                      <a:solidFill>
-                        <a:srgbClr val="000000"/>
-                      </a:solidFill>
-                      <a:prstDash val="solid"/>
-                      <a:round/>
-                      <a:headEnd type="none" w="med" len="med"/>
-                      <a:tailEnd type="none" w="med" len="med"/>
-                    </a:lnT>
-                    <a:lnB w="6350" cap="flat" cmpd="sng" algn="ctr">
-                      <a:solidFill>
-                        <a:srgbClr val="000000"/>
-                      </a:solidFill>
-                      <a:prstDash val="solid"/>
-                      <a:round/>
-                      <a:headEnd type="none" w="med" len="med"/>
-                      <a:tailEnd type="none" w="med" len="med"/>
-                    </a:lnB>
-                    <a:solidFill>
-                      <a:srgbClr val="FFCC99"/>
-                    </a:solidFill>
-                  </a:tcPr>
-                </a:tc>
-                <a:tc>
-                  <a:txBody>
-                    <a:bodyPr/>
-                    <a:lstStyle/>
-                    <a:p>
-                      <a:pPr algn="ctr" fontAlgn="ctr"/>
-                      <a:r>
-                        <a:rPr lang="pt-BR" sz="1100" b="1" i="0" u="none" strike="noStrike">
-                          <a:solidFill>
-                            <a:srgbClr val="000000"/>
-                          </a:solidFill>
-                          <a:effectLst/>
-                          <a:latin typeface="Calibri"/>
-                        </a:rPr>
-                        <a:t>x(1)</a:t>
-                      </a:r>
-                    </a:p>
-                  </a:txBody>
-                  <a:tcPr marL="9525" marR="9525" marT="9525" marB="0" anchor="ctr">
-                    <a:lnL w="6350" cap="flat" cmpd="sng" algn="ctr">
-                      <a:solidFill>
-                        <a:srgbClr val="000000"/>
-                      </a:solidFill>
-                      <a:prstDash val="solid"/>
-                      <a:round/>
-                      <a:headEnd type="none" w="med" len="med"/>
-                      <a:tailEnd type="none" w="med" len="med"/>
-                    </a:lnL>
-                    <a:lnR w="6350" cap="flat" cmpd="sng" algn="ctr">
-                      <a:solidFill>
-                        <a:srgbClr val="000000"/>
-                      </a:solidFill>
-                      <a:prstDash val="solid"/>
-                      <a:round/>
-                      <a:headEnd type="none" w="med" len="med"/>
-                      <a:tailEnd type="none" w="med" len="med"/>
-                    </a:lnR>
-                    <a:lnT w="6350" cap="flat" cmpd="sng" algn="ctr">
-                      <a:solidFill>
-                        <a:srgbClr val="000000"/>
-                      </a:solidFill>
-                      <a:prstDash val="solid"/>
-                      <a:round/>
-                      <a:headEnd type="none" w="med" len="med"/>
-                      <a:tailEnd type="none" w="med" len="med"/>
-                    </a:lnT>
-                    <a:lnB w="6350" cap="flat" cmpd="sng" algn="ctr">
-                      <a:solidFill>
-                        <a:srgbClr val="000000"/>
-                      </a:solidFill>
-                      <a:prstDash val="solid"/>
-                      <a:round/>
-                      <a:headEnd type="none" w="med" len="med"/>
-                      <a:tailEnd type="none" w="med" len="med"/>
-                    </a:lnB>
-                    <a:solidFill>
-                      <a:srgbClr val="C6EFCE"/>
-                    </a:solidFill>
-                  </a:tcPr>
-                </a:tc>
-                <a:tc>
-                  <a:txBody>
-                    <a:bodyPr/>
-                    <a:lstStyle/>
-                    <a:p>
-                      <a:pPr algn="ctr" fontAlgn="ctr"/>
-                      <a:endParaRPr lang="pt-BR" sz="1100" b="1" i="0" u="none" strike="noStrike">
-                        <a:solidFill>
-                          <a:srgbClr val="006100"/>
-                        </a:solidFill>
-                        <a:effectLst/>
-                        <a:latin typeface="Calibri"/>
-                      </a:endParaRPr>
-                    </a:p>
-                  </a:txBody>
-                  <a:tcPr marL="9525" marR="9525" marT="9525" marB="0" anchor="ctr">
-                    <a:lnL w="6350" cap="flat" cmpd="sng" algn="ctr">
-                      <a:solidFill>
-                        <a:srgbClr val="000000"/>
-                      </a:solidFill>
-                      <a:prstDash val="solid"/>
-                      <a:round/>
-                      <a:headEnd type="none" w="med" len="med"/>
-                      <a:tailEnd type="none" w="med" len="med"/>
-                    </a:lnL>
-                    <a:lnR w="6350" cap="flat" cmpd="sng" algn="ctr">
-                      <a:solidFill>
-                        <a:srgbClr val="000000"/>
-                      </a:solidFill>
-                      <a:prstDash val="solid"/>
-                      <a:round/>
-                      <a:headEnd type="none" w="med" len="med"/>
-                      <a:tailEnd type="none" w="med" len="med"/>
-                    </a:lnR>
-                    <a:lnT w="6350" cap="flat" cmpd="sng" algn="ctr">
-                      <a:solidFill>
-                        <a:srgbClr val="000000"/>
-                      </a:solidFill>
-                      <a:prstDash val="solid"/>
-                      <a:round/>
-                      <a:headEnd type="none" w="med" len="med"/>
-                      <a:tailEnd type="none" w="med" len="med"/>
-                    </a:lnT>
-                    <a:lnB w="6350" cap="flat" cmpd="sng" algn="ctr">
-                      <a:solidFill>
-                        <a:srgbClr val="000000"/>
-                      </a:solidFill>
-                      <a:prstDash val="solid"/>
-                      <a:round/>
-                      <a:headEnd type="none" w="med" len="med"/>
-                      <a:tailEnd type="none" w="med" len="med"/>
-                    </a:lnB>
-                    <a:solidFill>
-                      <a:srgbClr val="C6EFCE"/>
-                    </a:solidFill>
-                  </a:tcPr>
-                </a:tc>
-                <a:tc>
-                  <a:txBody>
-                    <a:bodyPr/>
-                    <a:lstStyle/>
-                    <a:p>
-                      <a:pPr algn="ctr" fontAlgn="ctr"/>
-                      <a:endParaRPr lang="pt-BR" sz="1100" b="1" i="0" u="none" strike="noStrike">
-                        <a:solidFill>
-                          <a:srgbClr val="006100"/>
-                        </a:solidFill>
-                        <a:effectLst/>
-                        <a:latin typeface="Calibri"/>
-                      </a:endParaRPr>
-                    </a:p>
-                  </a:txBody>
-                  <a:tcPr marL="9525" marR="9525" marT="9525" marB="0" anchor="ctr">
-                    <a:lnL w="6350" cap="flat" cmpd="sng" algn="ctr">
-                      <a:solidFill>
-                        <a:srgbClr val="000000"/>
-                      </a:solidFill>
-                      <a:prstDash val="solid"/>
-                      <a:round/>
-                      <a:headEnd type="none" w="med" len="med"/>
-                      <a:tailEnd type="none" w="med" len="med"/>
-                    </a:lnL>
-                    <a:lnR w="6350" cap="flat" cmpd="sng" algn="ctr">
-                      <a:solidFill>
-                        <a:srgbClr val="000000"/>
-                      </a:solidFill>
-                      <a:prstDash val="solid"/>
-                      <a:round/>
-                      <a:headEnd type="none" w="med" len="med"/>
-                      <a:tailEnd type="none" w="med" len="med"/>
-                    </a:lnR>
-                    <a:lnT w="6350" cap="flat" cmpd="sng" algn="ctr">
-                      <a:solidFill>
-                        <a:srgbClr val="000000"/>
-                      </a:solidFill>
-                      <a:prstDash val="solid"/>
-                      <a:round/>
-                      <a:headEnd type="none" w="med" len="med"/>
-                      <a:tailEnd type="none" w="med" len="med"/>
-                    </a:lnT>
-                    <a:lnB w="6350" cap="flat" cmpd="sng" algn="ctr">
-                      <a:solidFill>
-                        <a:srgbClr val="000000"/>
-                      </a:solidFill>
-                      <a:prstDash val="solid"/>
-                      <a:round/>
-                      <a:headEnd type="none" w="med" len="med"/>
-                      <a:tailEnd type="none" w="med" len="med"/>
-                    </a:lnB>
-                    <a:solidFill>
-                      <a:srgbClr val="C6EFCE"/>
-                    </a:solidFill>
-                  </a:tcPr>
-                </a:tc>
-                <a:tc>
-                  <a:txBody>
-                    <a:bodyPr/>
-                    <a:lstStyle/>
-                    <a:p>
-                      <a:pPr algn="ctr" fontAlgn="ctr"/>
-                      <a:endParaRPr lang="pt-BR" sz="1100" b="1" i="0" u="none" strike="noStrike">
-                        <a:solidFill>
-                          <a:srgbClr val="000000"/>
-                        </a:solidFill>
-                        <a:effectLst/>
-                        <a:latin typeface="Arial"/>
-                      </a:endParaRPr>
-                    </a:p>
-                  </a:txBody>
-                  <a:tcPr marL="9525" marR="9525" marT="9525" marB="0" anchor="ctr">
-                    <a:lnL w="6350" cap="flat" cmpd="sng" algn="ctr">
-                      <a:solidFill>
-                        <a:srgbClr val="000000"/>
-                      </a:solidFill>
-                      <a:prstDash val="solid"/>
-                      <a:round/>
-                      <a:headEnd type="none" w="med" len="med"/>
-                      <a:tailEnd type="none" w="med" len="med"/>
-                    </a:lnL>
-                    <a:lnR w="6350" cap="flat" cmpd="sng" algn="ctr">
-                      <a:solidFill>
-                        <a:srgbClr val="000000"/>
-                      </a:solidFill>
-                      <a:prstDash val="solid"/>
-                      <a:round/>
-                      <a:headEnd type="none" w="med" len="med"/>
-                      <a:tailEnd type="none" w="med" len="med"/>
-                    </a:lnR>
-                    <a:lnT w="6350" cap="flat" cmpd="sng" algn="ctr">
-                      <a:solidFill>
-                        <a:srgbClr val="000000"/>
-                      </a:solidFill>
-                      <a:prstDash val="solid"/>
-                      <a:round/>
-                      <a:headEnd type="none" w="med" len="med"/>
-                      <a:tailEnd type="none" w="med" len="med"/>
-                    </a:lnT>
-                    <a:lnB w="6350" cap="flat" cmpd="sng" algn="ctr">
-                      <a:solidFill>
-                        <a:srgbClr val="000000"/>
-                      </a:solidFill>
-                      <a:prstDash val="solid"/>
-                      <a:round/>
-                      <a:headEnd type="none" w="med" len="med"/>
-                      <a:tailEnd type="none" w="med" len="med"/>
-                    </a:lnB>
-                    <a:solidFill>
-                      <a:srgbClr val="D0CECE"/>
-                    </a:solidFill>
-                  </a:tcPr>
-                </a:tc>
-                <a:extLst>
-                  <a:ext uri="{0D108BD9-81ED-4DB2-BD59-A6C34878D82A}">
-                    <a16:rowId xmlns:a16="http://schemas.microsoft.com/office/drawing/2014/main" val="1068117615"/>
-                  </a:ext>
-                </a:extLst>
-              </a:tr>
-              <a:tr h="456864">
-                <a:tc vMerge="1">
-                  <a:txBody>
-                    <a:bodyPr/>
-                    <a:lstStyle/>
-                    <a:p>
-                      <a:endParaRPr lang="pt-BR"/>
-                    </a:p>
-                  </a:txBody>
-                  <a:tcPr/>
-                </a:tc>
-                <a:tc>
-                  <a:txBody>
-                    <a:bodyPr/>
-                    <a:lstStyle/>
-                    <a:p>
-                      <a:pPr algn="ctr" fontAlgn="ctr"/>
-                      <a:r>
-                        <a:rPr lang="pt-BR" sz="1100" b="1" i="0" u="none" strike="noStrike">
-                          <a:solidFill>
-                            <a:srgbClr val="000000"/>
-                          </a:solidFill>
-                          <a:effectLst/>
-                          <a:latin typeface="Arial"/>
-                        </a:rPr>
-                        <a:t>FB</a:t>
-                      </a:r>
-                    </a:p>
-                  </a:txBody>
-                  <a:tcPr marL="9525" marR="9525" marT="9525" marB="0" vert="vert270" anchor="ctr">
-                    <a:lnL w="6350" cap="flat" cmpd="sng" algn="ctr">
-                      <a:solidFill>
-                        <a:srgbClr val="000000"/>
-                      </a:solidFill>
-                      <a:prstDash val="solid"/>
-                      <a:round/>
-                      <a:headEnd type="none" w="med" len="med"/>
-                      <a:tailEnd type="none" w="med" len="med"/>
-                    </a:lnL>
-                    <a:lnR w="6350" cap="flat" cmpd="sng" algn="ctr">
-                      <a:solidFill>
-                        <a:srgbClr val="000000"/>
-                      </a:solidFill>
-                      <a:prstDash val="solid"/>
-                      <a:round/>
-                      <a:headEnd type="none" w="med" len="med"/>
-                      <a:tailEnd type="none" w="med" len="med"/>
-                    </a:lnR>
-                    <a:lnT w="6350" cap="flat" cmpd="sng" algn="ctr">
-                      <a:solidFill>
-                        <a:srgbClr val="000000"/>
-                      </a:solidFill>
-                      <a:prstDash val="solid"/>
-                      <a:round/>
-                      <a:headEnd type="none" w="med" len="med"/>
-                      <a:tailEnd type="none" w="med" len="med"/>
-                    </a:lnT>
-                    <a:lnB w="6350" cap="flat" cmpd="sng" algn="ctr">
-                      <a:solidFill>
-                        <a:srgbClr val="000000"/>
-                      </a:solidFill>
-                      <a:prstDash val="solid"/>
-                      <a:round/>
-                      <a:headEnd type="none" w="med" len="med"/>
-                      <a:tailEnd type="none" w="med" len="med"/>
-                    </a:lnB>
-                  </a:tcPr>
-                </a:tc>
-                <a:tc>
-                  <a:txBody>
-                    <a:bodyPr/>
-                    <a:lstStyle/>
-                    <a:p>
-                      <a:pPr algn="ctr" fontAlgn="ctr"/>
-                      <a:r>
-                        <a:rPr lang="pt-BR" sz="1100" b="0" i="0" u="none" strike="noStrike">
-                          <a:solidFill>
-                            <a:srgbClr val="000000"/>
-                          </a:solidFill>
-                          <a:effectLst/>
-                          <a:latin typeface="Arial"/>
-                        </a:rPr>
-                        <a:t>3</a:t>
-                      </a:r>
-                    </a:p>
-                  </a:txBody>
-                  <a:tcPr marL="9525" marR="9525" marT="9525" marB="0" anchor="ctr">
-                    <a:lnL w="6350" cap="flat" cmpd="sng" algn="ctr">
-                      <a:solidFill>
-                        <a:srgbClr val="000000"/>
-                      </a:solidFill>
-                      <a:prstDash val="solid"/>
-                      <a:round/>
-                      <a:headEnd type="none" w="med" len="med"/>
-                      <a:tailEnd type="none" w="med" len="med"/>
-                    </a:lnL>
-                    <a:lnR w="6350" cap="flat" cmpd="sng" algn="ctr">
-                      <a:solidFill>
-                        <a:srgbClr val="000000"/>
-                      </a:solidFill>
-                      <a:prstDash val="solid"/>
-                      <a:round/>
-                      <a:headEnd type="none" w="med" len="med"/>
-                      <a:tailEnd type="none" w="med" len="med"/>
-                    </a:lnR>
-                    <a:lnT w="6350" cap="flat" cmpd="sng" algn="ctr">
-                      <a:solidFill>
-                        <a:srgbClr val="000000"/>
-                      </a:solidFill>
-                      <a:prstDash val="solid"/>
-                      <a:round/>
-                      <a:headEnd type="none" w="med" len="med"/>
-                      <a:tailEnd type="none" w="med" len="med"/>
-                    </a:lnT>
-                    <a:lnB w="6350" cap="flat" cmpd="sng" algn="ctr">
-                      <a:solidFill>
-                        <a:srgbClr val="000000"/>
-                      </a:solidFill>
-                      <a:prstDash val="solid"/>
-                      <a:round/>
-                      <a:headEnd type="none" w="med" len="med"/>
-                      <a:tailEnd type="none" w="med" len="med"/>
-                    </a:lnB>
-                  </a:tcPr>
-                </a:tc>
-                <a:tc>
-                  <a:txBody>
-                    <a:bodyPr/>
-                    <a:lstStyle/>
-                    <a:p>
-                      <a:pPr algn="ctr" fontAlgn="ctr"/>
-                      <a:r>
-                        <a:rPr lang="pt-BR" sz="1100" b="0" i="0" u="none" strike="noStrike">
-                          <a:solidFill>
-                            <a:srgbClr val="000000"/>
-                          </a:solidFill>
-                          <a:effectLst/>
-                          <a:latin typeface="Arial"/>
-                        </a:rPr>
-                        <a:t>Cliente responde positivamente </a:t>
-                      </a:r>
-                      <a:br>
-                        <a:rPr lang="pt-BR" sz="1100" b="0" i="0" u="none" strike="noStrike">
-                          <a:solidFill>
-                            <a:srgbClr val="000000"/>
-                          </a:solidFill>
-                          <a:effectLst/>
-                          <a:latin typeface="Arial"/>
-                        </a:rPr>
-                      </a:br>
-                      <a:r>
-                        <a:rPr lang="pt-BR" sz="1100" b="0" i="0" u="none" strike="noStrike">
-                          <a:solidFill>
-                            <a:srgbClr val="000000"/>
-                          </a:solidFill>
-                          <a:effectLst/>
-                          <a:latin typeface="Arial"/>
-                        </a:rPr>
-                        <a:t>ao orçamento</a:t>
-                      </a:r>
-                    </a:p>
-                  </a:txBody>
-                  <a:tcPr marL="9525" marR="9525" marT="9525" marB="0" anchor="ctr">
-                    <a:lnL w="6350" cap="flat" cmpd="sng" algn="ctr">
-                      <a:solidFill>
-                        <a:srgbClr val="000000"/>
-                      </a:solidFill>
-                      <a:prstDash val="solid"/>
-                      <a:round/>
-                      <a:headEnd type="none" w="med" len="med"/>
-                      <a:tailEnd type="none" w="med" len="med"/>
-                    </a:lnL>
-                    <a:lnR w="6350" cap="flat" cmpd="sng" algn="ctr">
-                      <a:solidFill>
-                        <a:srgbClr val="000000"/>
-                      </a:solidFill>
-                      <a:prstDash val="solid"/>
-                      <a:round/>
-                      <a:headEnd type="none" w="med" len="med"/>
-                      <a:tailEnd type="none" w="med" len="med"/>
-                    </a:lnR>
-                    <a:lnT w="6350" cap="flat" cmpd="sng" algn="ctr">
-                      <a:solidFill>
-                        <a:srgbClr val="000000"/>
-                      </a:solidFill>
-                      <a:prstDash val="solid"/>
-                      <a:round/>
-                      <a:headEnd type="none" w="med" len="med"/>
-                      <a:tailEnd type="none" w="med" len="med"/>
-                    </a:lnT>
-                    <a:lnB w="6350" cap="flat" cmpd="sng" algn="ctr">
-                      <a:solidFill>
-                        <a:srgbClr val="000000"/>
-                      </a:solidFill>
-                      <a:prstDash val="solid"/>
-                      <a:round/>
-                      <a:headEnd type="none" w="med" len="med"/>
-                      <a:tailEnd type="none" w="med" len="med"/>
-                    </a:lnB>
-                  </a:tcPr>
-                </a:tc>
-                <a:tc>
-                  <a:txBody>
-                    <a:bodyPr/>
-                    <a:lstStyle/>
-                    <a:p>
-                      <a:pPr algn="ctr" fontAlgn="ctr"/>
-                      <a:r>
-                        <a:rPr lang="pt-BR" sz="1100" b="1" i="0" u="none" strike="noStrike">
-                          <a:solidFill>
-                            <a:srgbClr val="000000"/>
-                          </a:solidFill>
-                          <a:effectLst/>
-                          <a:latin typeface="Calibri"/>
-                        </a:rPr>
-                        <a:t>x(2)</a:t>
-                      </a:r>
-                    </a:p>
-                  </a:txBody>
-                  <a:tcPr marL="9525" marR="9525" marT="9525" marB="0" anchor="ctr">
-                    <a:lnL w="6350" cap="flat" cmpd="sng" algn="ctr">
-                      <a:solidFill>
-                        <a:srgbClr val="000000"/>
-                      </a:solidFill>
-                      <a:prstDash val="solid"/>
-                      <a:round/>
-                      <a:headEnd type="none" w="med" len="med"/>
-                      <a:tailEnd type="none" w="med" len="med"/>
-                    </a:lnL>
-                    <a:lnR w="6350" cap="flat" cmpd="sng" algn="ctr">
-                      <a:solidFill>
-                        <a:srgbClr val="000000"/>
-                      </a:solidFill>
-                      <a:prstDash val="solid"/>
-                      <a:round/>
-                      <a:headEnd type="none" w="med" len="med"/>
-                      <a:tailEnd type="none" w="med" len="med"/>
-                    </a:lnR>
-                    <a:lnT w="6350" cap="flat" cmpd="sng" algn="ctr">
-                      <a:solidFill>
-                        <a:srgbClr val="000000"/>
-                      </a:solidFill>
-                      <a:prstDash val="solid"/>
-                      <a:round/>
-                      <a:headEnd type="none" w="med" len="med"/>
-                      <a:tailEnd type="none" w="med" len="med"/>
-                    </a:lnT>
-                    <a:lnB w="6350" cap="flat" cmpd="sng" algn="ctr">
-                      <a:solidFill>
-                        <a:srgbClr val="000000"/>
-                      </a:solidFill>
-                      <a:prstDash val="solid"/>
-                      <a:round/>
-                      <a:headEnd type="none" w="med" len="med"/>
-                      <a:tailEnd type="none" w="med" len="med"/>
-                    </a:lnB>
-                    <a:solidFill>
-                      <a:srgbClr val="FFCC99"/>
-                    </a:solidFill>
-                  </a:tcPr>
-                </a:tc>
-                <a:tc>
-                  <a:txBody>
-                    <a:bodyPr/>
-                    <a:lstStyle/>
-                    <a:p>
-                      <a:pPr algn="ctr" fontAlgn="ctr"/>
-                      <a:endParaRPr lang="pt-BR" sz="1100" b="1" i="0" u="none" strike="noStrike">
-                        <a:solidFill>
-                          <a:srgbClr val="3F3F76"/>
-                        </a:solidFill>
-                        <a:effectLst/>
-                        <a:latin typeface="Calibri"/>
-                      </a:endParaRPr>
-                    </a:p>
-                  </a:txBody>
-                  <a:tcPr marL="9525" marR="9525" marT="9525" marB="0" anchor="ctr">
-                    <a:lnL w="6350" cap="flat" cmpd="sng" algn="ctr">
-                      <a:solidFill>
-                        <a:srgbClr val="000000"/>
-                      </a:solidFill>
-                      <a:prstDash val="solid"/>
-                      <a:round/>
-                      <a:headEnd type="none" w="med" len="med"/>
-                      <a:tailEnd type="none" w="med" len="med"/>
-                    </a:lnL>
-                    <a:lnR w="6350" cap="flat" cmpd="sng" algn="ctr">
-                      <a:solidFill>
-                        <a:srgbClr val="000000"/>
-                      </a:solidFill>
-                      <a:prstDash val="solid"/>
-                      <a:round/>
-                      <a:headEnd type="none" w="med" len="med"/>
-                      <a:tailEnd type="none" w="med" len="med"/>
-                    </a:lnR>
-                    <a:lnT w="6350" cap="flat" cmpd="sng" algn="ctr">
-                      <a:solidFill>
-                        <a:srgbClr val="000000"/>
-                      </a:solidFill>
-                      <a:prstDash val="solid"/>
-                      <a:round/>
-                      <a:headEnd type="none" w="med" len="med"/>
-                      <a:tailEnd type="none" w="med" len="med"/>
-                    </a:lnT>
-                    <a:lnB w="6350" cap="flat" cmpd="sng" algn="ctr">
-                      <a:solidFill>
-                        <a:srgbClr val="000000"/>
-                      </a:solidFill>
-                      <a:prstDash val="solid"/>
-                      <a:round/>
-                      <a:headEnd type="none" w="med" len="med"/>
-                      <a:tailEnd type="none" w="med" len="med"/>
-                    </a:lnB>
-                    <a:solidFill>
-                      <a:srgbClr val="FFCC99"/>
-                    </a:solidFill>
-                  </a:tcPr>
-                </a:tc>
-                <a:tc>
-                  <a:txBody>
-                    <a:bodyPr/>
-                    <a:lstStyle/>
-                    <a:p>
-                      <a:pPr algn="ctr" fontAlgn="ctr"/>
-                      <a:endParaRPr lang="pt-BR" sz="1100" b="1" i="0" u="none" strike="noStrike">
-                        <a:solidFill>
-                          <a:srgbClr val="006100"/>
-                        </a:solidFill>
-                        <a:effectLst/>
-                        <a:latin typeface="Calibri"/>
-                      </a:endParaRPr>
-                    </a:p>
-                  </a:txBody>
-                  <a:tcPr marL="9525" marR="9525" marT="9525" marB="0" anchor="ctr">
-                    <a:lnL w="6350" cap="flat" cmpd="sng" algn="ctr">
-                      <a:solidFill>
-                        <a:srgbClr val="000000"/>
-                      </a:solidFill>
-                      <a:prstDash val="solid"/>
-                      <a:round/>
-                      <a:headEnd type="none" w="med" len="med"/>
-                      <a:tailEnd type="none" w="med" len="med"/>
-                    </a:lnL>
-                    <a:lnR w="6350" cap="flat" cmpd="sng" algn="ctr">
-                      <a:solidFill>
-                        <a:srgbClr val="000000"/>
-                      </a:solidFill>
-                      <a:prstDash val="solid"/>
-                      <a:round/>
-                      <a:headEnd type="none" w="med" len="med"/>
-                      <a:tailEnd type="none" w="med" len="med"/>
-                    </a:lnR>
-                    <a:lnT w="6350" cap="flat" cmpd="sng" algn="ctr">
-                      <a:solidFill>
-                        <a:srgbClr val="000000"/>
-                      </a:solidFill>
-                      <a:prstDash val="solid"/>
-                      <a:round/>
-                      <a:headEnd type="none" w="med" len="med"/>
-                      <a:tailEnd type="none" w="med" len="med"/>
-                    </a:lnT>
-                    <a:lnB w="6350" cap="flat" cmpd="sng" algn="ctr">
-                      <a:solidFill>
-                        <a:srgbClr val="000000"/>
-                      </a:solidFill>
-                      <a:prstDash val="solid"/>
-                      <a:round/>
-                      <a:headEnd type="none" w="med" len="med"/>
-                      <a:tailEnd type="none" w="med" len="med"/>
-                    </a:lnB>
-                    <a:solidFill>
-                      <a:srgbClr val="C6EFCE"/>
-                    </a:solidFill>
-                  </a:tcPr>
-                </a:tc>
-                <a:tc>
-                  <a:txBody>
-                    <a:bodyPr/>
-                    <a:lstStyle/>
-                    <a:p>
-                      <a:pPr algn="ctr" fontAlgn="ctr"/>
-                      <a:endParaRPr lang="pt-BR" sz="1100" b="1" i="0" u="none" strike="noStrike">
-                        <a:solidFill>
-                          <a:srgbClr val="006100"/>
-                        </a:solidFill>
-                        <a:effectLst/>
-                        <a:latin typeface="Calibri"/>
-                      </a:endParaRPr>
-                    </a:p>
-                  </a:txBody>
-                  <a:tcPr marL="9525" marR="9525" marT="9525" marB="0" anchor="ctr">
-                    <a:lnL w="6350" cap="flat" cmpd="sng" algn="ctr">
-                      <a:solidFill>
-                        <a:srgbClr val="000000"/>
-                      </a:solidFill>
-                      <a:prstDash val="solid"/>
-                      <a:round/>
-                      <a:headEnd type="none" w="med" len="med"/>
-                      <a:tailEnd type="none" w="med" len="med"/>
-                    </a:lnL>
-                    <a:lnR w="6350" cap="flat" cmpd="sng" algn="ctr">
-                      <a:solidFill>
-                        <a:srgbClr val="000000"/>
-                      </a:solidFill>
-                      <a:prstDash val="solid"/>
-                      <a:round/>
-                      <a:headEnd type="none" w="med" len="med"/>
-                      <a:tailEnd type="none" w="med" len="med"/>
-                    </a:lnR>
-                    <a:lnT w="6350" cap="flat" cmpd="sng" algn="ctr">
-                      <a:solidFill>
-                        <a:srgbClr val="000000"/>
-                      </a:solidFill>
-                      <a:prstDash val="solid"/>
-                      <a:round/>
-                      <a:headEnd type="none" w="med" len="med"/>
-                      <a:tailEnd type="none" w="med" len="med"/>
-                    </a:lnT>
-                    <a:lnB w="6350" cap="flat" cmpd="sng" algn="ctr">
-                      <a:solidFill>
-                        <a:srgbClr val="000000"/>
-                      </a:solidFill>
-                      <a:prstDash val="solid"/>
-                      <a:round/>
-                      <a:headEnd type="none" w="med" len="med"/>
-                      <a:tailEnd type="none" w="med" len="med"/>
-                    </a:lnB>
-                    <a:solidFill>
-                      <a:srgbClr val="C6EFCE"/>
-                    </a:solidFill>
-                  </a:tcPr>
-                </a:tc>
-                <a:tc>
-                  <a:txBody>
-                    <a:bodyPr/>
-                    <a:lstStyle/>
-                    <a:p>
-                      <a:pPr algn="ctr" fontAlgn="ctr"/>
-                      <a:endParaRPr lang="pt-BR" sz="1100" b="1" i="0" u="none" strike="noStrike">
-                        <a:solidFill>
-                          <a:srgbClr val="006100"/>
-                        </a:solidFill>
-                        <a:effectLst/>
-                        <a:latin typeface="Calibri"/>
-                      </a:endParaRPr>
-                    </a:p>
-                  </a:txBody>
-                  <a:tcPr marL="9525" marR="9525" marT="9525" marB="0" anchor="ctr">
-                    <a:lnL w="6350" cap="flat" cmpd="sng" algn="ctr">
-                      <a:solidFill>
-                        <a:srgbClr val="000000"/>
-                      </a:solidFill>
-                      <a:prstDash val="solid"/>
-                      <a:round/>
-                      <a:headEnd type="none" w="med" len="med"/>
-                      <a:tailEnd type="none" w="med" len="med"/>
-                    </a:lnL>
-                    <a:lnR w="6350" cap="flat" cmpd="sng" algn="ctr">
-                      <a:solidFill>
-                        <a:srgbClr val="000000"/>
-                      </a:solidFill>
-                      <a:prstDash val="solid"/>
-                      <a:round/>
-                      <a:headEnd type="none" w="med" len="med"/>
-                      <a:tailEnd type="none" w="med" len="med"/>
-                    </a:lnR>
-                    <a:lnT w="6350" cap="flat" cmpd="sng" algn="ctr">
-                      <a:solidFill>
-                        <a:srgbClr val="000000"/>
-                      </a:solidFill>
-                      <a:prstDash val="solid"/>
-                      <a:round/>
-                      <a:headEnd type="none" w="med" len="med"/>
-                      <a:tailEnd type="none" w="med" len="med"/>
-                    </a:lnT>
-                    <a:lnB w="6350" cap="flat" cmpd="sng" algn="ctr">
-                      <a:solidFill>
-                        <a:srgbClr val="000000"/>
-                      </a:solidFill>
-                      <a:prstDash val="solid"/>
-                      <a:round/>
-                      <a:headEnd type="none" w="med" len="med"/>
-                      <a:tailEnd type="none" w="med" len="med"/>
-                    </a:lnB>
-                    <a:solidFill>
-                      <a:srgbClr val="C6EFCE"/>
-                    </a:solidFill>
-                  </a:tcPr>
-                </a:tc>
-                <a:tc>
-                  <a:txBody>
-                    <a:bodyPr/>
-                    <a:lstStyle/>
-                    <a:p>
-                      <a:pPr algn="ctr" fontAlgn="ctr"/>
-                      <a:endParaRPr lang="pt-BR" sz="1100" b="1" i="0" u="none" strike="noStrike">
-                        <a:solidFill>
-                          <a:srgbClr val="000000"/>
-                        </a:solidFill>
-                        <a:effectLst/>
-                        <a:latin typeface="Arial"/>
-                      </a:endParaRPr>
-                    </a:p>
-                  </a:txBody>
-                  <a:tcPr marL="9525" marR="9525" marT="9525" marB="0" anchor="ctr">
-                    <a:lnL w="6350" cap="flat" cmpd="sng" algn="ctr">
-                      <a:solidFill>
-                        <a:srgbClr val="000000"/>
-                      </a:solidFill>
-                      <a:prstDash val="solid"/>
-                      <a:round/>
-                      <a:headEnd type="none" w="med" len="med"/>
-                      <a:tailEnd type="none" w="med" len="med"/>
-                    </a:lnL>
-                    <a:lnR w="6350" cap="flat" cmpd="sng" algn="ctr">
-                      <a:solidFill>
-                        <a:srgbClr val="000000"/>
-                      </a:solidFill>
-                      <a:prstDash val="solid"/>
-                      <a:round/>
-                      <a:headEnd type="none" w="med" len="med"/>
-                      <a:tailEnd type="none" w="med" len="med"/>
-                    </a:lnR>
-                    <a:lnT w="6350" cap="flat" cmpd="sng" algn="ctr">
-                      <a:solidFill>
-                        <a:srgbClr val="000000"/>
-                      </a:solidFill>
-                      <a:prstDash val="solid"/>
-                      <a:round/>
-                      <a:headEnd type="none" w="med" len="med"/>
-                      <a:tailEnd type="none" w="med" len="med"/>
-                    </a:lnT>
-                    <a:lnB w="6350" cap="flat" cmpd="sng" algn="ctr">
-                      <a:solidFill>
-                        <a:srgbClr val="000000"/>
-                      </a:solidFill>
-                      <a:prstDash val="solid"/>
-                      <a:round/>
-                      <a:headEnd type="none" w="med" len="med"/>
-                      <a:tailEnd type="none" w="med" len="med"/>
-                    </a:lnB>
-                    <a:solidFill>
-                      <a:srgbClr val="D0CECE"/>
-                    </a:solidFill>
-                  </a:tcPr>
-                </a:tc>
-                <a:extLst>
-                  <a:ext uri="{0D108BD9-81ED-4DB2-BD59-A6C34878D82A}">
-                    <a16:rowId xmlns:a16="http://schemas.microsoft.com/office/drawing/2014/main" val="593030705"/>
-                  </a:ext>
-                </a:extLst>
-              </a:tr>
-              <a:tr h="456863">
-                <a:tc vMerge="1">
-                  <a:txBody>
-                    <a:bodyPr/>
-                    <a:lstStyle/>
-                    <a:p>
-                      <a:endParaRPr lang="pt-BR"/>
-                    </a:p>
-                  </a:txBody>
-                  <a:tcPr/>
-                </a:tc>
-                <a:tc>
-                  <a:txBody>
-                    <a:bodyPr/>
-                    <a:lstStyle/>
-                    <a:p>
-                      <a:pPr lvl="0" algn="ctr">
-                        <a:buNone/>
-                      </a:pPr>
-                      <a:r>
-                        <a:rPr lang="pt-BR" sz="1100" b="1" i="0" u="none" strike="noStrike">
-                          <a:solidFill>
-                            <a:srgbClr val="000000"/>
-                          </a:solidFill>
-                          <a:effectLst/>
-                          <a:latin typeface="Arial"/>
-                        </a:rPr>
-                        <a:t>FA</a:t>
-                      </a:r>
-                    </a:p>
-                  </a:txBody>
-                  <a:tcPr marL="9525" marR="9525" marT="9525" marB="0" vert="vert270" anchor="ctr">
-                    <a:lnL w="6350" cap="flat" cmpd="sng" algn="ctr">
-                      <a:solidFill>
-                        <a:srgbClr val="000000"/>
-                      </a:solidFill>
-                      <a:prstDash val="solid"/>
-                      <a:round/>
-                      <a:headEnd type="none" w="med" len="med"/>
-                      <a:tailEnd type="none" w="med" len="med"/>
-                    </a:lnL>
-                    <a:lnR w="6350" cap="flat" cmpd="sng" algn="ctr">
-                      <a:solidFill>
-                        <a:srgbClr val="000000"/>
-                      </a:solidFill>
-                      <a:prstDash val="solid"/>
-                      <a:round/>
-                      <a:headEnd type="none" w="med" len="med"/>
-                      <a:tailEnd type="none" w="med" len="med"/>
-                    </a:lnR>
-                    <a:lnT w="6350" cap="flat" cmpd="sng" algn="ctr">
-                      <a:solidFill>
-                        <a:srgbClr val="000000"/>
-                      </a:solidFill>
-                      <a:prstDash val="solid"/>
-                      <a:round/>
-                      <a:headEnd type="none" w="med" len="med"/>
-                      <a:tailEnd type="none" w="med" len="med"/>
-                    </a:lnT>
-                    <a:lnB w="6350" cap="flat" cmpd="sng" algn="ctr">
-                      <a:solidFill>
-                        <a:srgbClr val="000000"/>
-                      </a:solidFill>
-                      <a:prstDash val="solid"/>
-                      <a:round/>
-                      <a:headEnd type="none" w="med" len="med"/>
-                      <a:tailEnd type="none" w="med" len="med"/>
-                    </a:lnB>
-                  </a:tcPr>
-                </a:tc>
-                <a:tc>
-                  <a:txBody>
-                    <a:bodyPr/>
-                    <a:lstStyle/>
-                    <a:p>
-                      <a:pPr lvl="0" algn="ctr">
-                        <a:buNone/>
-                      </a:pPr>
+                      <a:pPr algn="ctr" fontAlgn="b"/>
                       <a:r>
                         <a:rPr lang="pt-BR" sz="1100" b="0" i="0" u="none" strike="noStrike">
                           <a:solidFill>
@@ -6658,9 +6896,7 @@
                     <a:bodyPr/>
                     <a:lstStyle/>
                     <a:p>
-                      <a:pPr lvl="0" algn="ctr">
-                        <a:buNone/>
-                      </a:pPr>
+                      <a:pPr algn="l" fontAlgn="ctr"/>
                       <a:r>
                         <a:rPr lang="pt-BR" sz="1100" b="0" i="0" u="none" strike="noStrike">
                           <a:solidFill>
@@ -6669,17 +6905,55 @@
                           <a:effectLst/>
                           <a:latin typeface="Arial"/>
                         </a:rPr>
-                        <a:t>Confecção rejeita solicitação </a:t>
+                        <a:t>Cliente inicia o cancelamento do pedido</a:t>
                       </a:r>
-                      <a:br>
-                        <a:rPr lang="pt-BR" sz="1100" b="0" i="0" u="none" strike="noStrike">
-                          <a:solidFill>
-                            <a:srgbClr val="000000"/>
-                          </a:solidFill>
-                          <a:effectLst/>
-                          <a:latin typeface="Arial"/>
-                        </a:rPr>
-                      </a:br>
+                    </a:p>
+                  </a:txBody>
+                  <a:tcPr marL="9525" marR="9525" marT="9525" marB="0" anchor="ctr">
+                    <a:lnL w="6350" cap="flat" cmpd="sng" algn="ctr">
+                      <a:solidFill>
+                        <a:srgbClr val="000000"/>
+                      </a:solidFill>
+                      <a:prstDash val="solid"/>
+                      <a:round/>
+                      <a:headEnd type="none" w="med" len="med"/>
+                      <a:tailEnd type="none" w="med" len="med"/>
+                    </a:lnL>
+                    <a:lnR w="6350" cap="flat" cmpd="sng" algn="ctr">
+                      <a:solidFill>
+                        <a:srgbClr val="000000"/>
+                      </a:solidFill>
+                      <a:prstDash val="solid"/>
+                      <a:round/>
+                      <a:headEnd type="none" w="med" len="med"/>
+                      <a:tailEnd type="none" w="med" len="med"/>
+                    </a:lnR>
+                    <a:lnT w="6350" cap="flat" cmpd="sng" algn="ctr">
+                      <a:solidFill>
+                        <a:srgbClr val="000000"/>
+                      </a:solidFill>
+                      <a:prstDash val="solid"/>
+                      <a:round/>
+                      <a:headEnd type="none" w="med" len="med"/>
+                      <a:tailEnd type="none" w="med" len="med"/>
+                    </a:lnT>
+                    <a:lnB w="6350" cap="flat" cmpd="sng" algn="ctr">
+                      <a:solidFill>
+                        <a:srgbClr val="000000"/>
+                      </a:solidFill>
+                      <a:prstDash val="solid"/>
+                      <a:round/>
+                      <a:headEnd type="none" w="med" len="med"/>
+                      <a:tailEnd type="none" w="med" len="med"/>
+                    </a:lnB>
+                  </a:tcPr>
+                </a:tc>
+                <a:tc>
+                  <a:txBody>
+                    <a:bodyPr/>
+                    <a:lstStyle/>
+                    <a:p>
+                      <a:pPr algn="ctr" fontAlgn="ctr"/>
                       <a:r>
                         <a:rPr lang="pt-BR" sz="1100" b="0" i="0" u="none" strike="noStrike">
                           <a:solidFill>
@@ -6688,7 +6962,7 @@
                           <a:effectLst/>
                           <a:latin typeface="Arial"/>
                         </a:rPr>
-                        <a:t>e sugere nova data</a:t>
+                        <a:t>x(3)</a:t>
                       </a:r>
                     </a:p>
                   </a:txBody>
@@ -6729,67 +7003,8 @@
                       <a:headEnd type="none" w="med" len="med"/>
                       <a:tailEnd type="none" w="med" len="med"/>
                     </a:lnB>
-                  </a:tcPr>
-                </a:tc>
-                <a:tc>
-                  <a:txBody>
-                    <a:bodyPr/>
-                    <a:lstStyle/>
-                    <a:p>
-                      <a:pPr lvl="0" algn="ctr">
-                        <a:buNone/>
-                      </a:pPr>
-                      <a:r>
-                        <a:rPr lang="pt-BR" sz="1100" b="1" i="0" u="none" strike="noStrike">
-                          <a:solidFill>
-                            <a:srgbClr val="000000"/>
-                          </a:solidFill>
-                          <a:effectLst/>
-                          <a:latin typeface="Calibri"/>
-                        </a:rPr>
-                        <a:t>x(1)</a:t>
-                      </a:r>
-                    </a:p>
-                  </a:txBody>
-                  <a:tcPr marL="9525" marR="9525" marT="9525" marB="0" anchor="ctr">
-                    <a:lnL w="6350" cap="flat" cmpd="sng" algn="ctr">
-                      <a:solidFill>
-                        <a:srgbClr val="000000"/>
-                      </a:solidFill>
-                      <a:prstDash val="solid"/>
-                      <a:round/>
-                      <a:headEnd type="none" w="med" len="med"/>
-                      <a:tailEnd type="none" w="med" len="med"/>
-                    </a:lnL>
-                    <a:lnR w="6350" cap="flat" cmpd="sng" algn="ctr">
-                      <a:solidFill>
-                        <a:srgbClr val="000000"/>
-                      </a:solidFill>
-                      <a:prstDash val="solid"/>
-                      <a:round/>
-                      <a:headEnd type="none" w="med" len="med"/>
-                      <a:tailEnd type="none" w="med" len="med"/>
-                    </a:lnR>
-                    <a:lnT w="6350" cap="flat" cmpd="sng" algn="ctr">
-                      <a:solidFill>
-                        <a:srgbClr val="000000"/>
-                      </a:solidFill>
-                      <a:prstDash val="solid"/>
-                      <a:round/>
-                      <a:headEnd type="none" w="med" len="med"/>
-                      <a:tailEnd type="none" w="med" len="med"/>
-                    </a:lnT>
-                    <a:lnB w="6350" cap="flat" cmpd="sng" algn="ctr">
-                      <a:solidFill>
-                        <a:srgbClr val="000000"/>
-                      </a:solidFill>
-                      <a:prstDash val="solid"/>
-                      <a:round/>
-                      <a:headEnd type="none" w="med" len="med"/>
-                      <a:tailEnd type="none" w="med" len="med"/>
-                    </a:lnB>
                     <a:solidFill>
-                      <a:srgbClr val="FFCC99"/>
+                      <a:srgbClr val="FCE4D6"/>
                     </a:solidFill>
                   </a:tcPr>
                 </a:tc>
@@ -6798,246 +7013,8 @@
                     <a:bodyPr/>
                     <a:lstStyle/>
                     <a:p>
-                      <a:pPr lvl="0" algn="ctr">
-                        <a:buNone/>
-                      </a:pPr>
-                      <a:endParaRPr lang="pt-BR" sz="1100" b="1" i="0" u="none" strike="noStrike">
-                        <a:solidFill>
-                          <a:srgbClr val="3F3F76"/>
-                        </a:solidFill>
-                        <a:effectLst/>
-                        <a:latin typeface="Calibri"/>
-                      </a:endParaRPr>
-                    </a:p>
-                  </a:txBody>
-                  <a:tcPr marL="9525" marR="9525" marT="9525" marB="0" anchor="ctr">
-                    <a:lnL w="6350" cap="flat" cmpd="sng" algn="ctr">
-                      <a:solidFill>
-                        <a:srgbClr val="000000"/>
-                      </a:solidFill>
-                      <a:prstDash val="solid"/>
-                      <a:round/>
-                      <a:headEnd type="none" w="med" len="med"/>
-                      <a:tailEnd type="none" w="med" len="med"/>
-                    </a:lnL>
-                    <a:lnR w="6350" cap="flat" cmpd="sng" algn="ctr">
-                      <a:solidFill>
-                        <a:srgbClr val="000000"/>
-                      </a:solidFill>
-                      <a:prstDash val="solid"/>
-                      <a:round/>
-                      <a:headEnd type="none" w="med" len="med"/>
-                      <a:tailEnd type="none" w="med" len="med"/>
-                    </a:lnR>
-                    <a:lnT w="6350" cap="flat" cmpd="sng" algn="ctr">
-                      <a:solidFill>
-                        <a:srgbClr val="000000"/>
-                      </a:solidFill>
-                      <a:prstDash val="solid"/>
-                      <a:round/>
-                      <a:headEnd type="none" w="med" len="med"/>
-                      <a:tailEnd type="none" w="med" len="med"/>
-                    </a:lnT>
-                    <a:lnB w="6350" cap="flat" cmpd="sng" algn="ctr">
-                      <a:solidFill>
-                        <a:srgbClr val="000000"/>
-                      </a:solidFill>
-                      <a:prstDash val="solid"/>
-                      <a:round/>
-                      <a:headEnd type="none" w="med" len="med"/>
-                      <a:tailEnd type="none" w="med" len="med"/>
-                    </a:lnB>
-                    <a:solidFill>
-                      <a:srgbClr val="FFCC99"/>
-                    </a:solidFill>
-                  </a:tcPr>
-                </a:tc>
-                <a:tc>
-                  <a:txBody>
-                    <a:bodyPr/>
-                    <a:lstStyle/>
-                    <a:p>
-                      <a:pPr lvl="0" algn="ctr">
-                        <a:buNone/>
-                      </a:pPr>
-                      <a:endParaRPr lang="pt-BR" sz="1100" b="1" i="0" u="none" strike="noStrike">
-                        <a:solidFill>
-                          <a:srgbClr val="006100"/>
-                        </a:solidFill>
-                        <a:effectLst/>
-                        <a:latin typeface="Calibri"/>
-                      </a:endParaRPr>
-                    </a:p>
-                  </a:txBody>
-                  <a:tcPr marL="9525" marR="9525" marT="9525" marB="0" anchor="ctr">
-                    <a:lnL w="6350" cap="flat" cmpd="sng" algn="ctr">
-                      <a:solidFill>
-                        <a:srgbClr val="000000"/>
-                      </a:solidFill>
-                      <a:prstDash val="solid"/>
-                      <a:round/>
-                      <a:headEnd type="none" w="med" len="med"/>
-                      <a:tailEnd type="none" w="med" len="med"/>
-                    </a:lnL>
-                    <a:lnR w="6350" cap="flat" cmpd="sng" algn="ctr">
-                      <a:solidFill>
-                        <a:srgbClr val="000000"/>
-                      </a:solidFill>
-                      <a:prstDash val="solid"/>
-                      <a:round/>
-                      <a:headEnd type="none" w="med" len="med"/>
-                      <a:tailEnd type="none" w="med" len="med"/>
-                    </a:lnR>
-                    <a:lnT w="6350" cap="flat" cmpd="sng" algn="ctr">
-                      <a:solidFill>
-                        <a:srgbClr val="000000"/>
-                      </a:solidFill>
-                      <a:prstDash val="solid"/>
-                      <a:round/>
-                      <a:headEnd type="none" w="med" len="med"/>
-                      <a:tailEnd type="none" w="med" len="med"/>
-                    </a:lnT>
-                    <a:lnB w="6350" cap="flat" cmpd="sng" algn="ctr">
-                      <a:solidFill>
-                        <a:srgbClr val="000000"/>
-                      </a:solidFill>
-                      <a:prstDash val="solid"/>
-                      <a:round/>
-                      <a:headEnd type="none" w="med" len="med"/>
-                      <a:tailEnd type="none" w="med" len="med"/>
-                    </a:lnB>
-                    <a:solidFill>
-                      <a:srgbClr val="C6EFCE"/>
-                    </a:solidFill>
-                  </a:tcPr>
-                </a:tc>
-                <a:tc>
-                  <a:txBody>
-                    <a:bodyPr/>
-                    <a:lstStyle/>
-                    <a:p>
-                      <a:pPr lvl="0" algn="ctr">
-                        <a:buNone/>
-                      </a:pPr>
-                      <a:endParaRPr lang="pt-BR" sz="1100" b="1" i="0" u="none" strike="noStrike">
-                        <a:solidFill>
-                          <a:srgbClr val="006100"/>
-                        </a:solidFill>
-                        <a:effectLst/>
-                        <a:latin typeface="Calibri"/>
-                      </a:endParaRPr>
-                    </a:p>
-                  </a:txBody>
-                  <a:tcPr marL="9525" marR="9525" marT="9525" marB="0" anchor="ctr">
-                    <a:lnL w="6350" cap="flat" cmpd="sng" algn="ctr">
-                      <a:solidFill>
-                        <a:srgbClr val="000000"/>
-                      </a:solidFill>
-                      <a:prstDash val="solid"/>
-                      <a:round/>
-                      <a:headEnd type="none" w="med" len="med"/>
-                      <a:tailEnd type="none" w="med" len="med"/>
-                    </a:lnL>
-                    <a:lnR w="6350" cap="flat" cmpd="sng" algn="ctr">
-                      <a:solidFill>
-                        <a:srgbClr val="000000"/>
-                      </a:solidFill>
-                      <a:prstDash val="solid"/>
-                      <a:round/>
-                      <a:headEnd type="none" w="med" len="med"/>
-                      <a:tailEnd type="none" w="med" len="med"/>
-                    </a:lnR>
-                    <a:lnT w="6350" cap="flat" cmpd="sng" algn="ctr">
-                      <a:solidFill>
-                        <a:srgbClr val="000000"/>
-                      </a:solidFill>
-                      <a:prstDash val="solid"/>
-                      <a:round/>
-                      <a:headEnd type="none" w="med" len="med"/>
-                      <a:tailEnd type="none" w="med" len="med"/>
-                    </a:lnT>
-                    <a:lnB w="6350" cap="flat" cmpd="sng" algn="ctr">
-                      <a:solidFill>
-                        <a:srgbClr val="000000"/>
-                      </a:solidFill>
-                      <a:prstDash val="solid"/>
-                      <a:round/>
-                      <a:headEnd type="none" w="med" len="med"/>
-                      <a:tailEnd type="none" w="med" len="med"/>
-                    </a:lnB>
-                    <a:solidFill>
-                      <a:srgbClr val="C6EFCE"/>
-                    </a:solidFill>
-                  </a:tcPr>
-                </a:tc>
-                <a:tc>
-                  <a:txBody>
-                    <a:bodyPr/>
-                    <a:lstStyle/>
-                    <a:p>
-                      <a:pPr lvl="0" algn="ctr">
-                        <a:buNone/>
-                      </a:pPr>
-                      <a:endParaRPr lang="pt-BR" sz="1100" b="1" i="0" u="none" strike="noStrike">
-                        <a:solidFill>
-                          <a:srgbClr val="006100"/>
-                        </a:solidFill>
-                        <a:effectLst/>
-                        <a:latin typeface="Calibri"/>
-                      </a:endParaRPr>
-                    </a:p>
-                  </a:txBody>
-                  <a:tcPr marL="9525" marR="9525" marT="9525" marB="0" anchor="ctr">
-                    <a:lnL w="6350" cap="flat" cmpd="sng" algn="ctr">
-                      <a:solidFill>
-                        <a:srgbClr val="000000"/>
-                      </a:solidFill>
-                      <a:prstDash val="solid"/>
-                      <a:round/>
-                      <a:headEnd type="none" w="med" len="med"/>
-                      <a:tailEnd type="none" w="med" len="med"/>
-                    </a:lnL>
-                    <a:lnR w="6350" cap="flat" cmpd="sng" algn="ctr">
-                      <a:solidFill>
-                        <a:srgbClr val="000000"/>
-                      </a:solidFill>
-                      <a:prstDash val="solid"/>
-                      <a:round/>
-                      <a:headEnd type="none" w="med" len="med"/>
-                      <a:tailEnd type="none" w="med" len="med"/>
-                    </a:lnR>
-                    <a:lnT w="6350" cap="flat" cmpd="sng" algn="ctr">
-                      <a:solidFill>
-                        <a:srgbClr val="000000"/>
-                      </a:solidFill>
-                      <a:prstDash val="solid"/>
-                      <a:round/>
-                      <a:headEnd type="none" w="med" len="med"/>
-                      <a:tailEnd type="none" w="med" len="med"/>
-                    </a:lnT>
-                    <a:lnB w="6350" cap="flat" cmpd="sng" algn="ctr">
-                      <a:solidFill>
-                        <a:srgbClr val="000000"/>
-                      </a:solidFill>
-                      <a:prstDash val="solid"/>
-                      <a:round/>
-                      <a:headEnd type="none" w="med" len="med"/>
-                      <a:tailEnd type="none" w="med" len="med"/>
-                    </a:lnB>
-                    <a:solidFill>
-                      <a:srgbClr val="C6EFCE"/>
-                    </a:solidFill>
-                  </a:tcPr>
-                </a:tc>
-                <a:tc>
-                  <a:txBody>
-                    <a:bodyPr/>
-                    <a:lstStyle/>
-                    <a:p>
-                      <a:pPr lvl="0" algn="ctr">
-                        <a:buNone/>
-                      </a:pPr>
-                      <a:endParaRPr lang="pt-BR" sz="1100" b="1" i="0" u="none" strike="noStrike">
+                      <a:pPr algn="ctr" fontAlgn="ctr"/>
+                      <a:endParaRPr lang="pt-BR" sz="1100" b="0" i="0" u="none" strike="noStrike">
                         <a:solidFill>
                           <a:srgbClr val="000000"/>
                         </a:solidFill>
@@ -7084,17 +7061,1722 @@
                       <a:tailEnd type="none" w="med" len="med"/>
                     </a:lnB>
                     <a:solidFill>
+                      <a:srgbClr val="FCE4D6"/>
+                    </a:solidFill>
+                  </a:tcPr>
+                </a:tc>
+                <a:tc>
+                  <a:txBody>
+                    <a:bodyPr/>
+                    <a:lstStyle/>
+                    <a:p>
+                      <a:pPr algn="ctr" fontAlgn="ctr"/>
+                      <a:endParaRPr lang="pt-BR" sz="1100" b="0" i="0" u="none" strike="noStrike">
+                        <a:solidFill>
+                          <a:srgbClr val="000000"/>
+                        </a:solidFill>
+                        <a:effectLst/>
+                        <a:latin typeface="Arial"/>
+                      </a:endParaRPr>
+                    </a:p>
+                  </a:txBody>
+                  <a:tcPr marL="9525" marR="9525" marT="9525" marB="0" anchor="ctr">
+                    <a:lnL w="6350" cap="flat" cmpd="sng" algn="ctr">
+                      <a:solidFill>
+                        <a:srgbClr val="000000"/>
+                      </a:solidFill>
+                      <a:prstDash val="solid"/>
+                      <a:round/>
+                      <a:headEnd type="none" w="med" len="med"/>
+                      <a:tailEnd type="none" w="med" len="med"/>
+                    </a:lnL>
+                    <a:lnR w="6350" cap="flat" cmpd="sng" algn="ctr">
+                      <a:solidFill>
+                        <a:srgbClr val="000000"/>
+                      </a:solidFill>
+                      <a:prstDash val="solid"/>
+                      <a:round/>
+                      <a:headEnd type="none" w="med" len="med"/>
+                      <a:tailEnd type="none" w="med" len="med"/>
+                    </a:lnR>
+                    <a:lnT w="6350" cap="flat" cmpd="sng" algn="ctr">
+                      <a:solidFill>
+                        <a:srgbClr val="000000"/>
+                      </a:solidFill>
+                      <a:prstDash val="solid"/>
+                      <a:round/>
+                      <a:headEnd type="none" w="med" len="med"/>
+                      <a:tailEnd type="none" w="med" len="med"/>
+                    </a:lnT>
+                    <a:lnB w="6350" cap="flat" cmpd="sng" algn="ctr">
+                      <a:solidFill>
+                        <a:srgbClr val="000000"/>
+                      </a:solidFill>
+                      <a:prstDash val="solid"/>
+                      <a:round/>
+                      <a:headEnd type="none" w="med" len="med"/>
+                      <a:tailEnd type="none" w="med" len="med"/>
+                    </a:lnB>
+                    <a:solidFill>
+                      <a:srgbClr val="E2EFDA"/>
+                    </a:solidFill>
+                  </a:tcPr>
+                </a:tc>
+                <a:tc>
+                  <a:txBody>
+                    <a:bodyPr/>
+                    <a:lstStyle/>
+                    <a:p>
+                      <a:pPr algn="ctr" fontAlgn="ctr"/>
+                      <a:endParaRPr lang="pt-BR" sz="1100" b="0" i="0" u="none" strike="noStrike">
+                        <a:solidFill>
+                          <a:srgbClr val="000000"/>
+                        </a:solidFill>
+                        <a:effectLst/>
+                        <a:latin typeface="Arial"/>
+                      </a:endParaRPr>
+                    </a:p>
+                  </a:txBody>
+                  <a:tcPr marL="9525" marR="9525" marT="9525" marB="0" anchor="ctr">
+                    <a:lnL w="6350" cap="flat" cmpd="sng" algn="ctr">
+                      <a:solidFill>
+                        <a:srgbClr val="000000"/>
+                      </a:solidFill>
+                      <a:prstDash val="solid"/>
+                      <a:round/>
+                      <a:headEnd type="none" w="med" len="med"/>
+                      <a:tailEnd type="none" w="med" len="med"/>
+                    </a:lnL>
+                    <a:lnR w="6350" cap="flat" cmpd="sng" algn="ctr">
+                      <a:solidFill>
+                        <a:srgbClr val="000000"/>
+                      </a:solidFill>
+                      <a:prstDash val="solid"/>
+                      <a:round/>
+                      <a:headEnd type="none" w="med" len="med"/>
+                      <a:tailEnd type="none" w="med" len="med"/>
+                    </a:lnR>
+                    <a:lnT w="6350" cap="flat" cmpd="sng" algn="ctr">
+                      <a:solidFill>
+                        <a:srgbClr val="000000"/>
+                      </a:solidFill>
+                      <a:prstDash val="solid"/>
+                      <a:round/>
+                      <a:headEnd type="none" w="med" len="med"/>
+                      <a:tailEnd type="none" w="med" len="med"/>
+                    </a:lnT>
+                    <a:lnB w="6350" cap="flat" cmpd="sng" algn="ctr">
+                      <a:solidFill>
+                        <a:srgbClr val="000000"/>
+                      </a:solidFill>
+                      <a:prstDash val="solid"/>
+                      <a:round/>
+                      <a:headEnd type="none" w="med" len="med"/>
+                      <a:tailEnd type="none" w="med" len="med"/>
+                    </a:lnB>
+                    <a:solidFill>
+                      <a:srgbClr val="E2EFDA"/>
+                    </a:solidFill>
+                  </a:tcPr>
+                </a:tc>
+                <a:tc>
+                  <a:txBody>
+                    <a:bodyPr/>
+                    <a:lstStyle/>
+                    <a:p>
+                      <a:pPr algn="ctr" fontAlgn="ctr"/>
+                      <a:endParaRPr lang="pt-BR" sz="1100" b="0" i="0" u="none" strike="noStrike">
+                        <a:solidFill>
+                          <a:srgbClr val="000000"/>
+                        </a:solidFill>
+                        <a:effectLst/>
+                        <a:latin typeface="Arial"/>
+                      </a:endParaRPr>
+                    </a:p>
+                  </a:txBody>
+                  <a:tcPr marL="9525" marR="9525" marT="9525" marB="0" anchor="ctr">
+                    <a:lnL w="6350" cap="flat" cmpd="sng" algn="ctr">
+                      <a:solidFill>
+                        <a:srgbClr val="000000"/>
+                      </a:solidFill>
+                      <a:prstDash val="solid"/>
+                      <a:round/>
+                      <a:headEnd type="none" w="med" len="med"/>
+                      <a:tailEnd type="none" w="med" len="med"/>
+                    </a:lnL>
+                    <a:lnR w="6350" cap="flat" cmpd="sng" algn="ctr">
+                      <a:solidFill>
+                        <a:srgbClr val="000000"/>
+                      </a:solidFill>
+                      <a:prstDash val="solid"/>
+                      <a:round/>
+                      <a:headEnd type="none" w="med" len="med"/>
+                      <a:tailEnd type="none" w="med" len="med"/>
+                    </a:lnR>
+                    <a:lnT w="6350" cap="flat" cmpd="sng" algn="ctr">
+                      <a:solidFill>
+                        <a:srgbClr val="000000"/>
+                      </a:solidFill>
+                      <a:prstDash val="solid"/>
+                      <a:round/>
+                      <a:headEnd type="none" w="med" len="med"/>
+                      <a:tailEnd type="none" w="med" len="med"/>
+                    </a:lnT>
+                    <a:lnB w="6350" cap="flat" cmpd="sng" algn="ctr">
+                      <a:solidFill>
+                        <a:srgbClr val="000000"/>
+                      </a:solidFill>
+                      <a:prstDash val="solid"/>
+                      <a:round/>
+                      <a:headEnd type="none" w="med" len="med"/>
+                      <a:tailEnd type="none" w="med" len="med"/>
+                    </a:lnB>
+                    <a:solidFill>
+                      <a:srgbClr val="E2EFDA"/>
+                    </a:solidFill>
+                  </a:tcPr>
+                </a:tc>
+                <a:tc>
+                  <a:txBody>
+                    <a:bodyPr/>
+                    <a:lstStyle/>
+                    <a:p>
+                      <a:pPr algn="ctr" fontAlgn="ctr"/>
+                      <a:endParaRPr lang="pt-BR" sz="1100" b="0" i="0" u="none" strike="noStrike">
+                        <a:solidFill>
+                          <a:srgbClr val="000000"/>
+                        </a:solidFill>
+                        <a:effectLst/>
+                        <a:latin typeface="Arial"/>
+                      </a:endParaRPr>
+                    </a:p>
+                  </a:txBody>
+                  <a:tcPr marL="9525" marR="9525" marT="9525" marB="0" anchor="ctr">
+                    <a:lnL w="6350" cap="flat" cmpd="sng" algn="ctr">
+                      <a:solidFill>
+                        <a:srgbClr val="000000"/>
+                      </a:solidFill>
+                      <a:prstDash val="solid"/>
+                      <a:round/>
+                      <a:headEnd type="none" w="med" len="med"/>
+                      <a:tailEnd type="none" w="med" len="med"/>
+                    </a:lnL>
+                    <a:lnR w="6350" cap="flat" cmpd="sng" algn="ctr">
+                      <a:solidFill>
+                        <a:srgbClr val="000000"/>
+                      </a:solidFill>
+                      <a:prstDash val="solid"/>
+                      <a:round/>
+                      <a:headEnd type="none" w="med" len="med"/>
+                      <a:tailEnd type="none" w="med" len="med"/>
+                    </a:lnR>
+                    <a:lnT w="6350" cap="flat" cmpd="sng" algn="ctr">
+                      <a:solidFill>
+                        <a:srgbClr val="000000"/>
+                      </a:solidFill>
+                      <a:prstDash val="solid"/>
+                      <a:round/>
+                      <a:headEnd type="none" w="med" len="med"/>
+                      <a:tailEnd type="none" w="med" len="med"/>
+                    </a:lnT>
+                    <a:lnB w="6350" cap="flat" cmpd="sng" algn="ctr">
+                      <a:solidFill>
+                        <a:srgbClr val="000000"/>
+                      </a:solidFill>
+                      <a:prstDash val="solid"/>
+                      <a:round/>
+                      <a:headEnd type="none" w="med" len="med"/>
+                      <a:tailEnd type="none" w="med" len="med"/>
+                    </a:lnB>
+                    <a:solidFill>
                       <a:srgbClr val="D0CECE"/>
                     </a:solidFill>
                   </a:tcPr>
                 </a:tc>
                 <a:extLst>
                   <a:ext uri="{0D108BD9-81ED-4DB2-BD59-A6C34878D82A}">
-                    <a16:rowId xmlns:a16="http://schemas.microsoft.com/office/drawing/2014/main" val="566045296"/>
+                    <a16:rowId xmlns:a16="http://schemas.microsoft.com/office/drawing/2014/main" val="1478584789"/>
                   </a:ext>
                 </a:extLst>
               </a:tr>
-              <a:tr h="423023">
+              <a:tr h="365760">
+                <a:tc vMerge="1">
+                  <a:txBody>
+                    <a:bodyPr/>
+                    <a:lstStyle/>
+                    <a:p>
+                      <a:endParaRPr lang="pt-BR"/>
+                    </a:p>
+                  </a:txBody>
+                  <a:tcPr/>
+                </a:tc>
+                <a:tc vMerge="1">
+                  <a:txBody>
+                    <a:bodyPr/>
+                    <a:lstStyle/>
+                    <a:p>
+                      <a:endParaRPr lang="pt-BR"/>
+                    </a:p>
+                  </a:txBody>
+                  <a:tcPr/>
+                </a:tc>
+                <a:tc>
+                  <a:txBody>
+                    <a:bodyPr/>
+                    <a:lstStyle/>
+                    <a:p>
+                      <a:pPr algn="ctr" fontAlgn="b"/>
+                      <a:r>
+                        <a:rPr lang="pt-BR" sz="1100" b="0" i="0" u="none" strike="noStrike">
+                          <a:solidFill>
+                            <a:srgbClr val="000000"/>
+                          </a:solidFill>
+                          <a:effectLst/>
+                          <a:latin typeface="Arial"/>
+                        </a:rPr>
+                        <a:t>5</a:t>
+                      </a:r>
+                    </a:p>
+                  </a:txBody>
+                  <a:tcPr marL="9525" marR="9525" marT="9525" marB="0" anchor="ctr">
+                    <a:lnL w="6350" cap="flat" cmpd="sng" algn="ctr">
+                      <a:solidFill>
+                        <a:srgbClr val="000000"/>
+                      </a:solidFill>
+                      <a:prstDash val="solid"/>
+                      <a:round/>
+                      <a:headEnd type="none" w="med" len="med"/>
+                      <a:tailEnd type="none" w="med" len="med"/>
+                    </a:lnL>
+                    <a:lnR w="6350" cap="flat" cmpd="sng" algn="ctr">
+                      <a:solidFill>
+                        <a:srgbClr val="000000"/>
+                      </a:solidFill>
+                      <a:prstDash val="solid"/>
+                      <a:round/>
+                      <a:headEnd type="none" w="med" len="med"/>
+                      <a:tailEnd type="none" w="med" len="med"/>
+                    </a:lnR>
+                    <a:lnT w="6350" cap="flat" cmpd="sng" algn="ctr">
+                      <a:solidFill>
+                        <a:srgbClr val="000000"/>
+                      </a:solidFill>
+                      <a:prstDash val="solid"/>
+                      <a:round/>
+                      <a:headEnd type="none" w="med" len="med"/>
+                      <a:tailEnd type="none" w="med" len="med"/>
+                    </a:lnT>
+                    <a:lnB w="6350" cap="flat" cmpd="sng" algn="ctr">
+                      <a:solidFill>
+                        <a:srgbClr val="000000"/>
+                      </a:solidFill>
+                      <a:prstDash val="solid"/>
+                      <a:round/>
+                      <a:headEnd type="none" w="med" len="med"/>
+                      <a:tailEnd type="none" w="med" len="med"/>
+                    </a:lnB>
+                  </a:tcPr>
+                </a:tc>
+                <a:tc>
+                  <a:txBody>
+                    <a:bodyPr/>
+                    <a:lstStyle/>
+                    <a:p>
+                      <a:pPr algn="l" fontAlgn="ctr"/>
+                      <a:r>
+                        <a:rPr lang="pt-BR" sz="1100" b="0" i="0" u="none" strike="noStrike">
+                          <a:solidFill>
+                            <a:srgbClr val="000000"/>
+                          </a:solidFill>
+                          <a:effectLst/>
+                          <a:latin typeface="Arial"/>
+                        </a:rPr>
+                        <a:t>Confecção faz uma análise e cria um relatório</a:t>
+                      </a:r>
+                      <a:endParaRPr lang="pt-BR" sz="1100" b="0" i="0" u="none" strike="noStrike" err="1">
+                        <a:solidFill>
+                          <a:srgbClr val="000000"/>
+                        </a:solidFill>
+                        <a:effectLst/>
+                        <a:latin typeface="Arial"/>
+                      </a:endParaRPr>
+                    </a:p>
+                  </a:txBody>
+                  <a:tcPr marL="9525" marR="9525" marT="9525" marB="0" anchor="ctr">
+                    <a:lnL w="6350" cap="flat" cmpd="sng" algn="ctr">
+                      <a:solidFill>
+                        <a:srgbClr val="000000"/>
+                      </a:solidFill>
+                      <a:prstDash val="solid"/>
+                      <a:round/>
+                      <a:headEnd type="none" w="med" len="med"/>
+                      <a:tailEnd type="none" w="med" len="med"/>
+                    </a:lnL>
+                    <a:lnR w="6350" cap="flat" cmpd="sng" algn="ctr">
+                      <a:solidFill>
+                        <a:srgbClr val="000000"/>
+                      </a:solidFill>
+                      <a:prstDash val="solid"/>
+                      <a:round/>
+                      <a:headEnd type="none" w="med" len="med"/>
+                      <a:tailEnd type="none" w="med" len="med"/>
+                    </a:lnR>
+                    <a:lnT w="6350" cap="flat" cmpd="sng" algn="ctr">
+                      <a:solidFill>
+                        <a:srgbClr val="000000"/>
+                      </a:solidFill>
+                      <a:prstDash val="solid"/>
+                      <a:round/>
+                      <a:headEnd type="none" w="med" len="med"/>
+                      <a:tailEnd type="none" w="med" len="med"/>
+                    </a:lnT>
+                    <a:lnB w="6350" cap="flat" cmpd="sng" algn="ctr">
+                      <a:solidFill>
+                        <a:srgbClr val="000000"/>
+                      </a:solidFill>
+                      <a:prstDash val="solid"/>
+                      <a:round/>
+                      <a:headEnd type="none" w="med" len="med"/>
+                      <a:tailEnd type="none" w="med" len="med"/>
+                    </a:lnB>
+                  </a:tcPr>
+                </a:tc>
+                <a:tc>
+                  <a:txBody>
+                    <a:bodyPr/>
+                    <a:lstStyle/>
+                    <a:p>
+                      <a:pPr algn="ctr" fontAlgn="ctr"/>
+                      <a:endParaRPr lang="pt-BR" sz="1100" b="0" i="0" u="none" strike="noStrike">
+                        <a:solidFill>
+                          <a:srgbClr val="000000"/>
+                        </a:solidFill>
+                        <a:effectLst/>
+                        <a:latin typeface="Arial"/>
+                      </a:endParaRPr>
+                    </a:p>
+                  </a:txBody>
+                  <a:tcPr marL="9525" marR="9525" marT="9525" marB="0" anchor="ctr">
+                    <a:lnL w="6350" cap="flat" cmpd="sng" algn="ctr">
+                      <a:solidFill>
+                        <a:srgbClr val="000000"/>
+                      </a:solidFill>
+                      <a:prstDash val="solid"/>
+                      <a:round/>
+                      <a:headEnd type="none" w="med" len="med"/>
+                      <a:tailEnd type="none" w="med" len="med"/>
+                    </a:lnL>
+                    <a:lnR w="6350" cap="flat" cmpd="sng" algn="ctr">
+                      <a:solidFill>
+                        <a:srgbClr val="000000"/>
+                      </a:solidFill>
+                      <a:prstDash val="solid"/>
+                      <a:round/>
+                      <a:headEnd type="none" w="med" len="med"/>
+                      <a:tailEnd type="none" w="med" len="med"/>
+                    </a:lnR>
+                    <a:lnT w="6350" cap="flat" cmpd="sng" algn="ctr">
+                      <a:solidFill>
+                        <a:srgbClr val="000000"/>
+                      </a:solidFill>
+                      <a:prstDash val="solid"/>
+                      <a:round/>
+                      <a:headEnd type="none" w="med" len="med"/>
+                      <a:tailEnd type="none" w="med" len="med"/>
+                    </a:lnT>
+                    <a:lnB w="6350" cap="flat" cmpd="sng" algn="ctr">
+                      <a:solidFill>
+                        <a:srgbClr val="000000"/>
+                      </a:solidFill>
+                      <a:prstDash val="solid"/>
+                      <a:round/>
+                      <a:headEnd type="none" w="med" len="med"/>
+                      <a:tailEnd type="none" w="med" len="med"/>
+                    </a:lnB>
+                    <a:solidFill>
+                      <a:srgbClr val="FCE4D6"/>
+                    </a:solidFill>
+                  </a:tcPr>
+                </a:tc>
+                <a:tc>
+                  <a:txBody>
+                    <a:bodyPr/>
+                    <a:lstStyle/>
+                    <a:p>
+                      <a:pPr algn="ctr" fontAlgn="ctr"/>
+                      <a:endParaRPr lang="pt-BR" sz="1100" b="0" i="0" u="none" strike="noStrike">
+                        <a:solidFill>
+                          <a:srgbClr val="000000"/>
+                        </a:solidFill>
+                        <a:effectLst/>
+                        <a:latin typeface="Arial"/>
+                      </a:endParaRPr>
+                    </a:p>
+                  </a:txBody>
+                  <a:tcPr marL="9525" marR="9525" marT="9525" marB="0" anchor="ctr">
+                    <a:lnL w="6350" cap="flat" cmpd="sng" algn="ctr">
+                      <a:solidFill>
+                        <a:srgbClr val="000000"/>
+                      </a:solidFill>
+                      <a:prstDash val="solid"/>
+                      <a:round/>
+                      <a:headEnd type="none" w="med" len="med"/>
+                      <a:tailEnd type="none" w="med" len="med"/>
+                    </a:lnL>
+                    <a:lnR w="6350" cap="flat" cmpd="sng" algn="ctr">
+                      <a:solidFill>
+                        <a:srgbClr val="000000"/>
+                      </a:solidFill>
+                      <a:prstDash val="solid"/>
+                      <a:round/>
+                      <a:headEnd type="none" w="med" len="med"/>
+                      <a:tailEnd type="none" w="med" len="med"/>
+                    </a:lnR>
+                    <a:lnT w="6350" cap="flat" cmpd="sng" algn="ctr">
+                      <a:solidFill>
+                        <a:srgbClr val="000000"/>
+                      </a:solidFill>
+                      <a:prstDash val="solid"/>
+                      <a:round/>
+                      <a:headEnd type="none" w="med" len="med"/>
+                      <a:tailEnd type="none" w="med" len="med"/>
+                    </a:lnT>
+                    <a:lnB w="6350" cap="flat" cmpd="sng" algn="ctr">
+                      <a:solidFill>
+                        <a:srgbClr val="000000"/>
+                      </a:solidFill>
+                      <a:prstDash val="solid"/>
+                      <a:round/>
+                      <a:headEnd type="none" w="med" len="med"/>
+                      <a:tailEnd type="none" w="med" len="med"/>
+                    </a:lnB>
+                    <a:solidFill>
+                      <a:srgbClr val="FCE4D6"/>
+                    </a:solidFill>
+                  </a:tcPr>
+                </a:tc>
+                <a:tc>
+                  <a:txBody>
+                    <a:bodyPr/>
+                    <a:lstStyle/>
+                    <a:p>
+                      <a:pPr algn="ctr" fontAlgn="ctr"/>
+                      <a:r>
+                        <a:rPr lang="pt-BR" sz="1100" b="0" i="0" u="none" strike="noStrike">
+                          <a:solidFill>
+                            <a:srgbClr val="000000"/>
+                          </a:solidFill>
+                          <a:effectLst/>
+                          <a:latin typeface="Arial"/>
+                        </a:rPr>
+                        <a:t>x(4)</a:t>
+                      </a:r>
+                    </a:p>
+                  </a:txBody>
+                  <a:tcPr marL="9525" marR="9525" marT="9525" marB="0" anchor="ctr">
+                    <a:lnL w="6350" cap="flat" cmpd="sng" algn="ctr">
+                      <a:solidFill>
+                        <a:srgbClr val="000000"/>
+                      </a:solidFill>
+                      <a:prstDash val="solid"/>
+                      <a:round/>
+                      <a:headEnd type="none" w="med" len="med"/>
+                      <a:tailEnd type="none" w="med" len="med"/>
+                    </a:lnL>
+                    <a:lnR w="6350" cap="flat" cmpd="sng" algn="ctr">
+                      <a:solidFill>
+                        <a:srgbClr val="000000"/>
+                      </a:solidFill>
+                      <a:prstDash val="solid"/>
+                      <a:round/>
+                      <a:headEnd type="none" w="med" len="med"/>
+                      <a:tailEnd type="none" w="med" len="med"/>
+                    </a:lnR>
+                    <a:lnT w="6350" cap="flat" cmpd="sng" algn="ctr">
+                      <a:solidFill>
+                        <a:srgbClr val="000000"/>
+                      </a:solidFill>
+                      <a:prstDash val="solid"/>
+                      <a:round/>
+                      <a:headEnd type="none" w="med" len="med"/>
+                      <a:tailEnd type="none" w="med" len="med"/>
+                    </a:lnT>
+                    <a:lnB w="6350" cap="flat" cmpd="sng" algn="ctr">
+                      <a:solidFill>
+                        <a:srgbClr val="000000"/>
+                      </a:solidFill>
+                      <a:prstDash val="solid"/>
+                      <a:round/>
+                      <a:headEnd type="none" w="med" len="med"/>
+                      <a:tailEnd type="none" w="med" len="med"/>
+                    </a:lnB>
+                    <a:solidFill>
+                      <a:srgbClr val="E2EFDA"/>
+                    </a:solidFill>
+                  </a:tcPr>
+                </a:tc>
+                <a:tc>
+                  <a:txBody>
+                    <a:bodyPr/>
+                    <a:lstStyle/>
+                    <a:p>
+                      <a:pPr algn="ctr" fontAlgn="ctr"/>
+                      <a:endParaRPr lang="pt-BR" sz="1100" b="0" i="0" u="none" strike="noStrike">
+                        <a:solidFill>
+                          <a:srgbClr val="000000"/>
+                        </a:solidFill>
+                        <a:effectLst/>
+                        <a:latin typeface="Arial"/>
+                      </a:endParaRPr>
+                    </a:p>
+                  </a:txBody>
+                  <a:tcPr marL="9525" marR="9525" marT="9525" marB="0" anchor="ctr">
+                    <a:lnL w="6350" cap="flat" cmpd="sng" algn="ctr">
+                      <a:solidFill>
+                        <a:srgbClr val="000000"/>
+                      </a:solidFill>
+                      <a:prstDash val="solid"/>
+                      <a:round/>
+                      <a:headEnd type="none" w="med" len="med"/>
+                      <a:tailEnd type="none" w="med" len="med"/>
+                    </a:lnL>
+                    <a:lnR w="6350" cap="flat" cmpd="sng" algn="ctr">
+                      <a:solidFill>
+                        <a:srgbClr val="000000"/>
+                      </a:solidFill>
+                      <a:prstDash val="solid"/>
+                      <a:round/>
+                      <a:headEnd type="none" w="med" len="med"/>
+                      <a:tailEnd type="none" w="med" len="med"/>
+                    </a:lnR>
+                    <a:lnT w="6350" cap="flat" cmpd="sng" algn="ctr">
+                      <a:solidFill>
+                        <a:srgbClr val="000000"/>
+                      </a:solidFill>
+                      <a:prstDash val="solid"/>
+                      <a:round/>
+                      <a:headEnd type="none" w="med" len="med"/>
+                      <a:tailEnd type="none" w="med" len="med"/>
+                    </a:lnT>
+                    <a:lnB w="6350" cap="flat" cmpd="sng" algn="ctr">
+                      <a:solidFill>
+                        <a:srgbClr val="000000"/>
+                      </a:solidFill>
+                      <a:prstDash val="solid"/>
+                      <a:round/>
+                      <a:headEnd type="none" w="med" len="med"/>
+                      <a:tailEnd type="none" w="med" len="med"/>
+                    </a:lnB>
+                    <a:solidFill>
+                      <a:srgbClr val="E2EFDA"/>
+                    </a:solidFill>
+                  </a:tcPr>
+                </a:tc>
+                <a:tc>
+                  <a:txBody>
+                    <a:bodyPr/>
+                    <a:lstStyle/>
+                    <a:p>
+                      <a:pPr algn="ctr" fontAlgn="ctr"/>
+                      <a:endParaRPr lang="pt-BR" sz="1100" b="0" i="0" u="none" strike="noStrike">
+                        <a:solidFill>
+                          <a:srgbClr val="000000"/>
+                        </a:solidFill>
+                        <a:effectLst/>
+                        <a:latin typeface="Arial"/>
+                      </a:endParaRPr>
+                    </a:p>
+                  </a:txBody>
+                  <a:tcPr marL="9525" marR="9525" marT="9525" marB="0" anchor="ctr">
+                    <a:lnL w="6350" cap="flat" cmpd="sng" algn="ctr">
+                      <a:solidFill>
+                        <a:srgbClr val="000000"/>
+                      </a:solidFill>
+                      <a:prstDash val="solid"/>
+                      <a:round/>
+                      <a:headEnd type="none" w="med" len="med"/>
+                      <a:tailEnd type="none" w="med" len="med"/>
+                    </a:lnL>
+                    <a:lnR w="6350" cap="flat" cmpd="sng" algn="ctr">
+                      <a:solidFill>
+                        <a:srgbClr val="000000"/>
+                      </a:solidFill>
+                      <a:prstDash val="solid"/>
+                      <a:round/>
+                      <a:headEnd type="none" w="med" len="med"/>
+                      <a:tailEnd type="none" w="med" len="med"/>
+                    </a:lnR>
+                    <a:lnT w="6350" cap="flat" cmpd="sng" algn="ctr">
+                      <a:solidFill>
+                        <a:srgbClr val="000000"/>
+                      </a:solidFill>
+                      <a:prstDash val="solid"/>
+                      <a:round/>
+                      <a:headEnd type="none" w="med" len="med"/>
+                      <a:tailEnd type="none" w="med" len="med"/>
+                    </a:lnT>
+                    <a:lnB w="6350" cap="flat" cmpd="sng" algn="ctr">
+                      <a:solidFill>
+                        <a:srgbClr val="000000"/>
+                      </a:solidFill>
+                      <a:prstDash val="solid"/>
+                      <a:round/>
+                      <a:headEnd type="none" w="med" len="med"/>
+                      <a:tailEnd type="none" w="med" len="med"/>
+                    </a:lnB>
+                    <a:solidFill>
+                      <a:srgbClr val="E2EFDA"/>
+                    </a:solidFill>
+                  </a:tcPr>
+                </a:tc>
+                <a:tc>
+                  <a:txBody>
+                    <a:bodyPr/>
+                    <a:lstStyle/>
+                    <a:p>
+                      <a:pPr algn="ctr" fontAlgn="ctr"/>
+                      <a:endParaRPr lang="pt-BR" sz="1100" b="0" i="0" u="none" strike="noStrike">
+                        <a:solidFill>
+                          <a:srgbClr val="000000"/>
+                        </a:solidFill>
+                        <a:effectLst/>
+                        <a:latin typeface="Arial"/>
+                      </a:endParaRPr>
+                    </a:p>
+                  </a:txBody>
+                  <a:tcPr marL="9525" marR="9525" marT="9525" marB="0" anchor="ctr">
+                    <a:lnL w="6350" cap="flat" cmpd="sng" algn="ctr">
+                      <a:solidFill>
+                        <a:srgbClr val="000000"/>
+                      </a:solidFill>
+                      <a:prstDash val="solid"/>
+                      <a:round/>
+                      <a:headEnd type="none" w="med" len="med"/>
+                      <a:tailEnd type="none" w="med" len="med"/>
+                    </a:lnL>
+                    <a:lnR w="6350" cap="flat" cmpd="sng" algn="ctr">
+                      <a:solidFill>
+                        <a:srgbClr val="000000"/>
+                      </a:solidFill>
+                      <a:prstDash val="solid"/>
+                      <a:round/>
+                      <a:headEnd type="none" w="med" len="med"/>
+                      <a:tailEnd type="none" w="med" len="med"/>
+                    </a:lnR>
+                    <a:lnT w="6350" cap="flat" cmpd="sng" algn="ctr">
+                      <a:solidFill>
+                        <a:srgbClr val="000000"/>
+                      </a:solidFill>
+                      <a:prstDash val="solid"/>
+                      <a:round/>
+                      <a:headEnd type="none" w="med" len="med"/>
+                      <a:tailEnd type="none" w="med" len="med"/>
+                    </a:lnT>
+                    <a:lnB w="6350" cap="flat" cmpd="sng" algn="ctr">
+                      <a:solidFill>
+                        <a:srgbClr val="000000"/>
+                      </a:solidFill>
+                      <a:prstDash val="solid"/>
+                      <a:round/>
+                      <a:headEnd type="none" w="med" len="med"/>
+                      <a:tailEnd type="none" w="med" len="med"/>
+                    </a:lnB>
+                    <a:solidFill>
+                      <a:srgbClr val="D0CECE"/>
+                    </a:solidFill>
+                  </a:tcPr>
+                </a:tc>
+                <a:extLst>
+                  <a:ext uri="{0D108BD9-81ED-4DB2-BD59-A6C34878D82A}">
+                    <a16:rowId xmlns:a16="http://schemas.microsoft.com/office/drawing/2014/main" val="3594419297"/>
+                  </a:ext>
+                </a:extLst>
+              </a:tr>
+              <a:tr h="365760">
+                <a:tc vMerge="1">
+                  <a:txBody>
+                    <a:bodyPr/>
+                    <a:lstStyle/>
+                    <a:p>
+                      <a:endParaRPr lang="pt-BR"/>
+                    </a:p>
+                  </a:txBody>
+                  <a:tcPr/>
+                </a:tc>
+                <a:tc vMerge="1">
+                  <a:txBody>
+                    <a:bodyPr/>
+                    <a:lstStyle/>
+                    <a:p>
+                      <a:endParaRPr lang="pt-BR"/>
+                    </a:p>
+                  </a:txBody>
+                  <a:tcPr/>
+                </a:tc>
+                <a:tc>
+                  <a:txBody>
+                    <a:bodyPr/>
+                    <a:lstStyle/>
+                    <a:p>
+                      <a:pPr algn="ctr" fontAlgn="b"/>
+                      <a:r>
+                        <a:rPr lang="pt-BR" sz="1100" b="0" i="0" u="none" strike="noStrike">
+                          <a:solidFill>
+                            <a:srgbClr val="000000"/>
+                          </a:solidFill>
+                          <a:effectLst/>
+                          <a:latin typeface="Arial"/>
+                        </a:rPr>
+                        <a:t>6</a:t>
+                      </a:r>
+                    </a:p>
+                  </a:txBody>
+                  <a:tcPr marL="9525" marR="9525" marT="9525" marB="0" anchor="ctr">
+                    <a:lnL w="6350" cap="flat" cmpd="sng" algn="ctr">
+                      <a:solidFill>
+                        <a:srgbClr val="000000"/>
+                      </a:solidFill>
+                      <a:prstDash val="solid"/>
+                      <a:round/>
+                      <a:headEnd type="none" w="med" len="med"/>
+                      <a:tailEnd type="none" w="med" len="med"/>
+                    </a:lnL>
+                    <a:lnR w="6350" cap="flat" cmpd="sng" algn="ctr">
+                      <a:solidFill>
+                        <a:srgbClr val="000000"/>
+                      </a:solidFill>
+                      <a:prstDash val="solid"/>
+                      <a:round/>
+                      <a:headEnd type="none" w="med" len="med"/>
+                      <a:tailEnd type="none" w="med" len="med"/>
+                    </a:lnR>
+                    <a:lnT w="6350" cap="flat" cmpd="sng" algn="ctr">
+                      <a:solidFill>
+                        <a:srgbClr val="000000"/>
+                      </a:solidFill>
+                      <a:prstDash val="solid"/>
+                      <a:round/>
+                      <a:headEnd type="none" w="med" len="med"/>
+                      <a:tailEnd type="none" w="med" len="med"/>
+                    </a:lnT>
+                    <a:lnB w="6350" cap="flat" cmpd="sng" algn="ctr">
+                      <a:solidFill>
+                        <a:srgbClr val="000000"/>
+                      </a:solidFill>
+                      <a:prstDash val="solid"/>
+                      <a:round/>
+                      <a:headEnd type="none" w="med" len="med"/>
+                      <a:tailEnd type="none" w="med" len="med"/>
+                    </a:lnB>
+                  </a:tcPr>
+                </a:tc>
+                <a:tc>
+                  <a:txBody>
+                    <a:bodyPr/>
+                    <a:lstStyle/>
+                    <a:p>
+                      <a:pPr algn="l" fontAlgn="ctr"/>
+                      <a:r>
+                        <a:rPr lang="pt-BR" sz="1100" b="0" i="0" u="none" strike="noStrike">
+                          <a:solidFill>
+                            <a:srgbClr val="000000"/>
+                          </a:solidFill>
+                          <a:effectLst/>
+                          <a:latin typeface="Arial"/>
+                        </a:rPr>
+                        <a:t>Confecção recebe do banco o recibo de estorno</a:t>
+                      </a:r>
+                    </a:p>
+                  </a:txBody>
+                  <a:tcPr marL="9525" marR="9525" marT="9525" marB="0" anchor="ctr">
+                    <a:lnL w="6350" cap="flat" cmpd="sng" algn="ctr">
+                      <a:solidFill>
+                        <a:srgbClr val="000000"/>
+                      </a:solidFill>
+                      <a:prstDash val="solid"/>
+                      <a:round/>
+                      <a:headEnd type="none" w="med" len="med"/>
+                      <a:tailEnd type="none" w="med" len="med"/>
+                    </a:lnL>
+                    <a:lnR w="6350" cap="flat" cmpd="sng" algn="ctr">
+                      <a:solidFill>
+                        <a:srgbClr val="000000"/>
+                      </a:solidFill>
+                      <a:prstDash val="solid"/>
+                      <a:round/>
+                      <a:headEnd type="none" w="med" len="med"/>
+                      <a:tailEnd type="none" w="med" len="med"/>
+                    </a:lnR>
+                    <a:lnT w="6350" cap="flat" cmpd="sng" algn="ctr">
+                      <a:solidFill>
+                        <a:srgbClr val="000000"/>
+                      </a:solidFill>
+                      <a:prstDash val="solid"/>
+                      <a:round/>
+                      <a:headEnd type="none" w="med" len="med"/>
+                      <a:tailEnd type="none" w="med" len="med"/>
+                    </a:lnT>
+                    <a:lnB w="6350" cap="flat" cmpd="sng" algn="ctr">
+                      <a:solidFill>
+                        <a:srgbClr val="000000"/>
+                      </a:solidFill>
+                      <a:prstDash val="solid"/>
+                      <a:round/>
+                      <a:headEnd type="none" w="med" len="med"/>
+                      <a:tailEnd type="none" w="med" len="med"/>
+                    </a:lnB>
+                  </a:tcPr>
+                </a:tc>
+                <a:tc>
+                  <a:txBody>
+                    <a:bodyPr/>
+                    <a:lstStyle/>
+                    <a:p>
+                      <a:pPr algn="ctr" fontAlgn="ctr"/>
+                      <a:endParaRPr lang="pt-BR" sz="1100" b="0" i="0" u="none" strike="noStrike">
+                        <a:solidFill>
+                          <a:srgbClr val="000000"/>
+                        </a:solidFill>
+                        <a:effectLst/>
+                        <a:latin typeface="Arial"/>
+                      </a:endParaRPr>
+                    </a:p>
+                  </a:txBody>
+                  <a:tcPr marL="9525" marR="9525" marT="9525" marB="0" anchor="ctr">
+                    <a:lnL w="6350" cap="flat" cmpd="sng" algn="ctr">
+                      <a:solidFill>
+                        <a:srgbClr val="000000"/>
+                      </a:solidFill>
+                      <a:prstDash val="solid"/>
+                      <a:round/>
+                      <a:headEnd type="none" w="med" len="med"/>
+                      <a:tailEnd type="none" w="med" len="med"/>
+                    </a:lnL>
+                    <a:lnR w="6350" cap="flat" cmpd="sng" algn="ctr">
+                      <a:solidFill>
+                        <a:srgbClr val="000000"/>
+                      </a:solidFill>
+                      <a:prstDash val="solid"/>
+                      <a:round/>
+                      <a:headEnd type="none" w="med" len="med"/>
+                      <a:tailEnd type="none" w="med" len="med"/>
+                    </a:lnR>
+                    <a:lnT w="6350" cap="flat" cmpd="sng" algn="ctr">
+                      <a:solidFill>
+                        <a:srgbClr val="000000"/>
+                      </a:solidFill>
+                      <a:prstDash val="solid"/>
+                      <a:round/>
+                      <a:headEnd type="none" w="med" len="med"/>
+                      <a:tailEnd type="none" w="med" len="med"/>
+                    </a:lnT>
+                    <a:lnB w="6350" cap="flat" cmpd="sng" algn="ctr">
+                      <a:solidFill>
+                        <a:srgbClr val="000000"/>
+                      </a:solidFill>
+                      <a:prstDash val="solid"/>
+                      <a:round/>
+                      <a:headEnd type="none" w="med" len="med"/>
+                      <a:tailEnd type="none" w="med" len="med"/>
+                    </a:lnB>
+                    <a:solidFill>
+                      <a:srgbClr val="FCE4D6"/>
+                    </a:solidFill>
+                  </a:tcPr>
+                </a:tc>
+                <a:tc>
+                  <a:txBody>
+                    <a:bodyPr/>
+                    <a:lstStyle/>
+                    <a:p>
+                      <a:pPr algn="ctr" fontAlgn="ctr"/>
+                      <a:endParaRPr lang="pt-BR" sz="1100" b="0" i="0" u="none" strike="noStrike">
+                        <a:solidFill>
+                          <a:srgbClr val="000000"/>
+                        </a:solidFill>
+                        <a:effectLst/>
+                        <a:latin typeface="Arial"/>
+                      </a:endParaRPr>
+                    </a:p>
+                  </a:txBody>
+                  <a:tcPr marL="9525" marR="9525" marT="9525" marB="0" anchor="ctr">
+                    <a:lnL w="6350" cap="flat" cmpd="sng" algn="ctr">
+                      <a:solidFill>
+                        <a:srgbClr val="000000"/>
+                      </a:solidFill>
+                      <a:prstDash val="solid"/>
+                      <a:round/>
+                      <a:headEnd type="none" w="med" len="med"/>
+                      <a:tailEnd type="none" w="med" len="med"/>
+                    </a:lnL>
+                    <a:lnR w="6350" cap="flat" cmpd="sng" algn="ctr">
+                      <a:solidFill>
+                        <a:srgbClr val="000000"/>
+                      </a:solidFill>
+                      <a:prstDash val="solid"/>
+                      <a:round/>
+                      <a:headEnd type="none" w="med" len="med"/>
+                      <a:tailEnd type="none" w="med" len="med"/>
+                    </a:lnR>
+                    <a:lnT w="6350" cap="flat" cmpd="sng" algn="ctr">
+                      <a:solidFill>
+                        <a:srgbClr val="000000"/>
+                      </a:solidFill>
+                      <a:prstDash val="solid"/>
+                      <a:round/>
+                      <a:headEnd type="none" w="med" len="med"/>
+                      <a:tailEnd type="none" w="med" len="med"/>
+                    </a:lnT>
+                    <a:lnB w="6350" cap="flat" cmpd="sng" algn="ctr">
+                      <a:solidFill>
+                        <a:srgbClr val="000000"/>
+                      </a:solidFill>
+                      <a:prstDash val="solid"/>
+                      <a:round/>
+                      <a:headEnd type="none" w="med" len="med"/>
+                      <a:tailEnd type="none" w="med" len="med"/>
+                    </a:lnB>
+                    <a:solidFill>
+                      <a:srgbClr val="FCE4D6"/>
+                    </a:solidFill>
+                  </a:tcPr>
+                </a:tc>
+                <a:tc>
+                  <a:txBody>
+                    <a:bodyPr/>
+                    <a:lstStyle/>
+                    <a:p>
+                      <a:pPr algn="ctr" fontAlgn="ctr"/>
+                      <a:endParaRPr lang="pt-BR" sz="1100" b="0" i="0" u="none" strike="noStrike">
+                        <a:solidFill>
+                          <a:srgbClr val="000000"/>
+                        </a:solidFill>
+                        <a:effectLst/>
+                        <a:latin typeface="Arial"/>
+                      </a:endParaRPr>
+                    </a:p>
+                  </a:txBody>
+                  <a:tcPr marL="9525" marR="9525" marT="9525" marB="0" anchor="ctr">
+                    <a:lnL w="6350" cap="flat" cmpd="sng" algn="ctr">
+                      <a:solidFill>
+                        <a:srgbClr val="000000"/>
+                      </a:solidFill>
+                      <a:prstDash val="solid"/>
+                      <a:round/>
+                      <a:headEnd type="none" w="med" len="med"/>
+                      <a:tailEnd type="none" w="med" len="med"/>
+                    </a:lnL>
+                    <a:lnR w="6350" cap="flat" cmpd="sng" algn="ctr">
+                      <a:solidFill>
+                        <a:srgbClr val="000000"/>
+                      </a:solidFill>
+                      <a:prstDash val="solid"/>
+                      <a:round/>
+                      <a:headEnd type="none" w="med" len="med"/>
+                      <a:tailEnd type="none" w="med" len="med"/>
+                    </a:lnR>
+                    <a:lnT w="6350" cap="flat" cmpd="sng" algn="ctr">
+                      <a:solidFill>
+                        <a:srgbClr val="000000"/>
+                      </a:solidFill>
+                      <a:prstDash val="solid"/>
+                      <a:round/>
+                      <a:headEnd type="none" w="med" len="med"/>
+                      <a:tailEnd type="none" w="med" len="med"/>
+                    </a:lnT>
+                    <a:lnB w="6350" cap="flat" cmpd="sng" algn="ctr">
+                      <a:solidFill>
+                        <a:srgbClr val="000000"/>
+                      </a:solidFill>
+                      <a:prstDash val="solid"/>
+                      <a:round/>
+                      <a:headEnd type="none" w="med" len="med"/>
+                      <a:tailEnd type="none" w="med" len="med"/>
+                    </a:lnB>
+                    <a:solidFill>
+                      <a:srgbClr val="E2EFDA"/>
+                    </a:solidFill>
+                  </a:tcPr>
+                </a:tc>
+                <a:tc>
+                  <a:txBody>
+                    <a:bodyPr/>
+                    <a:lstStyle/>
+                    <a:p>
+                      <a:pPr lvl="0" algn="ctr">
+                        <a:buNone/>
+                      </a:pPr>
+                      <a:r>
+                        <a:rPr lang="pt-BR" sz="1100" b="0" i="0" u="none" strike="noStrike" noProof="0">
+                          <a:solidFill>
+                            <a:srgbClr val="000000"/>
+                          </a:solidFill>
+                          <a:effectLst/>
+                          <a:latin typeface="Arial"/>
+                        </a:rPr>
+                        <a:t>x(5)</a:t>
+                      </a:r>
+                      <a:r>
+                        <a:rPr lang="pt-BR" sz="1100" b="0" i="0" u="none" strike="noStrike">
+                          <a:solidFill>
+                            <a:srgbClr val="000000"/>
+                          </a:solidFill>
+                          <a:effectLst/>
+                          <a:latin typeface="Arial"/>
+                        </a:rPr>
+                        <a:t> </a:t>
+                      </a:r>
+                    </a:p>
+                  </a:txBody>
+                  <a:tcPr marL="9525" marR="9525" marT="9525" marB="0" anchor="ctr">
+                    <a:lnL w="6350" cap="flat" cmpd="sng" algn="ctr">
+                      <a:solidFill>
+                        <a:srgbClr val="000000"/>
+                      </a:solidFill>
+                      <a:prstDash val="solid"/>
+                      <a:round/>
+                      <a:headEnd type="none" w="med" len="med"/>
+                      <a:tailEnd type="none" w="med" len="med"/>
+                    </a:lnL>
+                    <a:lnR w="6350" cap="flat" cmpd="sng" algn="ctr">
+                      <a:solidFill>
+                        <a:srgbClr val="000000"/>
+                      </a:solidFill>
+                      <a:prstDash val="solid"/>
+                      <a:round/>
+                      <a:headEnd type="none" w="med" len="med"/>
+                      <a:tailEnd type="none" w="med" len="med"/>
+                    </a:lnR>
+                    <a:lnT w="6350" cap="flat" cmpd="sng" algn="ctr">
+                      <a:solidFill>
+                        <a:srgbClr val="000000"/>
+                      </a:solidFill>
+                      <a:prstDash val="solid"/>
+                      <a:round/>
+                      <a:headEnd type="none" w="med" len="med"/>
+                      <a:tailEnd type="none" w="med" len="med"/>
+                    </a:lnT>
+                    <a:lnB w="6350" cap="flat" cmpd="sng" algn="ctr">
+                      <a:solidFill>
+                        <a:srgbClr val="000000"/>
+                      </a:solidFill>
+                      <a:prstDash val="solid"/>
+                      <a:round/>
+                      <a:headEnd type="none" w="med" len="med"/>
+                      <a:tailEnd type="none" w="med" len="med"/>
+                    </a:lnB>
+                    <a:solidFill>
+                      <a:srgbClr val="E2EFDA"/>
+                    </a:solidFill>
+                  </a:tcPr>
+                </a:tc>
+                <a:tc>
+                  <a:txBody>
+                    <a:bodyPr/>
+                    <a:lstStyle/>
+                    <a:p>
+                      <a:pPr algn="ctr" fontAlgn="ctr"/>
+                      <a:endParaRPr lang="pt-BR" sz="1100" b="0" i="0" u="none" strike="noStrike">
+                        <a:solidFill>
+                          <a:srgbClr val="000000"/>
+                        </a:solidFill>
+                        <a:effectLst/>
+                        <a:latin typeface="Arial"/>
+                      </a:endParaRPr>
+                    </a:p>
+                  </a:txBody>
+                  <a:tcPr marL="9525" marR="9525" marT="9525" marB="0" anchor="ctr">
+                    <a:lnL w="6350" cap="flat" cmpd="sng" algn="ctr">
+                      <a:solidFill>
+                        <a:srgbClr val="000000"/>
+                      </a:solidFill>
+                      <a:prstDash val="solid"/>
+                      <a:round/>
+                      <a:headEnd type="none" w="med" len="med"/>
+                      <a:tailEnd type="none" w="med" len="med"/>
+                    </a:lnL>
+                    <a:lnR w="6350" cap="flat" cmpd="sng" algn="ctr">
+                      <a:solidFill>
+                        <a:srgbClr val="000000"/>
+                      </a:solidFill>
+                      <a:prstDash val="solid"/>
+                      <a:round/>
+                      <a:headEnd type="none" w="med" len="med"/>
+                      <a:tailEnd type="none" w="med" len="med"/>
+                    </a:lnR>
+                    <a:lnT w="6350" cap="flat" cmpd="sng" algn="ctr">
+                      <a:solidFill>
+                        <a:srgbClr val="000000"/>
+                      </a:solidFill>
+                      <a:prstDash val="solid"/>
+                      <a:round/>
+                      <a:headEnd type="none" w="med" len="med"/>
+                      <a:tailEnd type="none" w="med" len="med"/>
+                    </a:lnT>
+                    <a:lnB w="6350" cap="flat" cmpd="sng" algn="ctr">
+                      <a:solidFill>
+                        <a:srgbClr val="000000"/>
+                      </a:solidFill>
+                      <a:prstDash val="solid"/>
+                      <a:round/>
+                      <a:headEnd type="none" w="med" len="med"/>
+                      <a:tailEnd type="none" w="med" len="med"/>
+                    </a:lnB>
+                    <a:solidFill>
+                      <a:srgbClr val="E2EFDA"/>
+                    </a:solidFill>
+                  </a:tcPr>
+                </a:tc>
+                <a:tc>
+                  <a:txBody>
+                    <a:bodyPr/>
+                    <a:lstStyle/>
+                    <a:p>
+                      <a:pPr algn="ctr" fontAlgn="ctr"/>
+                      <a:endParaRPr lang="pt-BR" sz="1100" b="0" i="0" u="none" strike="noStrike">
+                        <a:solidFill>
+                          <a:srgbClr val="000000"/>
+                        </a:solidFill>
+                        <a:effectLst/>
+                        <a:latin typeface="Arial"/>
+                      </a:endParaRPr>
+                    </a:p>
+                  </a:txBody>
+                  <a:tcPr marL="9525" marR="9525" marT="9525" marB="0" anchor="ctr">
+                    <a:lnL w="6350" cap="flat" cmpd="sng" algn="ctr">
+                      <a:solidFill>
+                        <a:srgbClr val="000000"/>
+                      </a:solidFill>
+                      <a:prstDash val="solid"/>
+                      <a:round/>
+                      <a:headEnd type="none" w="med" len="med"/>
+                      <a:tailEnd type="none" w="med" len="med"/>
+                    </a:lnL>
+                    <a:lnR w="6350" cap="flat" cmpd="sng" algn="ctr">
+                      <a:solidFill>
+                        <a:srgbClr val="000000"/>
+                      </a:solidFill>
+                      <a:prstDash val="solid"/>
+                      <a:round/>
+                      <a:headEnd type="none" w="med" len="med"/>
+                      <a:tailEnd type="none" w="med" len="med"/>
+                    </a:lnR>
+                    <a:lnT w="6350" cap="flat" cmpd="sng" algn="ctr">
+                      <a:solidFill>
+                        <a:srgbClr val="000000"/>
+                      </a:solidFill>
+                      <a:prstDash val="solid"/>
+                      <a:round/>
+                      <a:headEnd type="none" w="med" len="med"/>
+                      <a:tailEnd type="none" w="med" len="med"/>
+                    </a:lnT>
+                    <a:lnB w="6350" cap="flat" cmpd="sng" algn="ctr">
+                      <a:solidFill>
+                        <a:srgbClr val="000000"/>
+                      </a:solidFill>
+                      <a:prstDash val="solid"/>
+                      <a:round/>
+                      <a:headEnd type="none" w="med" len="med"/>
+                      <a:tailEnd type="none" w="med" len="med"/>
+                    </a:lnB>
+                    <a:solidFill>
+                      <a:srgbClr val="D0CECE"/>
+                    </a:solidFill>
+                  </a:tcPr>
+                </a:tc>
+                <a:extLst>
+                  <a:ext uri="{0D108BD9-81ED-4DB2-BD59-A6C34878D82A}">
+                    <a16:rowId xmlns:a16="http://schemas.microsoft.com/office/drawing/2014/main" val="1309454684"/>
+                  </a:ext>
+                </a:extLst>
+              </a:tr>
+              <a:tr h="365760">
+                <a:tc vMerge="1">
+                  <a:txBody>
+                    <a:bodyPr/>
+                    <a:lstStyle/>
+                    <a:p>
+                      <a:endParaRPr lang="pt-BR"/>
+                    </a:p>
+                  </a:txBody>
+                  <a:tcPr/>
+                </a:tc>
+                <a:tc vMerge="1">
+                  <a:txBody>
+                    <a:bodyPr/>
+                    <a:lstStyle/>
+                    <a:p>
+                      <a:endParaRPr lang="pt-BR"/>
+                    </a:p>
+                  </a:txBody>
+                  <a:tcPr/>
+                </a:tc>
+                <a:tc>
+                  <a:txBody>
+                    <a:bodyPr/>
+                    <a:lstStyle/>
+                    <a:p>
+                      <a:pPr algn="ctr" fontAlgn="b"/>
+                      <a:r>
+                        <a:rPr lang="pt-BR" sz="1100" b="0" i="0" u="none" strike="noStrike">
+                          <a:solidFill>
+                            <a:srgbClr val="000000"/>
+                          </a:solidFill>
+                          <a:effectLst/>
+                          <a:latin typeface="Arial"/>
+                        </a:rPr>
+                        <a:t>7</a:t>
+                      </a:r>
+                    </a:p>
+                  </a:txBody>
+                  <a:tcPr marL="9525" marR="9525" marT="9525" marB="0" anchor="ctr">
+                    <a:lnL w="6350" cap="flat" cmpd="sng" algn="ctr">
+                      <a:solidFill>
+                        <a:srgbClr val="000000"/>
+                      </a:solidFill>
+                      <a:prstDash val="solid"/>
+                      <a:round/>
+                      <a:headEnd type="none" w="med" len="med"/>
+                      <a:tailEnd type="none" w="med" len="med"/>
+                    </a:lnL>
+                    <a:lnR w="6350" cap="flat" cmpd="sng" algn="ctr">
+                      <a:solidFill>
+                        <a:srgbClr val="000000"/>
+                      </a:solidFill>
+                      <a:prstDash val="solid"/>
+                      <a:round/>
+                      <a:headEnd type="none" w="med" len="med"/>
+                      <a:tailEnd type="none" w="med" len="med"/>
+                    </a:lnR>
+                    <a:lnT w="6350" cap="flat" cmpd="sng" algn="ctr">
+                      <a:solidFill>
+                        <a:srgbClr val="000000"/>
+                      </a:solidFill>
+                      <a:prstDash val="solid"/>
+                      <a:round/>
+                      <a:headEnd type="none" w="med" len="med"/>
+                      <a:tailEnd type="none" w="med" len="med"/>
+                    </a:lnT>
+                    <a:lnB w="6350" cap="flat" cmpd="sng" algn="ctr">
+                      <a:solidFill>
+                        <a:srgbClr val="000000"/>
+                      </a:solidFill>
+                      <a:prstDash val="solid"/>
+                      <a:round/>
+                      <a:headEnd type="none" w="med" len="med"/>
+                      <a:tailEnd type="none" w="med" len="med"/>
+                    </a:lnB>
+                  </a:tcPr>
+                </a:tc>
+                <a:tc>
+                  <a:txBody>
+                    <a:bodyPr/>
+                    <a:lstStyle/>
+                    <a:p>
+                      <a:pPr algn="l" fontAlgn="ctr"/>
+                      <a:r>
+                        <a:rPr lang="pt-BR" sz="1100" b="0" i="0" u="none" strike="noStrike">
+                          <a:solidFill>
+                            <a:srgbClr val="000000"/>
+                          </a:solidFill>
+                          <a:effectLst/>
+                          <a:latin typeface="Arial"/>
+                        </a:rPr>
+                        <a:t>Confecção efetiva o cancelamento e faz as devoluções</a:t>
+                      </a:r>
+                    </a:p>
+                  </a:txBody>
+                  <a:tcPr marL="9525" marR="9525" marT="9525" marB="0" anchor="ctr">
+                    <a:lnL w="6350" cap="flat" cmpd="sng" algn="ctr">
+                      <a:solidFill>
+                        <a:srgbClr val="000000"/>
+                      </a:solidFill>
+                      <a:prstDash val="solid"/>
+                      <a:round/>
+                      <a:headEnd type="none" w="med" len="med"/>
+                      <a:tailEnd type="none" w="med" len="med"/>
+                    </a:lnL>
+                    <a:lnR w="6350" cap="flat" cmpd="sng" algn="ctr">
+                      <a:solidFill>
+                        <a:srgbClr val="000000"/>
+                      </a:solidFill>
+                      <a:prstDash val="solid"/>
+                      <a:round/>
+                      <a:headEnd type="none" w="med" len="med"/>
+                      <a:tailEnd type="none" w="med" len="med"/>
+                    </a:lnR>
+                    <a:lnT w="6350" cap="flat" cmpd="sng" algn="ctr">
+                      <a:solidFill>
+                        <a:srgbClr val="000000"/>
+                      </a:solidFill>
+                      <a:prstDash val="solid"/>
+                      <a:round/>
+                      <a:headEnd type="none" w="med" len="med"/>
+                      <a:tailEnd type="none" w="med" len="med"/>
+                    </a:lnT>
+                    <a:lnB w="6350" cap="flat" cmpd="sng" algn="ctr">
+                      <a:solidFill>
+                        <a:srgbClr val="000000"/>
+                      </a:solidFill>
+                      <a:prstDash val="solid"/>
+                      <a:round/>
+                      <a:headEnd type="none" w="med" len="med"/>
+                      <a:tailEnd type="none" w="med" len="med"/>
+                    </a:lnB>
+                  </a:tcPr>
+                </a:tc>
+                <a:tc>
+                  <a:txBody>
+                    <a:bodyPr/>
+                    <a:lstStyle/>
+                    <a:p>
+                      <a:pPr algn="ctr" fontAlgn="ctr"/>
+                      <a:r>
+                        <a:rPr lang="pt-BR" sz="1100" b="0" i="0" u="none" strike="noStrike">
+                          <a:solidFill>
+                            <a:srgbClr val="000000"/>
+                          </a:solidFill>
+                          <a:effectLst/>
+                          <a:latin typeface="Arial"/>
+                        </a:rPr>
+                        <a:t>x(6)</a:t>
+                      </a:r>
+                    </a:p>
+                  </a:txBody>
+                  <a:tcPr marL="9525" marR="9525" marT="9525" marB="0" anchor="ctr">
+                    <a:lnL w="6350" cap="flat" cmpd="sng" algn="ctr">
+                      <a:solidFill>
+                        <a:srgbClr val="000000"/>
+                      </a:solidFill>
+                      <a:prstDash val="solid"/>
+                      <a:round/>
+                      <a:headEnd type="none" w="med" len="med"/>
+                      <a:tailEnd type="none" w="med" len="med"/>
+                    </a:lnL>
+                    <a:lnR w="6350" cap="flat" cmpd="sng" algn="ctr">
+                      <a:solidFill>
+                        <a:srgbClr val="000000"/>
+                      </a:solidFill>
+                      <a:prstDash val="solid"/>
+                      <a:round/>
+                      <a:headEnd type="none" w="med" len="med"/>
+                      <a:tailEnd type="none" w="med" len="med"/>
+                    </a:lnR>
+                    <a:lnT w="6350" cap="flat" cmpd="sng" algn="ctr">
+                      <a:solidFill>
+                        <a:srgbClr val="000000"/>
+                      </a:solidFill>
+                      <a:prstDash val="solid"/>
+                      <a:round/>
+                      <a:headEnd type="none" w="med" len="med"/>
+                      <a:tailEnd type="none" w="med" len="med"/>
+                    </a:lnT>
+                    <a:lnB w="6350" cap="flat" cmpd="sng" algn="ctr">
+                      <a:solidFill>
+                        <a:srgbClr val="000000"/>
+                      </a:solidFill>
+                      <a:prstDash val="solid"/>
+                      <a:round/>
+                      <a:headEnd type="none" w="med" len="med"/>
+                      <a:tailEnd type="none" w="med" len="med"/>
+                    </a:lnB>
+                    <a:solidFill>
+                      <a:srgbClr val="FCE4D6"/>
+                    </a:solidFill>
+                  </a:tcPr>
+                </a:tc>
+                <a:tc>
+                  <a:txBody>
+                    <a:bodyPr/>
+                    <a:lstStyle/>
+                    <a:p>
+                      <a:pPr algn="ctr" fontAlgn="ctr"/>
+                      <a:endParaRPr lang="pt-BR" sz="1100" b="0" i="0" u="none" strike="noStrike">
+                        <a:solidFill>
+                          <a:srgbClr val="000000"/>
+                        </a:solidFill>
+                        <a:effectLst/>
+                        <a:latin typeface="Arial"/>
+                      </a:endParaRPr>
+                    </a:p>
+                  </a:txBody>
+                  <a:tcPr marL="9525" marR="9525" marT="9525" marB="0" anchor="ctr">
+                    <a:lnL w="6350" cap="flat" cmpd="sng" algn="ctr">
+                      <a:solidFill>
+                        <a:srgbClr val="000000"/>
+                      </a:solidFill>
+                      <a:prstDash val="solid"/>
+                      <a:round/>
+                      <a:headEnd type="none" w="med" len="med"/>
+                      <a:tailEnd type="none" w="med" len="med"/>
+                    </a:lnL>
+                    <a:lnR w="6350" cap="flat" cmpd="sng" algn="ctr">
+                      <a:solidFill>
+                        <a:srgbClr val="000000"/>
+                      </a:solidFill>
+                      <a:prstDash val="solid"/>
+                      <a:round/>
+                      <a:headEnd type="none" w="med" len="med"/>
+                      <a:tailEnd type="none" w="med" len="med"/>
+                    </a:lnR>
+                    <a:lnT w="6350" cap="flat" cmpd="sng" algn="ctr">
+                      <a:solidFill>
+                        <a:srgbClr val="000000"/>
+                      </a:solidFill>
+                      <a:prstDash val="solid"/>
+                      <a:round/>
+                      <a:headEnd type="none" w="med" len="med"/>
+                      <a:tailEnd type="none" w="med" len="med"/>
+                    </a:lnT>
+                    <a:lnB w="6350" cap="flat" cmpd="sng" algn="ctr">
+                      <a:solidFill>
+                        <a:srgbClr val="000000"/>
+                      </a:solidFill>
+                      <a:prstDash val="solid"/>
+                      <a:round/>
+                      <a:headEnd type="none" w="med" len="med"/>
+                      <a:tailEnd type="none" w="med" len="med"/>
+                    </a:lnB>
+                    <a:solidFill>
+                      <a:srgbClr val="FCE4D6"/>
+                    </a:solidFill>
+                  </a:tcPr>
+                </a:tc>
+                <a:tc>
+                  <a:txBody>
+                    <a:bodyPr/>
+                    <a:lstStyle/>
+                    <a:p>
+                      <a:pPr algn="ctr" fontAlgn="ctr"/>
+                      <a:endParaRPr lang="pt-BR" sz="1100" b="0" i="0" u="none" strike="noStrike">
+                        <a:solidFill>
+                          <a:srgbClr val="000000"/>
+                        </a:solidFill>
+                        <a:effectLst/>
+                        <a:latin typeface="Arial"/>
+                      </a:endParaRPr>
+                    </a:p>
+                  </a:txBody>
+                  <a:tcPr marL="9525" marR="9525" marT="9525" marB="0" anchor="ctr">
+                    <a:lnL w="6350" cap="flat" cmpd="sng" algn="ctr">
+                      <a:solidFill>
+                        <a:srgbClr val="000000"/>
+                      </a:solidFill>
+                      <a:prstDash val="solid"/>
+                      <a:round/>
+                      <a:headEnd type="none" w="med" len="med"/>
+                      <a:tailEnd type="none" w="med" len="med"/>
+                    </a:lnL>
+                    <a:lnR w="6350" cap="flat" cmpd="sng" algn="ctr">
+                      <a:solidFill>
+                        <a:srgbClr val="000000"/>
+                      </a:solidFill>
+                      <a:prstDash val="solid"/>
+                      <a:round/>
+                      <a:headEnd type="none" w="med" len="med"/>
+                      <a:tailEnd type="none" w="med" len="med"/>
+                    </a:lnR>
+                    <a:lnT w="6350" cap="flat" cmpd="sng" algn="ctr">
+                      <a:solidFill>
+                        <a:srgbClr val="000000"/>
+                      </a:solidFill>
+                      <a:prstDash val="solid"/>
+                      <a:round/>
+                      <a:headEnd type="none" w="med" len="med"/>
+                      <a:tailEnd type="none" w="med" len="med"/>
+                    </a:lnT>
+                    <a:lnB w="6350" cap="flat" cmpd="sng" algn="ctr">
+                      <a:solidFill>
+                        <a:srgbClr val="000000"/>
+                      </a:solidFill>
+                      <a:prstDash val="solid"/>
+                      <a:round/>
+                      <a:headEnd type="none" w="med" len="med"/>
+                      <a:tailEnd type="none" w="med" len="med"/>
+                    </a:lnB>
+                    <a:solidFill>
+                      <a:srgbClr val="E2EFDA"/>
+                    </a:solidFill>
+                  </a:tcPr>
+                </a:tc>
+                <a:tc>
+                  <a:txBody>
+                    <a:bodyPr/>
+                    <a:lstStyle/>
+                    <a:p>
+                      <a:pPr algn="ctr" fontAlgn="ctr"/>
+                      <a:endParaRPr lang="pt-BR" sz="1100" b="0" i="0" u="none" strike="noStrike">
+                        <a:solidFill>
+                          <a:srgbClr val="000000"/>
+                        </a:solidFill>
+                        <a:effectLst/>
+                        <a:latin typeface="Arial"/>
+                      </a:endParaRPr>
+                    </a:p>
+                  </a:txBody>
+                  <a:tcPr marL="9525" marR="9525" marT="9525" marB="0" anchor="ctr">
+                    <a:lnL w="6350" cap="flat" cmpd="sng" algn="ctr">
+                      <a:solidFill>
+                        <a:srgbClr val="000000"/>
+                      </a:solidFill>
+                      <a:prstDash val="solid"/>
+                      <a:round/>
+                      <a:headEnd type="none" w="med" len="med"/>
+                      <a:tailEnd type="none" w="med" len="med"/>
+                    </a:lnL>
+                    <a:lnR w="6350" cap="flat" cmpd="sng" algn="ctr">
+                      <a:solidFill>
+                        <a:srgbClr val="000000"/>
+                      </a:solidFill>
+                      <a:prstDash val="solid"/>
+                      <a:round/>
+                      <a:headEnd type="none" w="med" len="med"/>
+                      <a:tailEnd type="none" w="med" len="med"/>
+                    </a:lnR>
+                    <a:lnT w="6350" cap="flat" cmpd="sng" algn="ctr">
+                      <a:solidFill>
+                        <a:srgbClr val="000000"/>
+                      </a:solidFill>
+                      <a:prstDash val="solid"/>
+                      <a:round/>
+                      <a:headEnd type="none" w="med" len="med"/>
+                      <a:tailEnd type="none" w="med" len="med"/>
+                    </a:lnT>
+                    <a:lnB w="6350" cap="flat" cmpd="sng" algn="ctr">
+                      <a:solidFill>
+                        <a:srgbClr val="000000"/>
+                      </a:solidFill>
+                      <a:prstDash val="solid"/>
+                      <a:round/>
+                      <a:headEnd type="none" w="med" len="med"/>
+                      <a:tailEnd type="none" w="med" len="med"/>
+                    </a:lnB>
+                    <a:solidFill>
+                      <a:srgbClr val="E2EFDA"/>
+                    </a:solidFill>
+                  </a:tcPr>
+                </a:tc>
+                <a:tc>
+                  <a:txBody>
+                    <a:bodyPr/>
+                    <a:lstStyle/>
+                    <a:p>
+                      <a:pPr algn="ctr" fontAlgn="ctr"/>
+                      <a:endParaRPr lang="pt-BR" sz="1100" b="0" i="0" u="none" strike="noStrike">
+                        <a:solidFill>
+                          <a:srgbClr val="000000"/>
+                        </a:solidFill>
+                        <a:effectLst/>
+                        <a:latin typeface="Arial"/>
+                      </a:endParaRPr>
+                    </a:p>
+                  </a:txBody>
+                  <a:tcPr marL="9525" marR="9525" marT="9525" marB="0" anchor="ctr">
+                    <a:lnL w="6350" cap="flat" cmpd="sng" algn="ctr">
+                      <a:solidFill>
+                        <a:srgbClr val="000000"/>
+                      </a:solidFill>
+                      <a:prstDash val="solid"/>
+                      <a:round/>
+                      <a:headEnd type="none" w="med" len="med"/>
+                      <a:tailEnd type="none" w="med" len="med"/>
+                    </a:lnL>
+                    <a:lnR w="6350" cap="flat" cmpd="sng" algn="ctr">
+                      <a:solidFill>
+                        <a:srgbClr val="000000"/>
+                      </a:solidFill>
+                      <a:prstDash val="solid"/>
+                      <a:round/>
+                      <a:headEnd type="none" w="med" len="med"/>
+                      <a:tailEnd type="none" w="med" len="med"/>
+                    </a:lnR>
+                    <a:lnT w="6350" cap="flat" cmpd="sng" algn="ctr">
+                      <a:solidFill>
+                        <a:srgbClr val="000000"/>
+                      </a:solidFill>
+                      <a:prstDash val="solid"/>
+                      <a:round/>
+                      <a:headEnd type="none" w="med" len="med"/>
+                      <a:tailEnd type="none" w="med" len="med"/>
+                    </a:lnT>
+                    <a:lnB w="6350" cap="flat" cmpd="sng" algn="ctr">
+                      <a:solidFill>
+                        <a:srgbClr val="000000"/>
+                      </a:solidFill>
+                      <a:prstDash val="solid"/>
+                      <a:round/>
+                      <a:headEnd type="none" w="med" len="med"/>
+                      <a:tailEnd type="none" w="med" len="med"/>
+                    </a:lnB>
+                    <a:solidFill>
+                      <a:srgbClr val="E2EFDA"/>
+                    </a:solidFill>
+                  </a:tcPr>
+                </a:tc>
+                <a:tc>
+                  <a:txBody>
+                    <a:bodyPr/>
+                    <a:lstStyle/>
+                    <a:p>
+                      <a:pPr algn="ctr" fontAlgn="ctr"/>
+                      <a:endParaRPr lang="pt-BR" sz="1100" b="0" i="0" u="none" strike="noStrike">
+                        <a:solidFill>
+                          <a:srgbClr val="000000"/>
+                        </a:solidFill>
+                        <a:effectLst/>
+                        <a:latin typeface="Arial"/>
+                      </a:endParaRPr>
+                    </a:p>
+                  </a:txBody>
+                  <a:tcPr marL="9525" marR="9525" marT="9525" marB="0" anchor="ctr">
+                    <a:lnL w="6350" cap="flat" cmpd="sng" algn="ctr">
+                      <a:solidFill>
+                        <a:srgbClr val="000000"/>
+                      </a:solidFill>
+                      <a:prstDash val="solid"/>
+                      <a:round/>
+                      <a:headEnd type="none" w="med" len="med"/>
+                      <a:tailEnd type="none" w="med" len="med"/>
+                    </a:lnL>
+                    <a:lnR w="6350" cap="flat" cmpd="sng" algn="ctr">
+                      <a:solidFill>
+                        <a:srgbClr val="000000"/>
+                      </a:solidFill>
+                      <a:prstDash val="solid"/>
+                      <a:round/>
+                      <a:headEnd type="none" w="med" len="med"/>
+                      <a:tailEnd type="none" w="med" len="med"/>
+                    </a:lnR>
+                    <a:lnT w="6350" cap="flat" cmpd="sng" algn="ctr">
+                      <a:solidFill>
+                        <a:srgbClr val="000000"/>
+                      </a:solidFill>
+                      <a:prstDash val="solid"/>
+                      <a:round/>
+                      <a:headEnd type="none" w="med" len="med"/>
+                      <a:tailEnd type="none" w="med" len="med"/>
+                    </a:lnT>
+                    <a:lnB w="6350" cap="flat" cmpd="sng" algn="ctr">
+                      <a:solidFill>
+                        <a:srgbClr val="000000"/>
+                      </a:solidFill>
+                      <a:prstDash val="solid"/>
+                      <a:round/>
+                      <a:headEnd type="none" w="med" len="med"/>
+                      <a:tailEnd type="none" w="med" len="med"/>
+                    </a:lnB>
+                    <a:solidFill>
+                      <a:srgbClr val="D0CECE"/>
+                    </a:solidFill>
+                  </a:tcPr>
+                </a:tc>
+                <a:extLst>
+                  <a:ext uri="{0D108BD9-81ED-4DB2-BD59-A6C34878D82A}">
+                    <a16:rowId xmlns:a16="http://schemas.microsoft.com/office/drawing/2014/main" val="3622705654"/>
+                  </a:ext>
+                </a:extLst>
+              </a:tr>
+              <a:tr h="365760">
                 <a:tc vMerge="1">
                   <a:txBody>
                     <a:bodyPr/>
@@ -7176,7 +8858,7 @@
                           <a:effectLst/>
                           <a:latin typeface="Arial"/>
                         </a:rPr>
-                        <a:t>5</a:t>
+                        <a:t>8</a:t>
                       </a:r>
                     </a:p>
                   </a:txBody>
@@ -7224,7 +8906,7 @@
                     <a:bodyPr/>
                     <a:lstStyle/>
                     <a:p>
-                      <a:pPr algn="ctr" fontAlgn="b"/>
+                      <a:pPr algn="l" fontAlgn="ctr"/>
                       <a:r>
                         <a:rPr lang="pt-BR" sz="1100" b="0" i="0" u="none" strike="noStrike">
                           <a:solidFill>
@@ -7233,7 +8915,7 @@
                           <a:effectLst/>
                           <a:latin typeface="Arial"/>
                         </a:rPr>
-                        <a:t>Cliente rejeita orçamento</a:t>
+                        <a:t>Cliente desiste do cancelamento</a:t>
                       </a:r>
                     </a:p>
                   </a:txBody>
@@ -7281,296 +8963,8 @@
                     <a:bodyPr/>
                     <a:lstStyle/>
                     <a:p>
-                      <a:pPr algn="ctr" fontAlgn="t"/>
-                      <a:r>
-                        <a:rPr lang="pt-BR" sz="1100" b="1" i="0" u="none" strike="noStrike">
-                          <a:solidFill>
-                            <a:srgbClr val="000000"/>
-                          </a:solidFill>
-                          <a:effectLst/>
-                          <a:latin typeface="Calibri"/>
-                        </a:rPr>
-                        <a:t>x(2)</a:t>
-                      </a:r>
-                    </a:p>
-                  </a:txBody>
-                  <a:tcPr marL="9525" marR="9525" marT="9525" marB="0" anchor="ctr">
-                    <a:lnL w="6350" cap="flat" cmpd="sng" algn="ctr">
-                      <a:solidFill>
-                        <a:srgbClr val="000000"/>
-                      </a:solidFill>
-                      <a:prstDash val="solid"/>
-                      <a:round/>
-                      <a:headEnd type="none" w="med" len="med"/>
-                      <a:tailEnd type="none" w="med" len="med"/>
-                    </a:lnL>
-                    <a:lnR w="6350" cap="flat" cmpd="sng" algn="ctr">
-                      <a:solidFill>
-                        <a:srgbClr val="000000"/>
-                      </a:solidFill>
-                      <a:prstDash val="solid"/>
-                      <a:round/>
-                      <a:headEnd type="none" w="med" len="med"/>
-                      <a:tailEnd type="none" w="med" len="med"/>
-                    </a:lnR>
-                    <a:lnT w="6350" cap="flat" cmpd="sng" algn="ctr">
-                      <a:solidFill>
-                        <a:srgbClr val="000000"/>
-                      </a:solidFill>
-                      <a:prstDash val="solid"/>
-                      <a:round/>
-                      <a:headEnd type="none" w="med" len="med"/>
-                      <a:tailEnd type="none" w="med" len="med"/>
-                    </a:lnT>
-                    <a:lnB w="6350" cap="flat" cmpd="sng" algn="ctr">
-                      <a:solidFill>
-                        <a:srgbClr val="000000"/>
-                      </a:solidFill>
-                      <a:prstDash val="solid"/>
-                      <a:round/>
-                      <a:headEnd type="none" w="med" len="med"/>
-                      <a:tailEnd type="none" w="med" len="med"/>
-                    </a:lnB>
-                    <a:solidFill>
-                      <a:srgbClr val="FFCC99"/>
-                    </a:solidFill>
-                  </a:tcPr>
-                </a:tc>
-                <a:tc>
-                  <a:txBody>
-                    <a:bodyPr/>
-                    <a:lstStyle/>
-                    <a:p>
                       <a:pPr algn="ctr" fontAlgn="ctr"/>
-                      <a:endParaRPr lang="pt-BR" sz="1100" b="1" i="0" u="none" strike="noStrike">
-                        <a:solidFill>
-                          <a:srgbClr val="3F3F76"/>
-                        </a:solidFill>
-                        <a:effectLst/>
-                        <a:latin typeface="Calibri"/>
-                      </a:endParaRPr>
-                    </a:p>
-                  </a:txBody>
-                  <a:tcPr marL="9525" marR="9525" marT="9525" marB="0" anchor="ctr">
-                    <a:lnL w="6350" cap="flat" cmpd="sng" algn="ctr">
-                      <a:solidFill>
-                        <a:srgbClr val="000000"/>
-                      </a:solidFill>
-                      <a:prstDash val="solid"/>
-                      <a:round/>
-                      <a:headEnd type="none" w="med" len="med"/>
-                      <a:tailEnd type="none" w="med" len="med"/>
-                    </a:lnL>
-                    <a:lnR w="6350" cap="flat" cmpd="sng" algn="ctr">
-                      <a:solidFill>
-                        <a:srgbClr val="000000"/>
-                      </a:solidFill>
-                      <a:prstDash val="solid"/>
-                      <a:round/>
-                      <a:headEnd type="none" w="med" len="med"/>
-                      <a:tailEnd type="none" w="med" len="med"/>
-                    </a:lnR>
-                    <a:lnT w="6350" cap="flat" cmpd="sng" algn="ctr">
-                      <a:solidFill>
-                        <a:srgbClr val="000000"/>
-                      </a:solidFill>
-                      <a:prstDash val="solid"/>
-                      <a:round/>
-                      <a:headEnd type="none" w="med" len="med"/>
-                      <a:tailEnd type="none" w="med" len="med"/>
-                    </a:lnT>
-                    <a:lnB w="6350" cap="flat" cmpd="sng" algn="ctr">
-                      <a:solidFill>
-                        <a:srgbClr val="000000"/>
-                      </a:solidFill>
-                      <a:prstDash val="solid"/>
-                      <a:round/>
-                      <a:headEnd type="none" w="med" len="med"/>
-                      <a:tailEnd type="none" w="med" len="med"/>
-                    </a:lnB>
-                    <a:solidFill>
-                      <a:srgbClr val="FFCC99"/>
-                    </a:solidFill>
-                  </a:tcPr>
-                </a:tc>
-                <a:tc>
-                  <a:txBody>
-                    <a:bodyPr/>
-                    <a:lstStyle/>
-                    <a:p>
-                      <a:pPr algn="ctr" fontAlgn="ctr"/>
-                      <a:endParaRPr lang="pt-BR" sz="1100" b="1" i="0" u="none" strike="noStrike">
-                        <a:solidFill>
-                          <a:srgbClr val="006100"/>
-                        </a:solidFill>
-                        <a:effectLst/>
-                        <a:latin typeface="Calibri"/>
-                      </a:endParaRPr>
-                    </a:p>
-                  </a:txBody>
-                  <a:tcPr marL="9525" marR="9525" marT="9525" marB="0" anchor="ctr">
-                    <a:lnL w="6350" cap="flat" cmpd="sng" algn="ctr">
-                      <a:solidFill>
-                        <a:srgbClr val="000000"/>
-                      </a:solidFill>
-                      <a:prstDash val="solid"/>
-                      <a:round/>
-                      <a:headEnd type="none" w="med" len="med"/>
-                      <a:tailEnd type="none" w="med" len="med"/>
-                    </a:lnL>
-                    <a:lnR w="6350" cap="flat" cmpd="sng" algn="ctr">
-                      <a:solidFill>
-                        <a:srgbClr val="000000"/>
-                      </a:solidFill>
-                      <a:prstDash val="solid"/>
-                      <a:round/>
-                      <a:headEnd type="none" w="med" len="med"/>
-                      <a:tailEnd type="none" w="med" len="med"/>
-                    </a:lnR>
-                    <a:lnT w="6350" cap="flat" cmpd="sng" algn="ctr">
-                      <a:solidFill>
-                        <a:srgbClr val="000000"/>
-                      </a:solidFill>
-                      <a:prstDash val="solid"/>
-                      <a:round/>
-                      <a:headEnd type="none" w="med" len="med"/>
-                      <a:tailEnd type="none" w="med" len="med"/>
-                    </a:lnT>
-                    <a:lnB w="6350" cap="flat" cmpd="sng" algn="ctr">
-                      <a:solidFill>
-                        <a:srgbClr val="000000"/>
-                      </a:solidFill>
-                      <a:prstDash val="solid"/>
-                      <a:round/>
-                      <a:headEnd type="none" w="med" len="med"/>
-                      <a:tailEnd type="none" w="med" len="med"/>
-                    </a:lnB>
-                    <a:solidFill>
-                      <a:srgbClr val="C6EFCE"/>
-                    </a:solidFill>
-                  </a:tcPr>
-                </a:tc>
-                <a:tc>
-                  <a:txBody>
-                    <a:bodyPr/>
-                    <a:lstStyle/>
-                    <a:p>
-                      <a:pPr algn="ctr" fontAlgn="ctr"/>
-                      <a:endParaRPr lang="pt-BR" sz="1100" b="1" i="0" u="none" strike="noStrike">
-                        <a:solidFill>
-                          <a:srgbClr val="006100"/>
-                        </a:solidFill>
-                        <a:effectLst/>
-                        <a:latin typeface="Calibri"/>
-                      </a:endParaRPr>
-                    </a:p>
-                  </a:txBody>
-                  <a:tcPr marL="9525" marR="9525" marT="9525" marB="0" anchor="ctr">
-                    <a:lnL w="6350" cap="flat" cmpd="sng" algn="ctr">
-                      <a:solidFill>
-                        <a:srgbClr val="000000"/>
-                      </a:solidFill>
-                      <a:prstDash val="solid"/>
-                      <a:round/>
-                      <a:headEnd type="none" w="med" len="med"/>
-                      <a:tailEnd type="none" w="med" len="med"/>
-                    </a:lnL>
-                    <a:lnR w="6350" cap="flat" cmpd="sng" algn="ctr">
-                      <a:solidFill>
-                        <a:srgbClr val="000000"/>
-                      </a:solidFill>
-                      <a:prstDash val="solid"/>
-                      <a:round/>
-                      <a:headEnd type="none" w="med" len="med"/>
-                      <a:tailEnd type="none" w="med" len="med"/>
-                    </a:lnR>
-                    <a:lnT w="6350" cap="flat" cmpd="sng" algn="ctr">
-                      <a:solidFill>
-                        <a:srgbClr val="000000"/>
-                      </a:solidFill>
-                      <a:prstDash val="solid"/>
-                      <a:round/>
-                      <a:headEnd type="none" w="med" len="med"/>
-                      <a:tailEnd type="none" w="med" len="med"/>
-                    </a:lnT>
-                    <a:lnB w="6350" cap="flat" cmpd="sng" algn="ctr">
-                      <a:solidFill>
-                        <a:srgbClr val="000000"/>
-                      </a:solidFill>
-                      <a:prstDash val="solid"/>
-                      <a:round/>
-                      <a:headEnd type="none" w="med" len="med"/>
-                      <a:tailEnd type="none" w="med" len="med"/>
-                    </a:lnB>
-                    <a:solidFill>
-                      <a:srgbClr val="C6EFCE"/>
-                    </a:solidFill>
-                  </a:tcPr>
-                </a:tc>
-                <a:tc>
-                  <a:txBody>
-                    <a:bodyPr/>
-                    <a:lstStyle/>
-                    <a:p>
-                      <a:pPr algn="ctr" fontAlgn="ctr"/>
-                      <a:endParaRPr lang="pt-BR" sz="1100" b="1" i="0" u="none" strike="noStrike">
-                        <a:solidFill>
-                          <a:srgbClr val="006100"/>
-                        </a:solidFill>
-                        <a:effectLst/>
-                        <a:latin typeface="Calibri"/>
-                      </a:endParaRPr>
-                    </a:p>
-                  </a:txBody>
-                  <a:tcPr marL="9525" marR="9525" marT="9525" marB="0" anchor="ctr">
-                    <a:lnL w="6350" cap="flat" cmpd="sng" algn="ctr">
-                      <a:solidFill>
-                        <a:srgbClr val="000000"/>
-                      </a:solidFill>
-                      <a:prstDash val="solid"/>
-                      <a:round/>
-                      <a:headEnd type="none" w="med" len="med"/>
-                      <a:tailEnd type="none" w="med" len="med"/>
-                    </a:lnL>
-                    <a:lnR w="6350" cap="flat" cmpd="sng" algn="ctr">
-                      <a:solidFill>
-                        <a:srgbClr val="000000"/>
-                      </a:solidFill>
-                      <a:prstDash val="solid"/>
-                      <a:round/>
-                      <a:headEnd type="none" w="med" len="med"/>
-                      <a:tailEnd type="none" w="med" len="med"/>
-                    </a:lnR>
-                    <a:lnT w="6350" cap="flat" cmpd="sng" algn="ctr">
-                      <a:solidFill>
-                        <a:srgbClr val="000000"/>
-                      </a:solidFill>
-                      <a:prstDash val="solid"/>
-                      <a:round/>
-                      <a:headEnd type="none" w="med" len="med"/>
-                      <a:tailEnd type="none" w="med" len="med"/>
-                    </a:lnT>
-                    <a:lnB w="6350" cap="flat" cmpd="sng" algn="ctr">
-                      <a:solidFill>
-                        <a:srgbClr val="000000"/>
-                      </a:solidFill>
-                      <a:prstDash val="solid"/>
-                      <a:round/>
-                      <a:headEnd type="none" w="med" len="med"/>
-                      <a:tailEnd type="none" w="med" len="med"/>
-                    </a:lnB>
-                    <a:solidFill>
-                      <a:srgbClr val="C6EFCE"/>
-                    </a:solidFill>
-                  </a:tcPr>
-                </a:tc>
-                <a:tc>
-                  <a:txBody>
-                    <a:bodyPr/>
-                    <a:lstStyle/>
-                    <a:p>
-                      <a:pPr algn="ctr" fontAlgn="ctr"/>
-                      <a:endParaRPr lang="pt-BR" sz="1100" b="1" i="0" u="none" strike="noStrike">
+                      <a:endParaRPr lang="pt-BR" sz="1100" b="0" i="0" u="none" strike="noStrike">
                         <a:solidFill>
                           <a:srgbClr val="000000"/>
                         </a:solidFill>
@@ -7617,13 +9011,304 @@
                       <a:tailEnd type="none" w="med" len="med"/>
                     </a:lnB>
                     <a:solidFill>
+                      <a:srgbClr val="FCE4D6"/>
+                    </a:solidFill>
+                  </a:tcPr>
+                </a:tc>
+                <a:tc>
+                  <a:txBody>
+                    <a:bodyPr/>
+                    <a:lstStyle/>
+                    <a:p>
+                      <a:pPr algn="ctr" fontAlgn="ctr"/>
+                      <a:r>
+                        <a:rPr lang="pt-BR" sz="1100" b="0" i="0" u="none" strike="noStrike">
+                          <a:solidFill>
+                            <a:srgbClr val="000000"/>
+                          </a:solidFill>
+                          <a:effectLst/>
+                          <a:latin typeface="Arial"/>
+                        </a:rPr>
+                        <a:t>x(5)</a:t>
+                      </a:r>
+                    </a:p>
+                  </a:txBody>
+                  <a:tcPr marL="9525" marR="9525" marT="9525" marB="0" anchor="ctr">
+                    <a:lnL w="6350" cap="flat" cmpd="sng" algn="ctr">
+                      <a:solidFill>
+                        <a:srgbClr val="000000"/>
+                      </a:solidFill>
+                      <a:prstDash val="solid"/>
+                      <a:round/>
+                      <a:headEnd type="none" w="med" len="med"/>
+                      <a:tailEnd type="none" w="med" len="med"/>
+                    </a:lnL>
+                    <a:lnR w="6350" cap="flat" cmpd="sng" algn="ctr">
+                      <a:solidFill>
+                        <a:srgbClr val="000000"/>
+                      </a:solidFill>
+                      <a:prstDash val="solid"/>
+                      <a:round/>
+                      <a:headEnd type="none" w="med" len="med"/>
+                      <a:tailEnd type="none" w="med" len="med"/>
+                    </a:lnR>
+                    <a:lnT w="6350" cap="flat" cmpd="sng" algn="ctr">
+                      <a:solidFill>
+                        <a:srgbClr val="000000"/>
+                      </a:solidFill>
+                      <a:prstDash val="solid"/>
+                      <a:round/>
+                      <a:headEnd type="none" w="med" len="med"/>
+                      <a:tailEnd type="none" w="med" len="med"/>
+                    </a:lnT>
+                    <a:lnB w="6350" cap="flat" cmpd="sng" algn="ctr">
+                      <a:solidFill>
+                        <a:srgbClr val="000000"/>
+                      </a:solidFill>
+                      <a:prstDash val="solid"/>
+                      <a:round/>
+                      <a:headEnd type="none" w="med" len="med"/>
+                      <a:tailEnd type="none" w="med" len="med"/>
+                    </a:lnB>
+                    <a:solidFill>
+                      <a:srgbClr val="FCE4D6"/>
+                    </a:solidFill>
+                  </a:tcPr>
+                </a:tc>
+                <a:tc>
+                  <a:txBody>
+                    <a:bodyPr/>
+                    <a:lstStyle/>
+                    <a:p>
+                      <a:pPr algn="ctr" fontAlgn="ctr"/>
+                      <a:endParaRPr lang="pt-BR" sz="1100" b="0" i="0" u="none" strike="noStrike">
+                        <a:solidFill>
+                          <a:srgbClr val="000000"/>
+                        </a:solidFill>
+                        <a:effectLst/>
+                        <a:latin typeface="Arial"/>
+                      </a:endParaRPr>
+                    </a:p>
+                  </a:txBody>
+                  <a:tcPr marL="9525" marR="9525" marT="9525" marB="0" anchor="ctr">
+                    <a:lnL w="6350" cap="flat" cmpd="sng" algn="ctr">
+                      <a:solidFill>
+                        <a:srgbClr val="000000"/>
+                      </a:solidFill>
+                      <a:prstDash val="solid"/>
+                      <a:round/>
+                      <a:headEnd type="none" w="med" len="med"/>
+                      <a:tailEnd type="none" w="med" len="med"/>
+                    </a:lnL>
+                    <a:lnR w="6350" cap="flat" cmpd="sng" algn="ctr">
+                      <a:solidFill>
+                        <a:srgbClr val="000000"/>
+                      </a:solidFill>
+                      <a:prstDash val="solid"/>
+                      <a:round/>
+                      <a:headEnd type="none" w="med" len="med"/>
+                      <a:tailEnd type="none" w="med" len="med"/>
+                    </a:lnR>
+                    <a:lnT w="6350" cap="flat" cmpd="sng" algn="ctr">
+                      <a:solidFill>
+                        <a:srgbClr val="000000"/>
+                      </a:solidFill>
+                      <a:prstDash val="solid"/>
+                      <a:round/>
+                      <a:headEnd type="none" w="med" len="med"/>
+                      <a:tailEnd type="none" w="med" len="med"/>
+                    </a:lnT>
+                    <a:lnB w="6350" cap="flat" cmpd="sng" algn="ctr">
+                      <a:solidFill>
+                        <a:srgbClr val="000000"/>
+                      </a:solidFill>
+                      <a:prstDash val="solid"/>
+                      <a:round/>
+                      <a:headEnd type="none" w="med" len="med"/>
+                      <a:tailEnd type="none" w="med" len="med"/>
+                    </a:lnB>
+                    <a:solidFill>
+                      <a:srgbClr val="E2EFDA"/>
+                    </a:solidFill>
+                  </a:tcPr>
+                </a:tc>
+                <a:tc>
+                  <a:txBody>
+                    <a:bodyPr/>
+                    <a:lstStyle/>
+                    <a:p>
+                      <a:pPr algn="ctr" fontAlgn="ctr"/>
+                      <a:endParaRPr lang="pt-BR" sz="1100" b="0" i="0" u="none" strike="noStrike">
+                        <a:solidFill>
+                          <a:srgbClr val="000000"/>
+                        </a:solidFill>
+                        <a:effectLst/>
+                        <a:latin typeface="Arial"/>
+                      </a:endParaRPr>
+                    </a:p>
+                  </a:txBody>
+                  <a:tcPr marL="9525" marR="9525" marT="9525" marB="0" anchor="ctr">
+                    <a:lnL w="6350" cap="flat" cmpd="sng" algn="ctr">
+                      <a:solidFill>
+                        <a:srgbClr val="000000"/>
+                      </a:solidFill>
+                      <a:prstDash val="solid"/>
+                      <a:round/>
+                      <a:headEnd type="none" w="med" len="med"/>
+                      <a:tailEnd type="none" w="med" len="med"/>
+                    </a:lnL>
+                    <a:lnR w="6350" cap="flat" cmpd="sng" algn="ctr">
+                      <a:solidFill>
+                        <a:srgbClr val="000000"/>
+                      </a:solidFill>
+                      <a:prstDash val="solid"/>
+                      <a:round/>
+                      <a:headEnd type="none" w="med" len="med"/>
+                      <a:tailEnd type="none" w="med" len="med"/>
+                    </a:lnR>
+                    <a:lnT w="6350" cap="flat" cmpd="sng" algn="ctr">
+                      <a:solidFill>
+                        <a:srgbClr val="000000"/>
+                      </a:solidFill>
+                      <a:prstDash val="solid"/>
+                      <a:round/>
+                      <a:headEnd type="none" w="med" len="med"/>
+                      <a:tailEnd type="none" w="med" len="med"/>
+                    </a:lnT>
+                    <a:lnB w="6350" cap="flat" cmpd="sng" algn="ctr">
+                      <a:solidFill>
+                        <a:srgbClr val="000000"/>
+                      </a:solidFill>
+                      <a:prstDash val="solid"/>
+                      <a:round/>
+                      <a:headEnd type="none" w="med" len="med"/>
+                      <a:tailEnd type="none" w="med" len="med"/>
+                    </a:lnB>
+                    <a:solidFill>
+                      <a:srgbClr val="E2EFDA"/>
+                    </a:solidFill>
+                  </a:tcPr>
+                </a:tc>
+                <a:tc>
+                  <a:txBody>
+                    <a:bodyPr/>
+                    <a:lstStyle/>
+                    <a:p>
+                      <a:pPr algn="ctr" fontAlgn="ctr"/>
+                      <a:endParaRPr lang="pt-BR" sz="1100" b="0" i="0" u="none" strike="noStrike">
+                        <a:solidFill>
+                          <a:srgbClr val="000000"/>
+                        </a:solidFill>
+                        <a:effectLst/>
+                        <a:latin typeface="Arial"/>
+                      </a:endParaRPr>
+                    </a:p>
+                  </a:txBody>
+                  <a:tcPr marL="9525" marR="9525" marT="9525" marB="0" anchor="ctr">
+                    <a:lnL w="6350" cap="flat" cmpd="sng" algn="ctr">
+                      <a:solidFill>
+                        <a:srgbClr val="000000"/>
+                      </a:solidFill>
+                      <a:prstDash val="solid"/>
+                      <a:round/>
+                      <a:headEnd type="none" w="med" len="med"/>
+                      <a:tailEnd type="none" w="med" len="med"/>
+                    </a:lnL>
+                    <a:lnR w="6350" cap="flat" cmpd="sng" algn="ctr">
+                      <a:solidFill>
+                        <a:srgbClr val="000000"/>
+                      </a:solidFill>
+                      <a:prstDash val="solid"/>
+                      <a:round/>
+                      <a:headEnd type="none" w="med" len="med"/>
+                      <a:tailEnd type="none" w="med" len="med"/>
+                    </a:lnR>
+                    <a:lnT w="6350" cap="flat" cmpd="sng" algn="ctr">
+                      <a:solidFill>
+                        <a:srgbClr val="000000"/>
+                      </a:solidFill>
+                      <a:prstDash val="solid"/>
+                      <a:round/>
+                      <a:headEnd type="none" w="med" len="med"/>
+                      <a:tailEnd type="none" w="med" len="med"/>
+                    </a:lnT>
+                    <a:lnB w="6350" cap="flat" cmpd="sng" algn="ctr">
+                      <a:solidFill>
+                        <a:srgbClr val="000000"/>
+                      </a:solidFill>
+                      <a:prstDash val="solid"/>
+                      <a:round/>
+                      <a:headEnd type="none" w="med" len="med"/>
+                      <a:tailEnd type="none" w="med" len="med"/>
+                    </a:lnB>
+                    <a:solidFill>
+                      <a:srgbClr val="E2EFDA"/>
+                    </a:solidFill>
+                  </a:tcPr>
+                </a:tc>
+                <a:tc>
+                  <a:txBody>
+                    <a:bodyPr/>
+                    <a:lstStyle/>
+                    <a:p>
+                      <a:pPr algn="ctr" fontAlgn="ctr"/>
+                      <a:r>
+                        <a:rPr lang="pt-BR" sz="1100" b="0" i="0" u="none" strike="noStrike">
+                          <a:solidFill>
+                            <a:srgbClr val="000000"/>
+                          </a:solidFill>
+                          <a:effectLst/>
+                          <a:latin typeface="Arial" panose="020B0604020202020204" pitchFamily="34" charset="0"/>
+                        </a:rPr>
+                        <a:t> </a:t>
+                      </a:r>
+                    </a:p>
+                  </a:txBody>
+                  <a:tcPr marL="9525" marR="9525" marT="9525" marB="0" anchor="ctr">
+                    <a:lnL w="6350" cap="flat" cmpd="sng" algn="ctr">
+                      <a:solidFill>
+                        <a:srgbClr val="000000"/>
+                      </a:solidFill>
+                      <a:prstDash val="solid"/>
+                      <a:round/>
+                      <a:headEnd type="none" w="med" len="med"/>
+                      <a:tailEnd type="none" w="med" len="med"/>
+                    </a:lnL>
+                    <a:lnR w="6350" cap="flat" cmpd="sng" algn="ctr">
+                      <a:solidFill>
+                        <a:srgbClr val="000000"/>
+                      </a:solidFill>
+                      <a:prstDash val="solid"/>
+                      <a:round/>
+                      <a:headEnd type="none" w="med" len="med"/>
+                      <a:tailEnd type="none" w="med" len="med"/>
+                    </a:lnR>
+                    <a:lnT w="6350" cap="flat" cmpd="sng" algn="ctr">
+                      <a:solidFill>
+                        <a:srgbClr val="000000"/>
+                      </a:solidFill>
+                      <a:prstDash val="solid"/>
+                      <a:round/>
+                      <a:headEnd type="none" w="med" len="med"/>
+                      <a:tailEnd type="none" w="med" len="med"/>
+                    </a:lnT>
+                    <a:lnB w="6350" cap="flat" cmpd="sng" algn="ctr">
+                      <a:solidFill>
+                        <a:srgbClr val="000000"/>
+                      </a:solidFill>
+                      <a:prstDash val="solid"/>
+                      <a:round/>
+                      <a:headEnd type="none" w="med" len="med"/>
+                      <a:tailEnd type="none" w="med" len="med"/>
+                    </a:lnB>
+                    <a:solidFill>
                       <a:srgbClr val="D0CECE"/>
                     </a:solidFill>
                   </a:tcPr>
                 </a:tc>
                 <a:extLst>
                   <a:ext uri="{0D108BD9-81ED-4DB2-BD59-A6C34878D82A}">
-                    <a16:rowId xmlns:a16="http://schemas.microsoft.com/office/drawing/2014/main" val="595980128"/>
+                    <a16:rowId xmlns:a16="http://schemas.microsoft.com/office/drawing/2014/main" val="1288100427"/>
                   </a:ext>
                 </a:extLst>
               </a:tr>

--- a/17. Análise dos Eventos para cada Cenário.pptx
+++ b/17. Análise dos Eventos para cada Cenário.pptx
@@ -5,7 +5,7 @@
     <p:sldMasterId id="2147483648" r:id="rId1"/>
   </p:sldMasterIdLst>
   <p:sldIdLst>
-    <p:sldId id="256" r:id="rId2"/>
+    <p:sldId id="257" r:id="rId2"/>
   </p:sldIdLst>
   <p:sldSz cx="12192000" cy="6858000"/>
   <p:notesSz cx="6858000" cy="9144000"/>
@@ -115,9 +115,8 @@
 <file path=ppt/revisionInfo.xml><?xml version="1.0" encoding="utf-8"?>
 <p1510:revInfo xmlns:a="http://schemas.openxmlformats.org/drawingml/2006/main" xmlns:r="http://schemas.openxmlformats.org/officeDocument/2006/relationships" xmlns:p1510="http://schemas.microsoft.com/office/powerpoint/2015/10/main">
   <p1510:revLst>
-    <p1510:client id="{187941EF-599A-4C87-AB48-C140F9C2F133}" v="87" dt="2020-10-22T01:47:53.901"/>
-    <p1510:client id="{8161FFDA-3093-4086-B729-BEC2D76A044F}" v="61" dt="2020-10-22T01:53:00.095"/>
-    <p1510:client id="{B2C3CF42-D4A8-454D-8DB4-63CF74E0080C}" v="42" dt="2020-10-22T02:01:54.306"/>
+    <p1510:client id="{7E01F49A-F872-4560-A5C5-3D74EB20C552}" v="72" dt="2020-11-07T05:32:32.699"/>
+    <p1510:client id="{88A1B6AE-D1EB-489A-80C9-63C34B722314}" v="1" dt="2020-11-07T05:22:01.786"/>
   </p1510:revLst>
 </p1510:revInfo>
 </file>
@@ -125,38 +124,14 @@
 <file path=ppt/changesInfos/changesInfo1.xml><?xml version="1.0" encoding="utf-8"?>
 <pc:chgInfo xmlns:a="http://schemas.openxmlformats.org/drawingml/2006/main" xmlns:r="http://schemas.openxmlformats.org/officeDocument/2006/relationships" xmlns:ac="http://schemas.microsoft.com/office/drawing/2013/main/command" xmlns:pc="http://schemas.microsoft.com/office/powerpoint/2013/main/command">
   <pc:docChgLst>
-    <pc:chgData name="Bruno Pires" userId="7cd031024afa7b54" providerId="Windows Live" clId="Web-{B2C3CF42-D4A8-454D-8DB4-63CF74E0080C}"/>
-    <pc:docChg chg="modSld">
-      <pc:chgData name="Bruno Pires" userId="7cd031024afa7b54" providerId="Windows Live" clId="Web-{B2C3CF42-D4A8-454D-8DB4-63CF74E0080C}" dt="2020-10-22T01:54:33.140" v="1"/>
-      <pc:docMkLst>
-        <pc:docMk/>
-      </pc:docMkLst>
-      <pc:sldChg chg="modSp">
-        <pc:chgData name="Bruno Pires" userId="7cd031024afa7b54" providerId="Windows Live" clId="Web-{B2C3CF42-D4A8-454D-8DB4-63CF74E0080C}" dt="2020-10-22T01:54:33.140" v="1"/>
-        <pc:sldMkLst>
-          <pc:docMk/>
-          <pc:sldMk cId="2345061847" sldId="256"/>
-        </pc:sldMkLst>
-        <pc:graphicFrameChg chg="modGraphic">
-          <ac:chgData name="Bruno Pires" userId="7cd031024afa7b54" providerId="Windows Live" clId="Web-{B2C3CF42-D4A8-454D-8DB4-63CF74E0080C}" dt="2020-10-22T01:54:33.140" v="1"/>
-          <ac:graphicFrameMkLst>
-            <pc:docMk/>
-            <pc:sldMk cId="2345061847" sldId="256"/>
-            <ac:graphicFrameMk id="4" creationId="{E678F784-405B-46CC-8532-C4A18EEEBB49}"/>
-          </ac:graphicFrameMkLst>
-        </pc:graphicFrameChg>
-      </pc:sldChg>
-    </pc:docChg>
-  </pc:docChgLst>
-  <pc:docChgLst>
     <pc:chgData name="Gabriel Fernandes C. dos Santos" userId="153fb557aa2a4591" providerId="LiveId" clId="{69299D69-D058-497B-A74B-B762E515ABDB}"/>
-    <pc:docChg chg="undo custSel modSld">
-      <pc:chgData name="Gabriel Fernandes C. dos Santos" userId="153fb557aa2a4591" providerId="LiveId" clId="{69299D69-D058-497B-A74B-B762E515ABDB}" dt="2020-10-22T01:37:10.390" v="45" actId="313"/>
+    <pc:docChg chg="undo custSel addSld modSld">
+      <pc:chgData name="Gabriel Fernandes C. dos Santos" userId="153fb557aa2a4591" providerId="LiveId" clId="{69299D69-D058-497B-A74B-B762E515ABDB}" dt="2020-11-07T05:22:54.839" v="203" actId="782"/>
       <pc:docMkLst>
         <pc:docMk/>
       </pc:docMkLst>
       <pc:sldChg chg="addSp delSp modSp mod">
-        <pc:chgData name="Gabriel Fernandes C. dos Santos" userId="153fb557aa2a4591" providerId="LiveId" clId="{69299D69-D058-497B-A74B-B762E515ABDB}" dt="2020-10-22T01:37:10.390" v="45" actId="313"/>
+        <pc:chgData name="Gabriel Fernandes C. dos Santos" userId="153fb557aa2a4591" providerId="LiveId" clId="{69299D69-D058-497B-A74B-B762E515ABDB}" dt="2020-10-24T00:57:10.113" v="47" actId="478"/>
         <pc:sldMkLst>
           <pc:docMk/>
           <pc:sldMk cId="2345061847" sldId="256"/>
@@ -185,8 +160,8 @@
             <ac:graphicFrameMk id="3" creationId="{5D2B3D1A-C8AB-485F-9B1B-D78C25E2D1D9}"/>
           </ac:graphicFrameMkLst>
         </pc:graphicFrameChg>
-        <pc:graphicFrameChg chg="add mod modGraphic">
-          <ac:chgData name="Gabriel Fernandes C. dos Santos" userId="153fb557aa2a4591" providerId="LiveId" clId="{69299D69-D058-497B-A74B-B762E515ABDB}" dt="2020-10-22T01:37:10.390" v="45" actId="313"/>
+        <pc:graphicFrameChg chg="add del mod modGraphic">
+          <ac:chgData name="Gabriel Fernandes C. dos Santos" userId="153fb557aa2a4591" providerId="LiveId" clId="{69299D69-D058-497B-A74B-B762E515ABDB}" dt="2020-10-24T00:57:10.113" v="47" actId="478"/>
           <ac:graphicFrameMkLst>
             <pc:docMk/>
             <pc:sldMk cId="2345061847" sldId="256"/>
@@ -199,6 +174,397 @@
             <pc:docMk/>
             <pc:sldMk cId="2345061847" sldId="256"/>
             <ac:graphicFrameMk id="13" creationId="{77CB4DFE-B102-4036-9DE1-B362A8D240E2}"/>
+          </ac:graphicFrameMkLst>
+        </pc:graphicFrameChg>
+      </pc:sldChg>
+      <pc:sldChg chg="addSp delSp modSp new mod">
+        <pc:chgData name="Gabriel Fernandes C. dos Santos" userId="153fb557aa2a4591" providerId="LiveId" clId="{69299D69-D058-497B-A74B-B762E515ABDB}" dt="2020-11-07T05:22:54.839" v="203" actId="782"/>
+        <pc:sldMkLst>
+          <pc:docMk/>
+          <pc:sldMk cId="2865144536" sldId="257"/>
+        </pc:sldMkLst>
+        <pc:spChg chg="del">
+          <ac:chgData name="Gabriel Fernandes C. dos Santos" userId="153fb557aa2a4591" providerId="LiveId" clId="{69299D69-D058-497B-A74B-B762E515ABDB}" dt="2020-10-24T00:57:19.052" v="50" actId="478"/>
+          <ac:spMkLst>
+            <pc:docMk/>
+            <pc:sldMk cId="2865144536" sldId="257"/>
+            <ac:spMk id="2" creationId="{68B3DEDF-FD7D-4D65-A0F3-5C92D25DEA34}"/>
+          </ac:spMkLst>
+        </pc:spChg>
+        <pc:spChg chg="del">
+          <ac:chgData name="Gabriel Fernandes C. dos Santos" userId="153fb557aa2a4591" providerId="LiveId" clId="{69299D69-D058-497B-A74B-B762E515ABDB}" dt="2020-10-24T00:57:17.557" v="49" actId="478"/>
+          <ac:spMkLst>
+            <pc:docMk/>
+            <pc:sldMk cId="2865144536" sldId="257"/>
+            <ac:spMk id="3" creationId="{69658658-8703-4401-AD2C-3C1F3890BCDB}"/>
+          </ac:spMkLst>
+        </pc:spChg>
+        <pc:graphicFrameChg chg="add del mod">
+          <ac:chgData name="Gabriel Fernandes C. dos Santos" userId="153fb557aa2a4591" providerId="LiveId" clId="{69299D69-D058-497B-A74B-B762E515ABDB}" dt="2020-10-24T01:40:50.923" v="161"/>
+          <ac:graphicFrameMkLst>
+            <pc:docMk/>
+            <pc:sldMk cId="2865144536" sldId="257"/>
+            <ac:graphicFrameMk id="2" creationId="{970E21E9-FDF3-4355-A102-8E42714B7793}"/>
+          </ac:graphicFrameMkLst>
+        </pc:graphicFrameChg>
+        <pc:graphicFrameChg chg="add mod modGraphic">
+          <ac:chgData name="Gabriel Fernandes C. dos Santos" userId="153fb557aa2a4591" providerId="LiveId" clId="{69299D69-D058-497B-A74B-B762E515ABDB}" dt="2020-11-07T05:22:54.839" v="203" actId="782"/>
+          <ac:graphicFrameMkLst>
+            <pc:docMk/>
+            <pc:sldMk cId="2865144536" sldId="257"/>
+            <ac:graphicFrameMk id="2" creationId="{B9D7C21E-1554-48F1-B97D-E65C7C876D0F}"/>
+          </ac:graphicFrameMkLst>
+        </pc:graphicFrameChg>
+        <pc:graphicFrameChg chg="add del mod modGraphic">
+          <ac:chgData name="Gabriel Fernandes C. dos Santos" userId="153fb557aa2a4591" providerId="LiveId" clId="{69299D69-D058-497B-A74B-B762E515ABDB}" dt="2020-11-07T05:19:52.087" v="178" actId="478"/>
+          <ac:graphicFrameMkLst>
+            <pc:docMk/>
+            <pc:sldMk cId="2865144536" sldId="257"/>
+            <ac:graphicFrameMk id="3" creationId="{B580F16A-9439-4093-89D7-4096665ED5D7}"/>
+          </ac:graphicFrameMkLst>
+        </pc:graphicFrameChg>
+        <pc:graphicFrameChg chg="add del mod">
+          <ac:chgData name="Gabriel Fernandes C. dos Santos" userId="153fb557aa2a4591" providerId="LiveId" clId="{69299D69-D058-497B-A74B-B762E515ABDB}" dt="2020-10-24T00:57:35.743" v="54"/>
+          <ac:graphicFrameMkLst>
+            <pc:docMk/>
+            <pc:sldMk cId="2865144536" sldId="257"/>
+            <ac:graphicFrameMk id="4" creationId="{22A2CEB8-0C36-4BC6-9A02-F7EDE458245E}"/>
+          </ac:graphicFrameMkLst>
+        </pc:graphicFrameChg>
+        <pc:graphicFrameChg chg="add del mod modGraphic">
+          <ac:chgData name="Gabriel Fernandes C. dos Santos" userId="153fb557aa2a4591" providerId="LiveId" clId="{69299D69-D058-497B-A74B-B762E515ABDB}" dt="2020-10-24T01:06:52.016" v="76" actId="478"/>
+          <ac:graphicFrameMkLst>
+            <pc:docMk/>
+            <pc:sldMk cId="2865144536" sldId="257"/>
+            <ac:graphicFrameMk id="5" creationId="{445EC2A6-12F1-4080-BA4F-8F6149884BF2}"/>
+          </ac:graphicFrameMkLst>
+        </pc:graphicFrameChg>
+        <pc:graphicFrameChg chg="add del mod">
+          <ac:chgData name="Gabriel Fernandes C. dos Santos" userId="153fb557aa2a4591" providerId="LiveId" clId="{69299D69-D058-497B-A74B-B762E515ABDB}" dt="2020-10-24T01:07:19.529" v="80"/>
+          <ac:graphicFrameMkLst>
+            <pc:docMk/>
+            <pc:sldMk cId="2865144536" sldId="257"/>
+            <ac:graphicFrameMk id="6" creationId="{77E30256-9D92-4F44-B9F5-A674B2C4CBEA}"/>
+          </ac:graphicFrameMkLst>
+        </pc:graphicFrameChg>
+        <pc:graphicFrameChg chg="add del mod">
+          <ac:chgData name="Gabriel Fernandes C. dos Santos" userId="153fb557aa2a4591" providerId="LiveId" clId="{69299D69-D058-497B-A74B-B762E515ABDB}" dt="2020-10-24T01:07:34.697" v="86"/>
+          <ac:graphicFrameMkLst>
+            <pc:docMk/>
+            <pc:sldMk cId="2865144536" sldId="257"/>
+            <ac:graphicFrameMk id="7" creationId="{4D9F708E-C8B0-4CBA-AE9B-F152B6F48356}"/>
+          </ac:graphicFrameMkLst>
+        </pc:graphicFrameChg>
+        <pc:graphicFrameChg chg="add del mod modGraphic">
+          <ac:chgData name="Gabriel Fernandes C. dos Santos" userId="153fb557aa2a4591" providerId="LiveId" clId="{69299D69-D058-497B-A74B-B762E515ABDB}" dt="2020-10-24T01:08:16.180" v="90"/>
+          <ac:graphicFrameMkLst>
+            <pc:docMk/>
+            <pc:sldMk cId="2865144536" sldId="257"/>
+            <ac:graphicFrameMk id="8" creationId="{427C790E-5864-4432-9A6C-37B537A323D9}"/>
+          </ac:graphicFrameMkLst>
+        </pc:graphicFrameChg>
+        <pc:graphicFrameChg chg="add del mod">
+          <ac:chgData name="Gabriel Fernandes C. dos Santos" userId="153fb557aa2a4591" providerId="LiveId" clId="{69299D69-D058-497B-A74B-B762E515ABDB}" dt="2020-10-24T01:08:20.847" v="94"/>
+          <ac:graphicFrameMkLst>
+            <pc:docMk/>
+            <pc:sldMk cId="2865144536" sldId="257"/>
+            <ac:graphicFrameMk id="9" creationId="{56392DCF-40B1-4EFA-8306-D4A10C8D8315}"/>
+          </ac:graphicFrameMkLst>
+        </pc:graphicFrameChg>
+        <pc:graphicFrameChg chg="add del mod modGraphic">
+          <ac:chgData name="Gabriel Fernandes C. dos Santos" userId="153fb557aa2a4591" providerId="LiveId" clId="{69299D69-D058-497B-A74B-B762E515ABDB}" dt="2020-10-24T01:40:31.765" v="149" actId="478"/>
+          <ac:graphicFrameMkLst>
+            <pc:docMk/>
+            <pc:sldMk cId="2865144536" sldId="257"/>
+            <ac:graphicFrameMk id="10" creationId="{76664EEE-91C1-42A6-8D62-37F47B9F8B4A}"/>
+          </ac:graphicFrameMkLst>
+        </pc:graphicFrameChg>
+      </pc:sldChg>
+    </pc:docChg>
+  </pc:docChgLst>
+  <pc:docChgLst>
+    <pc:chgData name="Caio Ferreira" userId="aa37e96bb8b72277" providerId="LiveId" clId="{3362563C-53B9-484E-8408-855BEC19CDBE}"/>
+    <pc:docChg chg="custSel modSld">
+      <pc:chgData name="Caio Ferreira" userId="aa37e96bb8b72277" providerId="LiveId" clId="{3362563C-53B9-484E-8408-855BEC19CDBE}" dt="2020-09-24T02:04:15.431" v="62" actId="122"/>
+      <pc:docMkLst>
+        <pc:docMk/>
+      </pc:docMkLst>
+      <pc:sldChg chg="addSp delSp modSp mod">
+        <pc:chgData name="Caio Ferreira" userId="aa37e96bb8b72277" providerId="LiveId" clId="{3362563C-53B9-484E-8408-855BEC19CDBE}" dt="2020-09-24T02:04:15.431" v="62" actId="122"/>
+        <pc:sldMkLst>
+          <pc:docMk/>
+          <pc:sldMk cId="2345061847" sldId="256"/>
+        </pc:sldMkLst>
+        <pc:spChg chg="add mod">
+          <ac:chgData name="Caio Ferreira" userId="aa37e96bb8b72277" providerId="LiveId" clId="{3362563C-53B9-484E-8408-855BEC19CDBE}" dt="2020-09-24T01:57:12.083" v="48" actId="1076"/>
+          <ac:spMkLst>
+            <pc:docMk/>
+            <pc:sldMk cId="2345061847" sldId="256"/>
+            <ac:spMk id="2" creationId="{45E9EE82-159C-4AA4-A8E3-C89F6E8A5335}"/>
+          </ac:spMkLst>
+        </pc:spChg>
+        <pc:graphicFrameChg chg="add del mod">
+          <ac:chgData name="Caio Ferreira" userId="aa37e96bb8b72277" providerId="LiveId" clId="{3362563C-53B9-484E-8408-855BEC19CDBE}" dt="2020-09-24T02:03:47.679" v="53"/>
+          <ac:graphicFrameMkLst>
+            <pc:docMk/>
+            <pc:sldMk cId="2345061847" sldId="256"/>
+            <ac:graphicFrameMk id="3" creationId="{BD34E73D-3AE9-4A34-8C28-0FFB5641558C}"/>
+          </ac:graphicFrameMkLst>
+        </pc:graphicFrameChg>
+        <pc:graphicFrameChg chg="add mod modGraphic">
+          <ac:chgData name="Caio Ferreira" userId="aa37e96bb8b72277" providerId="LiveId" clId="{3362563C-53B9-484E-8408-855BEC19CDBE}" dt="2020-09-24T02:04:15.431" v="62" actId="122"/>
+          <ac:graphicFrameMkLst>
+            <pc:docMk/>
+            <pc:sldMk cId="2345061847" sldId="256"/>
+            <ac:graphicFrameMk id="4" creationId="{28BD0582-8EFC-4C90-8082-7251ECA405ED}"/>
+          </ac:graphicFrameMkLst>
+        </pc:graphicFrameChg>
+        <pc:graphicFrameChg chg="del">
+          <ac:chgData name="Caio Ferreira" userId="aa37e96bb8b72277" providerId="LiveId" clId="{3362563C-53B9-484E-8408-855BEC19CDBE}" dt="2020-09-24T02:03:43.943" v="49" actId="478"/>
+          <ac:graphicFrameMkLst>
+            <pc:docMk/>
+            <pc:sldMk cId="2345061847" sldId="256"/>
+            <ac:graphicFrameMk id="5" creationId="{46A473E8-649E-4002-8B3E-C39FF3347046}"/>
+          </ac:graphicFrameMkLst>
+        </pc:graphicFrameChg>
+      </pc:sldChg>
+    </pc:docChg>
+  </pc:docChgLst>
+  <pc:docChgLst>
+    <pc:chgData name="Eduardo Marques" userId="b9dd18581288d1e4" providerId="Windows Live" clId="Web-{828215AA-66AF-4240-9A1E-26248AC8A8B5}"/>
+    <pc:docChg chg="modSld">
+      <pc:chgData name="Eduardo Marques" userId="b9dd18581288d1e4" providerId="Windows Live" clId="Web-{828215AA-66AF-4240-9A1E-26248AC8A8B5}" dt="2020-09-26T14:03:13.625" v="1" actId="1076"/>
+      <pc:docMkLst>
+        <pc:docMk/>
+      </pc:docMkLst>
+      <pc:sldChg chg="delSp modSp">
+        <pc:chgData name="Eduardo Marques" userId="b9dd18581288d1e4" providerId="Windows Live" clId="Web-{828215AA-66AF-4240-9A1E-26248AC8A8B5}" dt="2020-09-26T14:03:13.625" v="1" actId="1076"/>
+        <pc:sldMkLst>
+          <pc:docMk/>
+          <pc:sldMk cId="2345061847" sldId="256"/>
+        </pc:sldMkLst>
+        <pc:spChg chg="del">
+          <ac:chgData name="Eduardo Marques" userId="b9dd18581288d1e4" providerId="Windows Live" clId="Web-{828215AA-66AF-4240-9A1E-26248AC8A8B5}" dt="2020-09-26T14:03:00.485" v="0"/>
+          <ac:spMkLst>
+            <pc:docMk/>
+            <pc:sldMk cId="2345061847" sldId="256"/>
+            <ac:spMk id="2" creationId="{45E9EE82-159C-4AA4-A8E3-C89F6E8A5335}"/>
+          </ac:spMkLst>
+        </pc:spChg>
+        <pc:graphicFrameChg chg="mod">
+          <ac:chgData name="Eduardo Marques" userId="b9dd18581288d1e4" providerId="Windows Live" clId="Web-{828215AA-66AF-4240-9A1E-26248AC8A8B5}" dt="2020-09-26T14:03:13.625" v="1" actId="1076"/>
+          <ac:graphicFrameMkLst>
+            <pc:docMk/>
+            <pc:sldMk cId="2345061847" sldId="256"/>
+            <ac:graphicFrameMk id="4" creationId="{28BD0582-8EFC-4C90-8082-7251ECA405ED}"/>
+          </ac:graphicFrameMkLst>
+        </pc:graphicFrameChg>
+      </pc:sldChg>
+    </pc:docChg>
+  </pc:docChgLst>
+  <pc:docChgLst>
+    <pc:chgData name="Gabriel Fernandes C. dos Santos" userId="153fb557aa2a4591" providerId="Windows Live" clId="Web-{187941EF-599A-4C87-AB48-C140F9C2F133}"/>
+    <pc:docChg chg="modSld">
+      <pc:chgData name="Gabriel Fernandes C. dos Santos" userId="153fb557aa2a4591" providerId="Windows Live" clId="Web-{187941EF-599A-4C87-AB48-C140F9C2F133}" dt="2020-10-22T01:47:53.901" v="8"/>
+      <pc:docMkLst>
+        <pc:docMk/>
+      </pc:docMkLst>
+      <pc:sldChg chg="modSp">
+        <pc:chgData name="Gabriel Fernandes C. dos Santos" userId="153fb557aa2a4591" providerId="Windows Live" clId="Web-{187941EF-599A-4C87-AB48-C140F9C2F133}" dt="2020-10-22T01:47:53.901" v="8"/>
+        <pc:sldMkLst>
+          <pc:docMk/>
+          <pc:sldMk cId="2345061847" sldId="256"/>
+        </pc:sldMkLst>
+        <pc:graphicFrameChg chg="mod modGraphic">
+          <ac:chgData name="Gabriel Fernandes C. dos Santos" userId="153fb557aa2a4591" providerId="Windows Live" clId="Web-{187941EF-599A-4C87-AB48-C140F9C2F133}" dt="2020-10-22T01:47:53.901" v="8"/>
+          <ac:graphicFrameMkLst>
+            <pc:docMk/>
+            <pc:sldMk cId="2345061847" sldId="256"/>
+            <ac:graphicFrameMk id="4" creationId="{E678F784-405B-46CC-8532-C4A18EEEBB49}"/>
+          </ac:graphicFrameMkLst>
+        </pc:graphicFrameChg>
+      </pc:sldChg>
+    </pc:docChg>
+  </pc:docChgLst>
+  <pc:docChgLst>
+    <pc:chgData name="Gabriel Fernandes C. dos Santos" userId="153fb557aa2a4591" providerId="Windows Live" clId="Web-{0A4A5C8D-7DDB-4F92-BCFD-85FD07326FF3}"/>
+    <pc:docChg chg="modSld">
+      <pc:chgData name="Gabriel Fernandes C. dos Santos" userId="153fb557aa2a4591" providerId="Windows Live" clId="Web-{0A4A5C8D-7DDB-4F92-BCFD-85FD07326FF3}" dt="2020-09-24T01:50:56.885" v="3"/>
+      <pc:docMkLst>
+        <pc:docMk/>
+      </pc:docMkLst>
+      <pc:sldChg chg="addSp delSp modSp">
+        <pc:chgData name="Gabriel Fernandes C. dos Santos" userId="153fb557aa2a4591" providerId="Windows Live" clId="Web-{0A4A5C8D-7DDB-4F92-BCFD-85FD07326FF3}" dt="2020-09-24T01:50:56.885" v="3"/>
+        <pc:sldMkLst>
+          <pc:docMk/>
+          <pc:sldMk cId="2345061847" sldId="256"/>
+        </pc:sldMkLst>
+        <pc:graphicFrameChg chg="add del mod">
+          <ac:chgData name="Gabriel Fernandes C. dos Santos" userId="153fb557aa2a4591" providerId="Windows Live" clId="Web-{0A4A5C8D-7DDB-4F92-BCFD-85FD07326FF3}" dt="2020-09-24T01:50:38.485" v="2"/>
+          <ac:graphicFrameMkLst>
+            <pc:docMk/>
+            <pc:sldMk cId="2345061847" sldId="256"/>
+            <ac:graphicFrameMk id="3" creationId="{DE9E3D04-D8FF-47A8-8FE4-EED83FFA636A}"/>
+          </ac:graphicFrameMkLst>
+        </pc:graphicFrameChg>
+        <pc:graphicFrameChg chg="add del">
+          <ac:chgData name="Gabriel Fernandes C. dos Santos" userId="153fb557aa2a4591" providerId="Windows Live" clId="Web-{0A4A5C8D-7DDB-4F92-BCFD-85FD07326FF3}" dt="2020-09-24T01:50:56.885" v="3"/>
+          <ac:graphicFrameMkLst>
+            <pc:docMk/>
+            <pc:sldMk cId="2345061847" sldId="256"/>
+            <ac:graphicFrameMk id="5" creationId="{46A473E8-649E-4002-8B3E-C39FF3347046}"/>
+          </ac:graphicFrameMkLst>
+        </pc:graphicFrameChg>
+      </pc:sldChg>
+    </pc:docChg>
+  </pc:docChgLst>
+  <pc:docChgLst>
+    <pc:chgData name="Eduardo Marques" userId="b9dd18581288d1e4" providerId="Windows Live" clId="Web-{AFCF4948-873C-46BC-8F46-2CAB659E542B}"/>
+    <pc:docChg chg="modSld">
+      <pc:chgData name="Eduardo Marques" userId="b9dd18581288d1e4" providerId="Windows Live" clId="Web-{AFCF4948-873C-46BC-8F46-2CAB659E542B}" dt="2020-09-26T02:15:19.064" v="22"/>
+      <pc:docMkLst>
+        <pc:docMk/>
+      </pc:docMkLst>
+      <pc:sldChg chg="modSp">
+        <pc:chgData name="Eduardo Marques" userId="b9dd18581288d1e4" providerId="Windows Live" clId="Web-{AFCF4948-873C-46BC-8F46-2CAB659E542B}" dt="2020-09-26T02:15:19.064" v="22"/>
+        <pc:sldMkLst>
+          <pc:docMk/>
+          <pc:sldMk cId="2345061847" sldId="256"/>
+        </pc:sldMkLst>
+        <pc:spChg chg="mod">
+          <ac:chgData name="Eduardo Marques" userId="b9dd18581288d1e4" providerId="Windows Live" clId="Web-{AFCF4948-873C-46BC-8F46-2CAB659E542B}" dt="2020-09-26T01:40:37.655" v="1" actId="20577"/>
+          <ac:spMkLst>
+            <pc:docMk/>
+            <pc:sldMk cId="2345061847" sldId="256"/>
+            <ac:spMk id="2" creationId="{45E9EE82-159C-4AA4-A8E3-C89F6E8A5335}"/>
+          </ac:spMkLst>
+        </pc:spChg>
+        <pc:graphicFrameChg chg="mod modGraphic">
+          <ac:chgData name="Eduardo Marques" userId="b9dd18581288d1e4" providerId="Windows Live" clId="Web-{AFCF4948-873C-46BC-8F46-2CAB659E542B}" dt="2020-09-26T02:15:19.064" v="22"/>
+          <ac:graphicFrameMkLst>
+            <pc:docMk/>
+            <pc:sldMk cId="2345061847" sldId="256"/>
+            <ac:graphicFrameMk id="4" creationId="{28BD0582-8EFC-4C90-8082-7251ECA405ED}"/>
+          </ac:graphicFrameMkLst>
+        </pc:graphicFrameChg>
+      </pc:sldChg>
+    </pc:docChg>
+  </pc:docChgLst>
+  <pc:docChgLst>
+    <pc:chgData name="Edilene Marques" userId="ad8df458748d149b" providerId="Windows Live" clId="Web-{5CBB0CD4-0AFB-4B8C-88FF-EEB785AD92F0}"/>
+    <pc:docChg chg="modSld">
+      <pc:chgData name="Edilene Marques" userId="ad8df458748d149b" providerId="Windows Live" clId="Web-{5CBB0CD4-0AFB-4B8C-88FF-EEB785AD92F0}" dt="2020-10-09T23:28:14.033" v="19"/>
+      <pc:docMkLst>
+        <pc:docMk/>
+      </pc:docMkLst>
+      <pc:sldChg chg="modSp">
+        <pc:chgData name="Edilene Marques" userId="ad8df458748d149b" providerId="Windows Live" clId="Web-{5CBB0CD4-0AFB-4B8C-88FF-EEB785AD92F0}" dt="2020-10-09T23:28:14.033" v="18"/>
+        <pc:sldMkLst>
+          <pc:docMk/>
+          <pc:sldMk cId="2345061847" sldId="256"/>
+        </pc:sldMkLst>
+        <pc:graphicFrameChg chg="mod modGraphic">
+          <ac:chgData name="Edilene Marques" userId="ad8df458748d149b" providerId="Windows Live" clId="Web-{5CBB0CD4-0AFB-4B8C-88FF-EEB785AD92F0}" dt="2020-10-09T23:28:14.033" v="18"/>
+          <ac:graphicFrameMkLst>
+            <pc:docMk/>
+            <pc:sldMk cId="2345061847" sldId="256"/>
+            <ac:graphicFrameMk id="4" creationId="{28BD0582-8EFC-4C90-8082-7251ECA405ED}"/>
+          </ac:graphicFrameMkLst>
+        </pc:graphicFrameChg>
+      </pc:sldChg>
+    </pc:docChg>
+  </pc:docChgLst>
+  <pc:docChgLst>
+    <pc:chgData name="Bruno Pires" userId="2e75d9009844921f" providerId="Windows Live" clId="Web-{349AAE9E-C771-46EC-9B10-B450480A52C6}"/>
+    <pc:docChg chg="modSld">
+      <pc:chgData name="Bruno Pires" userId="2e75d9009844921f" providerId="Windows Live" clId="Web-{349AAE9E-C771-46EC-9B10-B450480A52C6}" dt="2020-09-26T02:29:35.802" v="166"/>
+      <pc:docMkLst>
+        <pc:docMk/>
+      </pc:docMkLst>
+      <pc:sldChg chg="modSp">
+        <pc:chgData name="Bruno Pires" userId="2e75d9009844921f" providerId="Windows Live" clId="Web-{349AAE9E-C771-46EC-9B10-B450480A52C6}" dt="2020-09-26T02:29:35.802" v="166"/>
+        <pc:sldMkLst>
+          <pc:docMk/>
+          <pc:sldMk cId="2345061847" sldId="256"/>
+        </pc:sldMkLst>
+        <pc:graphicFrameChg chg="mod modGraphic">
+          <ac:chgData name="Bruno Pires" userId="2e75d9009844921f" providerId="Windows Live" clId="Web-{349AAE9E-C771-46EC-9B10-B450480A52C6}" dt="2020-09-26T02:29:35.802" v="166"/>
+          <ac:graphicFrameMkLst>
+            <pc:docMk/>
+            <pc:sldMk cId="2345061847" sldId="256"/>
+            <ac:graphicFrameMk id="4" creationId="{28BD0582-8EFC-4C90-8082-7251ECA405ED}"/>
+          </ac:graphicFrameMkLst>
+        </pc:graphicFrameChg>
+      </pc:sldChg>
+    </pc:docChg>
+  </pc:docChgLst>
+  <pc:docChgLst>
+    <pc:chgData name="Eduardo Marques" userId="b9dd18581288d1e4" providerId="Windows Live" clId="Web-{88A1B6AE-D1EB-489A-80C9-63C34B722314}"/>
+    <pc:docChg chg="modSld">
+      <pc:chgData name="Eduardo Marques" userId="b9dd18581288d1e4" providerId="Windows Live" clId="Web-{88A1B6AE-D1EB-489A-80C9-63C34B722314}" dt="2020-11-07T05:22:01.786" v="0" actId="1076"/>
+      <pc:docMkLst>
+        <pc:docMk/>
+      </pc:docMkLst>
+      <pc:sldChg chg="modSp">
+        <pc:chgData name="Eduardo Marques" userId="b9dd18581288d1e4" providerId="Windows Live" clId="Web-{88A1B6AE-D1EB-489A-80C9-63C34B722314}" dt="2020-11-07T05:22:01.786" v="0" actId="1076"/>
+        <pc:sldMkLst>
+          <pc:docMk/>
+          <pc:sldMk cId="2865144536" sldId="257"/>
+        </pc:sldMkLst>
+        <pc:graphicFrameChg chg="mod">
+          <ac:chgData name="Eduardo Marques" userId="b9dd18581288d1e4" providerId="Windows Live" clId="Web-{88A1B6AE-D1EB-489A-80C9-63C34B722314}" dt="2020-11-07T05:22:01.786" v="0" actId="1076"/>
+          <ac:graphicFrameMkLst>
+            <pc:docMk/>
+            <pc:sldMk cId="2865144536" sldId="257"/>
+            <ac:graphicFrameMk id="2" creationId="{B9D7C21E-1554-48F1-B97D-E65C7C876D0F}"/>
+          </ac:graphicFrameMkLst>
+        </pc:graphicFrameChg>
+      </pc:sldChg>
+    </pc:docChg>
+  </pc:docChgLst>
+  <pc:docChgLst>
+    <pc:chgData name="Eduardo Marques" userId="b9dd18581288d1e4" providerId="Windows Live" clId="Web-{8161FFDA-3093-4086-B729-BEC2D76A044F}"/>
+    <pc:docChg chg="modSld">
+      <pc:chgData name="Eduardo Marques" userId="b9dd18581288d1e4" providerId="Windows Live" clId="Web-{8161FFDA-3093-4086-B729-BEC2D76A044F}" dt="2020-10-22T01:52:58.705" v="17"/>
+      <pc:docMkLst>
+        <pc:docMk/>
+      </pc:docMkLst>
+      <pc:sldChg chg="modSp">
+        <pc:chgData name="Eduardo Marques" userId="b9dd18581288d1e4" providerId="Windows Live" clId="Web-{8161FFDA-3093-4086-B729-BEC2D76A044F}" dt="2020-10-22T01:52:58.705" v="17"/>
+        <pc:sldMkLst>
+          <pc:docMk/>
+          <pc:sldMk cId="2345061847" sldId="256"/>
+        </pc:sldMkLst>
+        <pc:graphicFrameChg chg="mod modGraphic">
+          <ac:chgData name="Eduardo Marques" userId="b9dd18581288d1e4" providerId="Windows Live" clId="Web-{8161FFDA-3093-4086-B729-BEC2D76A044F}" dt="2020-10-22T01:52:58.705" v="17"/>
+          <ac:graphicFrameMkLst>
+            <pc:docMk/>
+            <pc:sldMk cId="2345061847" sldId="256"/>
+            <ac:graphicFrameMk id="4" creationId="{E678F784-405B-46CC-8532-C4A18EEEBB49}"/>
+          </ac:graphicFrameMkLst>
+        </pc:graphicFrameChg>
+      </pc:sldChg>
+    </pc:docChg>
+  </pc:docChgLst>
+  <pc:docChgLst>
+    <pc:chgData name="Gabriel Casagrande" userId="e7a325a1baaa42ba" providerId="Windows Live" clId="Web-{B0A51382-F174-4C64-B07D-7369731A7F8D}"/>
+    <pc:docChg chg="modSld">
+      <pc:chgData name="Gabriel Casagrande" userId="e7a325a1baaa42ba" providerId="Windows Live" clId="Web-{B0A51382-F174-4C64-B07D-7369731A7F8D}" dt="2020-09-24T01:44:03.402" v="16"/>
+      <pc:docMkLst>
+        <pc:docMk/>
+      </pc:docMkLst>
+      <pc:sldChg chg="modSp">
+        <pc:chgData name="Gabriel Casagrande" userId="e7a325a1baaa42ba" providerId="Windows Live" clId="Web-{B0A51382-F174-4C64-B07D-7369731A7F8D}" dt="2020-09-24T01:44:03.402" v="16"/>
+        <pc:sldMkLst>
+          <pc:docMk/>
+          <pc:sldMk cId="2345061847" sldId="256"/>
+        </pc:sldMkLst>
+        <pc:graphicFrameChg chg="mod modGraphic">
+          <ac:chgData name="Gabriel Casagrande" userId="e7a325a1baaa42ba" providerId="Windows Live" clId="Web-{B0A51382-F174-4C64-B07D-7369731A7F8D}" dt="2020-09-24T01:44:03.402" v="16"/>
+          <ac:graphicFrameMkLst>
+            <pc:docMk/>
+            <pc:sldMk cId="2345061847" sldId="256"/>
+            <ac:graphicFrameMk id="5" creationId="{46A473E8-649E-4002-8B3E-C39FF3347046}"/>
           </ac:graphicFrameMkLst>
         </pc:graphicFrameChg>
       </pc:sldChg>
@@ -229,44 +595,20 @@
     </pc:docChg>
   </pc:docChgLst>
   <pc:docChgLst>
-    <pc:chgData name="Gabriel Casagrande" userId="e7a325a1baaa42ba" providerId="Windows Live" clId="Web-{B0A51382-F174-4C64-B07D-7369731A7F8D}"/>
+    <pc:chgData name="Eduardo Marques" userId="b9dd18581288d1e4" providerId="Windows Live" clId="Web-{EC2C7CA5-251E-46E7-8B51-D29174C9CDC5}"/>
     <pc:docChg chg="modSld">
-      <pc:chgData name="Gabriel Casagrande" userId="e7a325a1baaa42ba" providerId="Windows Live" clId="Web-{B0A51382-F174-4C64-B07D-7369731A7F8D}" dt="2020-09-24T01:44:03.402" v="16"/>
+      <pc:chgData name="Eduardo Marques" userId="b9dd18581288d1e4" providerId="Windows Live" clId="Web-{EC2C7CA5-251E-46E7-8B51-D29174C9CDC5}" dt="2020-10-17T03:51:35.668" v="47"/>
       <pc:docMkLst>
         <pc:docMk/>
       </pc:docMkLst>
       <pc:sldChg chg="modSp">
-        <pc:chgData name="Gabriel Casagrande" userId="e7a325a1baaa42ba" providerId="Windows Live" clId="Web-{B0A51382-F174-4C64-B07D-7369731A7F8D}" dt="2020-09-24T01:44:03.402" v="16"/>
+        <pc:chgData name="Eduardo Marques" userId="b9dd18581288d1e4" providerId="Windows Live" clId="Web-{EC2C7CA5-251E-46E7-8B51-D29174C9CDC5}" dt="2020-10-17T03:51:35.668" v="47"/>
         <pc:sldMkLst>
           <pc:docMk/>
           <pc:sldMk cId="2345061847" sldId="256"/>
         </pc:sldMkLst>
         <pc:graphicFrameChg chg="mod modGraphic">
-          <ac:chgData name="Gabriel Casagrande" userId="e7a325a1baaa42ba" providerId="Windows Live" clId="Web-{B0A51382-F174-4C64-B07D-7369731A7F8D}" dt="2020-09-24T01:44:03.402" v="16"/>
-          <ac:graphicFrameMkLst>
-            <pc:docMk/>
-            <pc:sldMk cId="2345061847" sldId="256"/>
-            <ac:graphicFrameMk id="5" creationId="{46A473E8-649E-4002-8B3E-C39FF3347046}"/>
-          </ac:graphicFrameMkLst>
-        </pc:graphicFrameChg>
-      </pc:sldChg>
-    </pc:docChg>
-  </pc:docChgLst>
-  <pc:docChgLst>
-    <pc:chgData name="Eduardo Marques" userId="b9dd18581288d1e4" providerId="Windows Live" clId="Web-{889B64D8-EA6B-4C41-985D-B9B3F0CF6C28}"/>
-    <pc:docChg chg="modSld">
-      <pc:chgData name="Eduardo Marques" userId="b9dd18581288d1e4" providerId="Windows Live" clId="Web-{889B64D8-EA6B-4C41-985D-B9B3F0CF6C28}" dt="2020-10-17T02:05:35.400" v="77"/>
-      <pc:docMkLst>
-        <pc:docMk/>
-      </pc:docMkLst>
-      <pc:sldChg chg="modSp">
-        <pc:chgData name="Eduardo Marques" userId="b9dd18581288d1e4" providerId="Windows Live" clId="Web-{889B64D8-EA6B-4C41-985D-B9B3F0CF6C28}" dt="2020-10-17T02:05:35.400" v="77"/>
-        <pc:sldMkLst>
-          <pc:docMk/>
-          <pc:sldMk cId="2345061847" sldId="256"/>
-        </pc:sldMkLst>
-        <pc:graphicFrameChg chg="mod modGraphic">
-          <ac:chgData name="Eduardo Marques" userId="b9dd18581288d1e4" providerId="Windows Live" clId="Web-{889B64D8-EA6B-4C41-985D-B9B3F0CF6C28}" dt="2020-10-17T02:05:35.400" v="77"/>
+          <ac:chgData name="Eduardo Marques" userId="b9dd18581288d1e4" providerId="Windows Live" clId="Web-{EC2C7CA5-251E-46E7-8B51-D29174C9CDC5}" dt="2020-10-17T03:51:35.668" v="47"/>
           <ac:graphicFrameMkLst>
             <pc:docMk/>
             <pc:sldMk cId="2345061847" sldId="256"/>
@@ -277,24 +619,24 @@
     </pc:docChg>
   </pc:docChgLst>
   <pc:docChgLst>
-    <pc:chgData name="Bruno Pires" userId="2e75d9009844921f" providerId="Windows Live" clId="Web-{349AAE9E-C771-46EC-9B10-B450480A52C6}"/>
+    <pc:chgData name="Bruno Pires" userId="7cd031024afa7b54" providerId="Windows Live" clId="Web-{B2C3CF42-D4A8-454D-8DB4-63CF74E0080C}"/>
     <pc:docChg chg="modSld">
-      <pc:chgData name="Bruno Pires" userId="2e75d9009844921f" providerId="Windows Live" clId="Web-{349AAE9E-C771-46EC-9B10-B450480A52C6}" dt="2020-09-26T02:29:35.802" v="166"/>
+      <pc:chgData name="Bruno Pires" userId="7cd031024afa7b54" providerId="Windows Live" clId="Web-{B2C3CF42-D4A8-454D-8DB4-63CF74E0080C}" dt="2020-10-22T01:54:33.140" v="1"/>
       <pc:docMkLst>
         <pc:docMk/>
       </pc:docMkLst>
       <pc:sldChg chg="modSp">
-        <pc:chgData name="Bruno Pires" userId="2e75d9009844921f" providerId="Windows Live" clId="Web-{349AAE9E-C771-46EC-9B10-B450480A52C6}" dt="2020-09-26T02:29:35.802" v="166"/>
+        <pc:chgData name="Bruno Pires" userId="7cd031024afa7b54" providerId="Windows Live" clId="Web-{B2C3CF42-D4A8-454D-8DB4-63CF74E0080C}" dt="2020-10-22T01:54:33.140" v="1"/>
         <pc:sldMkLst>
           <pc:docMk/>
           <pc:sldMk cId="2345061847" sldId="256"/>
         </pc:sldMkLst>
-        <pc:graphicFrameChg chg="mod modGraphic">
-          <ac:chgData name="Bruno Pires" userId="2e75d9009844921f" providerId="Windows Live" clId="Web-{349AAE9E-C771-46EC-9B10-B450480A52C6}" dt="2020-09-26T02:29:35.802" v="166"/>
+        <pc:graphicFrameChg chg="modGraphic">
+          <ac:chgData name="Bruno Pires" userId="7cd031024afa7b54" providerId="Windows Live" clId="Web-{B2C3CF42-D4A8-454D-8DB4-63CF74E0080C}" dt="2020-10-22T01:54:33.140" v="1"/>
           <ac:graphicFrameMkLst>
             <pc:docMk/>
             <pc:sldMk cId="2345061847" sldId="256"/>
-            <ac:graphicFrameMk id="4" creationId="{28BD0582-8EFC-4C90-8082-7251ECA405ED}"/>
+            <ac:graphicFrameMk id="4" creationId="{E678F784-405B-46CC-8532-C4A18EEEBB49}"/>
           </ac:graphicFrameMkLst>
         </pc:graphicFrameChg>
       </pc:sldChg>
@@ -327,6 +669,30 @@
             <pc:docMk/>
             <pc:sldMk cId="2345061847" sldId="256"/>
             <ac:graphicFrameMk id="5" creationId="{46A473E8-649E-4002-8B3E-C39FF3347046}"/>
+          </ac:graphicFrameMkLst>
+        </pc:graphicFrameChg>
+      </pc:sldChg>
+    </pc:docChg>
+  </pc:docChgLst>
+  <pc:docChgLst>
+    <pc:chgData name="Eduardo Marques" userId="b9dd18581288d1e4" providerId="Windows Live" clId="Web-{889B64D8-EA6B-4C41-985D-B9B3F0CF6C28}"/>
+    <pc:docChg chg="modSld">
+      <pc:chgData name="Eduardo Marques" userId="b9dd18581288d1e4" providerId="Windows Live" clId="Web-{889B64D8-EA6B-4C41-985D-B9B3F0CF6C28}" dt="2020-10-17T02:05:35.400" v="77"/>
+      <pc:docMkLst>
+        <pc:docMk/>
+      </pc:docMkLst>
+      <pc:sldChg chg="modSp">
+        <pc:chgData name="Eduardo Marques" userId="b9dd18581288d1e4" providerId="Windows Live" clId="Web-{889B64D8-EA6B-4C41-985D-B9B3F0CF6C28}" dt="2020-10-17T02:05:35.400" v="77"/>
+        <pc:sldMkLst>
+          <pc:docMk/>
+          <pc:sldMk cId="2345061847" sldId="256"/>
+        </pc:sldMkLst>
+        <pc:graphicFrameChg chg="mod modGraphic">
+          <ac:chgData name="Eduardo Marques" userId="b9dd18581288d1e4" providerId="Windows Live" clId="Web-{889B64D8-EA6B-4C41-985D-B9B3F0CF6C28}" dt="2020-10-17T02:05:35.400" v="77"/>
+          <ac:graphicFrameMkLst>
+            <pc:docMk/>
+            <pc:sldMk cId="2345061847" sldId="256"/>
+            <ac:graphicFrameMk id="3" creationId="{5D2B3D1A-C8AB-485F-9B1B-D78C25E2D1D9}"/>
           </ac:graphicFrameMkLst>
         </pc:graphicFrameChg>
       </pc:sldChg>
@@ -397,176 +763,24 @@
     </pc:docChg>
   </pc:docChgLst>
   <pc:docChgLst>
-    <pc:chgData name="Gabriel Fernandes C. dos Santos" userId="153fb557aa2a4591" providerId="Windows Live" clId="Web-{187941EF-599A-4C87-AB48-C140F9C2F133}"/>
+    <pc:chgData name="Bruno Pires" userId="7cd031024afa7b54" providerId="Windows Live" clId="Web-{7D56B90A-4605-4CE1-8DC4-4FC6041C35EA}"/>
     <pc:docChg chg="modSld">
-      <pc:chgData name="Gabriel Fernandes C. dos Santos" userId="153fb557aa2a4591" providerId="Windows Live" clId="Web-{187941EF-599A-4C87-AB48-C140F9C2F133}" dt="2020-10-22T01:47:53.901" v="8"/>
+      <pc:chgData name="Bruno Pires" userId="7cd031024afa7b54" providerId="Windows Live" clId="Web-{7D56B90A-4605-4CE1-8DC4-4FC6041C35EA}" dt="2020-10-24T01:46:32.984" v="1"/>
       <pc:docMkLst>
         <pc:docMk/>
       </pc:docMkLst>
       <pc:sldChg chg="modSp">
-        <pc:chgData name="Gabriel Fernandes C. dos Santos" userId="153fb557aa2a4591" providerId="Windows Live" clId="Web-{187941EF-599A-4C87-AB48-C140F9C2F133}" dt="2020-10-22T01:47:53.901" v="8"/>
+        <pc:chgData name="Bruno Pires" userId="7cd031024afa7b54" providerId="Windows Live" clId="Web-{7D56B90A-4605-4CE1-8DC4-4FC6041C35EA}" dt="2020-10-24T01:46:32.984" v="1"/>
         <pc:sldMkLst>
           <pc:docMk/>
-          <pc:sldMk cId="2345061847" sldId="256"/>
+          <pc:sldMk cId="2865144536" sldId="257"/>
         </pc:sldMkLst>
         <pc:graphicFrameChg chg="mod modGraphic">
-          <ac:chgData name="Gabriel Fernandes C. dos Santos" userId="153fb557aa2a4591" providerId="Windows Live" clId="Web-{187941EF-599A-4C87-AB48-C140F9C2F133}" dt="2020-10-22T01:47:53.901" v="8"/>
+          <ac:chgData name="Bruno Pires" userId="7cd031024afa7b54" providerId="Windows Live" clId="Web-{7D56B90A-4605-4CE1-8DC4-4FC6041C35EA}" dt="2020-10-24T01:46:32.984" v="1"/>
           <ac:graphicFrameMkLst>
             <pc:docMk/>
-            <pc:sldMk cId="2345061847" sldId="256"/>
-            <ac:graphicFrameMk id="4" creationId="{E678F784-405B-46CC-8532-C4A18EEEBB49}"/>
-          </ac:graphicFrameMkLst>
-        </pc:graphicFrameChg>
-      </pc:sldChg>
-    </pc:docChg>
-  </pc:docChgLst>
-  <pc:docChgLst>
-    <pc:chgData name="Bruno Pires" userId="2e75d9009844921f" providerId="Windows Live" clId="Web-{6758334A-420A-463E-AC66-C846E84EBBF5}"/>
-    <pc:docChg chg="modSld">
-      <pc:chgData name="Bruno Pires" userId="2e75d9009844921f" providerId="Windows Live" clId="Web-{6758334A-420A-463E-AC66-C846E84EBBF5}" dt="2020-10-16T23:35:22.395" v="3"/>
-      <pc:docMkLst>
-        <pc:docMk/>
-      </pc:docMkLst>
-      <pc:sldChg chg="modSp">
-        <pc:chgData name="Bruno Pires" userId="2e75d9009844921f" providerId="Windows Live" clId="Web-{6758334A-420A-463E-AC66-C846E84EBBF5}" dt="2020-10-16T23:35:22.395" v="3"/>
-        <pc:sldMkLst>
-          <pc:docMk/>
-          <pc:sldMk cId="2345061847" sldId="256"/>
-        </pc:sldMkLst>
-        <pc:graphicFrameChg chg="mod modGraphic">
-          <ac:chgData name="Bruno Pires" userId="2e75d9009844921f" providerId="Windows Live" clId="Web-{6758334A-420A-463E-AC66-C846E84EBBF5}" dt="2020-10-16T23:35:22.395" v="3"/>
-          <ac:graphicFrameMkLst>
-            <pc:docMk/>
-            <pc:sldMk cId="2345061847" sldId="256"/>
-            <ac:graphicFrameMk id="3" creationId="{5D2B3D1A-C8AB-485F-9B1B-D78C25E2D1D9}"/>
-          </ac:graphicFrameMkLst>
-        </pc:graphicFrameChg>
-      </pc:sldChg>
-    </pc:docChg>
-  </pc:docChgLst>
-  <pc:docChgLst>
-    <pc:chgData name="Eduardo Marques" userId="b9dd18581288d1e4" providerId="Windows Live" clId="Web-{AFCF4948-873C-46BC-8F46-2CAB659E542B}"/>
-    <pc:docChg chg="modSld">
-      <pc:chgData name="Eduardo Marques" userId="b9dd18581288d1e4" providerId="Windows Live" clId="Web-{AFCF4948-873C-46BC-8F46-2CAB659E542B}" dt="2020-09-26T02:15:19.064" v="22"/>
-      <pc:docMkLst>
-        <pc:docMk/>
-      </pc:docMkLst>
-      <pc:sldChg chg="modSp">
-        <pc:chgData name="Eduardo Marques" userId="b9dd18581288d1e4" providerId="Windows Live" clId="Web-{AFCF4948-873C-46BC-8F46-2CAB659E542B}" dt="2020-09-26T02:15:19.064" v="22"/>
-        <pc:sldMkLst>
-          <pc:docMk/>
-          <pc:sldMk cId="2345061847" sldId="256"/>
-        </pc:sldMkLst>
-        <pc:spChg chg="mod">
-          <ac:chgData name="Eduardo Marques" userId="b9dd18581288d1e4" providerId="Windows Live" clId="Web-{AFCF4948-873C-46BC-8F46-2CAB659E542B}" dt="2020-09-26T01:40:37.655" v="1" actId="20577"/>
-          <ac:spMkLst>
-            <pc:docMk/>
-            <pc:sldMk cId="2345061847" sldId="256"/>
-            <ac:spMk id="2" creationId="{45E9EE82-159C-4AA4-A8E3-C89F6E8A5335}"/>
-          </ac:spMkLst>
-        </pc:spChg>
-        <pc:graphicFrameChg chg="mod modGraphic">
-          <ac:chgData name="Eduardo Marques" userId="b9dd18581288d1e4" providerId="Windows Live" clId="Web-{AFCF4948-873C-46BC-8F46-2CAB659E542B}" dt="2020-09-26T02:15:19.064" v="22"/>
-          <ac:graphicFrameMkLst>
-            <pc:docMk/>
-            <pc:sldMk cId="2345061847" sldId="256"/>
-            <ac:graphicFrameMk id="4" creationId="{28BD0582-8EFC-4C90-8082-7251ECA405ED}"/>
-          </ac:graphicFrameMkLst>
-        </pc:graphicFrameChg>
-      </pc:sldChg>
-    </pc:docChg>
-  </pc:docChgLst>
-  <pc:docChgLst>
-    <pc:chgData name="Caio Ferreira" userId="aa37e96bb8b72277" providerId="LiveId" clId="{3362563C-53B9-484E-8408-855BEC19CDBE}"/>
-    <pc:docChg chg="custSel modSld">
-      <pc:chgData name="Caio Ferreira" userId="aa37e96bb8b72277" providerId="LiveId" clId="{3362563C-53B9-484E-8408-855BEC19CDBE}" dt="2020-09-24T02:04:15.431" v="62" actId="122"/>
-      <pc:docMkLst>
-        <pc:docMk/>
-      </pc:docMkLst>
-      <pc:sldChg chg="addSp delSp modSp mod">
-        <pc:chgData name="Caio Ferreira" userId="aa37e96bb8b72277" providerId="LiveId" clId="{3362563C-53B9-484E-8408-855BEC19CDBE}" dt="2020-09-24T02:04:15.431" v="62" actId="122"/>
-        <pc:sldMkLst>
-          <pc:docMk/>
-          <pc:sldMk cId="2345061847" sldId="256"/>
-        </pc:sldMkLst>
-        <pc:spChg chg="add mod">
-          <ac:chgData name="Caio Ferreira" userId="aa37e96bb8b72277" providerId="LiveId" clId="{3362563C-53B9-484E-8408-855BEC19CDBE}" dt="2020-09-24T01:57:12.083" v="48" actId="1076"/>
-          <ac:spMkLst>
-            <pc:docMk/>
-            <pc:sldMk cId="2345061847" sldId="256"/>
-            <ac:spMk id="2" creationId="{45E9EE82-159C-4AA4-A8E3-C89F6E8A5335}"/>
-          </ac:spMkLst>
-        </pc:spChg>
-        <pc:graphicFrameChg chg="add del mod">
-          <ac:chgData name="Caio Ferreira" userId="aa37e96bb8b72277" providerId="LiveId" clId="{3362563C-53B9-484E-8408-855BEC19CDBE}" dt="2020-09-24T02:03:47.679" v="53"/>
-          <ac:graphicFrameMkLst>
-            <pc:docMk/>
-            <pc:sldMk cId="2345061847" sldId="256"/>
-            <ac:graphicFrameMk id="3" creationId="{BD34E73D-3AE9-4A34-8C28-0FFB5641558C}"/>
-          </ac:graphicFrameMkLst>
-        </pc:graphicFrameChg>
-        <pc:graphicFrameChg chg="add mod modGraphic">
-          <ac:chgData name="Caio Ferreira" userId="aa37e96bb8b72277" providerId="LiveId" clId="{3362563C-53B9-484E-8408-855BEC19CDBE}" dt="2020-09-24T02:04:15.431" v="62" actId="122"/>
-          <ac:graphicFrameMkLst>
-            <pc:docMk/>
-            <pc:sldMk cId="2345061847" sldId="256"/>
-            <ac:graphicFrameMk id="4" creationId="{28BD0582-8EFC-4C90-8082-7251ECA405ED}"/>
-          </ac:graphicFrameMkLst>
-        </pc:graphicFrameChg>
-        <pc:graphicFrameChg chg="del">
-          <ac:chgData name="Caio Ferreira" userId="aa37e96bb8b72277" providerId="LiveId" clId="{3362563C-53B9-484E-8408-855BEC19CDBE}" dt="2020-09-24T02:03:43.943" v="49" actId="478"/>
-          <ac:graphicFrameMkLst>
-            <pc:docMk/>
-            <pc:sldMk cId="2345061847" sldId="256"/>
-            <ac:graphicFrameMk id="5" creationId="{46A473E8-649E-4002-8B3E-C39FF3347046}"/>
-          </ac:graphicFrameMkLst>
-        </pc:graphicFrameChg>
-      </pc:sldChg>
-    </pc:docChg>
-  </pc:docChgLst>
-  <pc:docChgLst>
-    <pc:chgData name="Eduardo Marques" userId="b9dd18581288d1e4" providerId="Windows Live" clId="Web-{8161FFDA-3093-4086-B729-BEC2D76A044F}"/>
-    <pc:docChg chg="modSld">
-      <pc:chgData name="Eduardo Marques" userId="b9dd18581288d1e4" providerId="Windows Live" clId="Web-{8161FFDA-3093-4086-B729-BEC2D76A044F}" dt="2020-10-22T01:52:58.705" v="17"/>
-      <pc:docMkLst>
-        <pc:docMk/>
-      </pc:docMkLst>
-      <pc:sldChg chg="modSp">
-        <pc:chgData name="Eduardo Marques" userId="b9dd18581288d1e4" providerId="Windows Live" clId="Web-{8161FFDA-3093-4086-B729-BEC2D76A044F}" dt="2020-10-22T01:52:58.705" v="17"/>
-        <pc:sldMkLst>
-          <pc:docMk/>
-          <pc:sldMk cId="2345061847" sldId="256"/>
-        </pc:sldMkLst>
-        <pc:graphicFrameChg chg="mod modGraphic">
-          <ac:chgData name="Eduardo Marques" userId="b9dd18581288d1e4" providerId="Windows Live" clId="Web-{8161FFDA-3093-4086-B729-BEC2D76A044F}" dt="2020-10-22T01:52:58.705" v="17"/>
-          <ac:graphicFrameMkLst>
-            <pc:docMk/>
-            <pc:sldMk cId="2345061847" sldId="256"/>
-            <ac:graphicFrameMk id="4" creationId="{E678F784-405B-46CC-8532-C4A18EEEBB49}"/>
-          </ac:graphicFrameMkLst>
-        </pc:graphicFrameChg>
-      </pc:sldChg>
-    </pc:docChg>
-  </pc:docChgLst>
-  <pc:docChgLst>
-    <pc:chgData name="Edilene Marques" userId="ad8df458748d149b" providerId="Windows Live" clId="Web-{5CBB0CD4-0AFB-4B8C-88FF-EEB785AD92F0}"/>
-    <pc:docChg chg="modSld">
-      <pc:chgData name="Edilene Marques" userId="ad8df458748d149b" providerId="Windows Live" clId="Web-{5CBB0CD4-0AFB-4B8C-88FF-EEB785AD92F0}" dt="2020-10-09T23:28:14.033" v="19"/>
-      <pc:docMkLst>
-        <pc:docMk/>
-      </pc:docMkLst>
-      <pc:sldChg chg="modSp">
-        <pc:chgData name="Edilene Marques" userId="ad8df458748d149b" providerId="Windows Live" clId="Web-{5CBB0CD4-0AFB-4B8C-88FF-EEB785AD92F0}" dt="2020-10-09T23:28:14.033" v="18"/>
-        <pc:sldMkLst>
-          <pc:docMk/>
-          <pc:sldMk cId="2345061847" sldId="256"/>
-        </pc:sldMkLst>
-        <pc:graphicFrameChg chg="mod modGraphic">
-          <ac:chgData name="Edilene Marques" userId="ad8df458748d149b" providerId="Windows Live" clId="Web-{5CBB0CD4-0AFB-4B8C-88FF-EEB785AD92F0}" dt="2020-10-09T23:28:14.033" v="18"/>
-          <ac:graphicFrameMkLst>
-            <pc:docMk/>
-            <pc:sldMk cId="2345061847" sldId="256"/>
-            <ac:graphicFrameMk id="4" creationId="{28BD0582-8EFC-4C90-8082-7251ECA405ED}"/>
+            <pc:sldMk cId="2865144536" sldId="257"/>
+            <ac:graphicFrameMk id="3" creationId="{B580F16A-9439-4093-89D7-4096665ED5D7}"/>
           </ac:graphicFrameMkLst>
         </pc:graphicFrameChg>
       </pc:sldChg>
@@ -621,94 +835,6 @@
     </pc:docChg>
   </pc:docChgLst>
   <pc:docChgLst>
-    <pc:chgData name="Eduardo Marques" userId="b9dd18581288d1e4" providerId="Windows Live" clId="Web-{EC2C7CA5-251E-46E7-8B51-D29174C9CDC5}"/>
-    <pc:docChg chg="modSld">
-      <pc:chgData name="Eduardo Marques" userId="b9dd18581288d1e4" providerId="Windows Live" clId="Web-{EC2C7CA5-251E-46E7-8B51-D29174C9CDC5}" dt="2020-10-17T03:51:35.668" v="47"/>
-      <pc:docMkLst>
-        <pc:docMk/>
-      </pc:docMkLst>
-      <pc:sldChg chg="modSp">
-        <pc:chgData name="Eduardo Marques" userId="b9dd18581288d1e4" providerId="Windows Live" clId="Web-{EC2C7CA5-251E-46E7-8B51-D29174C9CDC5}" dt="2020-10-17T03:51:35.668" v="47"/>
-        <pc:sldMkLst>
-          <pc:docMk/>
-          <pc:sldMk cId="2345061847" sldId="256"/>
-        </pc:sldMkLst>
-        <pc:graphicFrameChg chg="mod modGraphic">
-          <ac:chgData name="Eduardo Marques" userId="b9dd18581288d1e4" providerId="Windows Live" clId="Web-{EC2C7CA5-251E-46E7-8B51-D29174C9CDC5}" dt="2020-10-17T03:51:35.668" v="47"/>
-          <ac:graphicFrameMkLst>
-            <pc:docMk/>
-            <pc:sldMk cId="2345061847" sldId="256"/>
-            <ac:graphicFrameMk id="3" creationId="{5D2B3D1A-C8AB-485F-9B1B-D78C25E2D1D9}"/>
-          </ac:graphicFrameMkLst>
-        </pc:graphicFrameChg>
-      </pc:sldChg>
-    </pc:docChg>
-  </pc:docChgLst>
-  <pc:docChgLst>
-    <pc:chgData name="Gabriel Fernandes C. dos Santos" userId="153fb557aa2a4591" providerId="Windows Live" clId="Web-{0A4A5C8D-7DDB-4F92-BCFD-85FD07326FF3}"/>
-    <pc:docChg chg="modSld">
-      <pc:chgData name="Gabriel Fernandes C. dos Santos" userId="153fb557aa2a4591" providerId="Windows Live" clId="Web-{0A4A5C8D-7DDB-4F92-BCFD-85FD07326FF3}" dt="2020-09-24T01:50:56.885" v="3"/>
-      <pc:docMkLst>
-        <pc:docMk/>
-      </pc:docMkLst>
-      <pc:sldChg chg="addSp delSp modSp">
-        <pc:chgData name="Gabriel Fernandes C. dos Santos" userId="153fb557aa2a4591" providerId="Windows Live" clId="Web-{0A4A5C8D-7DDB-4F92-BCFD-85FD07326FF3}" dt="2020-09-24T01:50:56.885" v="3"/>
-        <pc:sldMkLst>
-          <pc:docMk/>
-          <pc:sldMk cId="2345061847" sldId="256"/>
-        </pc:sldMkLst>
-        <pc:graphicFrameChg chg="add del mod">
-          <ac:chgData name="Gabriel Fernandes C. dos Santos" userId="153fb557aa2a4591" providerId="Windows Live" clId="Web-{0A4A5C8D-7DDB-4F92-BCFD-85FD07326FF3}" dt="2020-09-24T01:50:38.485" v="2"/>
-          <ac:graphicFrameMkLst>
-            <pc:docMk/>
-            <pc:sldMk cId="2345061847" sldId="256"/>
-            <ac:graphicFrameMk id="3" creationId="{DE9E3D04-D8FF-47A8-8FE4-EED83FFA636A}"/>
-          </ac:graphicFrameMkLst>
-        </pc:graphicFrameChg>
-        <pc:graphicFrameChg chg="add del">
-          <ac:chgData name="Gabriel Fernandes C. dos Santos" userId="153fb557aa2a4591" providerId="Windows Live" clId="Web-{0A4A5C8D-7DDB-4F92-BCFD-85FD07326FF3}" dt="2020-09-24T01:50:56.885" v="3"/>
-          <ac:graphicFrameMkLst>
-            <pc:docMk/>
-            <pc:sldMk cId="2345061847" sldId="256"/>
-            <ac:graphicFrameMk id="5" creationId="{46A473E8-649E-4002-8B3E-C39FF3347046}"/>
-          </ac:graphicFrameMkLst>
-        </pc:graphicFrameChg>
-      </pc:sldChg>
-    </pc:docChg>
-  </pc:docChgLst>
-  <pc:docChgLst>
-    <pc:chgData name="Eduardo Marques" userId="b9dd18581288d1e4" providerId="Windows Live" clId="Web-{828215AA-66AF-4240-9A1E-26248AC8A8B5}"/>
-    <pc:docChg chg="modSld">
-      <pc:chgData name="Eduardo Marques" userId="b9dd18581288d1e4" providerId="Windows Live" clId="Web-{828215AA-66AF-4240-9A1E-26248AC8A8B5}" dt="2020-09-26T14:03:13.625" v="1" actId="1076"/>
-      <pc:docMkLst>
-        <pc:docMk/>
-      </pc:docMkLst>
-      <pc:sldChg chg="delSp modSp">
-        <pc:chgData name="Eduardo Marques" userId="b9dd18581288d1e4" providerId="Windows Live" clId="Web-{828215AA-66AF-4240-9A1E-26248AC8A8B5}" dt="2020-09-26T14:03:13.625" v="1" actId="1076"/>
-        <pc:sldMkLst>
-          <pc:docMk/>
-          <pc:sldMk cId="2345061847" sldId="256"/>
-        </pc:sldMkLst>
-        <pc:spChg chg="del">
-          <ac:chgData name="Eduardo Marques" userId="b9dd18581288d1e4" providerId="Windows Live" clId="Web-{828215AA-66AF-4240-9A1E-26248AC8A8B5}" dt="2020-09-26T14:03:00.485" v="0"/>
-          <ac:spMkLst>
-            <pc:docMk/>
-            <pc:sldMk cId="2345061847" sldId="256"/>
-            <ac:spMk id="2" creationId="{45E9EE82-159C-4AA4-A8E3-C89F6E8A5335}"/>
-          </ac:spMkLst>
-        </pc:spChg>
-        <pc:graphicFrameChg chg="mod">
-          <ac:chgData name="Eduardo Marques" userId="b9dd18581288d1e4" providerId="Windows Live" clId="Web-{828215AA-66AF-4240-9A1E-26248AC8A8B5}" dt="2020-09-26T14:03:13.625" v="1" actId="1076"/>
-          <ac:graphicFrameMkLst>
-            <pc:docMk/>
-            <pc:sldMk cId="2345061847" sldId="256"/>
-            <ac:graphicFrameMk id="4" creationId="{28BD0582-8EFC-4C90-8082-7251ECA405ED}"/>
-          </ac:graphicFrameMkLst>
-        </pc:graphicFrameChg>
-      </pc:sldChg>
-    </pc:docChg>
-  </pc:docChgLst>
-  <pc:docChgLst>
     <pc:chgData name="Eduardo Marques" userId="b9dd18581288d1e4" providerId="Windows Live" clId="Web-{9D7EAF55-64C7-4079-884C-B851116451D5}"/>
     <pc:docChg chg="modSld">
       <pc:chgData name="Eduardo Marques" userId="b9dd18581288d1e4" providerId="Windows Live" clId="Web-{9D7EAF55-64C7-4079-884C-B851116451D5}" dt="2020-09-26T02:29:04.319" v="23"/>
@@ -727,6 +853,61 @@
             <pc:docMk/>
             <pc:sldMk cId="2345061847" sldId="256"/>
             <ac:graphicFrameMk id="4" creationId="{28BD0582-8EFC-4C90-8082-7251ECA405ED}"/>
+          </ac:graphicFrameMkLst>
+        </pc:graphicFrameChg>
+      </pc:sldChg>
+    </pc:docChg>
+  </pc:docChgLst>
+  <pc:docChgLst>
+    <pc:chgData name="Bruno Pires" userId="2e75d9009844921f" providerId="Windows Live" clId="Web-{6758334A-420A-463E-AC66-C846E84EBBF5}"/>
+    <pc:docChg chg="modSld">
+      <pc:chgData name="Bruno Pires" userId="2e75d9009844921f" providerId="Windows Live" clId="Web-{6758334A-420A-463E-AC66-C846E84EBBF5}" dt="2020-10-16T23:35:22.395" v="3"/>
+      <pc:docMkLst>
+        <pc:docMk/>
+      </pc:docMkLst>
+      <pc:sldChg chg="modSp">
+        <pc:chgData name="Bruno Pires" userId="2e75d9009844921f" providerId="Windows Live" clId="Web-{6758334A-420A-463E-AC66-C846E84EBBF5}" dt="2020-10-16T23:35:22.395" v="3"/>
+        <pc:sldMkLst>
+          <pc:docMk/>
+          <pc:sldMk cId="2345061847" sldId="256"/>
+        </pc:sldMkLst>
+        <pc:graphicFrameChg chg="mod modGraphic">
+          <ac:chgData name="Bruno Pires" userId="2e75d9009844921f" providerId="Windows Live" clId="Web-{6758334A-420A-463E-AC66-C846E84EBBF5}" dt="2020-10-16T23:35:22.395" v="3"/>
+          <ac:graphicFrameMkLst>
+            <pc:docMk/>
+            <pc:sldMk cId="2345061847" sldId="256"/>
+            <ac:graphicFrameMk id="3" creationId="{5D2B3D1A-C8AB-485F-9B1B-D78C25E2D1D9}"/>
+          </ac:graphicFrameMkLst>
+        </pc:graphicFrameChg>
+      </pc:sldChg>
+    </pc:docChg>
+  </pc:docChgLst>
+  <pc:docChgLst>
+    <pc:chgData name="Eduardo Marques" userId="b9dd18581288d1e4" providerId="Windows Live" clId="Web-{7E01F49A-F872-4560-A5C5-3D74EB20C552}"/>
+    <pc:docChg chg="delSld modSld">
+      <pc:chgData name="Eduardo Marques" userId="b9dd18581288d1e4" providerId="Windows Live" clId="Web-{7E01F49A-F872-4560-A5C5-3D74EB20C552}" dt="2020-11-07T05:30:28.306" v="22"/>
+      <pc:docMkLst>
+        <pc:docMk/>
+      </pc:docMkLst>
+      <pc:sldChg chg="del">
+        <pc:chgData name="Eduardo Marques" userId="b9dd18581288d1e4" providerId="Windows Live" clId="Web-{7E01F49A-F872-4560-A5C5-3D74EB20C552}" dt="2020-11-07T05:24:29.439" v="20"/>
+        <pc:sldMkLst>
+          <pc:docMk/>
+          <pc:sldMk cId="2345061847" sldId="256"/>
+        </pc:sldMkLst>
+      </pc:sldChg>
+      <pc:sldChg chg="modSp">
+        <pc:chgData name="Eduardo Marques" userId="b9dd18581288d1e4" providerId="Windows Live" clId="Web-{7E01F49A-F872-4560-A5C5-3D74EB20C552}" dt="2020-11-07T05:30:28.306" v="22"/>
+        <pc:sldMkLst>
+          <pc:docMk/>
+          <pc:sldMk cId="2865144536" sldId="257"/>
+        </pc:sldMkLst>
+        <pc:graphicFrameChg chg="mod modGraphic">
+          <ac:chgData name="Eduardo Marques" userId="b9dd18581288d1e4" providerId="Windows Live" clId="Web-{7E01F49A-F872-4560-A5C5-3D74EB20C552}" dt="2020-11-07T05:30:28.306" v="22"/>
+          <ac:graphicFrameMkLst>
+            <pc:docMk/>
+            <pc:sldMk cId="2865144536" sldId="257"/>
+            <ac:graphicFrameMk id="2" creationId="{B9D7C21E-1554-48F1-B97D-E65C7C876D0F}"/>
           </ac:graphicFrameMkLst>
         </pc:graphicFrameChg>
       </pc:sldChg>
@@ -882,7 +1063,7 @@
           <a:p>
             <a:fld id="{4301E9E3-EC59-49D9-A019-F72927E38D20}" type="datetimeFigureOut">
               <a:rPr lang="pt-BR" smtClean="0"/>
-              <a:t>21/10/2020</a:t>
+              <a:t>06/11/2020</a:t>
             </a:fld>
             <a:endParaRPr lang="pt-BR"/>
           </a:p>
@@ -1080,7 +1261,7 @@
           <a:p>
             <a:fld id="{4301E9E3-EC59-49D9-A019-F72927E38D20}" type="datetimeFigureOut">
               <a:rPr lang="pt-BR" smtClean="0"/>
-              <a:t>21/10/2020</a:t>
+              <a:t>06/11/2020</a:t>
             </a:fld>
             <a:endParaRPr lang="pt-BR"/>
           </a:p>
@@ -1288,7 +1469,7 @@
           <a:p>
             <a:fld id="{4301E9E3-EC59-49D9-A019-F72927E38D20}" type="datetimeFigureOut">
               <a:rPr lang="pt-BR" smtClean="0"/>
-              <a:t>21/10/2020</a:t>
+              <a:t>06/11/2020</a:t>
             </a:fld>
             <a:endParaRPr lang="pt-BR"/>
           </a:p>
@@ -1486,7 +1667,7 @@
           <a:p>
             <a:fld id="{4301E9E3-EC59-49D9-A019-F72927E38D20}" type="datetimeFigureOut">
               <a:rPr lang="pt-BR" smtClean="0"/>
-              <a:t>21/10/2020</a:t>
+              <a:t>06/11/2020</a:t>
             </a:fld>
             <a:endParaRPr lang="pt-BR"/>
           </a:p>
@@ -1761,7 +1942,7 @@
           <a:p>
             <a:fld id="{4301E9E3-EC59-49D9-A019-F72927E38D20}" type="datetimeFigureOut">
               <a:rPr lang="pt-BR" smtClean="0"/>
-              <a:t>21/10/2020</a:t>
+              <a:t>06/11/2020</a:t>
             </a:fld>
             <a:endParaRPr lang="pt-BR"/>
           </a:p>
@@ -2026,7 +2207,7 @@
           <a:p>
             <a:fld id="{4301E9E3-EC59-49D9-A019-F72927E38D20}" type="datetimeFigureOut">
               <a:rPr lang="pt-BR" smtClean="0"/>
-              <a:t>21/10/2020</a:t>
+              <a:t>06/11/2020</a:t>
             </a:fld>
             <a:endParaRPr lang="pt-BR"/>
           </a:p>
@@ -2438,7 +2619,7 @@
           <a:p>
             <a:fld id="{4301E9E3-EC59-49D9-A019-F72927E38D20}" type="datetimeFigureOut">
               <a:rPr lang="pt-BR" smtClean="0"/>
-              <a:t>21/10/2020</a:t>
+              <a:t>06/11/2020</a:t>
             </a:fld>
             <a:endParaRPr lang="pt-BR"/>
           </a:p>
@@ -2579,7 +2760,7 @@
           <a:p>
             <a:fld id="{4301E9E3-EC59-49D9-A019-F72927E38D20}" type="datetimeFigureOut">
               <a:rPr lang="pt-BR" smtClean="0"/>
-              <a:t>21/10/2020</a:t>
+              <a:t>06/11/2020</a:t>
             </a:fld>
             <a:endParaRPr lang="pt-BR"/>
           </a:p>
@@ -2692,7 +2873,7 @@
           <a:p>
             <a:fld id="{4301E9E3-EC59-49D9-A019-F72927E38D20}" type="datetimeFigureOut">
               <a:rPr lang="pt-BR" smtClean="0"/>
-              <a:t>21/10/2020</a:t>
+              <a:t>06/11/2020</a:t>
             </a:fld>
             <a:endParaRPr lang="pt-BR"/>
           </a:p>
@@ -3003,7 +3184,7 @@
           <a:p>
             <a:fld id="{4301E9E3-EC59-49D9-A019-F72927E38D20}" type="datetimeFigureOut">
               <a:rPr lang="pt-BR" smtClean="0"/>
-              <a:t>21/10/2020</a:t>
+              <a:t>06/11/2020</a:t>
             </a:fld>
             <a:endParaRPr lang="pt-BR"/>
           </a:p>
@@ -3291,7 +3472,7 @@
           <a:p>
             <a:fld id="{4301E9E3-EC59-49D9-A019-F72927E38D20}" type="datetimeFigureOut">
               <a:rPr lang="pt-BR" smtClean="0"/>
-              <a:t>21/10/2020</a:t>
+              <a:t>06/11/2020</a:t>
             </a:fld>
             <a:endParaRPr lang="pt-BR"/>
           </a:p>
@@ -3532,7 +3713,7 @@
           <a:p>
             <a:fld id="{4301E9E3-EC59-49D9-A019-F72927E38D20}" type="datetimeFigureOut">
               <a:rPr lang="pt-BR" smtClean="0"/>
-              <a:t>21/10/2020</a:t>
+              <a:t>06/11/2020</a:t>
             </a:fld>
             <a:endParaRPr lang="pt-BR"/>
           </a:p>
@@ -3949,46 +4130,12 @@
           <a:chExt cx="0" cy="0"/>
         </a:xfrm>
       </p:grpSpPr>
-      <p:sp>
-        <p:nvSpPr>
-          <p:cNvPr id="8" name="CaixaDeTexto 7">
+      <p:graphicFrame>
+        <p:nvGraphicFramePr>
+          <p:cNvPr id="2" name="Tabela 1">
             <a:extLst>
               <a:ext uri="{FF2B5EF4-FFF2-40B4-BE49-F238E27FC236}">
-                <a16:creationId xmlns:a16="http://schemas.microsoft.com/office/drawing/2014/main" id="{8E7A4FA2-F736-429E-9EC7-F125DFF8B15B}"/>
-              </a:ext>
-            </a:extLst>
-          </p:cNvPr>
-          <p:cNvSpPr txBox="1"/>
-          <p:nvPr/>
-        </p:nvSpPr>
-        <p:spPr>
-          <a:xfrm>
-            <a:off x="786859" y="545284"/>
-            <a:ext cx="184731" cy="492443"/>
-          </a:xfrm>
-          <a:prstGeom prst="rect">
-            <a:avLst/>
-          </a:prstGeom>
-          <a:noFill/>
-        </p:spPr>
-        <p:txBody>
-          <a:bodyPr wrap="none" lIns="91440" tIns="45720" rIns="91440" bIns="45720" rtlCol="0" anchor="t">
-            <a:spAutoFit/>
-          </a:bodyPr>
-          <a:lstStyle/>
-          <a:p>
-            <a:endParaRPr lang="pt-BR" sz="2600">
-              <a:cs typeface="Calibri"/>
-            </a:endParaRPr>
-          </a:p>
-        </p:txBody>
-      </p:sp>
-      <p:graphicFrame>
-        <p:nvGraphicFramePr>
-          <p:cNvPr id="4" name="Tabela 3">
-            <a:extLst>
-              <a:ext uri="{FF2B5EF4-FFF2-40B4-BE49-F238E27FC236}">
-                <a16:creationId xmlns:a16="http://schemas.microsoft.com/office/drawing/2014/main" id="{E678F784-405B-46CC-8532-C4A18EEEBB49}"/>
+                <a16:creationId xmlns:a16="http://schemas.microsoft.com/office/drawing/2014/main" id="{B9D7C21E-1554-48F1-B97D-E65C7C876D0F}"/>
               </a:ext>
             </a:extLst>
           </p:cNvPr>
@@ -3998,99 +4145,99 @@
           <p:nvPr>
             <p:extLst>
               <p:ext uri="{D42A27DB-BD31-4B8C-83A1-F6EECF244321}">
-                <p14:modId xmlns:p14="http://schemas.microsoft.com/office/powerpoint/2010/main" val="4198399371"/>
+                <p14:modId xmlns:p14="http://schemas.microsoft.com/office/powerpoint/2010/main" val="1134974021"/>
               </p:ext>
             </p:extLst>
           </p:nvPr>
         </p:nvGraphicFramePr>
         <p:xfrm>
-          <a:off x="1009649" y="1758968"/>
-          <a:ext cx="10172695" cy="3672840"/>
+          <a:off x="186076" y="361752"/>
+          <a:ext cx="11887201" cy="5900046"/>
         </p:xfrm>
         <a:graphic>
           <a:graphicData uri="http://schemas.openxmlformats.org/drawingml/2006/table">
             <a:tbl>
               <a:tblPr/>
               <a:tblGrid>
-                <a:gridCol w="942681">
+                <a:gridCol w="830315">
                   <a:extLst>
                     <a:ext uri="{9D8B030D-6E8A-4147-A177-3AD203B41FA5}">
-                      <a16:colId xmlns:a16="http://schemas.microsoft.com/office/drawing/2014/main" val="1767190896"/>
+                      <a16:colId xmlns:a16="http://schemas.microsoft.com/office/drawing/2014/main" val="500774994"/>
                     </a:ext>
                   </a:extLst>
                 </a:gridCol>
-                <a:gridCol w="317401">
+                <a:gridCol w="279566">
                   <a:extLst>
                     <a:ext uri="{9D8B030D-6E8A-4147-A177-3AD203B41FA5}">
-                      <a16:colId xmlns:a16="http://schemas.microsoft.com/office/drawing/2014/main" val="529398237"/>
+                      <a16:colId xmlns:a16="http://schemas.microsoft.com/office/drawing/2014/main" val="4292681507"/>
                     </a:ext>
                   </a:extLst>
                 </a:gridCol>
-                <a:gridCol w="257094">
+                <a:gridCol w="797941">
                   <a:extLst>
                     <a:ext uri="{9D8B030D-6E8A-4147-A177-3AD203B41FA5}">
-                      <a16:colId xmlns:a16="http://schemas.microsoft.com/office/drawing/2014/main" val="2948340006"/>
+                      <a16:colId xmlns:a16="http://schemas.microsoft.com/office/drawing/2014/main" val="843289751"/>
                     </a:ext>
                   </a:extLst>
                 </a:gridCol>
-                <a:gridCol w="3580282">
+                <a:gridCol w="3589867">
                   <a:extLst>
                     <a:ext uri="{9D8B030D-6E8A-4147-A177-3AD203B41FA5}">
-                      <a16:colId xmlns:a16="http://schemas.microsoft.com/office/drawing/2014/main" val="3282056946"/>
+                      <a16:colId xmlns:a16="http://schemas.microsoft.com/office/drawing/2014/main" val="1978310694"/>
                     </a:ext>
                   </a:extLst>
                 </a:gridCol>
-                <a:gridCol w="761762">
+                <a:gridCol w="1422400">
                   <a:extLst>
                     <a:ext uri="{9D8B030D-6E8A-4147-A177-3AD203B41FA5}">
-                      <a16:colId xmlns:a16="http://schemas.microsoft.com/office/drawing/2014/main" val="3581360133"/>
+                      <a16:colId xmlns:a16="http://schemas.microsoft.com/office/drawing/2014/main" val="3609921279"/>
                     </a:ext>
                   </a:extLst>
                 </a:gridCol>
-                <a:gridCol w="1075988">
+                <a:gridCol w="1241778">
                   <a:extLst>
                     <a:ext uri="{9D8B030D-6E8A-4147-A177-3AD203B41FA5}">
-                      <a16:colId xmlns:a16="http://schemas.microsoft.com/office/drawing/2014/main" val="2797274564"/>
+                      <a16:colId xmlns:a16="http://schemas.microsoft.com/office/drawing/2014/main" val="3662127935"/>
                     </a:ext>
                   </a:extLst>
                 </a:gridCol>
-                <a:gridCol w="637975">
+                <a:gridCol w="993422">
                   <a:extLst>
                     <a:ext uri="{9D8B030D-6E8A-4147-A177-3AD203B41FA5}">
-                      <a16:colId xmlns:a16="http://schemas.microsoft.com/office/drawing/2014/main" val="1423971415"/>
+                      <a16:colId xmlns:a16="http://schemas.microsoft.com/office/drawing/2014/main" val="191169653"/>
                     </a:ext>
                   </a:extLst>
                 </a:gridCol>
-                <a:gridCol w="666541">
+                <a:gridCol w="869244">
                   <a:extLst>
                     <a:ext uri="{9D8B030D-6E8A-4147-A177-3AD203B41FA5}">
-                      <a16:colId xmlns:a16="http://schemas.microsoft.com/office/drawing/2014/main" val="2917596027"/>
+                      <a16:colId xmlns:a16="http://schemas.microsoft.com/office/drawing/2014/main" val="2566482291"/>
                     </a:ext>
                   </a:extLst>
                 </a:gridCol>
-                <a:gridCol w="866505">
+                <a:gridCol w="923323">
                   <a:extLst>
                     <a:ext uri="{9D8B030D-6E8A-4147-A177-3AD203B41FA5}">
-                      <a16:colId xmlns:a16="http://schemas.microsoft.com/office/drawing/2014/main" val="3735416215"/>
+                      <a16:colId xmlns:a16="http://schemas.microsoft.com/office/drawing/2014/main" val="3262886626"/>
                     </a:ext>
                   </a:extLst>
                 </a:gridCol>
-                <a:gridCol w="1066466">
+                <a:gridCol w="939345">
                   <a:extLst>
                     <a:ext uri="{9D8B030D-6E8A-4147-A177-3AD203B41FA5}">
-                      <a16:colId xmlns:a16="http://schemas.microsoft.com/office/drawing/2014/main" val="2030206000"/>
+                      <a16:colId xmlns:a16="http://schemas.microsoft.com/office/drawing/2014/main" val="1878172340"/>
                     </a:ext>
                   </a:extLst>
                 </a:gridCol>
               </a:tblGrid>
-              <a:tr h="190500">
+              <a:tr h="250023">
                 <a:tc>
                   <a:txBody>
                     <a:bodyPr/>
                     <a:lstStyle/>
                     <a:p>
                       <a:pPr algn="l" fontAlgn="ctr"/>
-                      <a:endParaRPr lang="pt-BR" sz="1100" b="0" i="0" u="none" strike="noStrike">
+                      <a:endParaRPr lang="pt-BR" sz="900" b="0" i="0" u="none" strike="noStrike">
                         <a:solidFill>
                           <a:srgbClr val="000000"/>
                         </a:solidFill>
@@ -4099,7 +4246,7 @@
                       </a:endParaRPr>
                     </a:p>
                   </a:txBody>
-                  <a:tcPr marL="9525" marR="9525" marT="9525" marB="0" anchor="ctr">
+                  <a:tcPr marL="7815" marR="7815" marT="7815" marB="37512" anchor="ctr">
                     <a:lnL>
                       <a:noFill/>
                     </a:lnL>
@@ -4114,13 +4261,13 @@
                     </a:lnB>
                   </a:tcPr>
                 </a:tc>
-                <a:tc>
-                  <a:txBody>
-                    <a:bodyPr/>
-                    <a:lstStyle/>
-                    <a:p>
-                      <a:pPr algn="l" fontAlgn="ctr"/>
-                      <a:endParaRPr lang="pt-BR" sz="1100" b="0" i="0" u="none" strike="noStrike">
+                <a:tc gridSpan="2">
+                  <a:txBody>
+                    <a:bodyPr/>
+                    <a:lstStyle/>
+                    <a:p>
+                      <a:pPr algn="r" fontAlgn="ctr"/>
+                      <a:endParaRPr lang="pt-BR" sz="900" b="0" i="0" u="none" strike="noStrike">
                         <a:solidFill>
                           <a:srgbClr val="000000"/>
                         </a:solidFill>
@@ -4129,7 +4276,7 @@
                       </a:endParaRPr>
                     </a:p>
                   </a:txBody>
-                  <a:tcPr marL="9525" marR="9525" marT="9525" marB="0" vert="vert270" anchor="ctr">
+                  <a:tcPr marL="7815" marR="7815" marT="7815" marB="37512" vert="vert270" anchor="ctr">
                     <a:lnL>
                       <a:noFill/>
                     </a:lnL>
@@ -4144,13 +4291,23 @@
                     </a:lnB>
                   </a:tcPr>
                 </a:tc>
+                <a:tc hMerge="1">
+                  <a:txBody>
+                    <a:bodyPr/>
+                    <a:lstStyle/>
+                    <a:p>
+                      <a:endParaRPr lang="pt-BR"/>
+                    </a:p>
+                  </a:txBody>
+                  <a:tcPr/>
+                </a:tc>
                 <a:tc>
                   <a:txBody>
                     <a:bodyPr/>
                     <a:lstStyle/>
                     <a:p>
                       <a:pPr algn="l" fontAlgn="ctr"/>
-                      <a:endParaRPr lang="pt-BR" sz="1100" b="0" i="0" u="none" strike="noStrike">
+                      <a:endParaRPr lang="pt-BR" sz="900" b="0" i="0" u="none" strike="noStrike">
                         <a:solidFill>
                           <a:srgbClr val="000000"/>
                         </a:solidFill>
@@ -4159,12 +4316,18 @@
                       </a:endParaRPr>
                     </a:p>
                   </a:txBody>
-                  <a:tcPr marL="9525" marR="9525" marT="9525" marB="0" anchor="ctr">
+                  <a:tcPr marL="7815" marR="7815" marT="7815" marB="37512" anchor="ctr">
                     <a:lnL>
                       <a:noFill/>
                     </a:lnL>
-                    <a:lnR>
-                      <a:noFill/>
+                    <a:lnR w="6350" cap="flat" cmpd="sng" algn="ctr">
+                      <a:solidFill>
+                        <a:srgbClr val="000000"/>
+                      </a:solidFill>
+                      <a:prstDash val="solid"/>
+                      <a:round/>
+                      <a:headEnd type="none" w="med" len="med"/>
+                      <a:tailEnd type="none" w="med" len="med"/>
                     </a:lnR>
                     <a:lnT>
                       <a:noFill/>
@@ -4174,42 +4337,6 @@
                     </a:lnB>
                   </a:tcPr>
                 </a:tc>
-                <a:tc>
-                  <a:txBody>
-                    <a:bodyPr/>
-                    <a:lstStyle/>
-                    <a:p>
-                      <a:pPr algn="l" fontAlgn="ctr"/>
-                      <a:endParaRPr lang="pt-BR" sz="1100" b="0" i="0" u="none" strike="noStrike">
-                        <a:solidFill>
-                          <a:srgbClr val="000000"/>
-                        </a:solidFill>
-                        <a:effectLst/>
-                        <a:latin typeface="Arial" panose="020B0604020202020204" pitchFamily="34" charset="0"/>
-                      </a:endParaRPr>
-                    </a:p>
-                  </a:txBody>
-                  <a:tcPr marL="9525" marR="9525" marT="9525" marB="0" anchor="ctr">
-                    <a:lnL>
-                      <a:noFill/>
-                    </a:lnL>
-                    <a:lnR w="6350" cap="flat" cmpd="sng" algn="ctr">
-                      <a:solidFill>
-                        <a:srgbClr val="000000"/>
-                      </a:solidFill>
-                      <a:prstDash val="solid"/>
-                      <a:round/>
-                      <a:headEnd type="none" w="med" len="med"/>
-                      <a:tailEnd type="none" w="med" len="med"/>
-                    </a:lnR>
-                    <a:lnT>
-                      <a:noFill/>
-                    </a:lnT>
-                    <a:lnB>
-                      <a:noFill/>
-                    </a:lnB>
-                  </a:tcPr>
-                </a:tc>
                 <a:tc rowSpan="2" gridSpan="2">
                   <a:txBody>
                     <a:bodyPr/>
@@ -4217,7 +4344,7 @@
                     <a:p>
                       <a:pPr algn="ctr" fontAlgn="ctr"/>
                       <a:r>
-                        <a:rPr lang="pt-BR" sz="1100" b="1" i="0" u="none" strike="noStrike">
+                        <a:rPr lang="pt-BR" sz="900" b="1" i="0" u="none" strike="noStrike">
                           <a:solidFill>
                             <a:srgbClr val="000000"/>
                           </a:solidFill>
@@ -4228,7 +4355,7 @@
                       </a:r>
                     </a:p>
                   </a:txBody>
-                  <a:tcPr marL="9525" marR="9525" marT="9525" marB="0" anchor="ctr">
+                  <a:tcPr marL="7815" marR="7815" marT="7815" marB="37512" anchor="ctr">
                     <a:lnL w="6350" cap="flat" cmpd="sng" algn="ctr">
                       <a:solidFill>
                         <a:srgbClr val="000000"/>
@@ -4284,7 +4411,7 @@
                     <a:p>
                       <a:pPr algn="ctr" fontAlgn="ctr"/>
                       <a:r>
-                        <a:rPr lang="pt-BR" sz="1100" b="1" i="0" u="none" strike="noStrike">
+                        <a:rPr lang="pt-BR" sz="900" b="1" i="0" u="none" strike="noStrike">
                           <a:solidFill>
                             <a:srgbClr val="000000"/>
                           </a:solidFill>
@@ -4295,7 +4422,7 @@
                       </a:r>
                     </a:p>
                   </a:txBody>
-                  <a:tcPr marL="9525" marR="9525" marT="9525" marB="0" anchor="ctr">
+                  <a:tcPr marL="7815" marR="7815" marT="7815" marB="37512" anchor="ctr">
                     <a:lnL w="6350" cap="flat" cmpd="sng" algn="ctr">
                       <a:solidFill>
                         <a:srgbClr val="000000"/>
@@ -4360,68 +4487,7 @@
                     <a:lstStyle/>
                     <a:p>
                       <a:pPr algn="ctr" fontAlgn="ctr"/>
-                      <a:endParaRPr lang="pt-BR" sz="1100" b="0" i="0" u="none" strike="noStrike">
-                        <a:solidFill>
-                          <a:srgbClr val="000000"/>
-                        </a:solidFill>
-                        <a:effectLst/>
-                        <a:latin typeface="Arial"/>
-                      </a:endParaRPr>
-                    </a:p>
-                  </a:txBody>
-                  <a:tcPr marL="9525" marR="9525" marT="9525" marB="0" anchor="ctr">
-                    <a:lnL w="6350" cap="flat" cmpd="sng" algn="ctr">
-                      <a:solidFill>
-                        <a:srgbClr val="000000"/>
-                      </a:solidFill>
-                      <a:prstDash val="solid"/>
-                      <a:round/>
-                      <a:headEnd type="none" w="med" len="med"/>
-                      <a:tailEnd type="none" w="med" len="med"/>
-                    </a:lnL>
-                    <a:lnR w="6350" cap="flat" cmpd="sng" algn="ctr">
-                      <a:solidFill>
-                        <a:srgbClr val="000000"/>
-                      </a:solidFill>
-                      <a:prstDash val="solid"/>
-                      <a:round/>
-                      <a:headEnd type="none" w="med" len="med"/>
-                      <a:tailEnd type="none" w="med" len="med"/>
-                    </a:lnR>
-                    <a:lnT w="6350" cap="flat" cmpd="sng" algn="ctr">
-                      <a:solidFill>
-                        <a:srgbClr val="000000"/>
-                      </a:solidFill>
-                      <a:prstDash val="solid"/>
-                      <a:round/>
-                      <a:headEnd type="none" w="med" len="med"/>
-                      <a:tailEnd type="none" w="med" len="med"/>
-                    </a:lnT>
-                    <a:lnB w="6350" cap="flat" cmpd="sng" algn="ctr">
-                      <a:solidFill>
-                        <a:srgbClr val="000000"/>
-                      </a:solidFill>
-                      <a:prstDash val="solid"/>
-                      <a:round/>
-                      <a:headEnd type="none" w="med" len="med"/>
-                      <a:tailEnd type="none" w="med" len="med"/>
-                    </a:lnB>
-                  </a:tcPr>
-                </a:tc>
-                <a:extLst>
-                  <a:ext uri="{0D108BD9-81ED-4DB2-BD59-A6C34878D82A}">
-                    <a16:rowId xmlns:a16="http://schemas.microsoft.com/office/drawing/2014/main" val="943244598"/>
-                  </a:ext>
-                </a:extLst>
-              </a:tr>
-              <a:tr h="190500">
-                <a:tc>
-                  <a:txBody>
-                    <a:bodyPr/>
-                    <a:lstStyle/>
-                    <a:p>
-                      <a:pPr algn="l" fontAlgn="ctr"/>
-                      <a:endParaRPr lang="pt-BR" sz="1100" b="0" i="0" u="none" strike="noStrike">
+                      <a:endParaRPr lang="pt-BR" sz="900" b="0" i="0" u="none" strike="noStrike">
                         <a:solidFill>
                           <a:srgbClr val="000000"/>
                         </a:solidFill>
@@ -4430,34 +4496,59 @@
                       </a:endParaRPr>
                     </a:p>
                   </a:txBody>
-                  <a:tcPr marL="9525" marR="9525" marT="9525" marB="0" anchor="ctr">
-                    <a:lnL>
-                      <a:noFill/>
-                    </a:lnL>
-                    <a:lnR>
-                      <a:noFill/>
-                    </a:lnR>
-                    <a:lnT>
-                      <a:noFill/>
-                    </a:lnT>
-                    <a:lnB w="6350" cap="flat" cmpd="sng" algn="ctr">
-                      <a:solidFill>
-                        <a:srgbClr val="000000"/>
-                      </a:solidFill>
-                      <a:prstDash val="solid"/>
-                      <a:round/>
-                      <a:headEnd type="none" w="med" len="med"/>
-                      <a:tailEnd type="none" w="med" len="med"/>
-                    </a:lnB>
-                  </a:tcPr>
-                </a:tc>
+                  <a:tcPr marL="7815" marR="7815" marT="7815" marB="37512" anchor="ctr">
+                    <a:lnL w="6350" cap="flat" cmpd="sng" algn="ctr">
+                      <a:solidFill>
+                        <a:srgbClr val="000000"/>
+                      </a:solidFill>
+                      <a:prstDash val="solid"/>
+                      <a:round/>
+                      <a:headEnd type="none" w="med" len="med"/>
+                      <a:tailEnd type="none" w="med" len="med"/>
+                    </a:lnL>
+                    <a:lnR w="6350" cap="flat" cmpd="sng" algn="ctr">
+                      <a:solidFill>
+                        <a:srgbClr val="000000"/>
+                      </a:solidFill>
+                      <a:prstDash val="solid"/>
+                      <a:round/>
+                      <a:headEnd type="none" w="med" len="med"/>
+                      <a:tailEnd type="none" w="med" len="med"/>
+                    </a:lnR>
+                    <a:lnT w="6350" cap="flat" cmpd="sng" algn="ctr">
+                      <a:solidFill>
+                        <a:srgbClr val="000000"/>
+                      </a:solidFill>
+                      <a:prstDash val="solid"/>
+                      <a:round/>
+                      <a:headEnd type="none" w="med" len="med"/>
+                      <a:tailEnd type="none" w="med" len="med"/>
+                    </a:lnT>
+                    <a:lnB w="6350" cap="flat" cmpd="sng" algn="ctr">
+                      <a:solidFill>
+                        <a:srgbClr val="000000"/>
+                      </a:solidFill>
+                      <a:prstDash val="solid"/>
+                      <a:round/>
+                      <a:headEnd type="none" w="med" len="med"/>
+                      <a:tailEnd type="none" w="med" len="med"/>
+                    </a:lnB>
+                  </a:tcPr>
+                </a:tc>
+                <a:extLst>
+                  <a:ext uri="{0D108BD9-81ED-4DB2-BD59-A6C34878D82A}">
+                    <a16:rowId xmlns:a16="http://schemas.microsoft.com/office/drawing/2014/main" val="2628271473"/>
+                  </a:ext>
+                </a:extLst>
+              </a:tr>
+              <a:tr h="250023">
                 <a:tc>
                   <a:txBody>
                     <a:bodyPr/>
                     <a:lstStyle/>
                     <a:p>
                       <a:pPr algn="l" fontAlgn="ctr"/>
-                      <a:endParaRPr lang="pt-BR" sz="1100" b="0" i="0" u="none" strike="noStrike">
+                      <a:endParaRPr lang="pt-BR" sz="900" b="0" i="0" u="none" strike="noStrike">
                         <a:solidFill>
                           <a:srgbClr val="000000"/>
                         </a:solidFill>
@@ -4466,7 +4557,7 @@
                       </a:endParaRPr>
                     </a:p>
                   </a:txBody>
-                  <a:tcPr marL="9525" marR="9525" marT="9525" marB="0" vert="vert270" anchor="ctr">
+                  <a:tcPr marL="7815" marR="7815" marT="7815" marB="37512" anchor="ctr">
                     <a:lnL>
                       <a:noFill/>
                     </a:lnL>
@@ -4487,13 +4578,13 @@
                     </a:lnB>
                   </a:tcPr>
                 </a:tc>
-                <a:tc>
-                  <a:txBody>
-                    <a:bodyPr/>
-                    <a:lstStyle/>
-                    <a:p>
-                      <a:pPr algn="l" fontAlgn="ctr"/>
-                      <a:endParaRPr lang="pt-BR" sz="1100" b="0" i="0" u="none" strike="noStrike">
+                <a:tc gridSpan="2">
+                  <a:txBody>
+                    <a:bodyPr/>
+                    <a:lstStyle/>
+                    <a:p>
+                      <a:pPr algn="r" fontAlgn="ctr"/>
+                      <a:endParaRPr lang="pt-BR" sz="900" b="0" i="0" u="none" strike="noStrike">
                         <a:solidFill>
                           <a:srgbClr val="000000"/>
                         </a:solidFill>
@@ -4502,7 +4593,7 @@
                       </a:endParaRPr>
                     </a:p>
                   </a:txBody>
-                  <a:tcPr marL="9525" marR="9525" marT="9525" marB="0" anchor="ctr">
+                  <a:tcPr marL="7815" marR="7815" marT="7815" marB="37512" vert="vert270" anchor="ctr">
                     <a:lnL>
                       <a:noFill/>
                     </a:lnL>
@@ -4523,13 +4614,23 @@
                     </a:lnB>
                   </a:tcPr>
                 </a:tc>
+                <a:tc hMerge="1">
+                  <a:txBody>
+                    <a:bodyPr/>
+                    <a:lstStyle/>
+                    <a:p>
+                      <a:endParaRPr lang="pt-BR"/>
+                    </a:p>
+                  </a:txBody>
+                  <a:tcPr/>
+                </a:tc>
                 <a:tc>
                   <a:txBody>
                     <a:bodyPr/>
                     <a:lstStyle/>
                     <a:p>
                       <a:pPr algn="l" fontAlgn="ctr"/>
-                      <a:endParaRPr lang="pt-BR" sz="1100" b="0" i="0" u="none" strike="noStrike">
+                      <a:endParaRPr lang="pt-BR" sz="900" b="0" i="0" u="none" strike="noStrike">
                         <a:solidFill>
                           <a:srgbClr val="000000"/>
                         </a:solidFill>
@@ -4538,7 +4639,7 @@
                       </a:endParaRPr>
                     </a:p>
                   </a:txBody>
-                  <a:tcPr marL="9525" marR="9525" marT="9525" marB="0" anchor="ctr">
+                  <a:tcPr marL="7815" marR="7815" marT="7815" marB="37512" anchor="ctr">
                     <a:lnL>
                       <a:noFill/>
                     </a:lnL>
@@ -4627,11 +4728,11 @@
                 </a:tc>
                 <a:extLst>
                   <a:ext uri="{0D108BD9-81ED-4DB2-BD59-A6C34878D82A}">
-                    <a16:rowId xmlns:a16="http://schemas.microsoft.com/office/drawing/2014/main" val="4240552499"/>
+                    <a16:rowId xmlns:a16="http://schemas.microsoft.com/office/drawing/2014/main" val="2598646142"/>
                   </a:ext>
                 </a:extLst>
               </a:tr>
-              <a:tr h="365760">
+              <a:tr h="360000">
                 <a:tc gridSpan="2">
                   <a:txBody>
                     <a:bodyPr/>
@@ -4639,18 +4740,18 @@
                     <a:p>
                       <a:pPr algn="ctr" fontAlgn="ctr"/>
                       <a:r>
-                        <a:rPr lang="pt-BR" sz="1100" b="1" i="0" u="none" strike="noStrike">
+                        <a:rPr lang="pt-BR" sz="900" b="1" i="0" u="none" strike="noStrike">
                           <a:solidFill>
                             <a:srgbClr val="000000"/>
                           </a:solidFill>
                           <a:effectLst/>
-                          <a:latin typeface="Arial"/>
+                          <a:latin typeface="Arial" panose="020B0604020202020204" pitchFamily="34" charset="0"/>
                         </a:rPr>
                         <a:t>Capacidades</a:t>
                       </a:r>
                     </a:p>
                   </a:txBody>
-                  <a:tcPr marL="9525" marR="9525" marT="9525" marB="0" anchor="ctr">
+                  <a:tcPr marL="7815" marR="7815" marT="7815" marB="37512" anchor="ctr">
                     <a:lnL w="6350" cap="flat" cmpd="sng" algn="ctr">
                       <a:solidFill>
                         <a:srgbClr val="000000"/>
@@ -4706,7 +4807,7 @@
                     <a:p>
                       <a:pPr algn="ctr" fontAlgn="ctr"/>
                       <a:r>
-                        <a:rPr lang="pt-BR" sz="1100" b="1" i="0" u="none" strike="noStrike">
+                        <a:rPr lang="pt-BR" sz="900" b="1" i="0" u="none" strike="noStrike">
                           <a:solidFill>
                             <a:srgbClr val="000000"/>
                           </a:solidFill>
@@ -4717,7 +4818,7 @@
                       </a:r>
                     </a:p>
                   </a:txBody>
-                  <a:tcPr marL="9525" marR="9525" marT="9525" marB="0" anchor="ctr">
+                  <a:tcPr marL="7815" marR="7815" marT="7815" marB="37512" anchor="ctr">
                     <a:lnL w="6350" cap="flat" cmpd="sng" algn="ctr">
                       <a:solidFill>
                         <a:srgbClr val="000000"/>
@@ -4761,426 +4862,426 @@
                     <a:bodyPr/>
                     <a:lstStyle/>
                     <a:p>
-                      <a:pPr algn="l" fontAlgn="ctr"/>
+                      <a:pPr algn="ctr" fontAlgn="ctr"/>
                       <a:r>
-                        <a:rPr lang="pt-BR" sz="1100" b="1" i="0" u="none" strike="noStrike">
+                        <a:rPr lang="pt-BR" sz="900" b="1" i="0" u="none" strike="noStrike">
+                          <a:solidFill>
+                            <a:srgbClr val="000000"/>
+                          </a:solidFill>
+                          <a:effectLst/>
+                          <a:latin typeface="Arial" panose="020B0604020202020204" pitchFamily="34" charset="0"/>
+                        </a:rPr>
+                        <a:t>Evento</a:t>
+                      </a:r>
+                    </a:p>
+                  </a:txBody>
+                  <a:tcPr marL="7815" marR="7815" marT="7815" marB="37512" anchor="ctr">
+                    <a:lnL w="6350" cap="flat" cmpd="sng" algn="ctr">
+                      <a:solidFill>
+                        <a:srgbClr val="000000"/>
+                      </a:solidFill>
+                      <a:prstDash val="solid"/>
+                      <a:round/>
+                      <a:headEnd type="none" w="med" len="med"/>
+                      <a:tailEnd type="none" w="med" len="med"/>
+                    </a:lnL>
+                    <a:lnR w="6350" cap="flat" cmpd="sng" algn="ctr">
+                      <a:solidFill>
+                        <a:srgbClr val="000000"/>
+                      </a:solidFill>
+                      <a:prstDash val="solid"/>
+                      <a:round/>
+                      <a:headEnd type="none" w="med" len="med"/>
+                      <a:tailEnd type="none" w="med" len="med"/>
+                    </a:lnR>
+                    <a:lnT w="6350" cap="flat" cmpd="sng" algn="ctr">
+                      <a:solidFill>
+                        <a:srgbClr val="000000"/>
+                      </a:solidFill>
+                      <a:prstDash val="solid"/>
+                      <a:round/>
+                      <a:headEnd type="none" w="med" len="med"/>
+                      <a:tailEnd type="none" w="med" len="med"/>
+                    </a:lnT>
+                    <a:lnB w="6350" cap="flat" cmpd="sng" algn="ctr">
+                      <a:solidFill>
+                        <a:srgbClr val="000000"/>
+                      </a:solidFill>
+                      <a:prstDash val="solid"/>
+                      <a:round/>
+                      <a:headEnd type="none" w="med" len="med"/>
+                      <a:tailEnd type="none" w="med" len="med"/>
+                    </a:lnB>
+                  </a:tcPr>
+                </a:tc>
+                <a:tc>
+                  <a:txBody>
+                    <a:bodyPr/>
+                    <a:lstStyle/>
+                    <a:p>
+                      <a:pPr algn="ctr" fontAlgn="ctr"/>
+                      <a:r>
+                        <a:rPr lang="pt-BR" sz="900" b="1" i="0" u="none" strike="noStrike">
+                          <a:solidFill>
+                            <a:srgbClr val="000000"/>
+                          </a:solidFill>
+                          <a:effectLst/>
+                          <a:latin typeface="Arial" panose="020B0604020202020204" pitchFamily="34" charset="0"/>
+                        </a:rPr>
+                        <a:t>Previsível</a:t>
+                      </a:r>
+                    </a:p>
+                  </a:txBody>
+                  <a:tcPr marL="7815" marR="7815" marT="7815" marB="37512" anchor="ctr">
+                    <a:lnL w="6350" cap="flat" cmpd="sng" algn="ctr">
+                      <a:solidFill>
+                        <a:srgbClr val="000000"/>
+                      </a:solidFill>
+                      <a:prstDash val="solid"/>
+                      <a:round/>
+                      <a:headEnd type="none" w="med" len="med"/>
+                      <a:tailEnd type="none" w="med" len="med"/>
+                    </a:lnL>
+                    <a:lnR w="6350" cap="flat" cmpd="sng" algn="ctr">
+                      <a:solidFill>
+                        <a:srgbClr val="000000"/>
+                      </a:solidFill>
+                      <a:prstDash val="solid"/>
+                      <a:round/>
+                      <a:headEnd type="none" w="med" len="med"/>
+                      <a:tailEnd type="none" w="med" len="med"/>
+                    </a:lnR>
+                    <a:lnT w="6350" cap="flat" cmpd="sng" algn="ctr">
+                      <a:solidFill>
+                        <a:srgbClr val="000000"/>
+                      </a:solidFill>
+                      <a:prstDash val="solid"/>
+                      <a:round/>
+                      <a:headEnd type="none" w="med" len="med"/>
+                      <a:tailEnd type="none" w="med" len="med"/>
+                    </a:lnT>
+                    <a:lnB w="6350" cap="flat" cmpd="sng" algn="ctr">
+                      <a:solidFill>
+                        <a:srgbClr val="000000"/>
+                      </a:solidFill>
+                      <a:prstDash val="solid"/>
+                      <a:round/>
+                      <a:headEnd type="none" w="med" len="med"/>
+                      <a:tailEnd type="none" w="med" len="med"/>
+                    </a:lnB>
+                  </a:tcPr>
+                </a:tc>
+                <a:tc>
+                  <a:txBody>
+                    <a:bodyPr/>
+                    <a:lstStyle/>
+                    <a:p>
+                      <a:pPr algn="ctr" fontAlgn="ctr"/>
+                      <a:r>
+                        <a:rPr lang="pt-BR" sz="900" b="1" i="0" u="none" strike="noStrike">
+                          <a:solidFill>
+                            <a:srgbClr val="000000"/>
+                          </a:solidFill>
+                          <a:effectLst/>
+                          <a:latin typeface="Arial" panose="020B0604020202020204" pitchFamily="34" charset="0"/>
+                        </a:rPr>
+                        <a:t>Não Previsível</a:t>
+                      </a:r>
+                    </a:p>
+                  </a:txBody>
+                  <a:tcPr marL="7815" marR="7815" marT="7815" marB="37512" anchor="ctr">
+                    <a:lnL w="6350" cap="flat" cmpd="sng" algn="ctr">
+                      <a:solidFill>
+                        <a:srgbClr val="000000"/>
+                      </a:solidFill>
+                      <a:prstDash val="solid"/>
+                      <a:round/>
+                      <a:headEnd type="none" w="med" len="med"/>
+                      <a:tailEnd type="none" w="med" len="med"/>
+                    </a:lnL>
+                    <a:lnR w="6350" cap="flat" cmpd="sng" algn="ctr">
+                      <a:solidFill>
+                        <a:srgbClr val="000000"/>
+                      </a:solidFill>
+                      <a:prstDash val="solid"/>
+                      <a:round/>
+                      <a:headEnd type="none" w="med" len="med"/>
+                      <a:tailEnd type="none" w="med" len="med"/>
+                    </a:lnR>
+                    <a:lnT w="6350" cap="flat" cmpd="sng" algn="ctr">
+                      <a:solidFill>
+                        <a:srgbClr val="000000"/>
+                      </a:solidFill>
+                      <a:prstDash val="solid"/>
+                      <a:round/>
+                      <a:headEnd type="none" w="med" len="med"/>
+                      <a:tailEnd type="none" w="med" len="med"/>
+                    </a:lnT>
+                    <a:lnB w="6350" cap="flat" cmpd="sng" algn="ctr">
+                      <a:solidFill>
+                        <a:srgbClr val="000000"/>
+                      </a:solidFill>
+                      <a:prstDash val="solid"/>
+                      <a:round/>
+                      <a:headEnd type="none" w="med" len="med"/>
+                      <a:tailEnd type="none" w="med" len="med"/>
+                    </a:lnB>
+                  </a:tcPr>
+                </a:tc>
+                <a:tc>
+                  <a:txBody>
+                    <a:bodyPr/>
+                    <a:lstStyle/>
+                    <a:p>
+                      <a:pPr algn="ctr" fontAlgn="ctr"/>
+                      <a:r>
+                        <a:rPr lang="pt-BR" sz="900" b="1" i="0" u="none" strike="noStrike">
+                          <a:solidFill>
+                            <a:srgbClr val="000000"/>
+                          </a:solidFill>
+                          <a:effectLst/>
+                          <a:latin typeface="Arial" panose="020B0604020202020204" pitchFamily="34" charset="0"/>
+                        </a:rPr>
+                        <a:t>Relativo</a:t>
+                      </a:r>
+                    </a:p>
+                  </a:txBody>
+                  <a:tcPr marL="7815" marR="7815" marT="7815" marB="37512" anchor="ctr">
+                    <a:lnL w="6350" cap="flat" cmpd="sng" algn="ctr">
+                      <a:solidFill>
+                        <a:srgbClr val="000000"/>
+                      </a:solidFill>
+                      <a:prstDash val="solid"/>
+                      <a:round/>
+                      <a:headEnd type="none" w="med" len="med"/>
+                      <a:tailEnd type="none" w="med" len="med"/>
+                    </a:lnL>
+                    <a:lnR w="6350" cap="flat" cmpd="sng" algn="ctr">
+                      <a:solidFill>
+                        <a:srgbClr val="000000"/>
+                      </a:solidFill>
+                      <a:prstDash val="solid"/>
+                      <a:round/>
+                      <a:headEnd type="none" w="med" len="med"/>
+                      <a:tailEnd type="none" w="med" len="med"/>
+                    </a:lnR>
+                    <a:lnT w="6350" cap="flat" cmpd="sng" algn="ctr">
+                      <a:solidFill>
+                        <a:srgbClr val="000000"/>
+                      </a:solidFill>
+                      <a:prstDash val="solid"/>
+                      <a:round/>
+                      <a:headEnd type="none" w="med" len="med"/>
+                      <a:tailEnd type="none" w="med" len="med"/>
+                    </a:lnT>
+                    <a:lnB w="6350" cap="flat" cmpd="sng" algn="ctr">
+                      <a:solidFill>
+                        <a:srgbClr val="000000"/>
+                      </a:solidFill>
+                      <a:prstDash val="solid"/>
+                      <a:round/>
+                      <a:headEnd type="none" w="med" len="med"/>
+                      <a:tailEnd type="none" w="med" len="med"/>
+                    </a:lnB>
+                  </a:tcPr>
+                </a:tc>
+                <a:tc>
+                  <a:txBody>
+                    <a:bodyPr/>
+                    <a:lstStyle/>
+                    <a:p>
+                      <a:pPr algn="ctr" fontAlgn="ctr"/>
+                      <a:r>
+                        <a:rPr lang="pt-BR" sz="900" b="1" i="0" u="none" strike="noStrike">
+                          <a:solidFill>
+                            <a:srgbClr val="000000"/>
+                          </a:solidFill>
+                          <a:effectLst/>
+                          <a:latin typeface="Arial" panose="020B0604020202020204" pitchFamily="34" charset="0"/>
+                        </a:rPr>
+                        <a:t>Absoluto</a:t>
+                      </a:r>
+                    </a:p>
+                  </a:txBody>
+                  <a:tcPr marL="7815" marR="7815" marT="7815" marB="37512" anchor="ctr">
+                    <a:lnL w="6350" cap="flat" cmpd="sng" algn="ctr">
+                      <a:solidFill>
+                        <a:srgbClr val="000000"/>
+                      </a:solidFill>
+                      <a:prstDash val="solid"/>
+                      <a:round/>
+                      <a:headEnd type="none" w="med" len="med"/>
+                      <a:tailEnd type="none" w="med" len="med"/>
+                    </a:lnL>
+                    <a:lnR w="6350" cap="flat" cmpd="sng" algn="ctr">
+                      <a:solidFill>
+                        <a:srgbClr val="000000"/>
+                      </a:solidFill>
+                      <a:prstDash val="solid"/>
+                      <a:round/>
+                      <a:headEnd type="none" w="med" len="med"/>
+                      <a:tailEnd type="none" w="med" len="med"/>
+                    </a:lnR>
+                    <a:lnT w="6350" cap="flat" cmpd="sng" algn="ctr">
+                      <a:solidFill>
+                        <a:srgbClr val="000000"/>
+                      </a:solidFill>
+                      <a:prstDash val="solid"/>
+                      <a:round/>
+                      <a:headEnd type="none" w="med" len="med"/>
+                      <a:tailEnd type="none" w="med" len="med"/>
+                    </a:lnT>
+                    <a:lnB w="6350" cap="flat" cmpd="sng" algn="ctr">
+                      <a:solidFill>
+                        <a:srgbClr val="000000"/>
+                      </a:solidFill>
+                      <a:prstDash val="solid"/>
+                      <a:round/>
+                      <a:headEnd type="none" w="med" len="med"/>
+                      <a:tailEnd type="none" w="med" len="med"/>
+                    </a:lnB>
+                  </a:tcPr>
+                </a:tc>
+                <a:tc>
+                  <a:txBody>
+                    <a:bodyPr/>
+                    <a:lstStyle/>
+                    <a:p>
+                      <a:pPr algn="ctr" fontAlgn="ctr"/>
+                      <a:r>
+                        <a:rPr lang="pt-BR" sz="900" b="1" i="0" u="none" strike="noStrike">
+                          <a:solidFill>
+                            <a:srgbClr val="000000"/>
+                          </a:solidFill>
+                          <a:effectLst/>
+                          <a:latin typeface="Arial" panose="020B0604020202020204" pitchFamily="34" charset="0"/>
+                        </a:rPr>
+                        <a:t>Não Evento</a:t>
+                      </a:r>
+                    </a:p>
+                  </a:txBody>
+                  <a:tcPr marL="7815" marR="7815" marT="7815" marB="37512" anchor="ctr">
+                    <a:lnL w="6350" cap="flat" cmpd="sng" algn="ctr">
+                      <a:solidFill>
+                        <a:srgbClr val="000000"/>
+                      </a:solidFill>
+                      <a:prstDash val="solid"/>
+                      <a:round/>
+                      <a:headEnd type="none" w="med" len="med"/>
+                      <a:tailEnd type="none" w="med" len="med"/>
+                    </a:lnL>
+                    <a:lnR w="6350" cap="flat" cmpd="sng" algn="ctr">
+                      <a:solidFill>
+                        <a:srgbClr val="000000"/>
+                      </a:solidFill>
+                      <a:prstDash val="solid"/>
+                      <a:round/>
+                      <a:headEnd type="none" w="med" len="med"/>
+                      <a:tailEnd type="none" w="med" len="med"/>
+                    </a:lnR>
+                    <a:lnT w="6350" cap="flat" cmpd="sng" algn="ctr">
+                      <a:solidFill>
+                        <a:srgbClr val="000000"/>
+                      </a:solidFill>
+                      <a:prstDash val="solid"/>
+                      <a:round/>
+                      <a:headEnd type="none" w="med" len="med"/>
+                      <a:tailEnd type="none" w="med" len="med"/>
+                    </a:lnT>
+                    <a:lnB w="6350" cap="flat" cmpd="sng" algn="ctr">
+                      <a:solidFill>
+                        <a:srgbClr val="000000"/>
+                      </a:solidFill>
+                      <a:prstDash val="solid"/>
+                      <a:round/>
+                      <a:headEnd type="none" w="med" len="med"/>
+                      <a:tailEnd type="none" w="med" len="med"/>
+                    </a:lnB>
+                  </a:tcPr>
+                </a:tc>
+                <a:tc>
+                  <a:txBody>
+                    <a:bodyPr/>
+                    <a:lstStyle/>
+                    <a:p>
+                      <a:pPr algn="ctr" fontAlgn="ctr"/>
+                      <a:r>
+                        <a:rPr lang="pt-BR" sz="900" b="1" i="0" u="none" strike="noStrike">
+                          <a:solidFill>
+                            <a:srgbClr val="000000"/>
+                          </a:solidFill>
+                          <a:effectLst/>
+                          <a:latin typeface="Arial" panose="020B0604020202020204" pitchFamily="34" charset="0"/>
+                        </a:rPr>
+                        <a:t>Extemporâneo</a:t>
+                      </a:r>
+                    </a:p>
+                  </a:txBody>
+                  <a:tcPr marL="7815" marR="7815" marT="7815" marB="37512" anchor="ctr">
+                    <a:lnL w="6350" cap="flat" cmpd="sng" algn="ctr">
+                      <a:solidFill>
+                        <a:srgbClr val="000000"/>
+                      </a:solidFill>
+                      <a:prstDash val="solid"/>
+                      <a:round/>
+                      <a:headEnd type="none" w="med" len="med"/>
+                      <a:tailEnd type="none" w="med" len="med"/>
+                    </a:lnL>
+                    <a:lnR w="6350" cap="flat" cmpd="sng" algn="ctr">
+                      <a:solidFill>
+                        <a:srgbClr val="000000"/>
+                      </a:solidFill>
+                      <a:prstDash val="solid"/>
+                      <a:round/>
+                      <a:headEnd type="none" w="med" len="med"/>
+                      <a:tailEnd type="none" w="med" len="med"/>
+                    </a:lnR>
+                    <a:lnT w="6350" cap="flat" cmpd="sng" algn="ctr">
+                      <a:solidFill>
+                        <a:srgbClr val="000000"/>
+                      </a:solidFill>
+                      <a:prstDash val="solid"/>
+                      <a:round/>
+                      <a:headEnd type="none" w="med" len="med"/>
+                      <a:tailEnd type="none" w="med" len="med"/>
+                    </a:lnT>
+                    <a:lnB w="6350" cap="flat" cmpd="sng" algn="ctr">
+                      <a:solidFill>
+                        <a:srgbClr val="000000"/>
+                      </a:solidFill>
+                      <a:prstDash val="solid"/>
+                      <a:round/>
+                      <a:headEnd type="none" w="med" len="med"/>
+                      <a:tailEnd type="none" w="med" len="med"/>
+                    </a:lnB>
+                  </a:tcPr>
+                </a:tc>
+                <a:extLst>
+                  <a:ext uri="{0D108BD9-81ED-4DB2-BD59-A6C34878D82A}">
+                    <a16:rowId xmlns:a16="http://schemas.microsoft.com/office/drawing/2014/main" val="582352044"/>
+                  </a:ext>
+                </a:extLst>
+              </a:tr>
+              <a:tr h="360000">
+                <a:tc rowSpan="3">
+                  <a:txBody>
+                    <a:bodyPr/>
+                    <a:lstStyle/>
+                    <a:p>
+                      <a:pPr algn="ctr" fontAlgn="ctr"/>
+                      <a:r>
+                        <a:rPr lang="pt-BR" sz="900" b="1" i="0" u="none" strike="noStrike">
                           <a:solidFill>
                             <a:srgbClr val="000000"/>
                           </a:solidFill>
                           <a:effectLst/>
                           <a:latin typeface="Arial"/>
                         </a:rPr>
-                        <a:t>Evento</a:t>
+                        <a:t>Dar entrada no orçamento</a:t>
                       </a:r>
                     </a:p>
                   </a:txBody>
-                  <a:tcPr marL="9525" marR="9525" marT="9525" marB="0" anchor="ctr">
-                    <a:lnL w="6350" cap="flat" cmpd="sng" algn="ctr">
-                      <a:solidFill>
-                        <a:srgbClr val="000000"/>
-                      </a:solidFill>
-                      <a:prstDash val="solid"/>
-                      <a:round/>
-                      <a:headEnd type="none" w="med" len="med"/>
-                      <a:tailEnd type="none" w="med" len="med"/>
-                    </a:lnL>
-                    <a:lnR w="6350" cap="flat" cmpd="sng" algn="ctr">
-                      <a:solidFill>
-                        <a:srgbClr val="000000"/>
-                      </a:solidFill>
-                      <a:prstDash val="solid"/>
-                      <a:round/>
-                      <a:headEnd type="none" w="med" len="med"/>
-                      <a:tailEnd type="none" w="med" len="med"/>
-                    </a:lnR>
-                    <a:lnT w="6350" cap="flat" cmpd="sng" algn="ctr">
-                      <a:solidFill>
-                        <a:srgbClr val="000000"/>
-                      </a:solidFill>
-                      <a:prstDash val="solid"/>
-                      <a:round/>
-                      <a:headEnd type="none" w="med" len="med"/>
-                      <a:tailEnd type="none" w="med" len="med"/>
-                    </a:lnT>
-                    <a:lnB w="6350" cap="flat" cmpd="sng" algn="ctr">
-                      <a:solidFill>
-                        <a:srgbClr val="000000"/>
-                      </a:solidFill>
-                      <a:prstDash val="solid"/>
-                      <a:round/>
-                      <a:headEnd type="none" w="med" len="med"/>
-                      <a:tailEnd type="none" w="med" len="med"/>
-                    </a:lnB>
-                  </a:tcPr>
-                </a:tc>
-                <a:tc>
-                  <a:txBody>
-                    <a:bodyPr/>
-                    <a:lstStyle/>
-                    <a:p>
-                      <a:pPr algn="ctr" fontAlgn="ctr"/>
-                      <a:r>
-                        <a:rPr lang="pt-BR" sz="1100" b="1" i="0" u="none" strike="noStrike">
-                          <a:solidFill>
-                            <a:srgbClr val="000000"/>
-                          </a:solidFill>
-                          <a:effectLst/>
-                          <a:latin typeface="Arial"/>
-                        </a:rPr>
-                        <a:t>Previsível</a:t>
-                      </a:r>
-                    </a:p>
-                  </a:txBody>
-                  <a:tcPr marL="9525" marR="9525" marT="9525" marB="0" anchor="ctr">
-                    <a:lnL w="6350" cap="flat" cmpd="sng" algn="ctr">
-                      <a:solidFill>
-                        <a:srgbClr val="000000"/>
-                      </a:solidFill>
-                      <a:prstDash val="solid"/>
-                      <a:round/>
-                      <a:headEnd type="none" w="med" len="med"/>
-                      <a:tailEnd type="none" w="med" len="med"/>
-                    </a:lnL>
-                    <a:lnR w="6350" cap="flat" cmpd="sng" algn="ctr">
-                      <a:solidFill>
-                        <a:srgbClr val="000000"/>
-                      </a:solidFill>
-                      <a:prstDash val="solid"/>
-                      <a:round/>
-                      <a:headEnd type="none" w="med" len="med"/>
-                      <a:tailEnd type="none" w="med" len="med"/>
-                    </a:lnR>
-                    <a:lnT w="6350" cap="flat" cmpd="sng" algn="ctr">
-                      <a:solidFill>
-                        <a:srgbClr val="000000"/>
-                      </a:solidFill>
-                      <a:prstDash val="solid"/>
-                      <a:round/>
-                      <a:headEnd type="none" w="med" len="med"/>
-                      <a:tailEnd type="none" w="med" len="med"/>
-                    </a:lnT>
-                    <a:lnB w="6350" cap="flat" cmpd="sng" algn="ctr">
-                      <a:solidFill>
-                        <a:srgbClr val="000000"/>
-                      </a:solidFill>
-                      <a:prstDash val="solid"/>
-                      <a:round/>
-                      <a:headEnd type="none" w="med" len="med"/>
-                      <a:tailEnd type="none" w="med" len="med"/>
-                    </a:lnB>
-                  </a:tcPr>
-                </a:tc>
-                <a:tc>
-                  <a:txBody>
-                    <a:bodyPr/>
-                    <a:lstStyle/>
-                    <a:p>
-                      <a:pPr algn="ctr" fontAlgn="ctr"/>
-                      <a:r>
-                        <a:rPr lang="pt-BR" sz="1100" b="1" i="0" u="none" strike="noStrike">
-                          <a:solidFill>
-                            <a:srgbClr val="000000"/>
-                          </a:solidFill>
-                          <a:effectLst/>
-                          <a:latin typeface="Arial"/>
-                        </a:rPr>
-                        <a:t>Não Previsível</a:t>
-                      </a:r>
-                    </a:p>
-                  </a:txBody>
-                  <a:tcPr marL="9525" marR="9525" marT="9525" marB="0" anchor="ctr">
-                    <a:lnL w="6350" cap="flat" cmpd="sng" algn="ctr">
-                      <a:solidFill>
-                        <a:srgbClr val="000000"/>
-                      </a:solidFill>
-                      <a:prstDash val="solid"/>
-                      <a:round/>
-                      <a:headEnd type="none" w="med" len="med"/>
-                      <a:tailEnd type="none" w="med" len="med"/>
-                    </a:lnL>
-                    <a:lnR w="6350" cap="flat" cmpd="sng" algn="ctr">
-                      <a:solidFill>
-                        <a:srgbClr val="000000"/>
-                      </a:solidFill>
-                      <a:prstDash val="solid"/>
-                      <a:round/>
-                      <a:headEnd type="none" w="med" len="med"/>
-                      <a:tailEnd type="none" w="med" len="med"/>
-                    </a:lnR>
-                    <a:lnT w="6350" cap="flat" cmpd="sng" algn="ctr">
-                      <a:solidFill>
-                        <a:srgbClr val="000000"/>
-                      </a:solidFill>
-                      <a:prstDash val="solid"/>
-                      <a:round/>
-                      <a:headEnd type="none" w="med" len="med"/>
-                      <a:tailEnd type="none" w="med" len="med"/>
-                    </a:lnT>
-                    <a:lnB w="6350" cap="flat" cmpd="sng" algn="ctr">
-                      <a:solidFill>
-                        <a:srgbClr val="000000"/>
-                      </a:solidFill>
-                      <a:prstDash val="solid"/>
-                      <a:round/>
-                      <a:headEnd type="none" w="med" len="med"/>
-                      <a:tailEnd type="none" w="med" len="med"/>
-                    </a:lnB>
-                  </a:tcPr>
-                </a:tc>
-                <a:tc>
-                  <a:txBody>
-                    <a:bodyPr/>
-                    <a:lstStyle/>
-                    <a:p>
-                      <a:pPr algn="ctr" fontAlgn="ctr"/>
-                      <a:r>
-                        <a:rPr lang="pt-BR" sz="1100" b="1" i="0" u="none" strike="noStrike">
-                          <a:solidFill>
-                            <a:srgbClr val="000000"/>
-                          </a:solidFill>
-                          <a:effectLst/>
-                          <a:latin typeface="Arial"/>
-                        </a:rPr>
-                        <a:t>Relativo</a:t>
-                      </a:r>
-                    </a:p>
-                  </a:txBody>
-                  <a:tcPr marL="9525" marR="9525" marT="9525" marB="0" anchor="ctr">
-                    <a:lnL w="6350" cap="flat" cmpd="sng" algn="ctr">
-                      <a:solidFill>
-                        <a:srgbClr val="000000"/>
-                      </a:solidFill>
-                      <a:prstDash val="solid"/>
-                      <a:round/>
-                      <a:headEnd type="none" w="med" len="med"/>
-                      <a:tailEnd type="none" w="med" len="med"/>
-                    </a:lnL>
-                    <a:lnR w="6350" cap="flat" cmpd="sng" algn="ctr">
-                      <a:solidFill>
-                        <a:srgbClr val="000000"/>
-                      </a:solidFill>
-                      <a:prstDash val="solid"/>
-                      <a:round/>
-                      <a:headEnd type="none" w="med" len="med"/>
-                      <a:tailEnd type="none" w="med" len="med"/>
-                    </a:lnR>
-                    <a:lnT w="6350" cap="flat" cmpd="sng" algn="ctr">
-                      <a:solidFill>
-                        <a:srgbClr val="000000"/>
-                      </a:solidFill>
-                      <a:prstDash val="solid"/>
-                      <a:round/>
-                      <a:headEnd type="none" w="med" len="med"/>
-                      <a:tailEnd type="none" w="med" len="med"/>
-                    </a:lnT>
-                    <a:lnB w="6350" cap="flat" cmpd="sng" algn="ctr">
-                      <a:solidFill>
-                        <a:srgbClr val="000000"/>
-                      </a:solidFill>
-                      <a:prstDash val="solid"/>
-                      <a:round/>
-                      <a:headEnd type="none" w="med" len="med"/>
-                      <a:tailEnd type="none" w="med" len="med"/>
-                    </a:lnB>
-                  </a:tcPr>
-                </a:tc>
-                <a:tc>
-                  <a:txBody>
-                    <a:bodyPr/>
-                    <a:lstStyle/>
-                    <a:p>
-                      <a:pPr algn="ctr" fontAlgn="ctr"/>
-                      <a:r>
-                        <a:rPr lang="pt-BR" sz="1100" b="1" i="0" u="none" strike="noStrike">
-                          <a:solidFill>
-                            <a:srgbClr val="000000"/>
-                          </a:solidFill>
-                          <a:effectLst/>
-                          <a:latin typeface="Arial"/>
-                        </a:rPr>
-                        <a:t>Absoluto</a:t>
-                      </a:r>
-                    </a:p>
-                  </a:txBody>
-                  <a:tcPr marL="9525" marR="9525" marT="9525" marB="0" anchor="ctr">
-                    <a:lnL w="6350" cap="flat" cmpd="sng" algn="ctr">
-                      <a:solidFill>
-                        <a:srgbClr val="000000"/>
-                      </a:solidFill>
-                      <a:prstDash val="solid"/>
-                      <a:round/>
-                      <a:headEnd type="none" w="med" len="med"/>
-                      <a:tailEnd type="none" w="med" len="med"/>
-                    </a:lnL>
-                    <a:lnR w="6350" cap="flat" cmpd="sng" algn="ctr">
-                      <a:solidFill>
-                        <a:srgbClr val="000000"/>
-                      </a:solidFill>
-                      <a:prstDash val="solid"/>
-                      <a:round/>
-                      <a:headEnd type="none" w="med" len="med"/>
-                      <a:tailEnd type="none" w="med" len="med"/>
-                    </a:lnR>
-                    <a:lnT w="6350" cap="flat" cmpd="sng" algn="ctr">
-                      <a:solidFill>
-                        <a:srgbClr val="000000"/>
-                      </a:solidFill>
-                      <a:prstDash val="solid"/>
-                      <a:round/>
-                      <a:headEnd type="none" w="med" len="med"/>
-                      <a:tailEnd type="none" w="med" len="med"/>
-                    </a:lnT>
-                    <a:lnB w="6350" cap="flat" cmpd="sng" algn="ctr">
-                      <a:solidFill>
-                        <a:srgbClr val="000000"/>
-                      </a:solidFill>
-                      <a:prstDash val="solid"/>
-                      <a:round/>
-                      <a:headEnd type="none" w="med" len="med"/>
-                      <a:tailEnd type="none" w="med" len="med"/>
-                    </a:lnB>
-                  </a:tcPr>
-                </a:tc>
-                <a:tc>
-                  <a:txBody>
-                    <a:bodyPr/>
-                    <a:lstStyle/>
-                    <a:p>
-                      <a:pPr algn="ctr" fontAlgn="ctr"/>
-                      <a:r>
-                        <a:rPr lang="pt-BR" sz="1100" b="1" i="0" u="none" strike="noStrike">
-                          <a:solidFill>
-                            <a:srgbClr val="000000"/>
-                          </a:solidFill>
-                          <a:effectLst/>
-                          <a:latin typeface="Arial"/>
-                        </a:rPr>
-                        <a:t>Não Evento</a:t>
-                      </a:r>
-                    </a:p>
-                  </a:txBody>
-                  <a:tcPr marL="9525" marR="9525" marT="9525" marB="0" anchor="ctr">
-                    <a:lnL w="6350" cap="flat" cmpd="sng" algn="ctr">
-                      <a:solidFill>
-                        <a:srgbClr val="000000"/>
-                      </a:solidFill>
-                      <a:prstDash val="solid"/>
-                      <a:round/>
-                      <a:headEnd type="none" w="med" len="med"/>
-                      <a:tailEnd type="none" w="med" len="med"/>
-                    </a:lnL>
-                    <a:lnR w="6350" cap="flat" cmpd="sng" algn="ctr">
-                      <a:solidFill>
-                        <a:srgbClr val="000000"/>
-                      </a:solidFill>
-                      <a:prstDash val="solid"/>
-                      <a:round/>
-                      <a:headEnd type="none" w="med" len="med"/>
-                      <a:tailEnd type="none" w="med" len="med"/>
-                    </a:lnR>
-                    <a:lnT w="6350" cap="flat" cmpd="sng" algn="ctr">
-                      <a:solidFill>
-                        <a:srgbClr val="000000"/>
-                      </a:solidFill>
-                      <a:prstDash val="solid"/>
-                      <a:round/>
-                      <a:headEnd type="none" w="med" len="med"/>
-                      <a:tailEnd type="none" w="med" len="med"/>
-                    </a:lnT>
-                    <a:lnB w="6350" cap="flat" cmpd="sng" algn="ctr">
-                      <a:solidFill>
-                        <a:srgbClr val="000000"/>
-                      </a:solidFill>
-                      <a:prstDash val="solid"/>
-                      <a:round/>
-                      <a:headEnd type="none" w="med" len="med"/>
-                      <a:tailEnd type="none" w="med" len="med"/>
-                    </a:lnB>
-                  </a:tcPr>
-                </a:tc>
-                <a:tc>
-                  <a:txBody>
-                    <a:bodyPr/>
-                    <a:lstStyle/>
-                    <a:p>
-                      <a:pPr algn="ctr" fontAlgn="ctr"/>
-                      <a:r>
-                        <a:rPr lang="pt-BR" sz="1100" b="1" i="0" u="none" strike="noStrike">
-                          <a:solidFill>
-                            <a:srgbClr val="000000"/>
-                          </a:solidFill>
-                          <a:effectLst/>
-                          <a:latin typeface="Arial"/>
-                        </a:rPr>
-                        <a:t>Extemporâneo</a:t>
-                      </a:r>
-                    </a:p>
-                  </a:txBody>
-                  <a:tcPr marL="9525" marR="9525" marT="9525" marB="0" anchor="ctr">
-                    <a:lnL w="6350" cap="flat" cmpd="sng" algn="ctr">
-                      <a:solidFill>
-                        <a:srgbClr val="000000"/>
-                      </a:solidFill>
-                      <a:prstDash val="solid"/>
-                      <a:round/>
-                      <a:headEnd type="none" w="med" len="med"/>
-                      <a:tailEnd type="none" w="med" len="med"/>
-                    </a:lnL>
-                    <a:lnR w="6350" cap="flat" cmpd="sng" algn="ctr">
-                      <a:solidFill>
-                        <a:srgbClr val="000000"/>
-                      </a:solidFill>
-                      <a:prstDash val="solid"/>
-                      <a:round/>
-                      <a:headEnd type="none" w="med" len="med"/>
-                      <a:tailEnd type="none" w="med" len="med"/>
-                    </a:lnR>
-                    <a:lnT w="6350" cap="flat" cmpd="sng" algn="ctr">
-                      <a:solidFill>
-                        <a:srgbClr val="000000"/>
-                      </a:solidFill>
-                      <a:prstDash val="solid"/>
-                      <a:round/>
-                      <a:headEnd type="none" w="med" len="med"/>
-                      <a:tailEnd type="none" w="med" len="med"/>
-                    </a:lnT>
-                    <a:lnB w="6350" cap="flat" cmpd="sng" algn="ctr">
-                      <a:solidFill>
-                        <a:srgbClr val="000000"/>
-                      </a:solidFill>
-                      <a:prstDash val="solid"/>
-                      <a:round/>
-                      <a:headEnd type="none" w="med" len="med"/>
-                      <a:tailEnd type="none" w="med" len="med"/>
-                    </a:lnB>
-                  </a:tcPr>
-                </a:tc>
-                <a:extLst>
-                  <a:ext uri="{0D108BD9-81ED-4DB2-BD59-A6C34878D82A}">
-                    <a16:rowId xmlns:a16="http://schemas.microsoft.com/office/drawing/2014/main" val="35755302"/>
-                  </a:ext>
-                </a:extLst>
-              </a:tr>
-              <a:tr h="365760">
-                <a:tc rowSpan="3">
-                  <a:txBody>
-                    <a:bodyPr/>
-                    <a:lstStyle/>
-                    <a:p>
-                      <a:pPr algn="ctr" fontAlgn="ctr"/>
-                      <a:r>
-                        <a:rPr lang="pt-BR" sz="1100" b="1" i="0" u="none" strike="noStrike">
-                          <a:solidFill>
-                            <a:srgbClr val="000000"/>
-                          </a:solidFill>
-                          <a:effectLst/>
-                          <a:latin typeface="Arial"/>
-                        </a:rPr>
-                        <a:t>Dar entrada em pedido</a:t>
-                      </a:r>
-                    </a:p>
-                  </a:txBody>
-                  <a:tcPr marL="9525" marR="9525" marT="9525" marB="0" vert="vert270" anchor="ctr">
+                  <a:tcPr marL="7815" marR="7815" marT="7815" marB="37512" vert="vert270" anchor="ctr">
                     <a:lnL w="6350" cap="flat" cmpd="sng" algn="ctr">
                       <a:solidFill>
                         <a:srgbClr val="000000"/>
@@ -5229,7 +5330,7 @@
                     <a:p>
                       <a:pPr algn="ctr" fontAlgn="ctr"/>
                       <a:r>
-                        <a:rPr lang="pt-BR" sz="1100" b="1" i="0" u="none" strike="noStrike">
+                        <a:rPr lang="pt-BR" sz="900" b="1" i="0" u="none" strike="noStrike">
                           <a:solidFill>
                             <a:srgbClr val="000000"/>
                           </a:solidFill>
@@ -5240,7 +5341,7 @@
                       </a:r>
                     </a:p>
                   </a:txBody>
-                  <a:tcPr marL="9525" marR="9525" marT="9525" marB="0" vert="vert270" anchor="ctr">
+                  <a:tcPr marL="7815" marR="7815" marT="7815" marB="37512" vert="vert270" anchor="ctr">
                     <a:lnL w="6350" cap="flat" cmpd="sng" algn="ctr">
                       <a:solidFill>
                         <a:srgbClr val="000000"/>
@@ -5284,20 +5385,20 @@
                     <a:bodyPr/>
                     <a:lstStyle/>
                     <a:p>
-                      <a:pPr algn="ctr" fontAlgn="b"/>
+                      <a:pPr algn="ctr" fontAlgn="ctr"/>
                       <a:r>
-                        <a:rPr lang="pt-BR" sz="1100" b="0" i="0" u="none" strike="noStrike">
+                        <a:rPr lang="pt-BR" sz="900" b="0" i="0" u="none" strike="noStrike">
                           <a:solidFill>
                             <a:srgbClr val="000000"/>
                           </a:solidFill>
                           <a:effectLst/>
-                          <a:latin typeface="Arial"/>
+                          <a:latin typeface="Arial" panose="020B0604020202020204" pitchFamily="34" charset="0"/>
                         </a:rPr>
                         <a:t>1</a:t>
                       </a:r>
                     </a:p>
                   </a:txBody>
-                  <a:tcPr marL="9525" marR="9525" marT="9525" marB="0" anchor="ctr">
+                  <a:tcPr marL="7815" marR="7815" marT="7815" marB="37512" anchor="ctr">
                     <a:lnL w="6350" cap="flat" cmpd="sng" algn="ctr">
                       <a:solidFill>
                         <a:srgbClr val="000000"/>
@@ -5343,18 +5444,18 @@
                     <a:p>
                       <a:pPr algn="l" fontAlgn="ctr"/>
                       <a:r>
-                        <a:rPr lang="pt-BR" sz="1100" b="0" i="0" u="none" strike="noStrike">
+                        <a:rPr lang="pt-BR" sz="900" b="0" i="0" u="none" strike="noStrike">
                           <a:solidFill>
                             <a:srgbClr val="000000"/>
                           </a:solidFill>
                           <a:effectLst/>
-                          <a:latin typeface="Arial"/>
+                          <a:latin typeface="Arial" panose="020B0604020202020204" pitchFamily="34" charset="0"/>
                         </a:rPr>
                         <a:t>Cliente solicita orçamento</a:t>
                       </a:r>
                     </a:p>
                   </a:txBody>
-                  <a:tcPr marL="9525" marR="9525" marT="9525" marB="0" anchor="ctr">
+                  <a:tcPr marL="7815" marR="7815" marT="7815" marB="37512" anchor="ctr">
                     <a:lnL w="6350" cap="flat" cmpd="sng" algn="ctr">
                       <a:solidFill>
                         <a:srgbClr val="000000"/>
@@ -5399,16 +5500,16 @@
                     <a:lstStyle/>
                     <a:p>
                       <a:pPr algn="ctr" fontAlgn="ctr"/>
-                      <a:endParaRPr lang="pt-BR" sz="1100" b="0" i="0" u="none" strike="noStrike">
+                      <a:endParaRPr lang="pt-BR" sz="900" b="0" i="0" u="none" strike="noStrike">
                         <a:solidFill>
                           <a:srgbClr val="000000"/>
                         </a:solidFill>
                         <a:effectLst/>
-                        <a:latin typeface="Arial"/>
+                        <a:latin typeface="Arial" panose="020B0604020202020204" pitchFamily="34" charset="0"/>
                       </a:endParaRPr>
                     </a:p>
                   </a:txBody>
-                  <a:tcPr marL="9525" marR="9525" marT="9525" marB="0" anchor="ctr">
+                  <a:tcPr marL="7815" marR="7815" marT="7815" marB="37512" anchor="ctr">
                     <a:lnL w="6350" cap="flat" cmpd="sng" algn="ctr">
                       <a:solidFill>
                         <a:srgbClr val="000000"/>
@@ -5457,7 +5558,7 @@
                     <a:p>
                       <a:pPr algn="ctr" fontAlgn="ctr"/>
                       <a:r>
-                        <a:rPr lang="pt-BR" sz="1100" b="0" i="0" u="none" strike="noStrike">
+                        <a:rPr lang="pt-BR" sz="900" b="0" i="0" u="none" strike="noStrike">
                           <a:solidFill>
                             <a:srgbClr val="000000"/>
                           </a:solidFill>
@@ -5468,7 +5569,7 @@
                       </a:r>
                     </a:p>
                   </a:txBody>
-                  <a:tcPr marL="9525" marR="9525" marT="9525" marB="0" anchor="ctr">
+                  <a:tcPr marL="7815" marR="7815" marT="7815" marB="37512" anchor="ctr">
                     <a:lnL w="6350" cap="flat" cmpd="sng" algn="ctr">
                       <a:solidFill>
                         <a:srgbClr val="000000"/>
@@ -5516,16 +5617,16 @@
                     <a:lstStyle/>
                     <a:p>
                       <a:pPr algn="ctr" fontAlgn="ctr"/>
-                      <a:endParaRPr lang="pt-BR" sz="1100" b="0" i="0" u="none" strike="noStrike">
+                      <a:endParaRPr lang="pt-BR" sz="900" b="0" i="0" u="none" strike="noStrike">
                         <a:solidFill>
                           <a:srgbClr val="000000"/>
                         </a:solidFill>
                         <a:effectLst/>
-                        <a:latin typeface="Arial"/>
+                        <a:latin typeface="Arial" panose="020B0604020202020204" pitchFamily="34" charset="0"/>
                       </a:endParaRPr>
                     </a:p>
                   </a:txBody>
-                  <a:tcPr marL="9525" marR="9525" marT="9525" marB="0" anchor="ctr">
+                  <a:tcPr marL="7815" marR="7815" marT="7815" marB="37512" anchor="ctr">
                     <a:lnL w="6350" cap="flat" cmpd="sng" algn="ctr">
                       <a:solidFill>
                         <a:srgbClr val="000000"/>
@@ -5573,16 +5674,16 @@
                     <a:lstStyle/>
                     <a:p>
                       <a:pPr algn="ctr" fontAlgn="ctr"/>
-                      <a:endParaRPr lang="pt-BR" sz="1100" b="0" i="0" u="none" strike="noStrike">
+                      <a:endParaRPr lang="pt-BR" sz="900" b="0" i="0" u="none" strike="noStrike">
                         <a:solidFill>
                           <a:srgbClr val="000000"/>
                         </a:solidFill>
                         <a:effectLst/>
-                        <a:latin typeface="Arial"/>
+                        <a:latin typeface="Arial" panose="020B0604020202020204" pitchFamily="34" charset="0"/>
                       </a:endParaRPr>
                     </a:p>
                   </a:txBody>
-                  <a:tcPr marL="9525" marR="9525" marT="9525" marB="0" anchor="ctr">
+                  <a:tcPr marL="7815" marR="7815" marT="7815" marB="37512" anchor="ctr">
                     <a:lnL w="6350" cap="flat" cmpd="sng" algn="ctr">
                       <a:solidFill>
                         <a:srgbClr val="000000"/>
@@ -5630,16 +5731,16 @@
                     <a:lstStyle/>
                     <a:p>
                       <a:pPr algn="ctr" fontAlgn="ctr"/>
-                      <a:endParaRPr lang="pt-BR" sz="1100" b="0" i="0" u="none" strike="noStrike">
+                      <a:endParaRPr lang="pt-BR" sz="900" b="0" i="0" u="none" strike="noStrike">
                         <a:solidFill>
                           <a:srgbClr val="000000"/>
                         </a:solidFill>
                         <a:effectLst/>
-                        <a:latin typeface="Arial"/>
+                        <a:latin typeface="Arial" panose="020B0604020202020204" pitchFamily="34" charset="0"/>
                       </a:endParaRPr>
                     </a:p>
                   </a:txBody>
-                  <a:tcPr marL="9525" marR="9525" marT="9525" marB="0" anchor="ctr">
+                  <a:tcPr marL="7815" marR="7815" marT="7815" marB="37512" anchor="ctr">
                     <a:lnL w="6350" cap="flat" cmpd="sng" algn="ctr">
                       <a:solidFill>
                         <a:srgbClr val="000000"/>
@@ -5687,16 +5788,16 @@
                     <a:lstStyle/>
                     <a:p>
                       <a:pPr algn="ctr" fontAlgn="ctr"/>
-                      <a:endParaRPr lang="pt-BR" sz="1100" b="0" i="0" u="none" strike="noStrike">
+                      <a:endParaRPr lang="pt-BR" sz="900" b="0" i="0" u="none" strike="noStrike">
                         <a:solidFill>
                           <a:srgbClr val="000000"/>
                         </a:solidFill>
                         <a:effectLst/>
-                        <a:latin typeface="Arial"/>
+                        <a:latin typeface="Arial" panose="020B0604020202020204" pitchFamily="34" charset="0"/>
                       </a:endParaRPr>
                     </a:p>
                   </a:txBody>
-                  <a:tcPr marL="9525" marR="9525" marT="9525" marB="0" anchor="ctr">
+                  <a:tcPr marL="7815" marR="7815" marT="7815" marB="37512" anchor="ctr">
                     <a:lnL w="6350" cap="flat" cmpd="sng" algn="ctr">
                       <a:solidFill>
                         <a:srgbClr val="000000"/>
@@ -5740,11 +5841,11 @@
                 </a:tc>
                 <a:extLst>
                   <a:ext uri="{0D108BD9-81ED-4DB2-BD59-A6C34878D82A}">
-                    <a16:rowId xmlns:a16="http://schemas.microsoft.com/office/drawing/2014/main" val="2728093465"/>
+                    <a16:rowId xmlns:a16="http://schemas.microsoft.com/office/drawing/2014/main" val="3542538180"/>
                   </a:ext>
                 </a:extLst>
               </a:tr>
-              <a:tr h="365760">
+              <a:tr h="360000">
                 <a:tc vMerge="1">
                   <a:txBody>
                     <a:bodyPr/>
@@ -5770,20 +5871,20 @@
                     <a:bodyPr/>
                     <a:lstStyle/>
                     <a:p>
-                      <a:pPr algn="ctr" fontAlgn="b"/>
+                      <a:pPr algn="ctr" fontAlgn="ctr"/>
                       <a:r>
-                        <a:rPr lang="pt-BR" sz="1100" b="0" i="0" u="none" strike="noStrike">
+                        <a:rPr lang="pt-BR" sz="900" b="0" i="0" u="none" strike="noStrike">
                           <a:solidFill>
                             <a:srgbClr val="000000"/>
                           </a:solidFill>
                           <a:effectLst/>
-                          <a:latin typeface="Arial"/>
+                          <a:latin typeface="Arial" panose="020B0604020202020204" pitchFamily="34" charset="0"/>
                         </a:rPr>
                         <a:t>2</a:t>
                       </a:r>
                     </a:p>
                   </a:txBody>
-                  <a:tcPr marL="9525" marR="9525" marT="9525" marB="0" anchor="ctr">
+                  <a:tcPr marL="7815" marR="7815" marT="7815" marB="37512" anchor="ctr">
                     <a:lnL w="6350" cap="flat" cmpd="sng" algn="ctr">
                       <a:solidFill>
                         <a:srgbClr val="000000"/>
@@ -5829,7 +5930,7 @@
                     <a:p>
                       <a:pPr algn="l" fontAlgn="ctr"/>
                       <a:r>
-                        <a:rPr lang="pt-BR" sz="1100" b="0" i="0" u="none" strike="noStrike">
+                        <a:rPr lang="pt-BR" sz="900" b="0" i="0" u="none" strike="noStrike">
                           <a:solidFill>
                             <a:srgbClr val="000000"/>
                           </a:solidFill>
@@ -5840,7 +5941,7 @@
                       </a:r>
                     </a:p>
                   </a:txBody>
-                  <a:tcPr marL="9525" marR="9525" marT="9525" marB="0" anchor="ctr">
+                  <a:tcPr marL="7815" marR="7815" marT="7815" marB="37512" anchor="ctr">
                     <a:lnL w="6350" cap="flat" cmpd="sng" algn="ctr">
                       <a:solidFill>
                         <a:srgbClr val="000000"/>
@@ -5885,16 +5986,16 @@
                     <a:lstStyle/>
                     <a:p>
                       <a:pPr algn="ctr" fontAlgn="ctr"/>
-                      <a:endParaRPr lang="pt-BR" sz="1100" b="0" i="0" u="none" strike="noStrike">
+                      <a:endParaRPr lang="pt-BR" sz="900" b="0" i="0" u="none" strike="noStrike">
                         <a:solidFill>
                           <a:srgbClr val="000000"/>
                         </a:solidFill>
                         <a:effectLst/>
-                        <a:latin typeface="Arial"/>
+                        <a:latin typeface="Arial" panose="020B0604020202020204" pitchFamily="34" charset="0"/>
                       </a:endParaRPr>
                     </a:p>
                   </a:txBody>
-                  <a:tcPr marL="9525" marR="9525" marT="9525" marB="0" anchor="ctr">
+                  <a:tcPr marL="7815" marR="7815" marT="7815" marB="37512" anchor="ctr">
                     <a:lnL w="6350" cap="flat" cmpd="sng" algn="ctr">
                       <a:solidFill>
                         <a:srgbClr val="000000"/>
@@ -5942,16 +6043,16 @@
                     <a:lstStyle/>
                     <a:p>
                       <a:pPr algn="ctr" fontAlgn="ctr"/>
-                      <a:endParaRPr lang="pt-BR" sz="1100" b="0" i="0" u="none" strike="noStrike">
+                      <a:endParaRPr lang="pt-BR" sz="900" b="0" i="0" u="none" strike="noStrike">
                         <a:solidFill>
                           <a:srgbClr val="000000"/>
                         </a:solidFill>
                         <a:effectLst/>
-                        <a:latin typeface="Arial"/>
+                        <a:latin typeface="Arial" panose="020B0604020202020204" pitchFamily="34" charset="0"/>
                       </a:endParaRPr>
                     </a:p>
                   </a:txBody>
-                  <a:tcPr marL="9525" marR="9525" marT="9525" marB="0" anchor="ctr">
+                  <a:tcPr marL="7815" marR="7815" marT="7815" marB="37512" anchor="ctr">
                     <a:lnL w="6350" cap="flat" cmpd="sng" algn="ctr">
                       <a:solidFill>
                         <a:srgbClr val="000000"/>
@@ -6000,7 +6101,7 @@
                     <a:p>
                       <a:pPr algn="ctr" fontAlgn="ctr"/>
                       <a:r>
-                        <a:rPr lang="pt-BR" sz="1100" b="0" i="0" u="none" strike="noStrike">
+                        <a:rPr lang="pt-BR" sz="900" b="0" i="0" u="none" strike="noStrike">
                           <a:solidFill>
                             <a:srgbClr val="000000"/>
                           </a:solidFill>
@@ -6011,7 +6112,7 @@
                       </a:r>
                     </a:p>
                   </a:txBody>
-                  <a:tcPr marL="9525" marR="9525" marT="9525" marB="0" anchor="ctr">
+                  <a:tcPr marL="7815" marR="7815" marT="7815" marB="37512" anchor="ctr">
                     <a:lnL w="6350" cap="flat" cmpd="sng" algn="ctr">
                       <a:solidFill>
                         <a:srgbClr val="000000"/>
@@ -6059,16 +6160,16 @@
                     <a:lstStyle/>
                     <a:p>
                       <a:pPr algn="ctr" fontAlgn="ctr"/>
-                      <a:endParaRPr lang="pt-BR" sz="1100" b="0" i="0" u="none" strike="noStrike">
+                      <a:endParaRPr lang="pt-BR" sz="900" b="0" i="0" u="none" strike="noStrike">
                         <a:solidFill>
                           <a:srgbClr val="000000"/>
                         </a:solidFill>
                         <a:effectLst/>
-                        <a:latin typeface="Arial"/>
+                        <a:latin typeface="Arial" panose="020B0604020202020204" pitchFamily="34" charset="0"/>
                       </a:endParaRPr>
                     </a:p>
                   </a:txBody>
-                  <a:tcPr marL="9525" marR="9525" marT="9525" marB="0" anchor="ctr">
+                  <a:tcPr marL="7815" marR="7815" marT="7815" marB="37512" anchor="ctr">
                     <a:lnL w="6350" cap="flat" cmpd="sng" algn="ctr">
                       <a:solidFill>
                         <a:srgbClr val="000000"/>
@@ -6116,16 +6217,16 @@
                     <a:lstStyle/>
                     <a:p>
                       <a:pPr algn="ctr" fontAlgn="ctr"/>
-                      <a:endParaRPr lang="pt-BR" sz="1100" b="0" i="0" u="none" strike="noStrike">
+                      <a:endParaRPr lang="pt-BR" sz="900" b="0" i="0" u="none" strike="noStrike">
                         <a:solidFill>
                           <a:srgbClr val="000000"/>
                         </a:solidFill>
                         <a:effectLst/>
-                        <a:latin typeface="Arial"/>
+                        <a:latin typeface="Arial" panose="020B0604020202020204" pitchFamily="34" charset="0"/>
                       </a:endParaRPr>
                     </a:p>
                   </a:txBody>
-                  <a:tcPr marL="9525" marR="9525" marT="9525" marB="0" anchor="ctr">
+                  <a:tcPr marL="7815" marR="7815" marT="7815" marB="37512" anchor="ctr">
                     <a:lnL w="6350" cap="flat" cmpd="sng" algn="ctr">
                       <a:solidFill>
                         <a:srgbClr val="000000"/>
@@ -6173,16 +6274,16 @@
                     <a:lstStyle/>
                     <a:p>
                       <a:pPr algn="ctr" fontAlgn="ctr"/>
-                      <a:endParaRPr lang="pt-BR" sz="1100" b="0" i="0" u="none" strike="noStrike">
+                      <a:endParaRPr lang="pt-BR" sz="900" b="0" i="0" u="none" strike="noStrike">
                         <a:solidFill>
                           <a:srgbClr val="000000"/>
                         </a:solidFill>
                         <a:effectLst/>
-                        <a:latin typeface="Arial"/>
+                        <a:latin typeface="Arial" panose="020B0604020202020204" pitchFamily="34" charset="0"/>
                       </a:endParaRPr>
                     </a:p>
                   </a:txBody>
-                  <a:tcPr marL="9525" marR="9525" marT="9525" marB="0" anchor="ctr">
+                  <a:tcPr marL="7815" marR="7815" marT="7815" marB="37512" anchor="ctr">
                     <a:lnL w="6350" cap="flat" cmpd="sng" algn="ctr">
                       <a:solidFill>
                         <a:srgbClr val="000000"/>
@@ -6226,11 +6327,11 @@
                 </a:tc>
                 <a:extLst>
                   <a:ext uri="{0D108BD9-81ED-4DB2-BD59-A6C34878D82A}">
-                    <a16:rowId xmlns:a16="http://schemas.microsoft.com/office/drawing/2014/main" val="1109752189"/>
+                    <a16:rowId xmlns:a16="http://schemas.microsoft.com/office/drawing/2014/main" val="2519962524"/>
                   </a:ext>
                 </a:extLst>
               </a:tr>
-              <a:tr h="365760">
+              <a:tr h="360000">
                 <a:tc vMerge="1">
                   <a:txBody>
                     <a:bodyPr/>
@@ -6256,20 +6357,20 @@
                     <a:bodyPr/>
                     <a:lstStyle/>
                     <a:p>
-                      <a:pPr algn="ctr" fontAlgn="b"/>
+                      <a:pPr algn="ctr" fontAlgn="ctr"/>
                       <a:r>
-                        <a:rPr lang="pt-BR" sz="1100" b="0" i="0" u="none" strike="noStrike">
+                        <a:rPr lang="pt-BR" sz="900" b="0" i="0" u="none" strike="noStrike">
                           <a:solidFill>
                             <a:srgbClr val="000000"/>
                           </a:solidFill>
                           <a:effectLst/>
-                          <a:latin typeface="Arial"/>
+                          <a:latin typeface="Arial" panose="020B0604020202020204" pitchFamily="34" charset="0"/>
                         </a:rPr>
                         <a:t>3</a:t>
                       </a:r>
                     </a:p>
                   </a:txBody>
-                  <a:tcPr marL="9525" marR="9525" marT="9525" marB="0" anchor="ctr">
+                  <a:tcPr marL="7815" marR="7815" marT="7815" marB="37512" anchor="ctr">
                     <a:lnL w="6350" cap="flat" cmpd="sng" algn="ctr">
                       <a:solidFill>
                         <a:srgbClr val="000000"/>
@@ -6315,18 +6416,18 @@
                     <a:p>
                       <a:pPr algn="l" fontAlgn="ctr"/>
                       <a:r>
-                        <a:rPr lang="pt-BR" sz="1100" b="0" i="0" u="none" strike="noStrike">
+                        <a:rPr lang="pt-BR" sz="900" b="0" i="0" u="none" strike="noStrike">
                           <a:solidFill>
                             <a:srgbClr val="000000"/>
                           </a:solidFill>
                           <a:effectLst/>
-                          <a:latin typeface="Arial"/>
+                          <a:latin typeface="Arial" panose="020B0604020202020204" pitchFamily="34" charset="0"/>
                         </a:rPr>
                         <a:t>Cliente aceita resposta ao orçamento</a:t>
                       </a:r>
                     </a:p>
                   </a:txBody>
-                  <a:tcPr marL="9525" marR="9525" marT="9525" marB="0" anchor="ctr">
+                  <a:tcPr marL="7815" marR="7815" marT="7815" marB="37512" anchor="ctr">
                     <a:lnL w="6350" cap="flat" cmpd="sng" algn="ctr">
                       <a:solidFill>
                         <a:srgbClr val="000000"/>
@@ -6372,7 +6473,7 @@
                     <a:p>
                       <a:pPr algn="ctr" fontAlgn="ctr"/>
                       <a:r>
-                        <a:rPr lang="pt-BR" sz="1100" b="0" i="0" u="none" strike="noStrike">
+                        <a:rPr lang="pt-BR" sz="900" b="0" i="0" u="none" strike="noStrike">
                           <a:solidFill>
                             <a:srgbClr val="000000"/>
                           </a:solidFill>
@@ -6383,7 +6484,7 @@
                       </a:r>
                     </a:p>
                   </a:txBody>
-                  <a:tcPr marL="9525" marR="9525" marT="9525" marB="0" anchor="ctr">
+                  <a:tcPr marL="7815" marR="7815" marT="7815" marB="37512" anchor="ctr">
                     <a:lnL w="6350" cap="flat" cmpd="sng" algn="ctr">
                       <a:solidFill>
                         <a:srgbClr val="000000"/>
@@ -6431,16 +6532,16 @@
                     <a:lstStyle/>
                     <a:p>
                       <a:pPr algn="ctr" fontAlgn="ctr"/>
-                      <a:endParaRPr lang="pt-BR" sz="1100" b="0" i="0" u="none" strike="noStrike">
+                      <a:endParaRPr lang="pt-BR" sz="900" b="0" i="0" u="none" strike="noStrike">
                         <a:solidFill>
                           <a:srgbClr val="000000"/>
                         </a:solidFill>
                         <a:effectLst/>
-                        <a:latin typeface="Arial"/>
+                        <a:latin typeface="Arial" panose="020B0604020202020204" pitchFamily="34" charset="0"/>
                       </a:endParaRPr>
                     </a:p>
                   </a:txBody>
-                  <a:tcPr marL="9525" marR="9525" marT="9525" marB="0" anchor="ctr">
+                  <a:tcPr marL="7815" marR="7815" marT="7815" marB="37512" anchor="ctr">
                     <a:lnL w="6350" cap="flat" cmpd="sng" algn="ctr">
                       <a:solidFill>
                         <a:srgbClr val="000000"/>
@@ -6488,16 +6589,16 @@
                     <a:lstStyle/>
                     <a:p>
                       <a:pPr algn="ctr" fontAlgn="ctr"/>
-                      <a:endParaRPr lang="pt-BR" sz="1100" b="0" i="0" u="none" strike="noStrike">
+                      <a:endParaRPr lang="pt-BR" sz="900" b="0" i="0" u="none" strike="noStrike">
                         <a:solidFill>
                           <a:srgbClr val="000000"/>
                         </a:solidFill>
                         <a:effectLst/>
-                        <a:latin typeface="Arial"/>
+                        <a:latin typeface="Arial" panose="020B0604020202020204" pitchFamily="34" charset="0"/>
                       </a:endParaRPr>
                     </a:p>
                   </a:txBody>
-                  <a:tcPr marL="9525" marR="9525" marT="9525" marB="0" anchor="ctr">
+                  <a:tcPr marL="7815" marR="7815" marT="7815" marB="37512" anchor="ctr">
                     <a:lnL w="6350" cap="flat" cmpd="sng" algn="ctr">
                       <a:solidFill>
                         <a:srgbClr val="000000"/>
@@ -6545,16 +6646,16 @@
                     <a:lstStyle/>
                     <a:p>
                       <a:pPr algn="ctr" fontAlgn="ctr"/>
-                      <a:endParaRPr lang="pt-BR" sz="1100" b="0" i="0" u="none" strike="noStrike">
+                      <a:endParaRPr lang="pt-BR" sz="900" b="0" i="0" u="none" strike="noStrike">
                         <a:solidFill>
                           <a:srgbClr val="000000"/>
                         </a:solidFill>
                         <a:effectLst/>
-                        <a:latin typeface="Arial"/>
+                        <a:latin typeface="Arial" panose="020B0604020202020204" pitchFamily="34" charset="0"/>
                       </a:endParaRPr>
                     </a:p>
                   </a:txBody>
-                  <a:tcPr marL="9525" marR="9525" marT="9525" marB="0" anchor="ctr">
+                  <a:tcPr marL="7815" marR="7815" marT="7815" marB="37512" anchor="ctr">
                     <a:lnL w="6350" cap="flat" cmpd="sng" algn="ctr">
                       <a:solidFill>
                         <a:srgbClr val="000000"/>
@@ -6602,16 +6703,16 @@
                     <a:lstStyle/>
                     <a:p>
                       <a:pPr algn="ctr" fontAlgn="ctr"/>
-                      <a:endParaRPr lang="pt-BR" sz="1100" b="0" i="0" u="none" strike="noStrike">
+                      <a:endParaRPr lang="pt-BR" sz="900" b="0" i="0" u="none" strike="noStrike">
                         <a:solidFill>
                           <a:srgbClr val="000000"/>
                         </a:solidFill>
                         <a:effectLst/>
-                        <a:latin typeface="Arial"/>
+                        <a:latin typeface="Arial" panose="020B0604020202020204" pitchFamily="34" charset="0"/>
                       </a:endParaRPr>
                     </a:p>
                   </a:txBody>
-                  <a:tcPr marL="9525" marR="9525" marT="9525" marB="0" anchor="ctr">
+                  <a:tcPr marL="7815" marR="7815" marT="7815" marB="37512" anchor="ctr">
                     <a:lnL w="6350" cap="flat" cmpd="sng" algn="ctr">
                       <a:solidFill>
                         <a:srgbClr val="000000"/>
@@ -6659,16 +6760,16 @@
                     <a:lstStyle/>
                     <a:p>
                       <a:pPr algn="ctr" fontAlgn="ctr"/>
-                      <a:endParaRPr lang="pt-BR" sz="1100" b="0" i="0" u="none" strike="noStrike">
+                      <a:endParaRPr lang="pt-BR" sz="900" b="0" i="0" u="none" strike="noStrike">
                         <a:solidFill>
                           <a:srgbClr val="000000"/>
                         </a:solidFill>
                         <a:effectLst/>
-                        <a:latin typeface="Arial"/>
+                        <a:latin typeface="Arial" panose="020B0604020202020204" pitchFamily="34" charset="0"/>
                       </a:endParaRPr>
                     </a:p>
                   </a:txBody>
-                  <a:tcPr marL="9525" marR="9525" marT="9525" marB="0" anchor="ctr">
+                  <a:tcPr marL="7815" marR="7815" marT="7815" marB="37512" anchor="ctr">
                     <a:lnL w="6350" cap="flat" cmpd="sng" algn="ctr">
                       <a:solidFill>
                         <a:srgbClr val="000000"/>
@@ -6712,19 +6813,2060 @@
                 </a:tc>
                 <a:extLst>
                   <a:ext uri="{0D108BD9-81ED-4DB2-BD59-A6C34878D82A}">
-                    <a16:rowId xmlns:a16="http://schemas.microsoft.com/office/drawing/2014/main" val="1080411680"/>
+                    <a16:rowId xmlns:a16="http://schemas.microsoft.com/office/drawing/2014/main" val="177520818"/>
                   </a:ext>
                 </a:extLst>
               </a:tr>
-              <a:tr h="365760">
-                <a:tc rowSpan="5">
+              <a:tr h="360000">
+                <a:tc rowSpan="4">
+                  <a:txBody>
+                    <a:bodyPr/>
+                    <a:lstStyle/>
+                    <a:p>
+                      <a:pPr algn="ctr" rtl="0" fontAlgn="ctr"/>
+                      <a:r>
+                        <a:rPr lang="pt-BR" sz="900" b="1" i="0" u="none" strike="noStrike">
+                          <a:solidFill>
+                            <a:srgbClr val="000000"/>
+                          </a:solidFill>
+                          <a:effectLst/>
+                          <a:latin typeface="Arial" panose="020B0604020202020204" pitchFamily="34" charset="0"/>
+                        </a:rPr>
+                        <a:t>Criar o pedido</a:t>
+                      </a:r>
+                    </a:p>
+                  </a:txBody>
+                  <a:tcPr marL="7815" marR="7815" marT="7815" marB="37512" vert="vert270" anchor="ctr">
+                    <a:lnL w="6350" cap="flat" cmpd="sng" algn="ctr">
+                      <a:solidFill>
+                        <a:srgbClr val="000000"/>
+                      </a:solidFill>
+                      <a:prstDash val="solid"/>
+                      <a:round/>
+                      <a:headEnd type="none" w="med" len="med"/>
+                      <a:tailEnd type="none" w="med" len="med"/>
+                    </a:lnL>
+                    <a:lnR w="6350" cap="flat" cmpd="sng" algn="ctr">
+                      <a:solidFill>
+                        <a:srgbClr val="000000"/>
+                      </a:solidFill>
+                      <a:prstDash val="solid"/>
+                      <a:round/>
+                      <a:headEnd type="none" w="med" len="med"/>
+                      <a:tailEnd type="none" w="med" len="med"/>
+                    </a:lnR>
+                    <a:lnT w="6350" cap="flat" cmpd="sng" algn="ctr">
+                      <a:solidFill>
+                        <a:srgbClr val="000000"/>
+                      </a:solidFill>
+                      <a:prstDash val="solid"/>
+                      <a:round/>
+                      <a:headEnd type="none" w="med" len="med"/>
+                      <a:tailEnd type="none" w="med" len="med"/>
+                    </a:lnT>
+                    <a:lnB w="6350" cap="flat" cmpd="sng" algn="ctr">
+                      <a:solidFill>
+                        <a:srgbClr val="000000"/>
+                      </a:solidFill>
+                      <a:prstDash val="solid"/>
+                      <a:round/>
+                      <a:headEnd type="none" w="med" len="med"/>
+                      <a:tailEnd type="none" w="med" len="med"/>
+                    </a:lnB>
+                    <a:solidFill>
+                      <a:srgbClr val="F4B084"/>
+                    </a:solidFill>
+                  </a:tcPr>
+                </a:tc>
+                <a:tc rowSpan="4">
                   <a:txBody>
                     <a:bodyPr/>
                     <a:lstStyle/>
                     <a:p>
                       <a:pPr algn="ctr" fontAlgn="ctr"/>
                       <a:r>
-                        <a:rPr lang="pt-BR" sz="1100" b="1" i="0" u="none" strike="noStrike">
+                        <a:rPr lang="pt-BR" sz="900" b="1" i="0" u="none" strike="noStrike">
+                          <a:solidFill>
+                            <a:srgbClr val="000000"/>
+                          </a:solidFill>
+                          <a:effectLst/>
+                          <a:latin typeface="Arial"/>
+                        </a:rPr>
+                        <a:t>FB</a:t>
+                      </a:r>
+                    </a:p>
+                  </a:txBody>
+                  <a:tcPr marL="7815" marR="7815" marT="7815" marB="37512" vert="vert270" anchor="ctr">
+                    <a:lnL w="6350" cap="flat" cmpd="sng" algn="ctr">
+                      <a:solidFill>
+                        <a:srgbClr val="000000"/>
+                      </a:solidFill>
+                      <a:prstDash val="solid"/>
+                      <a:round/>
+                      <a:headEnd type="none" w="med" len="med"/>
+                      <a:tailEnd type="none" w="med" len="med"/>
+                    </a:lnL>
+                    <a:lnR w="6350" cap="flat" cmpd="sng" algn="ctr">
+                      <a:solidFill>
+                        <a:srgbClr val="000000"/>
+                      </a:solidFill>
+                      <a:prstDash val="solid"/>
+                      <a:round/>
+                      <a:headEnd type="none" w="med" len="med"/>
+                      <a:tailEnd type="none" w="med" len="med"/>
+                    </a:lnR>
+                    <a:lnT w="6350" cap="flat" cmpd="sng" algn="ctr">
+                      <a:solidFill>
+                        <a:srgbClr val="000000"/>
+                      </a:solidFill>
+                      <a:prstDash val="solid"/>
+                      <a:round/>
+                      <a:headEnd type="none" w="med" len="med"/>
+                      <a:tailEnd type="none" w="med" len="med"/>
+                    </a:lnT>
+                    <a:lnB w="6350" cap="flat" cmpd="sng" algn="ctr">
+                      <a:solidFill>
+                        <a:srgbClr val="000000"/>
+                      </a:solidFill>
+                      <a:prstDash val="solid"/>
+                      <a:round/>
+                      <a:headEnd type="none" w="med" len="med"/>
+                      <a:tailEnd type="none" w="med" len="med"/>
+                    </a:lnB>
+                  </a:tcPr>
+                </a:tc>
+                <a:tc>
+                  <a:txBody>
+                    <a:bodyPr/>
+                    <a:lstStyle/>
+                    <a:p>
+                      <a:pPr algn="ctr" fontAlgn="ctr"/>
+                      <a:r>
+                        <a:rPr lang="pt-BR" sz="900" b="0" i="0" u="none" strike="noStrike">
+                          <a:solidFill>
+                            <a:srgbClr val="000000"/>
+                          </a:solidFill>
+                          <a:effectLst/>
+                          <a:latin typeface="Arial"/>
+                        </a:rPr>
+                        <a:t>4</a:t>
+                      </a:r>
+                    </a:p>
+                  </a:txBody>
+                  <a:tcPr marL="7815" marR="7815" marT="7815" marB="37512" anchor="ctr">
+                    <a:lnL w="6350" cap="flat" cmpd="sng" algn="ctr">
+                      <a:solidFill>
+                        <a:srgbClr val="000000"/>
+                      </a:solidFill>
+                      <a:prstDash val="solid"/>
+                      <a:round/>
+                      <a:headEnd type="none" w="med" len="med"/>
+                      <a:tailEnd type="none" w="med" len="med"/>
+                    </a:lnL>
+                    <a:lnR w="6350" cap="flat" cmpd="sng" algn="ctr">
+                      <a:solidFill>
+                        <a:srgbClr val="000000"/>
+                      </a:solidFill>
+                      <a:prstDash val="solid"/>
+                      <a:round/>
+                      <a:headEnd type="none" w="med" len="med"/>
+                      <a:tailEnd type="none" w="med" len="med"/>
+                    </a:lnR>
+                    <a:lnT w="6350" cap="flat" cmpd="sng" algn="ctr">
+                      <a:solidFill>
+                        <a:srgbClr val="000000"/>
+                      </a:solidFill>
+                      <a:prstDash val="solid"/>
+                      <a:round/>
+                      <a:headEnd type="none" w="med" len="med"/>
+                      <a:tailEnd type="none" w="med" len="med"/>
+                    </a:lnT>
+                    <a:lnB w="6350" cap="flat" cmpd="sng" algn="ctr">
+                      <a:solidFill>
+                        <a:srgbClr val="000000"/>
+                      </a:solidFill>
+                      <a:prstDash val="solid"/>
+                      <a:round/>
+                      <a:headEnd type="none" w="med" len="med"/>
+                      <a:tailEnd type="none" w="med" len="med"/>
+                    </a:lnB>
+                  </a:tcPr>
+                </a:tc>
+                <a:tc>
+                  <a:txBody>
+                    <a:bodyPr/>
+                    <a:lstStyle/>
+                    <a:p>
+                      <a:pPr algn="l" fontAlgn="ctr"/>
+                      <a:r>
+                        <a:rPr lang="pt-BR" sz="900" b="0" i="0" u="none" strike="noStrike">
+                          <a:solidFill>
+                            <a:srgbClr val="000000"/>
+                          </a:solidFill>
+                          <a:effectLst/>
+                          <a:latin typeface="Arial" panose="020B0604020202020204" pitchFamily="34" charset="0"/>
+                        </a:rPr>
+                        <a:t>Cliente entrega comprovante de pagamento</a:t>
+                      </a:r>
+                    </a:p>
+                  </a:txBody>
+                  <a:tcPr marL="7815" marR="7815" marT="7815" marB="37512" anchor="ctr">
+                    <a:lnL w="6350" cap="flat" cmpd="sng" algn="ctr">
+                      <a:solidFill>
+                        <a:srgbClr val="000000"/>
+                      </a:solidFill>
+                      <a:prstDash val="solid"/>
+                      <a:round/>
+                      <a:headEnd type="none" w="med" len="med"/>
+                      <a:tailEnd type="none" w="med" len="med"/>
+                    </a:lnL>
+                    <a:lnR w="6350" cap="flat" cmpd="sng" algn="ctr">
+                      <a:solidFill>
+                        <a:srgbClr val="000000"/>
+                      </a:solidFill>
+                      <a:prstDash val="solid"/>
+                      <a:round/>
+                      <a:headEnd type="none" w="med" len="med"/>
+                      <a:tailEnd type="none" w="med" len="med"/>
+                    </a:lnR>
+                    <a:lnT w="6350" cap="flat" cmpd="sng" algn="ctr">
+                      <a:solidFill>
+                        <a:srgbClr val="000000"/>
+                      </a:solidFill>
+                      <a:prstDash val="solid"/>
+                      <a:round/>
+                      <a:headEnd type="none" w="med" len="med"/>
+                      <a:tailEnd type="none" w="med" len="med"/>
+                    </a:lnT>
+                    <a:lnB w="6350" cap="flat" cmpd="sng" algn="ctr">
+                      <a:solidFill>
+                        <a:srgbClr val="000000"/>
+                      </a:solidFill>
+                      <a:prstDash val="solid"/>
+                      <a:round/>
+                      <a:headEnd type="none" w="med" len="med"/>
+                      <a:tailEnd type="none" w="med" len="med"/>
+                    </a:lnB>
+                  </a:tcPr>
+                </a:tc>
+                <a:tc>
+                  <a:txBody>
+                    <a:bodyPr/>
+                    <a:lstStyle/>
+                    <a:p>
+                      <a:pPr algn="ctr" fontAlgn="ctr"/>
+                      <a:r>
+                        <a:rPr lang="pt-BR" sz="900" b="0" i="0" u="none" strike="noStrike">
+                          <a:solidFill>
+                            <a:srgbClr val="000000"/>
+                          </a:solidFill>
+                          <a:effectLst/>
+                          <a:latin typeface="Arial" panose="020B0604020202020204" pitchFamily="34" charset="0"/>
+                        </a:rPr>
+                        <a:t>x(3)</a:t>
+                      </a:r>
+                    </a:p>
+                  </a:txBody>
+                  <a:tcPr marL="7815" marR="7815" marT="7815" marB="37512" anchor="ctr">
+                    <a:lnL w="6350" cap="flat" cmpd="sng" algn="ctr">
+                      <a:solidFill>
+                        <a:srgbClr val="000000"/>
+                      </a:solidFill>
+                      <a:prstDash val="solid"/>
+                      <a:round/>
+                      <a:headEnd type="none" w="med" len="med"/>
+                      <a:tailEnd type="none" w="med" len="med"/>
+                    </a:lnL>
+                    <a:lnR w="6350" cap="flat" cmpd="sng" algn="ctr">
+                      <a:solidFill>
+                        <a:srgbClr val="000000"/>
+                      </a:solidFill>
+                      <a:prstDash val="solid"/>
+                      <a:round/>
+                      <a:headEnd type="none" w="med" len="med"/>
+                      <a:tailEnd type="none" w="med" len="med"/>
+                    </a:lnR>
+                    <a:lnT w="6350" cap="flat" cmpd="sng" algn="ctr">
+                      <a:solidFill>
+                        <a:srgbClr val="000000"/>
+                      </a:solidFill>
+                      <a:prstDash val="solid"/>
+                      <a:round/>
+                      <a:headEnd type="none" w="med" len="med"/>
+                      <a:tailEnd type="none" w="med" len="med"/>
+                    </a:lnT>
+                    <a:lnB w="6350" cap="flat" cmpd="sng" algn="ctr">
+                      <a:solidFill>
+                        <a:srgbClr val="000000"/>
+                      </a:solidFill>
+                      <a:prstDash val="solid"/>
+                      <a:round/>
+                      <a:headEnd type="none" w="med" len="med"/>
+                      <a:tailEnd type="none" w="med" len="med"/>
+                    </a:lnB>
+                    <a:solidFill>
+                      <a:srgbClr val="FCE4D6"/>
+                    </a:solidFill>
+                  </a:tcPr>
+                </a:tc>
+                <a:tc>
+                  <a:txBody>
+                    <a:bodyPr/>
+                    <a:lstStyle/>
+                    <a:p>
+                      <a:pPr algn="ctr" fontAlgn="ctr"/>
+                      <a:endParaRPr lang="pt-BR" sz="900" b="0" i="0" u="none" strike="noStrike">
+                        <a:solidFill>
+                          <a:srgbClr val="000000"/>
+                        </a:solidFill>
+                        <a:effectLst/>
+                        <a:latin typeface="Arial" panose="020B0604020202020204" pitchFamily="34" charset="0"/>
+                      </a:endParaRPr>
+                    </a:p>
+                  </a:txBody>
+                  <a:tcPr marL="7815" marR="7815" marT="7815" marB="37512" anchor="ctr">
+                    <a:lnL w="6350" cap="flat" cmpd="sng" algn="ctr">
+                      <a:solidFill>
+                        <a:srgbClr val="000000"/>
+                      </a:solidFill>
+                      <a:prstDash val="solid"/>
+                      <a:round/>
+                      <a:headEnd type="none" w="med" len="med"/>
+                      <a:tailEnd type="none" w="med" len="med"/>
+                    </a:lnL>
+                    <a:lnR w="6350" cap="flat" cmpd="sng" algn="ctr">
+                      <a:solidFill>
+                        <a:srgbClr val="000000"/>
+                      </a:solidFill>
+                      <a:prstDash val="solid"/>
+                      <a:round/>
+                      <a:headEnd type="none" w="med" len="med"/>
+                      <a:tailEnd type="none" w="med" len="med"/>
+                    </a:lnR>
+                    <a:lnT w="6350" cap="flat" cmpd="sng" algn="ctr">
+                      <a:solidFill>
+                        <a:srgbClr val="000000"/>
+                      </a:solidFill>
+                      <a:prstDash val="solid"/>
+                      <a:round/>
+                      <a:headEnd type="none" w="med" len="med"/>
+                      <a:tailEnd type="none" w="med" len="med"/>
+                    </a:lnT>
+                    <a:lnB w="6350" cap="flat" cmpd="sng" algn="ctr">
+                      <a:solidFill>
+                        <a:srgbClr val="000000"/>
+                      </a:solidFill>
+                      <a:prstDash val="solid"/>
+                      <a:round/>
+                      <a:headEnd type="none" w="med" len="med"/>
+                      <a:tailEnd type="none" w="med" len="med"/>
+                    </a:lnB>
+                    <a:solidFill>
+                      <a:srgbClr val="FCE4D6"/>
+                    </a:solidFill>
+                  </a:tcPr>
+                </a:tc>
+                <a:tc>
+                  <a:txBody>
+                    <a:bodyPr/>
+                    <a:lstStyle/>
+                    <a:p>
+                      <a:pPr algn="ctr" fontAlgn="ctr"/>
+                      <a:endParaRPr lang="pt-BR" sz="900" b="0" i="0" u="none" strike="noStrike">
+                        <a:solidFill>
+                          <a:srgbClr val="000000"/>
+                        </a:solidFill>
+                        <a:effectLst/>
+                        <a:latin typeface="Arial" panose="020B0604020202020204" pitchFamily="34" charset="0"/>
+                      </a:endParaRPr>
+                    </a:p>
+                  </a:txBody>
+                  <a:tcPr marL="7815" marR="7815" marT="7815" marB="37512" anchor="ctr">
+                    <a:lnL w="6350" cap="flat" cmpd="sng" algn="ctr">
+                      <a:solidFill>
+                        <a:srgbClr val="000000"/>
+                      </a:solidFill>
+                      <a:prstDash val="solid"/>
+                      <a:round/>
+                      <a:headEnd type="none" w="med" len="med"/>
+                      <a:tailEnd type="none" w="med" len="med"/>
+                    </a:lnL>
+                    <a:lnR w="6350" cap="flat" cmpd="sng" algn="ctr">
+                      <a:solidFill>
+                        <a:srgbClr val="000000"/>
+                      </a:solidFill>
+                      <a:prstDash val="solid"/>
+                      <a:round/>
+                      <a:headEnd type="none" w="med" len="med"/>
+                      <a:tailEnd type="none" w="med" len="med"/>
+                    </a:lnR>
+                    <a:lnT w="6350" cap="flat" cmpd="sng" algn="ctr">
+                      <a:solidFill>
+                        <a:srgbClr val="000000"/>
+                      </a:solidFill>
+                      <a:prstDash val="solid"/>
+                      <a:round/>
+                      <a:headEnd type="none" w="med" len="med"/>
+                      <a:tailEnd type="none" w="med" len="med"/>
+                    </a:lnT>
+                    <a:lnB w="6350" cap="flat" cmpd="sng" algn="ctr">
+                      <a:solidFill>
+                        <a:srgbClr val="000000"/>
+                      </a:solidFill>
+                      <a:prstDash val="solid"/>
+                      <a:round/>
+                      <a:headEnd type="none" w="med" len="med"/>
+                      <a:tailEnd type="none" w="med" len="med"/>
+                    </a:lnB>
+                    <a:solidFill>
+                      <a:srgbClr val="E2EFDA"/>
+                    </a:solidFill>
+                  </a:tcPr>
+                </a:tc>
+                <a:tc>
+                  <a:txBody>
+                    <a:bodyPr/>
+                    <a:lstStyle/>
+                    <a:p>
+                      <a:pPr algn="ctr" fontAlgn="ctr"/>
+                      <a:endParaRPr lang="pt-BR" sz="900" b="0" i="0" u="none" strike="noStrike">
+                        <a:solidFill>
+                          <a:srgbClr val="000000"/>
+                        </a:solidFill>
+                        <a:effectLst/>
+                        <a:latin typeface="Arial" panose="020B0604020202020204" pitchFamily="34" charset="0"/>
+                      </a:endParaRPr>
+                    </a:p>
+                  </a:txBody>
+                  <a:tcPr marL="7815" marR="7815" marT="7815" marB="37512" anchor="ctr">
+                    <a:lnL w="6350" cap="flat" cmpd="sng" algn="ctr">
+                      <a:solidFill>
+                        <a:srgbClr val="000000"/>
+                      </a:solidFill>
+                      <a:prstDash val="solid"/>
+                      <a:round/>
+                      <a:headEnd type="none" w="med" len="med"/>
+                      <a:tailEnd type="none" w="med" len="med"/>
+                    </a:lnL>
+                    <a:lnR w="6350" cap="flat" cmpd="sng" algn="ctr">
+                      <a:solidFill>
+                        <a:srgbClr val="000000"/>
+                      </a:solidFill>
+                      <a:prstDash val="solid"/>
+                      <a:round/>
+                      <a:headEnd type="none" w="med" len="med"/>
+                      <a:tailEnd type="none" w="med" len="med"/>
+                    </a:lnR>
+                    <a:lnT w="6350" cap="flat" cmpd="sng" algn="ctr">
+                      <a:solidFill>
+                        <a:srgbClr val="000000"/>
+                      </a:solidFill>
+                      <a:prstDash val="solid"/>
+                      <a:round/>
+                      <a:headEnd type="none" w="med" len="med"/>
+                      <a:tailEnd type="none" w="med" len="med"/>
+                    </a:lnT>
+                    <a:lnB w="6350" cap="flat" cmpd="sng" algn="ctr">
+                      <a:solidFill>
+                        <a:srgbClr val="000000"/>
+                      </a:solidFill>
+                      <a:prstDash val="solid"/>
+                      <a:round/>
+                      <a:headEnd type="none" w="med" len="med"/>
+                      <a:tailEnd type="none" w="med" len="med"/>
+                    </a:lnB>
+                    <a:solidFill>
+                      <a:srgbClr val="E2EFDA"/>
+                    </a:solidFill>
+                  </a:tcPr>
+                </a:tc>
+                <a:tc>
+                  <a:txBody>
+                    <a:bodyPr/>
+                    <a:lstStyle/>
+                    <a:p>
+                      <a:pPr algn="ctr" fontAlgn="ctr"/>
+                      <a:endParaRPr lang="pt-BR" sz="900" b="0" i="0" u="none" strike="noStrike">
+                        <a:solidFill>
+                          <a:srgbClr val="000000"/>
+                        </a:solidFill>
+                        <a:effectLst/>
+                        <a:latin typeface="Arial" panose="020B0604020202020204" pitchFamily="34" charset="0"/>
+                      </a:endParaRPr>
+                    </a:p>
+                  </a:txBody>
+                  <a:tcPr marL="7815" marR="7815" marT="7815" marB="37512" anchor="ctr">
+                    <a:lnL w="6350" cap="flat" cmpd="sng" algn="ctr">
+                      <a:solidFill>
+                        <a:srgbClr val="000000"/>
+                      </a:solidFill>
+                      <a:prstDash val="solid"/>
+                      <a:round/>
+                      <a:headEnd type="none" w="med" len="med"/>
+                      <a:tailEnd type="none" w="med" len="med"/>
+                    </a:lnL>
+                    <a:lnR w="6350" cap="flat" cmpd="sng" algn="ctr">
+                      <a:solidFill>
+                        <a:srgbClr val="000000"/>
+                      </a:solidFill>
+                      <a:prstDash val="solid"/>
+                      <a:round/>
+                      <a:headEnd type="none" w="med" len="med"/>
+                      <a:tailEnd type="none" w="med" len="med"/>
+                    </a:lnR>
+                    <a:lnT w="6350" cap="flat" cmpd="sng" algn="ctr">
+                      <a:solidFill>
+                        <a:srgbClr val="000000"/>
+                      </a:solidFill>
+                      <a:prstDash val="solid"/>
+                      <a:round/>
+                      <a:headEnd type="none" w="med" len="med"/>
+                      <a:tailEnd type="none" w="med" len="med"/>
+                    </a:lnT>
+                    <a:lnB w="6350" cap="flat" cmpd="sng" algn="ctr">
+                      <a:solidFill>
+                        <a:srgbClr val="000000"/>
+                      </a:solidFill>
+                      <a:prstDash val="solid"/>
+                      <a:round/>
+                      <a:headEnd type="none" w="med" len="med"/>
+                      <a:tailEnd type="none" w="med" len="med"/>
+                    </a:lnB>
+                    <a:solidFill>
+                      <a:srgbClr val="E2EFDA"/>
+                    </a:solidFill>
+                  </a:tcPr>
+                </a:tc>
+                <a:tc>
+                  <a:txBody>
+                    <a:bodyPr/>
+                    <a:lstStyle/>
+                    <a:p>
+                      <a:pPr algn="ctr" fontAlgn="ctr"/>
+                      <a:endParaRPr lang="pt-BR" sz="900" b="0" i="0" u="none" strike="noStrike">
+                        <a:solidFill>
+                          <a:srgbClr val="000000"/>
+                        </a:solidFill>
+                        <a:effectLst/>
+                        <a:latin typeface="Arial" panose="020B0604020202020204" pitchFamily="34" charset="0"/>
+                      </a:endParaRPr>
+                    </a:p>
+                  </a:txBody>
+                  <a:tcPr marL="7815" marR="7815" marT="7815" marB="37512" anchor="ctr">
+                    <a:lnL w="6350" cap="flat" cmpd="sng" algn="ctr">
+                      <a:solidFill>
+                        <a:srgbClr val="000000"/>
+                      </a:solidFill>
+                      <a:prstDash val="solid"/>
+                      <a:round/>
+                      <a:headEnd type="none" w="med" len="med"/>
+                      <a:tailEnd type="none" w="med" len="med"/>
+                    </a:lnL>
+                    <a:lnR w="6350" cap="flat" cmpd="sng" algn="ctr">
+                      <a:solidFill>
+                        <a:srgbClr val="000000"/>
+                      </a:solidFill>
+                      <a:prstDash val="solid"/>
+                      <a:round/>
+                      <a:headEnd type="none" w="med" len="med"/>
+                      <a:tailEnd type="none" w="med" len="med"/>
+                    </a:lnR>
+                    <a:lnT w="6350" cap="flat" cmpd="sng" algn="ctr">
+                      <a:solidFill>
+                        <a:srgbClr val="000000"/>
+                      </a:solidFill>
+                      <a:prstDash val="solid"/>
+                      <a:round/>
+                      <a:headEnd type="none" w="med" len="med"/>
+                      <a:tailEnd type="none" w="med" len="med"/>
+                    </a:lnT>
+                    <a:lnB w="6350" cap="flat" cmpd="sng" algn="ctr">
+                      <a:solidFill>
+                        <a:srgbClr val="000000"/>
+                      </a:solidFill>
+                      <a:prstDash val="solid"/>
+                      <a:round/>
+                      <a:headEnd type="none" w="med" len="med"/>
+                      <a:tailEnd type="none" w="med" len="med"/>
+                    </a:lnB>
+                    <a:solidFill>
+                      <a:srgbClr val="D0CECE"/>
+                    </a:solidFill>
+                  </a:tcPr>
+                </a:tc>
+                <a:extLst>
+                  <a:ext uri="{0D108BD9-81ED-4DB2-BD59-A6C34878D82A}">
+                    <a16:rowId xmlns:a16="http://schemas.microsoft.com/office/drawing/2014/main" val="4068068361"/>
+                  </a:ext>
+                </a:extLst>
+              </a:tr>
+              <a:tr h="360000">
+                <a:tc vMerge="1">
+                  <a:txBody>
+                    <a:bodyPr/>
+                    <a:lstStyle/>
+                    <a:p>
+                      <a:endParaRPr lang="pt-BR"/>
+                    </a:p>
+                  </a:txBody>
+                  <a:tcPr/>
+                </a:tc>
+                <a:tc vMerge="1">
+                  <a:txBody>
+                    <a:bodyPr/>
+                    <a:lstStyle/>
+                    <a:p>
+                      <a:endParaRPr lang="pt-BR"/>
+                    </a:p>
+                  </a:txBody>
+                  <a:tcPr/>
+                </a:tc>
+                <a:tc>
+                  <a:txBody>
+                    <a:bodyPr/>
+                    <a:lstStyle/>
+                    <a:p>
+                      <a:pPr algn="ctr" fontAlgn="ctr"/>
+                      <a:r>
+                        <a:rPr lang="pt-BR" sz="900" b="0" i="0" u="none" strike="noStrike">
+                          <a:solidFill>
+                            <a:srgbClr val="000000"/>
+                          </a:solidFill>
+                          <a:effectLst/>
+                          <a:latin typeface="Arial"/>
+                        </a:rPr>
+                        <a:t>5</a:t>
+                      </a:r>
+                    </a:p>
+                  </a:txBody>
+                  <a:tcPr marL="7815" marR="7815" marT="7815" marB="37512" anchor="ctr">
+                    <a:lnL w="6350" cap="flat" cmpd="sng" algn="ctr">
+                      <a:solidFill>
+                        <a:srgbClr val="000000"/>
+                      </a:solidFill>
+                      <a:prstDash val="solid"/>
+                      <a:round/>
+                      <a:headEnd type="none" w="med" len="med"/>
+                      <a:tailEnd type="none" w="med" len="med"/>
+                    </a:lnL>
+                    <a:lnR w="6350" cap="flat" cmpd="sng" algn="ctr">
+                      <a:solidFill>
+                        <a:srgbClr val="000000"/>
+                      </a:solidFill>
+                      <a:prstDash val="solid"/>
+                      <a:round/>
+                      <a:headEnd type="none" w="med" len="med"/>
+                      <a:tailEnd type="none" w="med" len="med"/>
+                    </a:lnR>
+                    <a:lnT w="6350" cap="flat" cmpd="sng" algn="ctr">
+                      <a:solidFill>
+                        <a:srgbClr val="000000"/>
+                      </a:solidFill>
+                      <a:prstDash val="solid"/>
+                      <a:round/>
+                      <a:headEnd type="none" w="med" len="med"/>
+                      <a:tailEnd type="none" w="med" len="med"/>
+                    </a:lnT>
+                    <a:lnB w="6350" cap="flat" cmpd="sng" algn="ctr">
+                      <a:solidFill>
+                        <a:srgbClr val="000000"/>
+                      </a:solidFill>
+                      <a:prstDash val="solid"/>
+                      <a:round/>
+                      <a:headEnd type="none" w="med" len="med"/>
+                      <a:tailEnd type="none" w="med" len="med"/>
+                    </a:lnB>
+                  </a:tcPr>
+                </a:tc>
+                <a:tc>
+                  <a:txBody>
+                    <a:bodyPr/>
+                    <a:lstStyle/>
+                    <a:p>
+                      <a:pPr algn="l" fontAlgn="ctr"/>
+                      <a:r>
+                        <a:rPr lang="pt-BR" sz="900" b="0" i="0" u="none" strike="noStrike">
+                          <a:solidFill>
+                            <a:srgbClr val="000000"/>
+                          </a:solidFill>
+                          <a:effectLst/>
+                          <a:latin typeface="Arial"/>
+                        </a:rPr>
+                        <a:t>Banco confirma pagamento</a:t>
+                      </a:r>
+                    </a:p>
+                  </a:txBody>
+                  <a:tcPr marL="7815" marR="7815" marT="7815" marB="37512" anchor="ctr">
+                    <a:lnL w="6350" cap="flat" cmpd="sng" algn="ctr">
+                      <a:solidFill>
+                        <a:srgbClr val="000000"/>
+                      </a:solidFill>
+                      <a:prstDash val="solid"/>
+                      <a:round/>
+                      <a:headEnd type="none" w="med" len="med"/>
+                      <a:tailEnd type="none" w="med" len="med"/>
+                    </a:lnL>
+                    <a:lnR w="6350" cap="flat" cmpd="sng" algn="ctr">
+                      <a:solidFill>
+                        <a:srgbClr val="000000"/>
+                      </a:solidFill>
+                      <a:prstDash val="solid"/>
+                      <a:round/>
+                      <a:headEnd type="none" w="med" len="med"/>
+                      <a:tailEnd type="none" w="med" len="med"/>
+                    </a:lnR>
+                    <a:lnT w="6350" cap="flat" cmpd="sng" algn="ctr">
+                      <a:solidFill>
+                        <a:srgbClr val="000000"/>
+                      </a:solidFill>
+                      <a:prstDash val="solid"/>
+                      <a:round/>
+                      <a:headEnd type="none" w="med" len="med"/>
+                      <a:tailEnd type="none" w="med" len="med"/>
+                    </a:lnT>
+                    <a:lnB w="6350" cap="flat" cmpd="sng" algn="ctr">
+                      <a:solidFill>
+                        <a:srgbClr val="000000"/>
+                      </a:solidFill>
+                      <a:prstDash val="solid"/>
+                      <a:round/>
+                      <a:headEnd type="none" w="med" len="med"/>
+                      <a:tailEnd type="none" w="med" len="med"/>
+                    </a:lnB>
+                  </a:tcPr>
+                </a:tc>
+                <a:tc>
+                  <a:txBody>
+                    <a:bodyPr/>
+                    <a:lstStyle/>
+                    <a:p>
+                      <a:pPr algn="ctr" fontAlgn="ctr"/>
+                      <a:r>
+                        <a:rPr lang="pt-BR" sz="900" b="0" i="0" u="none" strike="noStrike">
+                          <a:solidFill>
+                            <a:srgbClr val="000000"/>
+                          </a:solidFill>
+                          <a:effectLst/>
+                          <a:latin typeface="Arial"/>
+                        </a:rPr>
+                        <a:t>x(4)</a:t>
+                      </a:r>
+                    </a:p>
+                  </a:txBody>
+                  <a:tcPr marL="7815" marR="7815" marT="7815" marB="37512" anchor="ctr">
+                    <a:lnL w="6350" cap="flat" cmpd="sng" algn="ctr">
+                      <a:solidFill>
+                        <a:srgbClr val="000000"/>
+                      </a:solidFill>
+                      <a:prstDash val="solid"/>
+                      <a:round/>
+                      <a:headEnd type="none" w="med" len="med"/>
+                      <a:tailEnd type="none" w="med" len="med"/>
+                    </a:lnL>
+                    <a:lnR w="6350" cap="flat" cmpd="sng" algn="ctr">
+                      <a:solidFill>
+                        <a:srgbClr val="000000"/>
+                      </a:solidFill>
+                      <a:prstDash val="solid"/>
+                      <a:round/>
+                      <a:headEnd type="none" w="med" len="med"/>
+                      <a:tailEnd type="none" w="med" len="med"/>
+                    </a:lnR>
+                    <a:lnT w="6350" cap="flat" cmpd="sng" algn="ctr">
+                      <a:solidFill>
+                        <a:srgbClr val="000000"/>
+                      </a:solidFill>
+                      <a:prstDash val="solid"/>
+                      <a:round/>
+                      <a:headEnd type="none" w="med" len="med"/>
+                      <a:tailEnd type="none" w="med" len="med"/>
+                    </a:lnT>
+                    <a:lnB w="6350" cap="flat" cmpd="sng" algn="ctr">
+                      <a:solidFill>
+                        <a:srgbClr val="000000"/>
+                      </a:solidFill>
+                      <a:prstDash val="solid"/>
+                      <a:round/>
+                      <a:headEnd type="none" w="med" len="med"/>
+                      <a:tailEnd type="none" w="med" len="med"/>
+                    </a:lnB>
+                    <a:solidFill>
+                      <a:srgbClr val="FCE4D6"/>
+                    </a:solidFill>
+                  </a:tcPr>
+                </a:tc>
+                <a:tc>
+                  <a:txBody>
+                    <a:bodyPr/>
+                    <a:lstStyle/>
+                    <a:p>
+                      <a:pPr algn="ctr" fontAlgn="ctr"/>
+                      <a:endParaRPr lang="pt-BR" sz="900" b="0" i="0" u="none" strike="noStrike">
+                        <a:solidFill>
+                          <a:srgbClr val="000000"/>
+                        </a:solidFill>
+                        <a:effectLst/>
+                        <a:latin typeface="Arial" panose="020B0604020202020204" pitchFamily="34" charset="0"/>
+                      </a:endParaRPr>
+                    </a:p>
+                  </a:txBody>
+                  <a:tcPr marL="7815" marR="7815" marT="7815" marB="37512" anchor="ctr">
+                    <a:lnL w="6350" cap="flat" cmpd="sng" algn="ctr">
+                      <a:solidFill>
+                        <a:srgbClr val="000000"/>
+                      </a:solidFill>
+                      <a:prstDash val="solid"/>
+                      <a:round/>
+                      <a:headEnd type="none" w="med" len="med"/>
+                      <a:tailEnd type="none" w="med" len="med"/>
+                    </a:lnL>
+                    <a:lnR w="6350" cap="flat" cmpd="sng" algn="ctr">
+                      <a:solidFill>
+                        <a:srgbClr val="000000"/>
+                      </a:solidFill>
+                      <a:prstDash val="solid"/>
+                      <a:round/>
+                      <a:headEnd type="none" w="med" len="med"/>
+                      <a:tailEnd type="none" w="med" len="med"/>
+                    </a:lnR>
+                    <a:lnT w="6350" cap="flat" cmpd="sng" algn="ctr">
+                      <a:solidFill>
+                        <a:srgbClr val="000000"/>
+                      </a:solidFill>
+                      <a:prstDash val="solid"/>
+                      <a:round/>
+                      <a:headEnd type="none" w="med" len="med"/>
+                      <a:tailEnd type="none" w="med" len="med"/>
+                    </a:lnT>
+                    <a:lnB w="6350" cap="flat" cmpd="sng" algn="ctr">
+                      <a:solidFill>
+                        <a:srgbClr val="000000"/>
+                      </a:solidFill>
+                      <a:prstDash val="solid"/>
+                      <a:round/>
+                      <a:headEnd type="none" w="med" len="med"/>
+                      <a:tailEnd type="none" w="med" len="med"/>
+                    </a:lnB>
+                    <a:solidFill>
+                      <a:srgbClr val="FCE4D6"/>
+                    </a:solidFill>
+                  </a:tcPr>
+                </a:tc>
+                <a:tc>
+                  <a:txBody>
+                    <a:bodyPr/>
+                    <a:lstStyle/>
+                    <a:p>
+                      <a:pPr algn="ctr" fontAlgn="ctr"/>
+                      <a:endParaRPr lang="pt-BR" sz="900" b="0" i="0" u="none" strike="noStrike">
+                        <a:solidFill>
+                          <a:srgbClr val="000000"/>
+                        </a:solidFill>
+                        <a:effectLst/>
+                        <a:latin typeface="Arial" panose="020B0604020202020204" pitchFamily="34" charset="0"/>
+                      </a:endParaRPr>
+                    </a:p>
+                  </a:txBody>
+                  <a:tcPr marL="7815" marR="7815" marT="7815" marB="37512" anchor="ctr">
+                    <a:lnL w="6350" cap="flat" cmpd="sng" algn="ctr">
+                      <a:solidFill>
+                        <a:srgbClr val="000000"/>
+                      </a:solidFill>
+                      <a:prstDash val="solid"/>
+                      <a:round/>
+                      <a:headEnd type="none" w="med" len="med"/>
+                      <a:tailEnd type="none" w="med" len="med"/>
+                    </a:lnL>
+                    <a:lnR w="6350" cap="flat" cmpd="sng" algn="ctr">
+                      <a:solidFill>
+                        <a:srgbClr val="000000"/>
+                      </a:solidFill>
+                      <a:prstDash val="solid"/>
+                      <a:round/>
+                      <a:headEnd type="none" w="med" len="med"/>
+                      <a:tailEnd type="none" w="med" len="med"/>
+                    </a:lnR>
+                    <a:lnT w="6350" cap="flat" cmpd="sng" algn="ctr">
+                      <a:solidFill>
+                        <a:srgbClr val="000000"/>
+                      </a:solidFill>
+                      <a:prstDash val="solid"/>
+                      <a:round/>
+                      <a:headEnd type="none" w="med" len="med"/>
+                      <a:tailEnd type="none" w="med" len="med"/>
+                    </a:lnT>
+                    <a:lnB w="6350" cap="flat" cmpd="sng" algn="ctr">
+                      <a:solidFill>
+                        <a:srgbClr val="000000"/>
+                      </a:solidFill>
+                      <a:prstDash val="solid"/>
+                      <a:round/>
+                      <a:headEnd type="none" w="med" len="med"/>
+                      <a:tailEnd type="none" w="med" len="med"/>
+                    </a:lnB>
+                    <a:solidFill>
+                      <a:srgbClr val="E2EFDA"/>
+                    </a:solidFill>
+                  </a:tcPr>
+                </a:tc>
+                <a:tc>
+                  <a:txBody>
+                    <a:bodyPr/>
+                    <a:lstStyle/>
+                    <a:p>
+                      <a:pPr algn="ctr" fontAlgn="ctr"/>
+                      <a:endParaRPr lang="pt-BR" sz="900" b="0" i="0" u="none" strike="noStrike">
+                        <a:solidFill>
+                          <a:srgbClr val="000000"/>
+                        </a:solidFill>
+                        <a:effectLst/>
+                        <a:latin typeface="Arial" panose="020B0604020202020204" pitchFamily="34" charset="0"/>
+                      </a:endParaRPr>
+                    </a:p>
+                  </a:txBody>
+                  <a:tcPr marL="7815" marR="7815" marT="7815" marB="37512" anchor="ctr">
+                    <a:lnL w="6350" cap="flat" cmpd="sng" algn="ctr">
+                      <a:solidFill>
+                        <a:srgbClr val="000000"/>
+                      </a:solidFill>
+                      <a:prstDash val="solid"/>
+                      <a:round/>
+                      <a:headEnd type="none" w="med" len="med"/>
+                      <a:tailEnd type="none" w="med" len="med"/>
+                    </a:lnL>
+                    <a:lnR w="6350" cap="flat" cmpd="sng" algn="ctr">
+                      <a:solidFill>
+                        <a:srgbClr val="000000"/>
+                      </a:solidFill>
+                      <a:prstDash val="solid"/>
+                      <a:round/>
+                      <a:headEnd type="none" w="med" len="med"/>
+                      <a:tailEnd type="none" w="med" len="med"/>
+                    </a:lnR>
+                    <a:lnT w="6350" cap="flat" cmpd="sng" algn="ctr">
+                      <a:solidFill>
+                        <a:srgbClr val="000000"/>
+                      </a:solidFill>
+                      <a:prstDash val="solid"/>
+                      <a:round/>
+                      <a:headEnd type="none" w="med" len="med"/>
+                      <a:tailEnd type="none" w="med" len="med"/>
+                    </a:lnT>
+                    <a:lnB w="6350" cap="flat" cmpd="sng" algn="ctr">
+                      <a:solidFill>
+                        <a:srgbClr val="000000"/>
+                      </a:solidFill>
+                      <a:prstDash val="solid"/>
+                      <a:round/>
+                      <a:headEnd type="none" w="med" len="med"/>
+                      <a:tailEnd type="none" w="med" len="med"/>
+                    </a:lnB>
+                    <a:solidFill>
+                      <a:srgbClr val="E2EFDA"/>
+                    </a:solidFill>
+                  </a:tcPr>
+                </a:tc>
+                <a:tc>
+                  <a:txBody>
+                    <a:bodyPr/>
+                    <a:lstStyle/>
+                    <a:p>
+                      <a:pPr algn="ctr" fontAlgn="ctr"/>
+                      <a:endParaRPr lang="pt-BR" sz="900" b="0" i="0" u="none" strike="noStrike">
+                        <a:solidFill>
+                          <a:srgbClr val="000000"/>
+                        </a:solidFill>
+                        <a:effectLst/>
+                        <a:latin typeface="Arial" panose="020B0604020202020204" pitchFamily="34" charset="0"/>
+                      </a:endParaRPr>
+                    </a:p>
+                  </a:txBody>
+                  <a:tcPr marL="7815" marR="7815" marT="7815" marB="37512" anchor="ctr">
+                    <a:lnL w="6350" cap="flat" cmpd="sng" algn="ctr">
+                      <a:solidFill>
+                        <a:srgbClr val="000000"/>
+                      </a:solidFill>
+                      <a:prstDash val="solid"/>
+                      <a:round/>
+                      <a:headEnd type="none" w="med" len="med"/>
+                      <a:tailEnd type="none" w="med" len="med"/>
+                    </a:lnL>
+                    <a:lnR w="6350" cap="flat" cmpd="sng" algn="ctr">
+                      <a:solidFill>
+                        <a:srgbClr val="000000"/>
+                      </a:solidFill>
+                      <a:prstDash val="solid"/>
+                      <a:round/>
+                      <a:headEnd type="none" w="med" len="med"/>
+                      <a:tailEnd type="none" w="med" len="med"/>
+                    </a:lnR>
+                    <a:lnT w="6350" cap="flat" cmpd="sng" algn="ctr">
+                      <a:solidFill>
+                        <a:srgbClr val="000000"/>
+                      </a:solidFill>
+                      <a:prstDash val="solid"/>
+                      <a:round/>
+                      <a:headEnd type="none" w="med" len="med"/>
+                      <a:tailEnd type="none" w="med" len="med"/>
+                    </a:lnT>
+                    <a:lnB w="6350" cap="flat" cmpd="sng" algn="ctr">
+                      <a:solidFill>
+                        <a:srgbClr val="000000"/>
+                      </a:solidFill>
+                      <a:prstDash val="solid"/>
+                      <a:round/>
+                      <a:headEnd type="none" w="med" len="med"/>
+                      <a:tailEnd type="none" w="med" len="med"/>
+                    </a:lnB>
+                    <a:solidFill>
+                      <a:srgbClr val="E2EFDA"/>
+                    </a:solidFill>
+                  </a:tcPr>
+                </a:tc>
+                <a:tc>
+                  <a:txBody>
+                    <a:bodyPr/>
+                    <a:lstStyle/>
+                    <a:p>
+                      <a:pPr algn="ctr" fontAlgn="ctr"/>
+                      <a:endParaRPr lang="pt-BR" sz="900" b="0" i="0" u="none" strike="noStrike">
+                        <a:solidFill>
+                          <a:srgbClr val="000000"/>
+                        </a:solidFill>
+                        <a:effectLst/>
+                        <a:latin typeface="Arial" panose="020B0604020202020204" pitchFamily="34" charset="0"/>
+                      </a:endParaRPr>
+                    </a:p>
+                  </a:txBody>
+                  <a:tcPr marL="7815" marR="7815" marT="7815" marB="37512" anchor="ctr">
+                    <a:lnL w="6350" cap="flat" cmpd="sng" algn="ctr">
+                      <a:solidFill>
+                        <a:srgbClr val="000000"/>
+                      </a:solidFill>
+                      <a:prstDash val="solid"/>
+                      <a:round/>
+                      <a:headEnd type="none" w="med" len="med"/>
+                      <a:tailEnd type="none" w="med" len="med"/>
+                    </a:lnL>
+                    <a:lnR w="6350" cap="flat" cmpd="sng" algn="ctr">
+                      <a:solidFill>
+                        <a:srgbClr val="000000"/>
+                      </a:solidFill>
+                      <a:prstDash val="solid"/>
+                      <a:round/>
+                      <a:headEnd type="none" w="med" len="med"/>
+                      <a:tailEnd type="none" w="med" len="med"/>
+                    </a:lnR>
+                    <a:lnT w="6350" cap="flat" cmpd="sng" algn="ctr">
+                      <a:solidFill>
+                        <a:srgbClr val="000000"/>
+                      </a:solidFill>
+                      <a:prstDash val="solid"/>
+                      <a:round/>
+                      <a:headEnd type="none" w="med" len="med"/>
+                      <a:tailEnd type="none" w="med" len="med"/>
+                    </a:lnT>
+                    <a:lnB w="6350" cap="flat" cmpd="sng" algn="ctr">
+                      <a:solidFill>
+                        <a:srgbClr val="000000"/>
+                      </a:solidFill>
+                      <a:prstDash val="solid"/>
+                      <a:round/>
+                      <a:headEnd type="none" w="med" len="med"/>
+                      <a:tailEnd type="none" w="med" len="med"/>
+                    </a:lnB>
+                    <a:solidFill>
+                      <a:srgbClr val="D0CECE"/>
+                    </a:solidFill>
+                  </a:tcPr>
+                </a:tc>
+                <a:extLst>
+                  <a:ext uri="{0D108BD9-81ED-4DB2-BD59-A6C34878D82A}">
+                    <a16:rowId xmlns:a16="http://schemas.microsoft.com/office/drawing/2014/main" val="18311547"/>
+                  </a:ext>
+                </a:extLst>
+              </a:tr>
+              <a:tr h="360000">
+                <a:tc vMerge="1">
+                  <a:txBody>
+                    <a:bodyPr/>
+                    <a:lstStyle/>
+                    <a:p>
+                      <a:endParaRPr lang="pt-BR"/>
+                    </a:p>
+                  </a:txBody>
+                  <a:tcPr/>
+                </a:tc>
+                <a:tc vMerge="1">
+                  <a:txBody>
+                    <a:bodyPr/>
+                    <a:lstStyle/>
+                    <a:p>
+                      <a:endParaRPr lang="pt-BR"/>
+                    </a:p>
+                  </a:txBody>
+                  <a:tcPr/>
+                </a:tc>
+                <a:tc>
+                  <a:txBody>
+                    <a:bodyPr/>
+                    <a:lstStyle/>
+                    <a:p>
+                      <a:pPr algn="ctr" fontAlgn="ctr"/>
+                      <a:r>
+                        <a:rPr lang="pt-BR" sz="900" b="0" i="0" u="none" strike="noStrike">
+                          <a:solidFill>
+                            <a:srgbClr val="000000"/>
+                          </a:solidFill>
+                          <a:effectLst/>
+                          <a:latin typeface="Arial"/>
+                        </a:rPr>
+                        <a:t>6</a:t>
+                      </a:r>
+                    </a:p>
+                  </a:txBody>
+                  <a:tcPr marL="7815" marR="7815" marT="7815" marB="37512" anchor="ctr">
+                    <a:lnL w="6350" cap="flat" cmpd="sng" algn="ctr">
+                      <a:solidFill>
+                        <a:srgbClr val="000000"/>
+                      </a:solidFill>
+                      <a:prstDash val="solid"/>
+                      <a:round/>
+                      <a:headEnd type="none" w="med" len="med"/>
+                      <a:tailEnd type="none" w="med" len="med"/>
+                    </a:lnL>
+                    <a:lnR w="6350" cap="flat" cmpd="sng" algn="ctr">
+                      <a:solidFill>
+                        <a:srgbClr val="000000"/>
+                      </a:solidFill>
+                      <a:prstDash val="solid"/>
+                      <a:round/>
+                      <a:headEnd type="none" w="med" len="med"/>
+                      <a:tailEnd type="none" w="med" len="med"/>
+                    </a:lnR>
+                    <a:lnT w="6350" cap="flat" cmpd="sng" algn="ctr">
+                      <a:solidFill>
+                        <a:srgbClr val="000000"/>
+                      </a:solidFill>
+                      <a:prstDash val="solid"/>
+                      <a:round/>
+                      <a:headEnd type="none" w="med" len="med"/>
+                      <a:tailEnd type="none" w="med" len="med"/>
+                    </a:lnT>
+                    <a:lnB w="6350" cap="flat" cmpd="sng" algn="ctr">
+                      <a:solidFill>
+                        <a:srgbClr val="000000"/>
+                      </a:solidFill>
+                      <a:prstDash val="solid"/>
+                      <a:round/>
+                      <a:headEnd type="none" w="med" len="med"/>
+                      <a:tailEnd type="none" w="med" len="med"/>
+                    </a:lnB>
+                  </a:tcPr>
+                </a:tc>
+                <a:tc>
+                  <a:txBody>
+                    <a:bodyPr/>
+                    <a:lstStyle/>
+                    <a:p>
+                      <a:pPr algn="l" fontAlgn="ctr"/>
+                      <a:r>
+                        <a:rPr lang="pt-BR" sz="900" b="0" i="0" u="none" strike="noStrike">
+                          <a:solidFill>
+                            <a:srgbClr val="000000"/>
+                          </a:solidFill>
+                          <a:effectLst/>
+                          <a:latin typeface="Arial"/>
+                        </a:rPr>
+                        <a:t>Confecção cria o pedido e solicita matéria prima</a:t>
+                      </a:r>
+                    </a:p>
+                  </a:txBody>
+                  <a:tcPr marL="7815" marR="7815" marT="7815" marB="37512" anchor="ctr">
+                    <a:lnL w="6350" cap="flat" cmpd="sng" algn="ctr">
+                      <a:solidFill>
+                        <a:srgbClr val="000000"/>
+                      </a:solidFill>
+                      <a:prstDash val="solid"/>
+                      <a:round/>
+                      <a:headEnd type="none" w="med" len="med"/>
+                      <a:tailEnd type="none" w="med" len="med"/>
+                    </a:lnL>
+                    <a:lnR w="6350" cap="flat" cmpd="sng" algn="ctr">
+                      <a:solidFill>
+                        <a:srgbClr val="000000"/>
+                      </a:solidFill>
+                      <a:prstDash val="solid"/>
+                      <a:round/>
+                      <a:headEnd type="none" w="med" len="med"/>
+                      <a:tailEnd type="none" w="med" len="med"/>
+                    </a:lnR>
+                    <a:lnT w="6350" cap="flat" cmpd="sng" algn="ctr">
+                      <a:solidFill>
+                        <a:srgbClr val="000000"/>
+                      </a:solidFill>
+                      <a:prstDash val="solid"/>
+                      <a:round/>
+                      <a:headEnd type="none" w="med" len="med"/>
+                      <a:tailEnd type="none" w="med" len="med"/>
+                    </a:lnT>
+                    <a:lnB w="6350" cap="flat" cmpd="sng" algn="ctr">
+                      <a:solidFill>
+                        <a:srgbClr val="000000"/>
+                      </a:solidFill>
+                      <a:prstDash val="solid"/>
+                      <a:round/>
+                      <a:headEnd type="none" w="med" len="med"/>
+                      <a:tailEnd type="none" w="med" len="med"/>
+                    </a:lnB>
+                  </a:tcPr>
+                </a:tc>
+                <a:tc>
+                  <a:txBody>
+                    <a:bodyPr/>
+                    <a:lstStyle/>
+                    <a:p>
+                      <a:pPr algn="ctr" fontAlgn="ctr"/>
+                      <a:endParaRPr lang="pt-BR" sz="900" b="0" i="0" u="none" strike="noStrike">
+                        <a:solidFill>
+                          <a:srgbClr val="000000"/>
+                        </a:solidFill>
+                        <a:effectLst/>
+                        <a:latin typeface="Arial" panose="020B0604020202020204" pitchFamily="34" charset="0"/>
+                      </a:endParaRPr>
+                    </a:p>
+                  </a:txBody>
+                  <a:tcPr marL="7815" marR="7815" marT="7815" marB="37512" anchor="ctr">
+                    <a:lnL w="6350" cap="flat" cmpd="sng" algn="ctr">
+                      <a:solidFill>
+                        <a:srgbClr val="000000"/>
+                      </a:solidFill>
+                      <a:prstDash val="solid"/>
+                      <a:round/>
+                      <a:headEnd type="none" w="med" len="med"/>
+                      <a:tailEnd type="none" w="med" len="med"/>
+                    </a:lnL>
+                    <a:lnR w="6350" cap="flat" cmpd="sng" algn="ctr">
+                      <a:solidFill>
+                        <a:srgbClr val="000000"/>
+                      </a:solidFill>
+                      <a:prstDash val="solid"/>
+                      <a:round/>
+                      <a:headEnd type="none" w="med" len="med"/>
+                      <a:tailEnd type="none" w="med" len="med"/>
+                    </a:lnR>
+                    <a:lnT w="6350" cap="flat" cmpd="sng" algn="ctr">
+                      <a:solidFill>
+                        <a:srgbClr val="000000"/>
+                      </a:solidFill>
+                      <a:prstDash val="solid"/>
+                      <a:round/>
+                      <a:headEnd type="none" w="med" len="med"/>
+                      <a:tailEnd type="none" w="med" len="med"/>
+                    </a:lnT>
+                    <a:lnB w="6350" cap="flat" cmpd="sng" algn="ctr">
+                      <a:solidFill>
+                        <a:srgbClr val="000000"/>
+                      </a:solidFill>
+                      <a:prstDash val="solid"/>
+                      <a:round/>
+                      <a:headEnd type="none" w="med" len="med"/>
+                      <a:tailEnd type="none" w="med" len="med"/>
+                    </a:lnB>
+                    <a:solidFill>
+                      <a:srgbClr val="FCE4D6"/>
+                    </a:solidFill>
+                  </a:tcPr>
+                </a:tc>
+                <a:tc>
+                  <a:txBody>
+                    <a:bodyPr/>
+                    <a:lstStyle/>
+                    <a:p>
+                      <a:pPr algn="ctr" fontAlgn="ctr"/>
+                      <a:endParaRPr lang="pt-BR" sz="900" b="0" i="0" u="none" strike="noStrike">
+                        <a:solidFill>
+                          <a:srgbClr val="000000"/>
+                        </a:solidFill>
+                        <a:effectLst/>
+                        <a:latin typeface="Arial" panose="020B0604020202020204" pitchFamily="34" charset="0"/>
+                      </a:endParaRPr>
+                    </a:p>
+                  </a:txBody>
+                  <a:tcPr marL="7815" marR="7815" marT="7815" marB="37512" anchor="ctr">
+                    <a:lnL w="6350" cap="flat" cmpd="sng" algn="ctr">
+                      <a:solidFill>
+                        <a:srgbClr val="000000"/>
+                      </a:solidFill>
+                      <a:prstDash val="solid"/>
+                      <a:round/>
+                      <a:headEnd type="none" w="med" len="med"/>
+                      <a:tailEnd type="none" w="med" len="med"/>
+                    </a:lnL>
+                    <a:lnR w="6350" cap="flat" cmpd="sng" algn="ctr">
+                      <a:solidFill>
+                        <a:srgbClr val="000000"/>
+                      </a:solidFill>
+                      <a:prstDash val="solid"/>
+                      <a:round/>
+                      <a:headEnd type="none" w="med" len="med"/>
+                      <a:tailEnd type="none" w="med" len="med"/>
+                    </a:lnR>
+                    <a:lnT w="6350" cap="flat" cmpd="sng" algn="ctr">
+                      <a:solidFill>
+                        <a:srgbClr val="000000"/>
+                      </a:solidFill>
+                      <a:prstDash val="solid"/>
+                      <a:round/>
+                      <a:headEnd type="none" w="med" len="med"/>
+                      <a:tailEnd type="none" w="med" len="med"/>
+                    </a:lnT>
+                    <a:lnB w="6350" cap="flat" cmpd="sng" algn="ctr">
+                      <a:solidFill>
+                        <a:srgbClr val="000000"/>
+                      </a:solidFill>
+                      <a:prstDash val="solid"/>
+                      <a:round/>
+                      <a:headEnd type="none" w="med" len="med"/>
+                      <a:tailEnd type="none" w="med" len="med"/>
+                    </a:lnB>
+                    <a:solidFill>
+                      <a:srgbClr val="FCE4D6"/>
+                    </a:solidFill>
+                  </a:tcPr>
+                </a:tc>
+                <a:tc>
+                  <a:txBody>
+                    <a:bodyPr/>
+                    <a:lstStyle/>
+                    <a:p>
+                      <a:pPr algn="ctr" fontAlgn="ctr"/>
+                      <a:r>
+                        <a:rPr lang="pt-BR" sz="900" b="0" i="0" u="none" strike="noStrike">
+                          <a:solidFill>
+                            <a:srgbClr val="000000"/>
+                          </a:solidFill>
+                          <a:effectLst/>
+                          <a:latin typeface="Arial"/>
+                        </a:rPr>
+                        <a:t>x(5)</a:t>
+                      </a:r>
+                    </a:p>
+                  </a:txBody>
+                  <a:tcPr marL="7815" marR="7815" marT="7815" marB="37512" anchor="ctr">
+                    <a:lnL w="6350" cap="flat" cmpd="sng" algn="ctr">
+                      <a:solidFill>
+                        <a:srgbClr val="000000"/>
+                      </a:solidFill>
+                      <a:prstDash val="solid"/>
+                      <a:round/>
+                      <a:headEnd type="none" w="med" len="med"/>
+                      <a:tailEnd type="none" w="med" len="med"/>
+                    </a:lnL>
+                    <a:lnR w="6350" cap="flat" cmpd="sng" algn="ctr">
+                      <a:solidFill>
+                        <a:srgbClr val="000000"/>
+                      </a:solidFill>
+                      <a:prstDash val="solid"/>
+                      <a:round/>
+                      <a:headEnd type="none" w="med" len="med"/>
+                      <a:tailEnd type="none" w="med" len="med"/>
+                    </a:lnR>
+                    <a:lnT w="6350" cap="flat" cmpd="sng" algn="ctr">
+                      <a:solidFill>
+                        <a:srgbClr val="000000"/>
+                      </a:solidFill>
+                      <a:prstDash val="solid"/>
+                      <a:round/>
+                      <a:headEnd type="none" w="med" len="med"/>
+                      <a:tailEnd type="none" w="med" len="med"/>
+                    </a:lnT>
+                    <a:lnB w="6350" cap="flat" cmpd="sng" algn="ctr">
+                      <a:solidFill>
+                        <a:srgbClr val="000000"/>
+                      </a:solidFill>
+                      <a:prstDash val="solid"/>
+                      <a:round/>
+                      <a:headEnd type="none" w="med" len="med"/>
+                      <a:tailEnd type="none" w="med" len="med"/>
+                    </a:lnB>
+                    <a:solidFill>
+                      <a:srgbClr val="E2EFDA"/>
+                    </a:solidFill>
+                  </a:tcPr>
+                </a:tc>
+                <a:tc>
+                  <a:txBody>
+                    <a:bodyPr/>
+                    <a:lstStyle/>
+                    <a:p>
+                      <a:pPr algn="ctr" fontAlgn="ctr"/>
+                      <a:endParaRPr lang="pt-BR" sz="900" b="0" i="0" u="none" strike="noStrike">
+                        <a:solidFill>
+                          <a:srgbClr val="000000"/>
+                        </a:solidFill>
+                        <a:effectLst/>
+                        <a:latin typeface="Arial" panose="020B0604020202020204" pitchFamily="34" charset="0"/>
+                      </a:endParaRPr>
+                    </a:p>
+                  </a:txBody>
+                  <a:tcPr marL="7815" marR="7815" marT="7815" marB="37512" anchor="ctr">
+                    <a:lnL w="6350" cap="flat" cmpd="sng" algn="ctr">
+                      <a:solidFill>
+                        <a:srgbClr val="000000"/>
+                      </a:solidFill>
+                      <a:prstDash val="solid"/>
+                      <a:round/>
+                      <a:headEnd type="none" w="med" len="med"/>
+                      <a:tailEnd type="none" w="med" len="med"/>
+                    </a:lnL>
+                    <a:lnR w="6350" cap="flat" cmpd="sng" algn="ctr">
+                      <a:solidFill>
+                        <a:srgbClr val="000000"/>
+                      </a:solidFill>
+                      <a:prstDash val="solid"/>
+                      <a:round/>
+                      <a:headEnd type="none" w="med" len="med"/>
+                      <a:tailEnd type="none" w="med" len="med"/>
+                    </a:lnR>
+                    <a:lnT w="6350" cap="flat" cmpd="sng" algn="ctr">
+                      <a:solidFill>
+                        <a:srgbClr val="000000"/>
+                      </a:solidFill>
+                      <a:prstDash val="solid"/>
+                      <a:round/>
+                      <a:headEnd type="none" w="med" len="med"/>
+                      <a:tailEnd type="none" w="med" len="med"/>
+                    </a:lnT>
+                    <a:lnB w="6350" cap="flat" cmpd="sng" algn="ctr">
+                      <a:solidFill>
+                        <a:srgbClr val="000000"/>
+                      </a:solidFill>
+                      <a:prstDash val="solid"/>
+                      <a:round/>
+                      <a:headEnd type="none" w="med" len="med"/>
+                      <a:tailEnd type="none" w="med" len="med"/>
+                    </a:lnB>
+                    <a:solidFill>
+                      <a:srgbClr val="E2EFDA"/>
+                    </a:solidFill>
+                  </a:tcPr>
+                </a:tc>
+                <a:tc>
+                  <a:txBody>
+                    <a:bodyPr/>
+                    <a:lstStyle/>
+                    <a:p>
+                      <a:pPr algn="ctr" fontAlgn="ctr"/>
+                      <a:endParaRPr lang="pt-BR" sz="900" b="0" i="0" u="none" strike="noStrike">
+                        <a:solidFill>
+                          <a:srgbClr val="000000"/>
+                        </a:solidFill>
+                        <a:effectLst/>
+                        <a:latin typeface="Arial" panose="020B0604020202020204" pitchFamily="34" charset="0"/>
+                      </a:endParaRPr>
+                    </a:p>
+                  </a:txBody>
+                  <a:tcPr marL="7815" marR="7815" marT="7815" marB="37512" anchor="ctr">
+                    <a:lnL w="6350" cap="flat" cmpd="sng" algn="ctr">
+                      <a:solidFill>
+                        <a:srgbClr val="000000"/>
+                      </a:solidFill>
+                      <a:prstDash val="solid"/>
+                      <a:round/>
+                      <a:headEnd type="none" w="med" len="med"/>
+                      <a:tailEnd type="none" w="med" len="med"/>
+                    </a:lnL>
+                    <a:lnR w="6350" cap="flat" cmpd="sng" algn="ctr">
+                      <a:solidFill>
+                        <a:srgbClr val="000000"/>
+                      </a:solidFill>
+                      <a:prstDash val="solid"/>
+                      <a:round/>
+                      <a:headEnd type="none" w="med" len="med"/>
+                      <a:tailEnd type="none" w="med" len="med"/>
+                    </a:lnR>
+                    <a:lnT w="6350" cap="flat" cmpd="sng" algn="ctr">
+                      <a:solidFill>
+                        <a:srgbClr val="000000"/>
+                      </a:solidFill>
+                      <a:prstDash val="solid"/>
+                      <a:round/>
+                      <a:headEnd type="none" w="med" len="med"/>
+                      <a:tailEnd type="none" w="med" len="med"/>
+                    </a:lnT>
+                    <a:lnB w="6350" cap="flat" cmpd="sng" algn="ctr">
+                      <a:solidFill>
+                        <a:srgbClr val="000000"/>
+                      </a:solidFill>
+                      <a:prstDash val="solid"/>
+                      <a:round/>
+                      <a:headEnd type="none" w="med" len="med"/>
+                      <a:tailEnd type="none" w="med" len="med"/>
+                    </a:lnB>
+                    <a:solidFill>
+                      <a:srgbClr val="E2EFDA"/>
+                    </a:solidFill>
+                  </a:tcPr>
+                </a:tc>
+                <a:tc>
+                  <a:txBody>
+                    <a:bodyPr/>
+                    <a:lstStyle/>
+                    <a:p>
+                      <a:pPr algn="ctr" fontAlgn="ctr"/>
+                      <a:endParaRPr lang="pt-BR" sz="900" b="0" i="0" u="none" strike="noStrike">
+                        <a:solidFill>
+                          <a:srgbClr val="000000"/>
+                        </a:solidFill>
+                        <a:effectLst/>
+                        <a:latin typeface="Arial" panose="020B0604020202020204" pitchFamily="34" charset="0"/>
+                      </a:endParaRPr>
+                    </a:p>
+                  </a:txBody>
+                  <a:tcPr marL="7815" marR="7815" marT="7815" marB="37512" anchor="ctr">
+                    <a:lnL w="6350" cap="flat" cmpd="sng" algn="ctr">
+                      <a:solidFill>
+                        <a:srgbClr val="000000"/>
+                      </a:solidFill>
+                      <a:prstDash val="solid"/>
+                      <a:round/>
+                      <a:headEnd type="none" w="med" len="med"/>
+                      <a:tailEnd type="none" w="med" len="med"/>
+                    </a:lnL>
+                    <a:lnR w="6350" cap="flat" cmpd="sng" algn="ctr">
+                      <a:solidFill>
+                        <a:srgbClr val="000000"/>
+                      </a:solidFill>
+                      <a:prstDash val="solid"/>
+                      <a:round/>
+                      <a:headEnd type="none" w="med" len="med"/>
+                      <a:tailEnd type="none" w="med" len="med"/>
+                    </a:lnR>
+                    <a:lnT w="6350" cap="flat" cmpd="sng" algn="ctr">
+                      <a:solidFill>
+                        <a:srgbClr val="000000"/>
+                      </a:solidFill>
+                      <a:prstDash val="solid"/>
+                      <a:round/>
+                      <a:headEnd type="none" w="med" len="med"/>
+                      <a:tailEnd type="none" w="med" len="med"/>
+                    </a:lnT>
+                    <a:lnB w="6350" cap="flat" cmpd="sng" algn="ctr">
+                      <a:solidFill>
+                        <a:srgbClr val="000000"/>
+                      </a:solidFill>
+                      <a:prstDash val="solid"/>
+                      <a:round/>
+                      <a:headEnd type="none" w="med" len="med"/>
+                      <a:tailEnd type="none" w="med" len="med"/>
+                    </a:lnB>
+                    <a:solidFill>
+                      <a:srgbClr val="D0CECE"/>
+                    </a:solidFill>
+                  </a:tcPr>
+                </a:tc>
+                <a:extLst>
+                  <a:ext uri="{0D108BD9-81ED-4DB2-BD59-A6C34878D82A}">
+                    <a16:rowId xmlns:a16="http://schemas.microsoft.com/office/drawing/2014/main" val="891520876"/>
+                  </a:ext>
+                </a:extLst>
+              </a:tr>
+              <a:tr h="360000">
+                <a:tc vMerge="1">
+                  <a:txBody>
+                    <a:bodyPr/>
+                    <a:lstStyle/>
+                    <a:p>
+                      <a:endParaRPr lang="pt-BR"/>
+                    </a:p>
+                  </a:txBody>
+                  <a:tcPr/>
+                </a:tc>
+                <a:tc vMerge="1">
+                  <a:txBody>
+                    <a:bodyPr/>
+                    <a:lstStyle/>
+                    <a:p>
+                      <a:endParaRPr lang="pt-BR"/>
+                    </a:p>
+                  </a:txBody>
+                  <a:tcPr/>
+                </a:tc>
+                <a:tc>
+                  <a:txBody>
+                    <a:bodyPr/>
+                    <a:lstStyle/>
+                    <a:p>
+                      <a:pPr algn="ctr" fontAlgn="ctr"/>
+                      <a:r>
+                        <a:rPr lang="pt-BR" sz="900" b="0" i="0" u="none" strike="noStrike">
+                          <a:solidFill>
+                            <a:srgbClr val="000000"/>
+                          </a:solidFill>
+                          <a:effectLst/>
+                          <a:latin typeface="Arial"/>
+                        </a:rPr>
+                        <a:t>7</a:t>
+                      </a:r>
+                    </a:p>
+                  </a:txBody>
+                  <a:tcPr marL="7815" marR="7815" marT="7815" marB="37512" anchor="ctr">
+                    <a:lnL w="6350" cap="flat" cmpd="sng" algn="ctr">
+                      <a:solidFill>
+                        <a:srgbClr val="000000"/>
+                      </a:solidFill>
+                      <a:prstDash val="solid"/>
+                      <a:round/>
+                      <a:headEnd type="none" w="med" len="med"/>
+                      <a:tailEnd type="none" w="med" len="med"/>
+                    </a:lnL>
+                    <a:lnR w="6350" cap="flat" cmpd="sng" algn="ctr">
+                      <a:solidFill>
+                        <a:srgbClr val="000000"/>
+                      </a:solidFill>
+                      <a:prstDash val="solid"/>
+                      <a:round/>
+                      <a:headEnd type="none" w="med" len="med"/>
+                      <a:tailEnd type="none" w="med" len="med"/>
+                    </a:lnR>
+                    <a:lnT w="6350" cap="flat" cmpd="sng" algn="ctr">
+                      <a:solidFill>
+                        <a:srgbClr val="000000"/>
+                      </a:solidFill>
+                      <a:prstDash val="solid"/>
+                      <a:round/>
+                      <a:headEnd type="none" w="med" len="med"/>
+                      <a:tailEnd type="none" w="med" len="med"/>
+                    </a:lnT>
+                    <a:lnB w="6350" cap="flat" cmpd="sng" algn="ctr">
+                      <a:solidFill>
+                        <a:srgbClr val="000000"/>
+                      </a:solidFill>
+                      <a:prstDash val="solid"/>
+                      <a:round/>
+                      <a:headEnd type="none" w="med" len="med"/>
+                      <a:tailEnd type="none" w="med" len="med"/>
+                    </a:lnB>
+                  </a:tcPr>
+                </a:tc>
+                <a:tc>
+                  <a:txBody>
+                    <a:bodyPr/>
+                    <a:lstStyle/>
+                    <a:p>
+                      <a:pPr algn="l" fontAlgn="ctr"/>
+                      <a:r>
+                        <a:rPr lang="pt-BR" sz="900" b="0" i="0" u="none" strike="noStrike">
+                          <a:solidFill>
+                            <a:srgbClr val="000000"/>
+                          </a:solidFill>
+                          <a:effectLst/>
+                          <a:latin typeface="Arial"/>
+                        </a:rPr>
+                        <a:t>Cliente entrega matéria-prima e a produção se inicia</a:t>
+                      </a:r>
+                    </a:p>
+                  </a:txBody>
+                  <a:tcPr marL="7815" marR="7815" marT="7815" marB="37512" anchor="ctr">
+                    <a:lnL w="6350" cap="flat" cmpd="sng" algn="ctr">
+                      <a:solidFill>
+                        <a:srgbClr val="000000"/>
+                      </a:solidFill>
+                      <a:prstDash val="solid"/>
+                      <a:round/>
+                      <a:headEnd type="none" w="med" len="med"/>
+                      <a:tailEnd type="none" w="med" len="med"/>
+                    </a:lnL>
+                    <a:lnR w="6350" cap="flat" cmpd="sng" algn="ctr">
+                      <a:solidFill>
+                        <a:srgbClr val="000000"/>
+                      </a:solidFill>
+                      <a:prstDash val="solid"/>
+                      <a:round/>
+                      <a:headEnd type="none" w="med" len="med"/>
+                      <a:tailEnd type="none" w="med" len="med"/>
+                    </a:lnR>
+                    <a:lnT w="6350" cap="flat" cmpd="sng" algn="ctr">
+                      <a:solidFill>
+                        <a:srgbClr val="000000"/>
+                      </a:solidFill>
+                      <a:prstDash val="solid"/>
+                      <a:round/>
+                      <a:headEnd type="none" w="med" len="med"/>
+                      <a:tailEnd type="none" w="med" len="med"/>
+                    </a:lnT>
+                    <a:lnB w="6350" cap="flat" cmpd="sng" algn="ctr">
+                      <a:solidFill>
+                        <a:srgbClr val="000000"/>
+                      </a:solidFill>
+                      <a:prstDash val="solid"/>
+                      <a:round/>
+                      <a:headEnd type="none" w="med" len="med"/>
+                      <a:tailEnd type="none" w="med" len="med"/>
+                    </a:lnB>
+                  </a:tcPr>
+                </a:tc>
+                <a:tc>
+                  <a:txBody>
+                    <a:bodyPr/>
+                    <a:lstStyle/>
+                    <a:p>
+                      <a:pPr algn="ctr" fontAlgn="ctr"/>
+                      <a:r>
+                        <a:rPr lang="pt-BR" sz="900" b="0" i="0" u="none" strike="noStrike">
+                          <a:solidFill>
+                            <a:srgbClr val="000000"/>
+                          </a:solidFill>
+                          <a:effectLst/>
+                          <a:latin typeface="Arial"/>
+                        </a:rPr>
+                        <a:t>x(6)</a:t>
+                      </a:r>
+                    </a:p>
+                  </a:txBody>
+                  <a:tcPr marL="7815" marR="7815" marT="7815" marB="37512" anchor="ctr">
+                    <a:lnL w="6350" cap="flat" cmpd="sng" algn="ctr">
+                      <a:solidFill>
+                        <a:srgbClr val="000000"/>
+                      </a:solidFill>
+                      <a:prstDash val="solid"/>
+                      <a:round/>
+                      <a:headEnd type="none" w="med" len="med"/>
+                      <a:tailEnd type="none" w="med" len="med"/>
+                    </a:lnL>
+                    <a:lnR w="6350" cap="flat" cmpd="sng" algn="ctr">
+                      <a:solidFill>
+                        <a:srgbClr val="000000"/>
+                      </a:solidFill>
+                      <a:prstDash val="solid"/>
+                      <a:round/>
+                      <a:headEnd type="none" w="med" len="med"/>
+                      <a:tailEnd type="none" w="med" len="med"/>
+                    </a:lnR>
+                    <a:lnT w="6350" cap="flat" cmpd="sng" algn="ctr">
+                      <a:solidFill>
+                        <a:srgbClr val="000000"/>
+                      </a:solidFill>
+                      <a:prstDash val="solid"/>
+                      <a:round/>
+                      <a:headEnd type="none" w="med" len="med"/>
+                      <a:tailEnd type="none" w="med" len="med"/>
+                    </a:lnT>
+                    <a:lnB w="6350" cap="flat" cmpd="sng" algn="ctr">
+                      <a:solidFill>
+                        <a:srgbClr val="000000"/>
+                      </a:solidFill>
+                      <a:prstDash val="solid"/>
+                      <a:round/>
+                      <a:headEnd type="none" w="med" len="med"/>
+                      <a:tailEnd type="none" w="med" len="med"/>
+                    </a:lnB>
+                    <a:solidFill>
+                      <a:srgbClr val="FCE4D6"/>
+                    </a:solidFill>
+                  </a:tcPr>
+                </a:tc>
+                <a:tc>
+                  <a:txBody>
+                    <a:bodyPr/>
+                    <a:lstStyle/>
+                    <a:p>
+                      <a:pPr algn="ctr" fontAlgn="ctr"/>
+                      <a:endParaRPr lang="pt-BR" sz="900" b="0" i="0" u="none" strike="noStrike">
+                        <a:solidFill>
+                          <a:srgbClr val="000000"/>
+                        </a:solidFill>
+                        <a:effectLst/>
+                        <a:latin typeface="Arial" panose="020B0604020202020204" pitchFamily="34" charset="0"/>
+                      </a:endParaRPr>
+                    </a:p>
+                  </a:txBody>
+                  <a:tcPr marL="7815" marR="7815" marT="7815" marB="37512" anchor="ctr">
+                    <a:lnL w="6350" cap="flat" cmpd="sng" algn="ctr">
+                      <a:solidFill>
+                        <a:srgbClr val="000000"/>
+                      </a:solidFill>
+                      <a:prstDash val="solid"/>
+                      <a:round/>
+                      <a:headEnd type="none" w="med" len="med"/>
+                      <a:tailEnd type="none" w="med" len="med"/>
+                    </a:lnL>
+                    <a:lnR w="6350" cap="flat" cmpd="sng" algn="ctr">
+                      <a:solidFill>
+                        <a:srgbClr val="000000"/>
+                      </a:solidFill>
+                      <a:prstDash val="solid"/>
+                      <a:round/>
+                      <a:headEnd type="none" w="med" len="med"/>
+                      <a:tailEnd type="none" w="med" len="med"/>
+                    </a:lnR>
+                    <a:lnT w="6350" cap="flat" cmpd="sng" algn="ctr">
+                      <a:solidFill>
+                        <a:srgbClr val="000000"/>
+                      </a:solidFill>
+                      <a:prstDash val="solid"/>
+                      <a:round/>
+                      <a:headEnd type="none" w="med" len="med"/>
+                      <a:tailEnd type="none" w="med" len="med"/>
+                    </a:lnT>
+                    <a:lnB w="6350" cap="flat" cmpd="sng" algn="ctr">
+                      <a:solidFill>
+                        <a:srgbClr val="000000"/>
+                      </a:solidFill>
+                      <a:prstDash val="solid"/>
+                      <a:round/>
+                      <a:headEnd type="none" w="med" len="med"/>
+                      <a:tailEnd type="none" w="med" len="med"/>
+                    </a:lnB>
+                    <a:solidFill>
+                      <a:srgbClr val="FCE4D6"/>
+                    </a:solidFill>
+                  </a:tcPr>
+                </a:tc>
+                <a:tc>
+                  <a:txBody>
+                    <a:bodyPr/>
+                    <a:lstStyle/>
+                    <a:p>
+                      <a:pPr algn="ctr" fontAlgn="ctr"/>
+                      <a:endParaRPr lang="pt-BR" sz="900" b="0" i="0" u="none" strike="noStrike">
+                        <a:solidFill>
+                          <a:srgbClr val="000000"/>
+                        </a:solidFill>
+                        <a:effectLst/>
+                        <a:latin typeface="Arial" panose="020B0604020202020204" pitchFamily="34" charset="0"/>
+                      </a:endParaRPr>
+                    </a:p>
+                  </a:txBody>
+                  <a:tcPr marL="7815" marR="7815" marT="7815" marB="37512" anchor="ctr">
+                    <a:lnL w="6350" cap="flat" cmpd="sng" algn="ctr">
+                      <a:solidFill>
+                        <a:srgbClr val="000000"/>
+                      </a:solidFill>
+                      <a:prstDash val="solid"/>
+                      <a:round/>
+                      <a:headEnd type="none" w="med" len="med"/>
+                      <a:tailEnd type="none" w="med" len="med"/>
+                    </a:lnL>
+                    <a:lnR w="6350" cap="flat" cmpd="sng" algn="ctr">
+                      <a:solidFill>
+                        <a:srgbClr val="000000"/>
+                      </a:solidFill>
+                      <a:prstDash val="solid"/>
+                      <a:round/>
+                      <a:headEnd type="none" w="med" len="med"/>
+                      <a:tailEnd type="none" w="med" len="med"/>
+                    </a:lnR>
+                    <a:lnT w="6350" cap="flat" cmpd="sng" algn="ctr">
+                      <a:solidFill>
+                        <a:srgbClr val="000000"/>
+                      </a:solidFill>
+                      <a:prstDash val="solid"/>
+                      <a:round/>
+                      <a:headEnd type="none" w="med" len="med"/>
+                      <a:tailEnd type="none" w="med" len="med"/>
+                    </a:lnT>
+                    <a:lnB w="6350" cap="flat" cmpd="sng" algn="ctr">
+                      <a:solidFill>
+                        <a:srgbClr val="000000"/>
+                      </a:solidFill>
+                      <a:prstDash val="solid"/>
+                      <a:round/>
+                      <a:headEnd type="none" w="med" len="med"/>
+                      <a:tailEnd type="none" w="med" len="med"/>
+                    </a:lnB>
+                    <a:solidFill>
+                      <a:srgbClr val="E2EFDA"/>
+                    </a:solidFill>
+                  </a:tcPr>
+                </a:tc>
+                <a:tc>
+                  <a:txBody>
+                    <a:bodyPr/>
+                    <a:lstStyle/>
+                    <a:p>
+                      <a:pPr algn="ctr" fontAlgn="ctr"/>
+                      <a:endParaRPr lang="pt-BR" sz="900" b="0" i="0" u="none" strike="noStrike">
+                        <a:solidFill>
+                          <a:srgbClr val="000000"/>
+                        </a:solidFill>
+                        <a:effectLst/>
+                        <a:latin typeface="Arial" panose="020B0604020202020204" pitchFamily="34" charset="0"/>
+                      </a:endParaRPr>
+                    </a:p>
+                  </a:txBody>
+                  <a:tcPr marL="7815" marR="7815" marT="7815" marB="37512" anchor="ctr">
+                    <a:lnL w="6350" cap="flat" cmpd="sng" algn="ctr">
+                      <a:solidFill>
+                        <a:srgbClr val="000000"/>
+                      </a:solidFill>
+                      <a:prstDash val="solid"/>
+                      <a:round/>
+                      <a:headEnd type="none" w="med" len="med"/>
+                      <a:tailEnd type="none" w="med" len="med"/>
+                    </a:lnL>
+                    <a:lnR w="6350" cap="flat" cmpd="sng" algn="ctr">
+                      <a:solidFill>
+                        <a:srgbClr val="000000"/>
+                      </a:solidFill>
+                      <a:prstDash val="solid"/>
+                      <a:round/>
+                      <a:headEnd type="none" w="med" len="med"/>
+                      <a:tailEnd type="none" w="med" len="med"/>
+                    </a:lnR>
+                    <a:lnT w="6350" cap="flat" cmpd="sng" algn="ctr">
+                      <a:solidFill>
+                        <a:srgbClr val="000000"/>
+                      </a:solidFill>
+                      <a:prstDash val="solid"/>
+                      <a:round/>
+                      <a:headEnd type="none" w="med" len="med"/>
+                      <a:tailEnd type="none" w="med" len="med"/>
+                    </a:lnT>
+                    <a:lnB w="6350" cap="flat" cmpd="sng" algn="ctr">
+                      <a:solidFill>
+                        <a:srgbClr val="000000"/>
+                      </a:solidFill>
+                      <a:prstDash val="solid"/>
+                      <a:round/>
+                      <a:headEnd type="none" w="med" len="med"/>
+                      <a:tailEnd type="none" w="med" len="med"/>
+                    </a:lnB>
+                    <a:solidFill>
+                      <a:srgbClr val="E2EFDA"/>
+                    </a:solidFill>
+                  </a:tcPr>
+                </a:tc>
+                <a:tc>
+                  <a:txBody>
+                    <a:bodyPr/>
+                    <a:lstStyle/>
+                    <a:p>
+                      <a:pPr algn="ctr" fontAlgn="ctr"/>
+                      <a:endParaRPr lang="pt-BR" sz="900" b="0" i="0" u="none" strike="noStrike">
+                        <a:solidFill>
+                          <a:srgbClr val="000000"/>
+                        </a:solidFill>
+                        <a:effectLst/>
+                        <a:latin typeface="Arial" panose="020B0604020202020204" pitchFamily="34" charset="0"/>
+                      </a:endParaRPr>
+                    </a:p>
+                  </a:txBody>
+                  <a:tcPr marL="7815" marR="7815" marT="7815" marB="37512" anchor="ctr">
+                    <a:lnL w="6350" cap="flat" cmpd="sng" algn="ctr">
+                      <a:solidFill>
+                        <a:srgbClr val="000000"/>
+                      </a:solidFill>
+                      <a:prstDash val="solid"/>
+                      <a:round/>
+                      <a:headEnd type="none" w="med" len="med"/>
+                      <a:tailEnd type="none" w="med" len="med"/>
+                    </a:lnL>
+                    <a:lnR w="6350" cap="flat" cmpd="sng" algn="ctr">
+                      <a:solidFill>
+                        <a:srgbClr val="000000"/>
+                      </a:solidFill>
+                      <a:prstDash val="solid"/>
+                      <a:round/>
+                      <a:headEnd type="none" w="med" len="med"/>
+                      <a:tailEnd type="none" w="med" len="med"/>
+                    </a:lnR>
+                    <a:lnT w="6350" cap="flat" cmpd="sng" algn="ctr">
+                      <a:solidFill>
+                        <a:srgbClr val="000000"/>
+                      </a:solidFill>
+                      <a:prstDash val="solid"/>
+                      <a:round/>
+                      <a:headEnd type="none" w="med" len="med"/>
+                      <a:tailEnd type="none" w="med" len="med"/>
+                    </a:lnT>
+                    <a:lnB w="6350" cap="flat" cmpd="sng" algn="ctr">
+                      <a:solidFill>
+                        <a:srgbClr val="000000"/>
+                      </a:solidFill>
+                      <a:prstDash val="solid"/>
+                      <a:round/>
+                      <a:headEnd type="none" w="med" len="med"/>
+                      <a:tailEnd type="none" w="med" len="med"/>
+                    </a:lnB>
+                    <a:solidFill>
+                      <a:srgbClr val="E2EFDA"/>
+                    </a:solidFill>
+                  </a:tcPr>
+                </a:tc>
+                <a:tc>
+                  <a:txBody>
+                    <a:bodyPr/>
+                    <a:lstStyle/>
+                    <a:p>
+                      <a:pPr algn="ctr" fontAlgn="ctr"/>
+                      <a:endParaRPr lang="pt-BR" sz="900" b="0" i="0" u="none" strike="noStrike">
+                        <a:solidFill>
+                          <a:srgbClr val="000000"/>
+                        </a:solidFill>
+                        <a:effectLst/>
+                        <a:latin typeface="Arial" panose="020B0604020202020204" pitchFamily="34" charset="0"/>
+                      </a:endParaRPr>
+                    </a:p>
+                  </a:txBody>
+                  <a:tcPr marL="7815" marR="7815" marT="7815" marB="37512" anchor="ctr">
+                    <a:lnL w="6350" cap="flat" cmpd="sng" algn="ctr">
+                      <a:solidFill>
+                        <a:srgbClr val="000000"/>
+                      </a:solidFill>
+                      <a:prstDash val="solid"/>
+                      <a:round/>
+                      <a:headEnd type="none" w="med" len="med"/>
+                      <a:tailEnd type="none" w="med" len="med"/>
+                    </a:lnL>
+                    <a:lnR w="6350" cap="flat" cmpd="sng" algn="ctr">
+                      <a:solidFill>
+                        <a:srgbClr val="000000"/>
+                      </a:solidFill>
+                      <a:prstDash val="solid"/>
+                      <a:round/>
+                      <a:headEnd type="none" w="med" len="med"/>
+                      <a:tailEnd type="none" w="med" len="med"/>
+                    </a:lnR>
+                    <a:lnT w="6350" cap="flat" cmpd="sng" algn="ctr">
+                      <a:solidFill>
+                        <a:srgbClr val="000000"/>
+                      </a:solidFill>
+                      <a:prstDash val="solid"/>
+                      <a:round/>
+                      <a:headEnd type="none" w="med" len="med"/>
+                      <a:tailEnd type="none" w="med" len="med"/>
+                    </a:lnT>
+                    <a:lnB w="6350" cap="flat" cmpd="sng" algn="ctr">
+                      <a:solidFill>
+                        <a:srgbClr val="000000"/>
+                      </a:solidFill>
+                      <a:prstDash val="solid"/>
+                      <a:round/>
+                      <a:headEnd type="none" w="med" len="med"/>
+                      <a:tailEnd type="none" w="med" len="med"/>
+                    </a:lnB>
+                    <a:solidFill>
+                      <a:srgbClr val="D0CECE"/>
+                    </a:solidFill>
+                  </a:tcPr>
+                </a:tc>
+                <a:extLst>
+                  <a:ext uri="{0D108BD9-81ED-4DB2-BD59-A6C34878D82A}">
+                    <a16:rowId xmlns:a16="http://schemas.microsoft.com/office/drawing/2014/main" val="3912205577"/>
+                  </a:ext>
+                </a:extLst>
+              </a:tr>
+              <a:tr h="360000">
+                <a:tc rowSpan="5">
+                  <a:txBody>
+                    <a:bodyPr/>
+                    <a:lstStyle/>
+                    <a:p>
+                      <a:pPr algn="ctr" fontAlgn="ctr"/>
+                      <a:r>
+                        <a:rPr lang="pt-BR" sz="900" b="1" i="0" u="none" strike="noStrike">
                           <a:solidFill>
                             <a:srgbClr val="000000"/>
                           </a:solidFill>
@@ -6735,7 +8877,7 @@
                       </a:r>
                     </a:p>
                   </a:txBody>
-                  <a:tcPr marL="9525" marR="9525" marT="9525" marB="0" vert="vert270" anchor="ctr">
+                  <a:tcPr marL="7815" marR="7815" marT="7815" marB="37512" vert="vert270" anchor="ctr">
                     <a:lnL w="6350" cap="flat" cmpd="sng" algn="ctr">
                       <a:solidFill>
                         <a:srgbClr val="000000"/>
@@ -6784,7 +8926,7 @@
                     <a:p>
                       <a:pPr algn="ctr" fontAlgn="ctr"/>
                       <a:r>
-                        <a:rPr lang="pt-BR" sz="1100" b="1" i="0" u="none" strike="noStrike">
+                        <a:rPr lang="pt-BR" sz="900" b="1" i="0" u="none" strike="noStrike">
                           <a:solidFill>
                             <a:srgbClr val="000000"/>
                           </a:solidFill>
@@ -6795,7 +8937,7 @@
                       </a:r>
                     </a:p>
                   </a:txBody>
-                  <a:tcPr marL="9525" marR="9525" marT="9525" marB="0" vert="vert270" anchor="ctr">
+                  <a:tcPr marL="7815" marR="7815" marT="7815" marB="37512" vert="vert270" anchor="ctr">
                     <a:lnL w="6350" cap="flat" cmpd="sng" algn="ctr">
                       <a:solidFill>
                         <a:srgbClr val="000000"/>
@@ -6839,20 +8981,20 @@
                     <a:bodyPr/>
                     <a:lstStyle/>
                     <a:p>
-                      <a:pPr algn="ctr" fontAlgn="b"/>
+                      <a:pPr algn="ctr" fontAlgn="ctr"/>
                       <a:r>
-                        <a:rPr lang="pt-BR" sz="1100" b="0" i="0" u="none" strike="noStrike">
+                        <a:rPr lang="pt-BR" sz="900" b="0" i="0" u="none" strike="noStrike">
                           <a:solidFill>
                             <a:srgbClr val="000000"/>
                           </a:solidFill>
                           <a:effectLst/>
                           <a:latin typeface="Arial"/>
                         </a:rPr>
-                        <a:t>4</a:t>
+                        <a:t>8</a:t>
                       </a:r>
                     </a:p>
                   </a:txBody>
-                  <a:tcPr marL="9525" marR="9525" marT="9525" marB="0" anchor="ctr">
+                  <a:tcPr marL="7815" marR="7815" marT="7815" marB="37512" anchor="ctr">
                     <a:lnL w="6350" cap="flat" cmpd="sng" algn="ctr">
                       <a:solidFill>
                         <a:srgbClr val="000000"/>
@@ -6896,9 +9038,9 @@
                     <a:bodyPr/>
                     <a:lstStyle/>
                     <a:p>
-                      <a:pPr algn="l" fontAlgn="ctr"/>
+                      <a:pPr algn="l" rtl="0" fontAlgn="ctr"/>
                       <a:r>
-                        <a:rPr lang="pt-BR" sz="1100" b="0" i="0" u="none" strike="noStrike">
+                        <a:rPr lang="pt-BR" sz="900" b="0" i="0" u="none" strike="noStrike">
                           <a:solidFill>
                             <a:srgbClr val="000000"/>
                           </a:solidFill>
@@ -6909,43 +9051,100 @@
                       </a:r>
                     </a:p>
                   </a:txBody>
-                  <a:tcPr marL="9525" marR="9525" marT="9525" marB="0" anchor="ctr">
-                    <a:lnL w="6350" cap="flat" cmpd="sng" algn="ctr">
-                      <a:solidFill>
-                        <a:srgbClr val="000000"/>
-                      </a:solidFill>
-                      <a:prstDash val="solid"/>
-                      <a:round/>
-                      <a:headEnd type="none" w="med" len="med"/>
-                      <a:tailEnd type="none" w="med" len="med"/>
-                    </a:lnL>
-                    <a:lnR w="6350" cap="flat" cmpd="sng" algn="ctr">
-                      <a:solidFill>
-                        <a:srgbClr val="000000"/>
-                      </a:solidFill>
-                      <a:prstDash val="solid"/>
-                      <a:round/>
-                      <a:headEnd type="none" w="med" len="med"/>
-                      <a:tailEnd type="none" w="med" len="med"/>
-                    </a:lnR>
-                    <a:lnT w="6350" cap="flat" cmpd="sng" algn="ctr">
-                      <a:solidFill>
-                        <a:srgbClr val="000000"/>
-                      </a:solidFill>
-                      <a:prstDash val="solid"/>
-                      <a:round/>
-                      <a:headEnd type="none" w="med" len="med"/>
-                      <a:tailEnd type="none" w="med" len="med"/>
-                    </a:lnT>
-                    <a:lnB w="6350" cap="flat" cmpd="sng" algn="ctr">
-                      <a:solidFill>
-                        <a:srgbClr val="000000"/>
-                      </a:solidFill>
-                      <a:prstDash val="solid"/>
-                      <a:round/>
-                      <a:headEnd type="none" w="med" len="med"/>
-                      <a:tailEnd type="none" w="med" len="med"/>
-                    </a:lnB>
+                  <a:tcPr marL="7815" marR="7815" marT="7815" marB="37512" anchor="ctr">
+                    <a:lnL w="6350" cap="flat" cmpd="sng" algn="ctr">
+                      <a:solidFill>
+                        <a:srgbClr val="000000"/>
+                      </a:solidFill>
+                      <a:prstDash val="solid"/>
+                      <a:round/>
+                      <a:headEnd type="none" w="med" len="med"/>
+                      <a:tailEnd type="none" w="med" len="med"/>
+                    </a:lnL>
+                    <a:lnR w="6350" cap="flat" cmpd="sng" algn="ctr">
+                      <a:solidFill>
+                        <a:srgbClr val="000000"/>
+                      </a:solidFill>
+                      <a:prstDash val="solid"/>
+                      <a:round/>
+                      <a:headEnd type="none" w="med" len="med"/>
+                      <a:tailEnd type="none" w="med" len="med"/>
+                    </a:lnR>
+                    <a:lnT w="6350" cap="flat" cmpd="sng" algn="ctr">
+                      <a:solidFill>
+                        <a:srgbClr val="000000"/>
+                      </a:solidFill>
+                      <a:prstDash val="solid"/>
+                      <a:round/>
+                      <a:headEnd type="none" w="med" len="med"/>
+                      <a:tailEnd type="none" w="med" len="med"/>
+                    </a:lnT>
+                    <a:lnB w="6350" cap="flat" cmpd="sng" algn="ctr">
+                      <a:solidFill>
+                        <a:srgbClr val="000000"/>
+                      </a:solidFill>
+                      <a:prstDash val="solid"/>
+                      <a:round/>
+                      <a:headEnd type="none" w="med" len="med"/>
+                      <a:tailEnd type="none" w="med" len="med"/>
+                    </a:lnB>
+                  </a:tcPr>
+                </a:tc>
+                <a:tc>
+                  <a:txBody>
+                    <a:bodyPr/>
+                    <a:lstStyle/>
+                    <a:p>
+                      <a:pPr algn="ctr" fontAlgn="ctr"/>
+                      <a:endParaRPr lang="pt-BR" sz="900" b="0" i="0" u="none" strike="noStrike">
+                        <a:solidFill>
+                          <a:srgbClr val="000000"/>
+                        </a:solidFill>
+                        <a:effectLst/>
+                        <a:latin typeface="Arial" panose="020B0604020202020204" pitchFamily="34" charset="0"/>
+                      </a:endParaRPr>
+                    </a:p>
+                  </a:txBody>
+                  <a:tcPr marL="7815" marR="7815" marT="7815" marB="37512" anchor="ctr">
+                    <a:lnL w="6350" cap="flat" cmpd="sng" algn="ctr">
+                      <a:solidFill>
+                        <a:srgbClr val="000000"/>
+                      </a:solidFill>
+                      <a:prstDash val="solid"/>
+                      <a:round/>
+                      <a:headEnd type="none" w="med" len="med"/>
+                      <a:tailEnd type="none" w="med" len="med"/>
+                    </a:lnL>
+                    <a:lnR w="6350" cap="flat" cmpd="sng" algn="ctr">
+                      <a:solidFill>
+                        <a:srgbClr val="000000"/>
+                      </a:solidFill>
+                      <a:prstDash val="solid"/>
+                      <a:round/>
+                      <a:headEnd type="none" w="med" len="med"/>
+                      <a:tailEnd type="none" w="med" len="med"/>
+                    </a:lnR>
+                    <a:lnT w="6350" cap="flat" cmpd="sng" algn="ctr">
+                      <a:solidFill>
+                        <a:srgbClr val="000000"/>
+                      </a:solidFill>
+                      <a:prstDash val="solid"/>
+                      <a:round/>
+                      <a:headEnd type="none" w="med" len="med"/>
+                      <a:tailEnd type="none" w="med" len="med"/>
+                    </a:lnT>
+                    <a:lnB w="6350" cap="flat" cmpd="sng" algn="ctr">
+                      <a:solidFill>
+                        <a:srgbClr val="000000"/>
+                      </a:solidFill>
+                      <a:prstDash val="solid"/>
+                      <a:round/>
+                      <a:headEnd type="none" w="med" len="med"/>
+                      <a:tailEnd type="none" w="med" len="med"/>
+                    </a:lnB>
+                    <a:solidFill>
+                      <a:srgbClr val="FCE4D6"/>
+                    </a:solidFill>
                   </a:tcPr>
                 </a:tc>
                 <a:tc>
@@ -6955,18 +9154,18 @@
                     <a:p>
                       <a:pPr algn="ctr" fontAlgn="ctr"/>
                       <a:r>
-                        <a:rPr lang="pt-BR" sz="1100" b="0" i="0" u="none" strike="noStrike">
+                        <a:rPr lang="pt-BR" sz="900" b="0" i="0" u="none" strike="noStrike">
                           <a:solidFill>
                             <a:srgbClr val="000000"/>
                           </a:solidFill>
                           <a:effectLst/>
                           <a:latin typeface="Arial"/>
                         </a:rPr>
-                        <a:t>x(3)</a:t>
+                        <a:t>x</a:t>
                       </a:r>
                     </a:p>
                   </a:txBody>
-                  <a:tcPr marL="9525" marR="9525" marT="9525" marB="0" anchor="ctr">
+                  <a:tcPr marL="7815" marR="7815" marT="7815" marB="37512" anchor="ctr">
                     <a:lnL w="6350" cap="flat" cmpd="sng" algn="ctr">
                       <a:solidFill>
                         <a:srgbClr val="000000"/>
@@ -7014,16 +9213,16 @@
                     <a:lstStyle/>
                     <a:p>
                       <a:pPr algn="ctr" fontAlgn="ctr"/>
-                      <a:endParaRPr lang="pt-BR" sz="1100" b="0" i="0" u="none" strike="noStrike">
+                      <a:endParaRPr lang="pt-BR" sz="900" b="0" i="0" u="none" strike="noStrike">
                         <a:solidFill>
                           <a:srgbClr val="000000"/>
                         </a:solidFill>
                         <a:effectLst/>
-                        <a:latin typeface="Arial"/>
+                        <a:latin typeface="Arial" panose="020B0604020202020204" pitchFamily="34" charset="0"/>
                       </a:endParaRPr>
                     </a:p>
                   </a:txBody>
-                  <a:tcPr marL="9525" marR="9525" marT="9525" marB="0" anchor="ctr">
+                  <a:tcPr marL="7815" marR="7815" marT="7815" marB="37512" anchor="ctr">
                     <a:lnL w="6350" cap="flat" cmpd="sng" algn="ctr">
                       <a:solidFill>
                         <a:srgbClr val="000000"/>
@@ -7061,7 +9260,7 @@
                       <a:tailEnd type="none" w="med" len="med"/>
                     </a:lnB>
                     <a:solidFill>
-                      <a:srgbClr val="FCE4D6"/>
+                      <a:srgbClr val="E2EFDA"/>
                     </a:solidFill>
                   </a:tcPr>
                 </a:tc>
@@ -7071,16 +9270,16 @@
                     <a:lstStyle/>
                     <a:p>
                       <a:pPr algn="ctr" fontAlgn="ctr"/>
-                      <a:endParaRPr lang="pt-BR" sz="1100" b="0" i="0" u="none" strike="noStrike">
+                      <a:endParaRPr lang="pt-BR" sz="900" b="0" i="0" u="none" strike="noStrike">
                         <a:solidFill>
                           <a:srgbClr val="000000"/>
                         </a:solidFill>
                         <a:effectLst/>
-                        <a:latin typeface="Arial"/>
+                        <a:latin typeface="Arial" panose="020B0604020202020204" pitchFamily="34" charset="0"/>
                       </a:endParaRPr>
                     </a:p>
                   </a:txBody>
-                  <a:tcPr marL="9525" marR="9525" marT="9525" marB="0" anchor="ctr">
+                  <a:tcPr marL="7815" marR="7815" marT="7815" marB="37512" anchor="ctr">
                     <a:lnL w="6350" cap="flat" cmpd="sng" algn="ctr">
                       <a:solidFill>
                         <a:srgbClr val="000000"/>
@@ -7128,16 +9327,16 @@
                     <a:lstStyle/>
                     <a:p>
                       <a:pPr algn="ctr" fontAlgn="ctr"/>
-                      <a:endParaRPr lang="pt-BR" sz="1100" b="0" i="0" u="none" strike="noStrike">
+                      <a:endParaRPr lang="pt-BR" sz="900" b="0" i="0" u="none" strike="noStrike">
                         <a:solidFill>
                           <a:srgbClr val="000000"/>
                         </a:solidFill>
                         <a:effectLst/>
-                        <a:latin typeface="Arial"/>
+                        <a:latin typeface="Arial" panose="020B0604020202020204" pitchFamily="34" charset="0"/>
                       </a:endParaRPr>
                     </a:p>
                   </a:txBody>
-                  <a:tcPr marL="9525" marR="9525" marT="9525" marB="0" anchor="ctr">
+                  <a:tcPr marL="7815" marR="7815" marT="7815" marB="37512" anchor="ctr">
                     <a:lnL w="6350" cap="flat" cmpd="sng" algn="ctr">
                       <a:solidFill>
                         <a:srgbClr val="000000"/>
@@ -7185,73 +9384,16 @@
                     <a:lstStyle/>
                     <a:p>
                       <a:pPr algn="ctr" fontAlgn="ctr"/>
-                      <a:endParaRPr lang="pt-BR" sz="1100" b="0" i="0" u="none" strike="noStrike">
+                      <a:endParaRPr lang="pt-BR" sz="900" b="0" i="0" u="none" strike="noStrike">
                         <a:solidFill>
                           <a:srgbClr val="000000"/>
                         </a:solidFill>
                         <a:effectLst/>
-                        <a:latin typeface="Arial"/>
+                        <a:latin typeface="Arial" panose="020B0604020202020204" pitchFamily="34" charset="0"/>
                       </a:endParaRPr>
                     </a:p>
                   </a:txBody>
-                  <a:tcPr marL="9525" marR="9525" marT="9525" marB="0" anchor="ctr">
-                    <a:lnL w="6350" cap="flat" cmpd="sng" algn="ctr">
-                      <a:solidFill>
-                        <a:srgbClr val="000000"/>
-                      </a:solidFill>
-                      <a:prstDash val="solid"/>
-                      <a:round/>
-                      <a:headEnd type="none" w="med" len="med"/>
-                      <a:tailEnd type="none" w="med" len="med"/>
-                    </a:lnL>
-                    <a:lnR w="6350" cap="flat" cmpd="sng" algn="ctr">
-                      <a:solidFill>
-                        <a:srgbClr val="000000"/>
-                      </a:solidFill>
-                      <a:prstDash val="solid"/>
-                      <a:round/>
-                      <a:headEnd type="none" w="med" len="med"/>
-                      <a:tailEnd type="none" w="med" len="med"/>
-                    </a:lnR>
-                    <a:lnT w="6350" cap="flat" cmpd="sng" algn="ctr">
-                      <a:solidFill>
-                        <a:srgbClr val="000000"/>
-                      </a:solidFill>
-                      <a:prstDash val="solid"/>
-                      <a:round/>
-                      <a:headEnd type="none" w="med" len="med"/>
-                      <a:tailEnd type="none" w="med" len="med"/>
-                    </a:lnT>
-                    <a:lnB w="6350" cap="flat" cmpd="sng" algn="ctr">
-                      <a:solidFill>
-                        <a:srgbClr val="000000"/>
-                      </a:solidFill>
-                      <a:prstDash val="solid"/>
-                      <a:round/>
-                      <a:headEnd type="none" w="med" len="med"/>
-                      <a:tailEnd type="none" w="med" len="med"/>
-                    </a:lnB>
-                    <a:solidFill>
-                      <a:srgbClr val="E2EFDA"/>
-                    </a:solidFill>
-                  </a:tcPr>
-                </a:tc>
-                <a:tc>
-                  <a:txBody>
-                    <a:bodyPr/>
-                    <a:lstStyle/>
-                    <a:p>
-                      <a:pPr algn="ctr" fontAlgn="ctr"/>
-                      <a:endParaRPr lang="pt-BR" sz="1100" b="0" i="0" u="none" strike="noStrike">
-                        <a:solidFill>
-                          <a:srgbClr val="000000"/>
-                        </a:solidFill>
-                        <a:effectLst/>
-                        <a:latin typeface="Arial"/>
-                      </a:endParaRPr>
-                    </a:p>
-                  </a:txBody>
-                  <a:tcPr marL="9525" marR="9525" marT="9525" marB="0" anchor="ctr">
+                  <a:tcPr marL="7815" marR="7815" marT="7815" marB="37512" anchor="ctr">
                     <a:lnL w="6350" cap="flat" cmpd="sng" algn="ctr">
                       <a:solidFill>
                         <a:srgbClr val="000000"/>
@@ -7295,11 +9437,11 @@
                 </a:tc>
                 <a:extLst>
                   <a:ext uri="{0D108BD9-81ED-4DB2-BD59-A6C34878D82A}">
-                    <a16:rowId xmlns:a16="http://schemas.microsoft.com/office/drawing/2014/main" val="1478584789"/>
+                    <a16:rowId xmlns:a16="http://schemas.microsoft.com/office/drawing/2014/main" val="1623177835"/>
                   </a:ext>
                 </a:extLst>
               </a:tr>
-              <a:tr h="365760">
+              <a:tr h="360000">
                 <a:tc vMerge="1">
                   <a:txBody>
                     <a:bodyPr/>
@@ -7325,20 +9467,20 @@
                     <a:bodyPr/>
                     <a:lstStyle/>
                     <a:p>
-                      <a:pPr algn="ctr" fontAlgn="b"/>
+                      <a:pPr algn="ctr" fontAlgn="ctr"/>
                       <a:r>
-                        <a:rPr lang="pt-BR" sz="1100" b="0" i="0" u="none" strike="noStrike">
+                        <a:rPr lang="pt-BR" sz="900" b="0" i="0" u="none" strike="noStrike">
                           <a:solidFill>
                             <a:srgbClr val="000000"/>
                           </a:solidFill>
                           <a:effectLst/>
                           <a:latin typeface="Arial"/>
                         </a:rPr>
-                        <a:t>5</a:t>
+                        <a:t>9</a:t>
                       </a:r>
                     </a:p>
                   </a:txBody>
-                  <a:tcPr marL="9525" marR="9525" marT="9525" marB="0" anchor="ctr">
+                  <a:tcPr marL="7815" marR="7815" marT="7815" marB="37512" anchor="ctr">
                     <a:lnL w="6350" cap="flat" cmpd="sng" algn="ctr">
                       <a:solidFill>
                         <a:srgbClr val="000000"/>
@@ -7382,9 +9524,9 @@
                     <a:bodyPr/>
                     <a:lstStyle/>
                     <a:p>
-                      <a:pPr algn="l" fontAlgn="ctr"/>
+                      <a:pPr algn="l" rtl="0" fontAlgn="ctr"/>
                       <a:r>
-                        <a:rPr lang="pt-BR" sz="1100" b="0" i="0" u="none" strike="noStrike">
+                        <a:rPr lang="pt-BR" sz="900" b="0" i="0" u="none" strike="noStrike">
                           <a:solidFill>
                             <a:srgbClr val="000000"/>
                           </a:solidFill>
@@ -7393,52 +9535,102 @@
                         </a:rPr>
                         <a:t>Confecção faz uma análise e cria um relatório</a:t>
                       </a:r>
-                      <a:endParaRPr lang="pt-BR" sz="1100" b="0" i="0" u="none" strike="noStrike" err="1">
+                    </a:p>
+                  </a:txBody>
+                  <a:tcPr marL="7815" marR="7815" marT="7815" marB="37512" anchor="ctr">
+                    <a:lnL w="6350" cap="flat" cmpd="sng" algn="ctr">
+                      <a:solidFill>
+                        <a:srgbClr val="000000"/>
+                      </a:solidFill>
+                      <a:prstDash val="solid"/>
+                      <a:round/>
+                      <a:headEnd type="none" w="med" len="med"/>
+                      <a:tailEnd type="none" w="med" len="med"/>
+                    </a:lnL>
+                    <a:lnR w="6350" cap="flat" cmpd="sng" algn="ctr">
+                      <a:solidFill>
+                        <a:srgbClr val="000000"/>
+                      </a:solidFill>
+                      <a:prstDash val="solid"/>
+                      <a:round/>
+                      <a:headEnd type="none" w="med" len="med"/>
+                      <a:tailEnd type="none" w="med" len="med"/>
+                    </a:lnR>
+                    <a:lnT w="6350" cap="flat" cmpd="sng" algn="ctr">
+                      <a:solidFill>
+                        <a:srgbClr val="000000"/>
+                      </a:solidFill>
+                      <a:prstDash val="solid"/>
+                      <a:round/>
+                      <a:headEnd type="none" w="med" len="med"/>
+                      <a:tailEnd type="none" w="med" len="med"/>
+                    </a:lnT>
+                    <a:lnB w="6350" cap="flat" cmpd="sng" algn="ctr">
+                      <a:solidFill>
+                        <a:srgbClr val="000000"/>
+                      </a:solidFill>
+                      <a:prstDash val="solid"/>
+                      <a:round/>
+                      <a:headEnd type="none" w="med" len="med"/>
+                      <a:tailEnd type="none" w="med" len="med"/>
+                    </a:lnB>
+                  </a:tcPr>
+                </a:tc>
+                <a:tc>
+                  <a:txBody>
+                    <a:bodyPr/>
+                    <a:lstStyle/>
+                    <a:p>
+                      <a:pPr algn="ctr" fontAlgn="ctr"/>
+                      <a:endParaRPr lang="pt-BR" sz="900" b="0" i="0" u="none" strike="noStrike">
                         <a:solidFill>
                           <a:srgbClr val="000000"/>
                         </a:solidFill>
                         <a:effectLst/>
-                        <a:latin typeface="Arial"/>
+                        <a:latin typeface="Arial" panose="020B0604020202020204" pitchFamily="34" charset="0"/>
                       </a:endParaRPr>
                     </a:p>
                   </a:txBody>
-                  <a:tcPr marL="9525" marR="9525" marT="9525" marB="0" anchor="ctr">
-                    <a:lnL w="6350" cap="flat" cmpd="sng" algn="ctr">
-                      <a:solidFill>
-                        <a:srgbClr val="000000"/>
-                      </a:solidFill>
-                      <a:prstDash val="solid"/>
-                      <a:round/>
-                      <a:headEnd type="none" w="med" len="med"/>
-                      <a:tailEnd type="none" w="med" len="med"/>
-                    </a:lnL>
-                    <a:lnR w="6350" cap="flat" cmpd="sng" algn="ctr">
-                      <a:solidFill>
-                        <a:srgbClr val="000000"/>
-                      </a:solidFill>
-                      <a:prstDash val="solid"/>
-                      <a:round/>
-                      <a:headEnd type="none" w="med" len="med"/>
-                      <a:tailEnd type="none" w="med" len="med"/>
-                    </a:lnR>
-                    <a:lnT w="6350" cap="flat" cmpd="sng" algn="ctr">
-                      <a:solidFill>
-                        <a:srgbClr val="000000"/>
-                      </a:solidFill>
-                      <a:prstDash val="solid"/>
-                      <a:round/>
-                      <a:headEnd type="none" w="med" len="med"/>
-                      <a:tailEnd type="none" w="med" len="med"/>
-                    </a:lnT>
-                    <a:lnB w="6350" cap="flat" cmpd="sng" algn="ctr">
-                      <a:solidFill>
-                        <a:srgbClr val="000000"/>
-                      </a:solidFill>
-                      <a:prstDash val="solid"/>
-                      <a:round/>
-                      <a:headEnd type="none" w="med" len="med"/>
-                      <a:tailEnd type="none" w="med" len="med"/>
-                    </a:lnB>
+                  <a:tcPr marL="7815" marR="7815" marT="7815" marB="37512" anchor="ctr">
+                    <a:lnL w="6350" cap="flat" cmpd="sng" algn="ctr">
+                      <a:solidFill>
+                        <a:srgbClr val="000000"/>
+                      </a:solidFill>
+                      <a:prstDash val="solid"/>
+                      <a:round/>
+                      <a:headEnd type="none" w="med" len="med"/>
+                      <a:tailEnd type="none" w="med" len="med"/>
+                    </a:lnL>
+                    <a:lnR w="6350" cap="flat" cmpd="sng" algn="ctr">
+                      <a:solidFill>
+                        <a:srgbClr val="000000"/>
+                      </a:solidFill>
+                      <a:prstDash val="solid"/>
+                      <a:round/>
+                      <a:headEnd type="none" w="med" len="med"/>
+                      <a:tailEnd type="none" w="med" len="med"/>
+                    </a:lnR>
+                    <a:lnT w="6350" cap="flat" cmpd="sng" algn="ctr">
+                      <a:solidFill>
+                        <a:srgbClr val="000000"/>
+                      </a:solidFill>
+                      <a:prstDash val="solid"/>
+                      <a:round/>
+                      <a:headEnd type="none" w="med" len="med"/>
+                      <a:tailEnd type="none" w="med" len="med"/>
+                    </a:lnT>
+                    <a:lnB w="6350" cap="flat" cmpd="sng" algn="ctr">
+                      <a:solidFill>
+                        <a:srgbClr val="000000"/>
+                      </a:solidFill>
+                      <a:prstDash val="solid"/>
+                      <a:round/>
+                      <a:headEnd type="none" w="med" len="med"/>
+                      <a:tailEnd type="none" w="med" len="med"/>
+                    </a:lnB>
+                    <a:solidFill>
+                      <a:srgbClr val="FCE4D6"/>
+                    </a:solidFill>
                   </a:tcPr>
                 </a:tc>
                 <a:tc>
@@ -7447,16 +9639,16 @@
                     <a:lstStyle/>
                     <a:p>
                       <a:pPr algn="ctr" fontAlgn="ctr"/>
-                      <a:endParaRPr lang="pt-BR" sz="1100" b="0" i="0" u="none" strike="noStrike">
+                      <a:endParaRPr lang="pt-BR" sz="900" b="0" i="0" u="none" strike="noStrike">
                         <a:solidFill>
                           <a:srgbClr val="000000"/>
                         </a:solidFill>
                         <a:effectLst/>
-                        <a:latin typeface="Arial"/>
+                        <a:latin typeface="Arial" panose="020B0604020202020204" pitchFamily="34" charset="0"/>
                       </a:endParaRPr>
                     </a:p>
                   </a:txBody>
-                  <a:tcPr marL="9525" marR="9525" marT="9525" marB="0" anchor="ctr">
+                  <a:tcPr marL="7815" marR="7815" marT="7815" marB="37512" anchor="ctr">
                     <a:lnL w="6350" cap="flat" cmpd="sng" algn="ctr">
                       <a:solidFill>
                         <a:srgbClr val="000000"/>
@@ -7504,76 +9696,19 @@
                     <a:lstStyle/>
                     <a:p>
                       <a:pPr algn="ctr" fontAlgn="ctr"/>
-                      <a:endParaRPr lang="pt-BR" sz="1100" b="0" i="0" u="none" strike="noStrike">
-                        <a:solidFill>
-                          <a:srgbClr val="000000"/>
-                        </a:solidFill>
-                        <a:effectLst/>
-                        <a:latin typeface="Arial"/>
-                      </a:endParaRPr>
-                    </a:p>
-                  </a:txBody>
-                  <a:tcPr marL="9525" marR="9525" marT="9525" marB="0" anchor="ctr">
-                    <a:lnL w="6350" cap="flat" cmpd="sng" algn="ctr">
-                      <a:solidFill>
-                        <a:srgbClr val="000000"/>
-                      </a:solidFill>
-                      <a:prstDash val="solid"/>
-                      <a:round/>
-                      <a:headEnd type="none" w="med" len="med"/>
-                      <a:tailEnd type="none" w="med" len="med"/>
-                    </a:lnL>
-                    <a:lnR w="6350" cap="flat" cmpd="sng" algn="ctr">
-                      <a:solidFill>
-                        <a:srgbClr val="000000"/>
-                      </a:solidFill>
-                      <a:prstDash val="solid"/>
-                      <a:round/>
-                      <a:headEnd type="none" w="med" len="med"/>
-                      <a:tailEnd type="none" w="med" len="med"/>
-                    </a:lnR>
-                    <a:lnT w="6350" cap="flat" cmpd="sng" algn="ctr">
-                      <a:solidFill>
-                        <a:srgbClr val="000000"/>
-                      </a:solidFill>
-                      <a:prstDash val="solid"/>
-                      <a:round/>
-                      <a:headEnd type="none" w="med" len="med"/>
-                      <a:tailEnd type="none" w="med" len="med"/>
-                    </a:lnT>
-                    <a:lnB w="6350" cap="flat" cmpd="sng" algn="ctr">
-                      <a:solidFill>
-                        <a:srgbClr val="000000"/>
-                      </a:solidFill>
-                      <a:prstDash val="solid"/>
-                      <a:round/>
-                      <a:headEnd type="none" w="med" len="med"/>
-                      <a:tailEnd type="none" w="med" len="med"/>
-                    </a:lnB>
-                    <a:solidFill>
-                      <a:srgbClr val="FCE4D6"/>
-                    </a:solidFill>
-                  </a:tcPr>
-                </a:tc>
-                <a:tc>
-                  <a:txBody>
-                    <a:bodyPr/>
-                    <a:lstStyle/>
-                    <a:p>
-                      <a:pPr algn="ctr" fontAlgn="ctr"/>
                       <a:r>
-                        <a:rPr lang="pt-BR" sz="1100" b="0" i="0" u="none" strike="noStrike">
+                        <a:rPr lang="pt-BR" sz="900" b="0" i="0" u="none" strike="noStrike">
                           <a:solidFill>
                             <a:srgbClr val="000000"/>
                           </a:solidFill>
                           <a:effectLst/>
                           <a:latin typeface="Arial"/>
                         </a:rPr>
-                        <a:t>x(4)</a:t>
+                        <a:t>x(8)</a:t>
                       </a:r>
                     </a:p>
                   </a:txBody>
-                  <a:tcPr marL="9525" marR="9525" marT="9525" marB="0" anchor="ctr">
+                  <a:tcPr marL="7815" marR="7815" marT="7815" marB="37512" anchor="ctr">
                     <a:lnL w="6350" cap="flat" cmpd="sng" algn="ctr">
                       <a:solidFill>
                         <a:srgbClr val="000000"/>
@@ -7621,16 +9756,16 @@
                     <a:lstStyle/>
                     <a:p>
                       <a:pPr algn="ctr" fontAlgn="ctr"/>
-                      <a:endParaRPr lang="pt-BR" sz="1100" b="0" i="0" u="none" strike="noStrike">
+                      <a:endParaRPr lang="pt-BR" sz="900" b="0" i="0" u="none" strike="noStrike">
                         <a:solidFill>
                           <a:srgbClr val="000000"/>
                         </a:solidFill>
                         <a:effectLst/>
-                        <a:latin typeface="Arial"/>
+                        <a:latin typeface="Arial" panose="020B0604020202020204" pitchFamily="34" charset="0"/>
                       </a:endParaRPr>
                     </a:p>
                   </a:txBody>
-                  <a:tcPr marL="9525" marR="9525" marT="9525" marB="0" anchor="ctr">
+                  <a:tcPr marL="7815" marR="7815" marT="7815" marB="37512" anchor="ctr">
                     <a:lnL w="6350" cap="flat" cmpd="sng" algn="ctr">
                       <a:solidFill>
                         <a:srgbClr val="000000"/>
@@ -7678,16 +9813,16 @@
                     <a:lstStyle/>
                     <a:p>
                       <a:pPr algn="ctr" fontAlgn="ctr"/>
-                      <a:endParaRPr lang="pt-BR" sz="1100" b="0" i="0" u="none" strike="noStrike">
+                      <a:endParaRPr lang="pt-BR" sz="900" b="0" i="0" u="none" strike="noStrike">
                         <a:solidFill>
                           <a:srgbClr val="000000"/>
                         </a:solidFill>
                         <a:effectLst/>
-                        <a:latin typeface="Arial"/>
+                        <a:latin typeface="Arial" panose="020B0604020202020204" pitchFamily="34" charset="0"/>
                       </a:endParaRPr>
                     </a:p>
                   </a:txBody>
-                  <a:tcPr marL="9525" marR="9525" marT="9525" marB="0" anchor="ctr">
+                  <a:tcPr marL="7815" marR="7815" marT="7815" marB="37512" anchor="ctr">
                     <a:lnL w="6350" cap="flat" cmpd="sng" algn="ctr">
                       <a:solidFill>
                         <a:srgbClr val="000000"/>
@@ -7735,16 +9870,16 @@
                     <a:lstStyle/>
                     <a:p>
                       <a:pPr algn="ctr" fontAlgn="ctr"/>
-                      <a:endParaRPr lang="pt-BR" sz="1100" b="0" i="0" u="none" strike="noStrike">
+                      <a:endParaRPr lang="pt-BR" sz="900" b="0" i="0" u="none" strike="noStrike">
                         <a:solidFill>
                           <a:srgbClr val="000000"/>
                         </a:solidFill>
                         <a:effectLst/>
-                        <a:latin typeface="Arial"/>
+                        <a:latin typeface="Arial" panose="020B0604020202020204" pitchFamily="34" charset="0"/>
                       </a:endParaRPr>
                     </a:p>
                   </a:txBody>
-                  <a:tcPr marL="9525" marR="9525" marT="9525" marB="0" anchor="ctr">
+                  <a:tcPr marL="7815" marR="7815" marT="7815" marB="37512" anchor="ctr">
                     <a:lnL w="6350" cap="flat" cmpd="sng" algn="ctr">
                       <a:solidFill>
                         <a:srgbClr val="000000"/>
@@ -7788,11 +9923,11 @@
                 </a:tc>
                 <a:extLst>
                   <a:ext uri="{0D108BD9-81ED-4DB2-BD59-A6C34878D82A}">
-                    <a16:rowId xmlns:a16="http://schemas.microsoft.com/office/drawing/2014/main" val="3594419297"/>
+                    <a16:rowId xmlns:a16="http://schemas.microsoft.com/office/drawing/2014/main" val="2292522429"/>
                   </a:ext>
                 </a:extLst>
               </a:tr>
-              <a:tr h="365760">
+              <a:tr h="360000">
                 <a:tc vMerge="1">
                   <a:txBody>
                     <a:bodyPr/>
@@ -7818,20 +9953,20 @@
                     <a:bodyPr/>
                     <a:lstStyle/>
                     <a:p>
-                      <a:pPr algn="ctr" fontAlgn="b"/>
+                      <a:pPr algn="ctr" fontAlgn="ctr"/>
                       <a:r>
-                        <a:rPr lang="pt-BR" sz="1100" b="0" i="0" u="none" strike="noStrike">
+                        <a:rPr lang="pt-BR" sz="900" b="0" i="0" u="none" strike="noStrike">
                           <a:solidFill>
                             <a:srgbClr val="000000"/>
                           </a:solidFill>
                           <a:effectLst/>
                           <a:latin typeface="Arial"/>
                         </a:rPr>
-                        <a:t>6</a:t>
+                        <a:t>10</a:t>
                       </a:r>
                     </a:p>
                   </a:txBody>
-                  <a:tcPr marL="9525" marR="9525" marT="9525" marB="0" anchor="ctr">
+                  <a:tcPr marL="7815" marR="7815" marT="7815" marB="37512" anchor="ctr">
                     <a:lnL w="6350" cap="flat" cmpd="sng" algn="ctr">
                       <a:solidFill>
                         <a:srgbClr val="000000"/>
@@ -7875,20 +10010,20 @@
                     <a:bodyPr/>
                     <a:lstStyle/>
                     <a:p>
-                      <a:pPr algn="l" fontAlgn="ctr"/>
+                      <a:pPr algn="l" rtl="0" fontAlgn="ctr"/>
                       <a:r>
-                        <a:rPr lang="pt-BR" sz="1100" b="0" i="0" u="none" strike="noStrike">
+                        <a:rPr lang="pt-BR" sz="900" b="0" i="0" u="none" strike="noStrike">
                           <a:solidFill>
                             <a:srgbClr val="000000"/>
                           </a:solidFill>
                           <a:effectLst/>
                           <a:latin typeface="Arial"/>
                         </a:rPr>
-                        <a:t>Confecção recebe do banco o recibo de estorno</a:t>
+                        <a:t>Banco envia recibo de transferência a confecção.</a:t>
                       </a:r>
                     </a:p>
                   </a:txBody>
-                  <a:tcPr marL="9525" marR="9525" marT="9525" marB="0" anchor="ctr">
+                  <a:tcPr marL="7815" marR="7815" marT="7815" marB="37512" anchor="ctr">
                     <a:lnL w="6350" cap="flat" cmpd="sng" algn="ctr">
                       <a:solidFill>
                         <a:srgbClr val="000000"/>
@@ -7933,16 +10068,16 @@
                     <a:lstStyle/>
                     <a:p>
                       <a:pPr algn="ctr" fontAlgn="ctr"/>
-                      <a:endParaRPr lang="pt-BR" sz="1100" b="0" i="0" u="none" strike="noStrike">
+                      <a:endParaRPr lang="pt-BR" sz="900" b="0" i="0" u="none" strike="noStrike">
                         <a:solidFill>
                           <a:srgbClr val="000000"/>
                         </a:solidFill>
                         <a:effectLst/>
-                        <a:latin typeface="Arial"/>
+                        <a:latin typeface="Arial" panose="020B0604020202020204" pitchFamily="34" charset="0"/>
                       </a:endParaRPr>
                     </a:p>
                   </a:txBody>
-                  <a:tcPr marL="9525" marR="9525" marT="9525" marB="0" anchor="ctr">
+                  <a:tcPr marL="7815" marR="7815" marT="7815" marB="37512" anchor="ctr">
                     <a:lnL w="6350" cap="flat" cmpd="sng" algn="ctr">
                       <a:solidFill>
                         <a:srgbClr val="000000"/>
@@ -7990,16 +10125,16 @@
                     <a:lstStyle/>
                     <a:p>
                       <a:pPr algn="ctr" fontAlgn="ctr"/>
-                      <a:endParaRPr lang="pt-BR" sz="1100" b="0" i="0" u="none" strike="noStrike">
+                      <a:endParaRPr lang="pt-BR" sz="900" b="0" i="0" u="none" strike="noStrike">
                         <a:solidFill>
                           <a:srgbClr val="000000"/>
                         </a:solidFill>
                         <a:effectLst/>
-                        <a:latin typeface="Arial"/>
+                        <a:latin typeface="Arial" panose="020B0604020202020204" pitchFamily="34" charset="0"/>
                       </a:endParaRPr>
                     </a:p>
                   </a:txBody>
-                  <a:tcPr marL="9525" marR="9525" marT="9525" marB="0" anchor="ctr">
+                  <a:tcPr marL="7815" marR="7815" marT="7815" marB="37512" anchor="ctr">
                     <a:lnL w="6350" cap="flat" cmpd="sng" algn="ctr">
                       <a:solidFill>
                         <a:srgbClr val="000000"/>
@@ -8047,16 +10182,16 @@
                     <a:lstStyle/>
                     <a:p>
                       <a:pPr algn="ctr" fontAlgn="ctr"/>
-                      <a:endParaRPr lang="pt-BR" sz="1100" b="0" i="0" u="none" strike="noStrike">
+                      <a:endParaRPr lang="pt-BR" sz="900" b="0" i="0" u="none" strike="noStrike">
                         <a:solidFill>
                           <a:srgbClr val="000000"/>
                         </a:solidFill>
                         <a:effectLst/>
-                        <a:latin typeface="Arial"/>
+                        <a:latin typeface="Arial" panose="020B0604020202020204" pitchFamily="34" charset="0"/>
                       </a:endParaRPr>
                     </a:p>
                   </a:txBody>
-                  <a:tcPr marL="9525" marR="9525" marT="9525" marB="0" anchor="ctr">
+                  <a:tcPr marL="7815" marR="7815" marT="7815" marB="37512" anchor="ctr">
                     <a:lnL w="6350" cap="flat" cmpd="sng" algn="ctr">
                       <a:solidFill>
                         <a:srgbClr val="000000"/>
@@ -8103,71 +10238,257 @@
                     <a:bodyPr/>
                     <a:lstStyle/>
                     <a:p>
-                      <a:pPr lvl="0" algn="ctr">
-                        <a:buNone/>
-                      </a:pPr>
+                      <a:pPr algn="ctr" fontAlgn="ctr"/>
                       <a:r>
-                        <a:rPr lang="pt-BR" sz="1100" b="0" i="0" u="none" strike="noStrike" noProof="0">
+                        <a:rPr lang="pt-BR" sz="900" b="0" i="0" u="none" strike="noStrike">
                           <a:solidFill>
                             <a:srgbClr val="000000"/>
                           </a:solidFill>
                           <a:effectLst/>
                           <a:latin typeface="Arial"/>
                         </a:rPr>
-                        <a:t>x(5)</a:t>
+                        <a:t>x(9)</a:t>
                       </a:r>
+                    </a:p>
+                  </a:txBody>
+                  <a:tcPr marL="7815" marR="7815" marT="7815" marB="37512" anchor="ctr">
+                    <a:lnL w="6350" cap="flat" cmpd="sng" algn="ctr">
+                      <a:solidFill>
+                        <a:srgbClr val="000000"/>
+                      </a:solidFill>
+                      <a:prstDash val="solid"/>
+                      <a:round/>
+                      <a:headEnd type="none" w="med" len="med"/>
+                      <a:tailEnd type="none" w="med" len="med"/>
+                    </a:lnL>
+                    <a:lnR w="6350" cap="flat" cmpd="sng" algn="ctr">
+                      <a:solidFill>
+                        <a:srgbClr val="000000"/>
+                      </a:solidFill>
+                      <a:prstDash val="solid"/>
+                      <a:round/>
+                      <a:headEnd type="none" w="med" len="med"/>
+                      <a:tailEnd type="none" w="med" len="med"/>
+                    </a:lnR>
+                    <a:lnT w="6350" cap="flat" cmpd="sng" algn="ctr">
+                      <a:solidFill>
+                        <a:srgbClr val="000000"/>
+                      </a:solidFill>
+                      <a:prstDash val="solid"/>
+                      <a:round/>
+                      <a:headEnd type="none" w="med" len="med"/>
+                      <a:tailEnd type="none" w="med" len="med"/>
+                    </a:lnT>
+                    <a:lnB w="6350" cap="flat" cmpd="sng" algn="ctr">
+                      <a:solidFill>
+                        <a:srgbClr val="000000"/>
+                      </a:solidFill>
+                      <a:prstDash val="solid"/>
+                      <a:round/>
+                      <a:headEnd type="none" w="med" len="med"/>
+                      <a:tailEnd type="none" w="med" len="med"/>
+                    </a:lnB>
+                    <a:solidFill>
+                      <a:srgbClr val="E2EFDA"/>
+                    </a:solidFill>
+                  </a:tcPr>
+                </a:tc>
+                <a:tc>
+                  <a:txBody>
+                    <a:bodyPr/>
+                    <a:lstStyle/>
+                    <a:p>
+                      <a:pPr algn="ctr" fontAlgn="ctr"/>
+                      <a:endParaRPr lang="pt-BR" sz="900" b="0" i="0" u="none" strike="noStrike">
+                        <a:solidFill>
+                          <a:srgbClr val="000000"/>
+                        </a:solidFill>
+                        <a:effectLst/>
+                        <a:latin typeface="Arial" panose="020B0604020202020204" pitchFamily="34" charset="0"/>
+                      </a:endParaRPr>
+                    </a:p>
+                  </a:txBody>
+                  <a:tcPr marL="7815" marR="7815" marT="7815" marB="37512" anchor="ctr">
+                    <a:lnL w="6350" cap="flat" cmpd="sng" algn="ctr">
+                      <a:solidFill>
+                        <a:srgbClr val="000000"/>
+                      </a:solidFill>
+                      <a:prstDash val="solid"/>
+                      <a:round/>
+                      <a:headEnd type="none" w="med" len="med"/>
+                      <a:tailEnd type="none" w="med" len="med"/>
+                    </a:lnL>
+                    <a:lnR w="6350" cap="flat" cmpd="sng" algn="ctr">
+                      <a:solidFill>
+                        <a:srgbClr val="000000"/>
+                      </a:solidFill>
+                      <a:prstDash val="solid"/>
+                      <a:round/>
+                      <a:headEnd type="none" w="med" len="med"/>
+                      <a:tailEnd type="none" w="med" len="med"/>
+                    </a:lnR>
+                    <a:lnT w="6350" cap="flat" cmpd="sng" algn="ctr">
+                      <a:solidFill>
+                        <a:srgbClr val="000000"/>
+                      </a:solidFill>
+                      <a:prstDash val="solid"/>
+                      <a:round/>
+                      <a:headEnd type="none" w="med" len="med"/>
+                      <a:tailEnd type="none" w="med" len="med"/>
+                    </a:lnT>
+                    <a:lnB w="6350" cap="flat" cmpd="sng" algn="ctr">
+                      <a:solidFill>
+                        <a:srgbClr val="000000"/>
+                      </a:solidFill>
+                      <a:prstDash val="solid"/>
+                      <a:round/>
+                      <a:headEnd type="none" w="med" len="med"/>
+                      <a:tailEnd type="none" w="med" len="med"/>
+                    </a:lnB>
+                    <a:solidFill>
+                      <a:srgbClr val="E2EFDA"/>
+                    </a:solidFill>
+                  </a:tcPr>
+                </a:tc>
+                <a:tc>
+                  <a:txBody>
+                    <a:bodyPr/>
+                    <a:lstStyle/>
+                    <a:p>
+                      <a:pPr algn="ctr" fontAlgn="ctr"/>
+                      <a:endParaRPr lang="pt-BR" sz="900" b="0" i="0" u="none" strike="noStrike">
+                        <a:solidFill>
+                          <a:srgbClr val="000000"/>
+                        </a:solidFill>
+                        <a:effectLst/>
+                        <a:latin typeface="Arial" panose="020B0604020202020204" pitchFamily="34" charset="0"/>
+                      </a:endParaRPr>
+                    </a:p>
+                  </a:txBody>
+                  <a:tcPr marL="7815" marR="7815" marT="7815" marB="37512" anchor="ctr">
+                    <a:lnL w="6350" cap="flat" cmpd="sng" algn="ctr">
+                      <a:solidFill>
+                        <a:srgbClr val="000000"/>
+                      </a:solidFill>
+                      <a:prstDash val="solid"/>
+                      <a:round/>
+                      <a:headEnd type="none" w="med" len="med"/>
+                      <a:tailEnd type="none" w="med" len="med"/>
+                    </a:lnL>
+                    <a:lnR w="6350" cap="flat" cmpd="sng" algn="ctr">
+                      <a:solidFill>
+                        <a:srgbClr val="000000"/>
+                      </a:solidFill>
+                      <a:prstDash val="solid"/>
+                      <a:round/>
+                      <a:headEnd type="none" w="med" len="med"/>
+                      <a:tailEnd type="none" w="med" len="med"/>
+                    </a:lnR>
+                    <a:lnT w="6350" cap="flat" cmpd="sng" algn="ctr">
+                      <a:solidFill>
+                        <a:srgbClr val="000000"/>
+                      </a:solidFill>
+                      <a:prstDash val="solid"/>
+                      <a:round/>
+                      <a:headEnd type="none" w="med" len="med"/>
+                      <a:tailEnd type="none" w="med" len="med"/>
+                    </a:lnT>
+                    <a:lnB w="6350" cap="flat" cmpd="sng" algn="ctr">
+                      <a:solidFill>
+                        <a:srgbClr val="000000"/>
+                      </a:solidFill>
+                      <a:prstDash val="solid"/>
+                      <a:round/>
+                      <a:headEnd type="none" w="med" len="med"/>
+                      <a:tailEnd type="none" w="med" len="med"/>
+                    </a:lnB>
+                    <a:solidFill>
+                      <a:srgbClr val="D0CECE"/>
+                    </a:solidFill>
+                  </a:tcPr>
+                </a:tc>
+                <a:extLst>
+                  <a:ext uri="{0D108BD9-81ED-4DB2-BD59-A6C34878D82A}">
+                    <a16:rowId xmlns:a16="http://schemas.microsoft.com/office/drawing/2014/main" val="517013463"/>
+                  </a:ext>
+                </a:extLst>
+              </a:tr>
+              <a:tr h="360000">
+                <a:tc vMerge="1">
+                  <a:txBody>
+                    <a:bodyPr/>
+                    <a:lstStyle/>
+                    <a:p>
+                      <a:endParaRPr lang="pt-BR"/>
+                    </a:p>
+                  </a:txBody>
+                  <a:tcPr/>
+                </a:tc>
+                <a:tc vMerge="1">
+                  <a:txBody>
+                    <a:bodyPr/>
+                    <a:lstStyle/>
+                    <a:p>
+                      <a:endParaRPr lang="pt-BR"/>
+                    </a:p>
+                  </a:txBody>
+                  <a:tcPr/>
+                </a:tc>
+                <a:tc>
+                  <a:txBody>
+                    <a:bodyPr/>
+                    <a:lstStyle/>
+                    <a:p>
+                      <a:pPr algn="ctr" fontAlgn="ctr"/>
                       <a:r>
-                        <a:rPr lang="pt-BR" sz="1100" b="0" i="0" u="none" strike="noStrike">
+                        <a:rPr lang="pt-BR" sz="900" b="0" i="0" u="none" strike="noStrike">
                           <a:solidFill>
                             <a:srgbClr val="000000"/>
                           </a:solidFill>
                           <a:effectLst/>
                           <a:latin typeface="Arial"/>
                         </a:rPr>
-                        <a:t> </a:t>
+                        <a:t>11</a:t>
                       </a:r>
                     </a:p>
                   </a:txBody>
-                  <a:tcPr marL="9525" marR="9525" marT="9525" marB="0" anchor="ctr">
-                    <a:lnL w="6350" cap="flat" cmpd="sng" algn="ctr">
-                      <a:solidFill>
-                        <a:srgbClr val="000000"/>
-                      </a:solidFill>
-                      <a:prstDash val="solid"/>
-                      <a:round/>
-                      <a:headEnd type="none" w="med" len="med"/>
-                      <a:tailEnd type="none" w="med" len="med"/>
-                    </a:lnL>
-                    <a:lnR w="6350" cap="flat" cmpd="sng" algn="ctr">
-                      <a:solidFill>
-                        <a:srgbClr val="000000"/>
-                      </a:solidFill>
-                      <a:prstDash val="solid"/>
-                      <a:round/>
-                      <a:headEnd type="none" w="med" len="med"/>
-                      <a:tailEnd type="none" w="med" len="med"/>
-                    </a:lnR>
-                    <a:lnT w="6350" cap="flat" cmpd="sng" algn="ctr">
-                      <a:solidFill>
-                        <a:srgbClr val="000000"/>
-                      </a:solidFill>
-                      <a:prstDash val="solid"/>
-                      <a:round/>
-                      <a:headEnd type="none" w="med" len="med"/>
-                      <a:tailEnd type="none" w="med" len="med"/>
-                    </a:lnT>
-                    <a:lnB w="6350" cap="flat" cmpd="sng" algn="ctr">
-                      <a:solidFill>
-                        <a:srgbClr val="000000"/>
-                      </a:solidFill>
-                      <a:prstDash val="solid"/>
-                      <a:round/>
-                      <a:headEnd type="none" w="med" len="med"/>
-                      <a:tailEnd type="none" w="med" len="med"/>
-                    </a:lnB>
-                    <a:solidFill>
-                      <a:srgbClr val="E2EFDA"/>
-                    </a:solidFill>
+                  <a:tcPr marL="7815" marR="7815" marT="7815" marB="37512" anchor="ctr">
+                    <a:lnL w="6350" cap="flat" cmpd="sng" algn="ctr">
+                      <a:solidFill>
+                        <a:srgbClr val="000000"/>
+                      </a:solidFill>
+                      <a:prstDash val="solid"/>
+                      <a:round/>
+                      <a:headEnd type="none" w="med" len="med"/>
+                      <a:tailEnd type="none" w="med" len="med"/>
+                    </a:lnL>
+                    <a:lnR w="6350" cap="flat" cmpd="sng" algn="ctr">
+                      <a:solidFill>
+                        <a:srgbClr val="000000"/>
+                      </a:solidFill>
+                      <a:prstDash val="solid"/>
+                      <a:round/>
+                      <a:headEnd type="none" w="med" len="med"/>
+                      <a:tailEnd type="none" w="med" len="med"/>
+                    </a:lnR>
+                    <a:lnT w="6350" cap="flat" cmpd="sng" algn="ctr">
+                      <a:solidFill>
+                        <a:srgbClr val="000000"/>
+                      </a:solidFill>
+                      <a:prstDash val="solid"/>
+                      <a:round/>
+                      <a:headEnd type="none" w="med" len="med"/>
+                      <a:tailEnd type="none" w="med" len="med"/>
+                    </a:lnT>
+                    <a:lnB w="6350" cap="flat" cmpd="sng" algn="ctr">
+                      <a:solidFill>
+                        <a:srgbClr val="000000"/>
+                      </a:solidFill>
+                      <a:prstDash val="solid"/>
+                      <a:round/>
+                      <a:headEnd type="none" w="med" len="med"/>
+                      <a:tailEnd type="none" w="med" len="med"/>
+                    </a:lnB>
                   </a:tcPr>
                 </a:tc>
                 <a:tc>
@@ -8175,207 +10496,9 @@
                     <a:bodyPr/>
                     <a:lstStyle/>
                     <a:p>
-                      <a:pPr algn="ctr" fontAlgn="ctr"/>
-                      <a:endParaRPr lang="pt-BR" sz="1100" b="0" i="0" u="none" strike="noStrike">
-                        <a:solidFill>
-                          <a:srgbClr val="000000"/>
-                        </a:solidFill>
-                        <a:effectLst/>
-                        <a:latin typeface="Arial"/>
-                      </a:endParaRPr>
-                    </a:p>
-                  </a:txBody>
-                  <a:tcPr marL="9525" marR="9525" marT="9525" marB="0" anchor="ctr">
-                    <a:lnL w="6350" cap="flat" cmpd="sng" algn="ctr">
-                      <a:solidFill>
-                        <a:srgbClr val="000000"/>
-                      </a:solidFill>
-                      <a:prstDash val="solid"/>
-                      <a:round/>
-                      <a:headEnd type="none" w="med" len="med"/>
-                      <a:tailEnd type="none" w="med" len="med"/>
-                    </a:lnL>
-                    <a:lnR w="6350" cap="flat" cmpd="sng" algn="ctr">
-                      <a:solidFill>
-                        <a:srgbClr val="000000"/>
-                      </a:solidFill>
-                      <a:prstDash val="solid"/>
-                      <a:round/>
-                      <a:headEnd type="none" w="med" len="med"/>
-                      <a:tailEnd type="none" w="med" len="med"/>
-                    </a:lnR>
-                    <a:lnT w="6350" cap="flat" cmpd="sng" algn="ctr">
-                      <a:solidFill>
-                        <a:srgbClr val="000000"/>
-                      </a:solidFill>
-                      <a:prstDash val="solid"/>
-                      <a:round/>
-                      <a:headEnd type="none" w="med" len="med"/>
-                      <a:tailEnd type="none" w="med" len="med"/>
-                    </a:lnT>
-                    <a:lnB w="6350" cap="flat" cmpd="sng" algn="ctr">
-                      <a:solidFill>
-                        <a:srgbClr val="000000"/>
-                      </a:solidFill>
-                      <a:prstDash val="solid"/>
-                      <a:round/>
-                      <a:headEnd type="none" w="med" len="med"/>
-                      <a:tailEnd type="none" w="med" len="med"/>
-                    </a:lnB>
-                    <a:solidFill>
-                      <a:srgbClr val="E2EFDA"/>
-                    </a:solidFill>
-                  </a:tcPr>
-                </a:tc>
-                <a:tc>
-                  <a:txBody>
-                    <a:bodyPr/>
-                    <a:lstStyle/>
-                    <a:p>
-                      <a:pPr algn="ctr" fontAlgn="ctr"/>
-                      <a:endParaRPr lang="pt-BR" sz="1100" b="0" i="0" u="none" strike="noStrike">
-                        <a:solidFill>
-                          <a:srgbClr val="000000"/>
-                        </a:solidFill>
-                        <a:effectLst/>
-                        <a:latin typeface="Arial"/>
-                      </a:endParaRPr>
-                    </a:p>
-                  </a:txBody>
-                  <a:tcPr marL="9525" marR="9525" marT="9525" marB="0" anchor="ctr">
-                    <a:lnL w="6350" cap="flat" cmpd="sng" algn="ctr">
-                      <a:solidFill>
-                        <a:srgbClr val="000000"/>
-                      </a:solidFill>
-                      <a:prstDash val="solid"/>
-                      <a:round/>
-                      <a:headEnd type="none" w="med" len="med"/>
-                      <a:tailEnd type="none" w="med" len="med"/>
-                    </a:lnL>
-                    <a:lnR w="6350" cap="flat" cmpd="sng" algn="ctr">
-                      <a:solidFill>
-                        <a:srgbClr val="000000"/>
-                      </a:solidFill>
-                      <a:prstDash val="solid"/>
-                      <a:round/>
-                      <a:headEnd type="none" w="med" len="med"/>
-                      <a:tailEnd type="none" w="med" len="med"/>
-                    </a:lnR>
-                    <a:lnT w="6350" cap="flat" cmpd="sng" algn="ctr">
-                      <a:solidFill>
-                        <a:srgbClr val="000000"/>
-                      </a:solidFill>
-                      <a:prstDash val="solid"/>
-                      <a:round/>
-                      <a:headEnd type="none" w="med" len="med"/>
-                      <a:tailEnd type="none" w="med" len="med"/>
-                    </a:lnT>
-                    <a:lnB w="6350" cap="flat" cmpd="sng" algn="ctr">
-                      <a:solidFill>
-                        <a:srgbClr val="000000"/>
-                      </a:solidFill>
-                      <a:prstDash val="solid"/>
-                      <a:round/>
-                      <a:headEnd type="none" w="med" len="med"/>
-                      <a:tailEnd type="none" w="med" len="med"/>
-                    </a:lnB>
-                    <a:solidFill>
-                      <a:srgbClr val="D0CECE"/>
-                    </a:solidFill>
-                  </a:tcPr>
-                </a:tc>
-                <a:extLst>
-                  <a:ext uri="{0D108BD9-81ED-4DB2-BD59-A6C34878D82A}">
-                    <a16:rowId xmlns:a16="http://schemas.microsoft.com/office/drawing/2014/main" val="1309454684"/>
-                  </a:ext>
-                </a:extLst>
-              </a:tr>
-              <a:tr h="365760">
-                <a:tc vMerge="1">
-                  <a:txBody>
-                    <a:bodyPr/>
-                    <a:lstStyle/>
-                    <a:p>
-                      <a:endParaRPr lang="pt-BR"/>
-                    </a:p>
-                  </a:txBody>
-                  <a:tcPr/>
-                </a:tc>
-                <a:tc vMerge="1">
-                  <a:txBody>
-                    <a:bodyPr/>
-                    <a:lstStyle/>
-                    <a:p>
-                      <a:endParaRPr lang="pt-BR"/>
-                    </a:p>
-                  </a:txBody>
-                  <a:tcPr/>
-                </a:tc>
-                <a:tc>
-                  <a:txBody>
-                    <a:bodyPr/>
-                    <a:lstStyle/>
-                    <a:p>
-                      <a:pPr algn="ctr" fontAlgn="b"/>
+                      <a:pPr algn="l" rtl="0" fontAlgn="ctr"/>
                       <a:r>
-                        <a:rPr lang="pt-BR" sz="1100" b="0" i="0" u="none" strike="noStrike">
-                          <a:solidFill>
-                            <a:srgbClr val="000000"/>
-                          </a:solidFill>
-                          <a:effectLst/>
-                          <a:latin typeface="Arial"/>
-                        </a:rPr>
-                        <a:t>7</a:t>
-                      </a:r>
-                    </a:p>
-                  </a:txBody>
-                  <a:tcPr marL="9525" marR="9525" marT="9525" marB="0" anchor="ctr">
-                    <a:lnL w="6350" cap="flat" cmpd="sng" algn="ctr">
-                      <a:solidFill>
-                        <a:srgbClr val="000000"/>
-                      </a:solidFill>
-                      <a:prstDash val="solid"/>
-                      <a:round/>
-                      <a:headEnd type="none" w="med" len="med"/>
-                      <a:tailEnd type="none" w="med" len="med"/>
-                    </a:lnL>
-                    <a:lnR w="6350" cap="flat" cmpd="sng" algn="ctr">
-                      <a:solidFill>
-                        <a:srgbClr val="000000"/>
-                      </a:solidFill>
-                      <a:prstDash val="solid"/>
-                      <a:round/>
-                      <a:headEnd type="none" w="med" len="med"/>
-                      <a:tailEnd type="none" w="med" len="med"/>
-                    </a:lnR>
-                    <a:lnT w="6350" cap="flat" cmpd="sng" algn="ctr">
-                      <a:solidFill>
-                        <a:srgbClr val="000000"/>
-                      </a:solidFill>
-                      <a:prstDash val="solid"/>
-                      <a:round/>
-                      <a:headEnd type="none" w="med" len="med"/>
-                      <a:tailEnd type="none" w="med" len="med"/>
-                    </a:lnT>
-                    <a:lnB w="6350" cap="flat" cmpd="sng" algn="ctr">
-                      <a:solidFill>
-                        <a:srgbClr val="000000"/>
-                      </a:solidFill>
-                      <a:prstDash val="solid"/>
-                      <a:round/>
-                      <a:headEnd type="none" w="med" len="med"/>
-                      <a:tailEnd type="none" w="med" len="med"/>
-                    </a:lnB>
-                  </a:tcPr>
-                </a:tc>
-                <a:tc>
-                  <a:txBody>
-                    <a:bodyPr/>
-                    <a:lstStyle/>
-                    <a:p>
-                      <a:pPr algn="l" fontAlgn="ctr"/>
-                      <a:r>
-                        <a:rPr lang="pt-BR" sz="1100" b="0" i="0" u="none" strike="noStrike">
+                        <a:rPr lang="pt-BR" sz="900" b="0" i="0" u="none" strike="noStrike">
                           <a:solidFill>
                             <a:srgbClr val="000000"/>
                           </a:solidFill>
@@ -8386,43 +10509,157 @@
                       </a:r>
                     </a:p>
                   </a:txBody>
-                  <a:tcPr marL="9525" marR="9525" marT="9525" marB="0" anchor="ctr">
-                    <a:lnL w="6350" cap="flat" cmpd="sng" algn="ctr">
-                      <a:solidFill>
-                        <a:srgbClr val="000000"/>
-                      </a:solidFill>
-                      <a:prstDash val="solid"/>
-                      <a:round/>
-                      <a:headEnd type="none" w="med" len="med"/>
-                      <a:tailEnd type="none" w="med" len="med"/>
-                    </a:lnL>
-                    <a:lnR w="6350" cap="flat" cmpd="sng" algn="ctr">
-                      <a:solidFill>
-                        <a:srgbClr val="000000"/>
-                      </a:solidFill>
-                      <a:prstDash val="solid"/>
-                      <a:round/>
-                      <a:headEnd type="none" w="med" len="med"/>
-                      <a:tailEnd type="none" w="med" len="med"/>
-                    </a:lnR>
-                    <a:lnT w="6350" cap="flat" cmpd="sng" algn="ctr">
-                      <a:solidFill>
-                        <a:srgbClr val="000000"/>
-                      </a:solidFill>
-                      <a:prstDash val="solid"/>
-                      <a:round/>
-                      <a:headEnd type="none" w="med" len="med"/>
-                      <a:tailEnd type="none" w="med" len="med"/>
-                    </a:lnT>
-                    <a:lnB w="6350" cap="flat" cmpd="sng" algn="ctr">
-                      <a:solidFill>
-                        <a:srgbClr val="000000"/>
-                      </a:solidFill>
-                      <a:prstDash val="solid"/>
-                      <a:round/>
-                      <a:headEnd type="none" w="med" len="med"/>
-                      <a:tailEnd type="none" w="med" len="med"/>
-                    </a:lnB>
+                  <a:tcPr marL="7815" marR="7815" marT="7815" marB="37512" anchor="ctr">
+                    <a:lnL w="6350" cap="flat" cmpd="sng" algn="ctr">
+                      <a:solidFill>
+                        <a:srgbClr val="000000"/>
+                      </a:solidFill>
+                      <a:prstDash val="solid"/>
+                      <a:round/>
+                      <a:headEnd type="none" w="med" len="med"/>
+                      <a:tailEnd type="none" w="med" len="med"/>
+                    </a:lnL>
+                    <a:lnR w="6350" cap="flat" cmpd="sng" algn="ctr">
+                      <a:solidFill>
+                        <a:srgbClr val="000000"/>
+                      </a:solidFill>
+                      <a:prstDash val="solid"/>
+                      <a:round/>
+                      <a:headEnd type="none" w="med" len="med"/>
+                      <a:tailEnd type="none" w="med" len="med"/>
+                    </a:lnR>
+                    <a:lnT w="6350" cap="flat" cmpd="sng" algn="ctr">
+                      <a:solidFill>
+                        <a:srgbClr val="000000"/>
+                      </a:solidFill>
+                      <a:prstDash val="solid"/>
+                      <a:round/>
+                      <a:headEnd type="none" w="med" len="med"/>
+                      <a:tailEnd type="none" w="med" len="med"/>
+                    </a:lnT>
+                    <a:lnB w="6350" cap="flat" cmpd="sng" algn="ctr">
+                      <a:solidFill>
+                        <a:srgbClr val="000000"/>
+                      </a:solidFill>
+                      <a:prstDash val="solid"/>
+                      <a:round/>
+                      <a:headEnd type="none" w="med" len="med"/>
+                      <a:tailEnd type="none" w="med" len="med"/>
+                    </a:lnB>
+                  </a:tcPr>
+                </a:tc>
+                <a:tc>
+                  <a:txBody>
+                    <a:bodyPr/>
+                    <a:lstStyle/>
+                    <a:p>
+                      <a:pPr algn="ctr" fontAlgn="ctr"/>
+                      <a:endParaRPr lang="pt-BR" sz="900" b="0" i="0" u="none" strike="noStrike">
+                        <a:solidFill>
+                          <a:srgbClr val="000000"/>
+                        </a:solidFill>
+                        <a:effectLst/>
+                        <a:latin typeface="Arial" panose="020B0604020202020204" pitchFamily="34" charset="0"/>
+                      </a:endParaRPr>
+                    </a:p>
+                  </a:txBody>
+                  <a:tcPr marL="7815" marR="7815" marT="7815" marB="37512" anchor="ctr">
+                    <a:lnL w="6350" cap="flat" cmpd="sng" algn="ctr">
+                      <a:solidFill>
+                        <a:srgbClr val="000000"/>
+                      </a:solidFill>
+                      <a:prstDash val="solid"/>
+                      <a:round/>
+                      <a:headEnd type="none" w="med" len="med"/>
+                      <a:tailEnd type="none" w="med" len="med"/>
+                    </a:lnL>
+                    <a:lnR w="6350" cap="flat" cmpd="sng" algn="ctr">
+                      <a:solidFill>
+                        <a:srgbClr val="000000"/>
+                      </a:solidFill>
+                      <a:prstDash val="solid"/>
+                      <a:round/>
+                      <a:headEnd type="none" w="med" len="med"/>
+                      <a:tailEnd type="none" w="med" len="med"/>
+                    </a:lnR>
+                    <a:lnT w="6350" cap="flat" cmpd="sng" algn="ctr">
+                      <a:solidFill>
+                        <a:srgbClr val="000000"/>
+                      </a:solidFill>
+                      <a:prstDash val="solid"/>
+                      <a:round/>
+                      <a:headEnd type="none" w="med" len="med"/>
+                      <a:tailEnd type="none" w="med" len="med"/>
+                    </a:lnT>
+                    <a:lnB w="6350" cap="flat" cmpd="sng" algn="ctr">
+                      <a:solidFill>
+                        <a:srgbClr val="000000"/>
+                      </a:solidFill>
+                      <a:prstDash val="solid"/>
+                      <a:round/>
+                      <a:headEnd type="none" w="med" len="med"/>
+                      <a:tailEnd type="none" w="med" len="med"/>
+                    </a:lnB>
+                    <a:solidFill>
+                      <a:srgbClr val="FCE4D6"/>
+                    </a:solidFill>
+                  </a:tcPr>
+                </a:tc>
+                <a:tc>
+                  <a:txBody>
+                    <a:bodyPr/>
+                    <a:lstStyle/>
+                    <a:p>
+                      <a:pPr algn="ctr" fontAlgn="ctr"/>
+                      <a:endParaRPr lang="pt-BR" sz="900" b="0" i="0" u="none" strike="noStrike">
+                        <a:solidFill>
+                          <a:srgbClr val="000000"/>
+                        </a:solidFill>
+                        <a:effectLst/>
+                        <a:latin typeface="Arial" panose="020B0604020202020204" pitchFamily="34" charset="0"/>
+                      </a:endParaRPr>
+                    </a:p>
+                  </a:txBody>
+                  <a:tcPr marL="7815" marR="7815" marT="7815" marB="37512" anchor="ctr">
+                    <a:lnL w="6350" cap="flat" cmpd="sng" algn="ctr">
+                      <a:solidFill>
+                        <a:srgbClr val="000000"/>
+                      </a:solidFill>
+                      <a:prstDash val="solid"/>
+                      <a:round/>
+                      <a:headEnd type="none" w="med" len="med"/>
+                      <a:tailEnd type="none" w="med" len="med"/>
+                    </a:lnL>
+                    <a:lnR w="6350" cap="flat" cmpd="sng" algn="ctr">
+                      <a:solidFill>
+                        <a:srgbClr val="000000"/>
+                      </a:solidFill>
+                      <a:prstDash val="solid"/>
+                      <a:round/>
+                      <a:headEnd type="none" w="med" len="med"/>
+                      <a:tailEnd type="none" w="med" len="med"/>
+                    </a:lnR>
+                    <a:lnT w="6350" cap="flat" cmpd="sng" algn="ctr">
+                      <a:solidFill>
+                        <a:srgbClr val="000000"/>
+                      </a:solidFill>
+                      <a:prstDash val="solid"/>
+                      <a:round/>
+                      <a:headEnd type="none" w="med" len="med"/>
+                      <a:tailEnd type="none" w="med" len="med"/>
+                    </a:lnT>
+                    <a:lnB w="6350" cap="flat" cmpd="sng" algn="ctr">
+                      <a:solidFill>
+                        <a:srgbClr val="000000"/>
+                      </a:solidFill>
+                      <a:prstDash val="solid"/>
+                      <a:round/>
+                      <a:headEnd type="none" w="med" len="med"/>
+                      <a:tailEnd type="none" w="med" len="med"/>
+                    </a:lnB>
+                    <a:solidFill>
+                      <a:srgbClr val="FCE4D6"/>
+                    </a:solidFill>
                   </a:tcPr>
                 </a:tc>
                 <a:tc>
@@ -8432,18 +10669,18 @@
                     <a:p>
                       <a:pPr algn="ctr" fontAlgn="ctr"/>
                       <a:r>
-                        <a:rPr lang="pt-BR" sz="1100" b="0" i="0" u="none" strike="noStrike">
+                        <a:rPr lang="pt-BR" sz="900" b="0" i="0" u="none" strike="noStrike">
                           <a:solidFill>
                             <a:srgbClr val="000000"/>
                           </a:solidFill>
                           <a:effectLst/>
                           <a:latin typeface="Arial"/>
                         </a:rPr>
-                        <a:t>x(6)</a:t>
+                        <a:t>x(10)</a:t>
                       </a:r>
                     </a:p>
                   </a:txBody>
-                  <a:tcPr marL="9525" marR="9525" marT="9525" marB="0" anchor="ctr">
+                  <a:tcPr marL="7815" marR="7815" marT="7815" marB="37512" anchor="ctr">
                     <a:lnL w="6350" cap="flat" cmpd="sng" algn="ctr">
                       <a:solidFill>
                         <a:srgbClr val="000000"/>
@@ -8481,7 +10718,7 @@
                       <a:tailEnd type="none" w="med" len="med"/>
                     </a:lnB>
                     <a:solidFill>
-                      <a:srgbClr val="FCE4D6"/>
+                      <a:srgbClr val="E2EFDA"/>
                     </a:solidFill>
                   </a:tcPr>
                 </a:tc>
@@ -8491,16 +10728,16 @@
                     <a:lstStyle/>
                     <a:p>
                       <a:pPr algn="ctr" fontAlgn="ctr"/>
-                      <a:endParaRPr lang="pt-BR" sz="1100" b="0" i="0" u="none" strike="noStrike">
+                      <a:endParaRPr lang="pt-BR" sz="900" b="0" i="0" u="none" strike="noStrike">
                         <a:solidFill>
                           <a:srgbClr val="000000"/>
                         </a:solidFill>
                         <a:effectLst/>
-                        <a:latin typeface="Arial"/>
+                        <a:latin typeface="Arial" panose="020B0604020202020204" pitchFamily="34" charset="0"/>
                       </a:endParaRPr>
                     </a:p>
                   </a:txBody>
-                  <a:tcPr marL="9525" marR="9525" marT="9525" marB="0" anchor="ctr">
+                  <a:tcPr marL="7815" marR="7815" marT="7815" marB="37512" anchor="ctr">
                     <a:lnL w="6350" cap="flat" cmpd="sng" algn="ctr">
                       <a:solidFill>
                         <a:srgbClr val="000000"/>
@@ -8538,7 +10775,7 @@
                       <a:tailEnd type="none" w="med" len="med"/>
                     </a:lnB>
                     <a:solidFill>
-                      <a:srgbClr val="FCE4D6"/>
+                      <a:srgbClr val="E2EFDA"/>
                     </a:solidFill>
                   </a:tcPr>
                 </a:tc>
@@ -8548,16 +10785,16 @@
                     <a:lstStyle/>
                     <a:p>
                       <a:pPr algn="ctr" fontAlgn="ctr"/>
-                      <a:endParaRPr lang="pt-BR" sz="1100" b="0" i="0" u="none" strike="noStrike">
+                      <a:endParaRPr lang="pt-BR" sz="900" b="0" i="0" u="none" strike="noStrike">
                         <a:solidFill>
                           <a:srgbClr val="000000"/>
                         </a:solidFill>
                         <a:effectLst/>
-                        <a:latin typeface="Arial"/>
+                        <a:latin typeface="Arial" panose="020B0604020202020204" pitchFamily="34" charset="0"/>
                       </a:endParaRPr>
                     </a:p>
                   </a:txBody>
-                  <a:tcPr marL="9525" marR="9525" marT="9525" marB="0" anchor="ctr">
+                  <a:tcPr marL="7815" marR="7815" marT="7815" marB="37512" anchor="ctr">
                     <a:lnL w="6350" cap="flat" cmpd="sng" algn="ctr">
                       <a:solidFill>
                         <a:srgbClr val="000000"/>
@@ -8605,130 +10842,16 @@
                     <a:lstStyle/>
                     <a:p>
                       <a:pPr algn="ctr" fontAlgn="ctr"/>
-                      <a:endParaRPr lang="pt-BR" sz="1100" b="0" i="0" u="none" strike="noStrike">
+                      <a:endParaRPr lang="pt-BR" sz="900" b="0" i="0" u="none" strike="noStrike">
                         <a:solidFill>
                           <a:srgbClr val="000000"/>
                         </a:solidFill>
                         <a:effectLst/>
-                        <a:latin typeface="Arial"/>
+                        <a:latin typeface="Arial" panose="020B0604020202020204" pitchFamily="34" charset="0"/>
                       </a:endParaRPr>
                     </a:p>
                   </a:txBody>
-                  <a:tcPr marL="9525" marR="9525" marT="9525" marB="0" anchor="ctr">
-                    <a:lnL w="6350" cap="flat" cmpd="sng" algn="ctr">
-                      <a:solidFill>
-                        <a:srgbClr val="000000"/>
-                      </a:solidFill>
-                      <a:prstDash val="solid"/>
-                      <a:round/>
-                      <a:headEnd type="none" w="med" len="med"/>
-                      <a:tailEnd type="none" w="med" len="med"/>
-                    </a:lnL>
-                    <a:lnR w="6350" cap="flat" cmpd="sng" algn="ctr">
-                      <a:solidFill>
-                        <a:srgbClr val="000000"/>
-                      </a:solidFill>
-                      <a:prstDash val="solid"/>
-                      <a:round/>
-                      <a:headEnd type="none" w="med" len="med"/>
-                      <a:tailEnd type="none" w="med" len="med"/>
-                    </a:lnR>
-                    <a:lnT w="6350" cap="flat" cmpd="sng" algn="ctr">
-                      <a:solidFill>
-                        <a:srgbClr val="000000"/>
-                      </a:solidFill>
-                      <a:prstDash val="solid"/>
-                      <a:round/>
-                      <a:headEnd type="none" w="med" len="med"/>
-                      <a:tailEnd type="none" w="med" len="med"/>
-                    </a:lnT>
-                    <a:lnB w="6350" cap="flat" cmpd="sng" algn="ctr">
-                      <a:solidFill>
-                        <a:srgbClr val="000000"/>
-                      </a:solidFill>
-                      <a:prstDash val="solid"/>
-                      <a:round/>
-                      <a:headEnd type="none" w="med" len="med"/>
-                      <a:tailEnd type="none" w="med" len="med"/>
-                    </a:lnB>
-                    <a:solidFill>
-                      <a:srgbClr val="E2EFDA"/>
-                    </a:solidFill>
-                  </a:tcPr>
-                </a:tc>
-                <a:tc>
-                  <a:txBody>
-                    <a:bodyPr/>
-                    <a:lstStyle/>
-                    <a:p>
-                      <a:pPr algn="ctr" fontAlgn="ctr"/>
-                      <a:endParaRPr lang="pt-BR" sz="1100" b="0" i="0" u="none" strike="noStrike">
-                        <a:solidFill>
-                          <a:srgbClr val="000000"/>
-                        </a:solidFill>
-                        <a:effectLst/>
-                        <a:latin typeface="Arial"/>
-                      </a:endParaRPr>
-                    </a:p>
-                  </a:txBody>
-                  <a:tcPr marL="9525" marR="9525" marT="9525" marB="0" anchor="ctr">
-                    <a:lnL w="6350" cap="flat" cmpd="sng" algn="ctr">
-                      <a:solidFill>
-                        <a:srgbClr val="000000"/>
-                      </a:solidFill>
-                      <a:prstDash val="solid"/>
-                      <a:round/>
-                      <a:headEnd type="none" w="med" len="med"/>
-                      <a:tailEnd type="none" w="med" len="med"/>
-                    </a:lnL>
-                    <a:lnR w="6350" cap="flat" cmpd="sng" algn="ctr">
-                      <a:solidFill>
-                        <a:srgbClr val="000000"/>
-                      </a:solidFill>
-                      <a:prstDash val="solid"/>
-                      <a:round/>
-                      <a:headEnd type="none" w="med" len="med"/>
-                      <a:tailEnd type="none" w="med" len="med"/>
-                    </a:lnR>
-                    <a:lnT w="6350" cap="flat" cmpd="sng" algn="ctr">
-                      <a:solidFill>
-                        <a:srgbClr val="000000"/>
-                      </a:solidFill>
-                      <a:prstDash val="solid"/>
-                      <a:round/>
-                      <a:headEnd type="none" w="med" len="med"/>
-                      <a:tailEnd type="none" w="med" len="med"/>
-                    </a:lnT>
-                    <a:lnB w="6350" cap="flat" cmpd="sng" algn="ctr">
-                      <a:solidFill>
-                        <a:srgbClr val="000000"/>
-                      </a:solidFill>
-                      <a:prstDash val="solid"/>
-                      <a:round/>
-                      <a:headEnd type="none" w="med" len="med"/>
-                      <a:tailEnd type="none" w="med" len="med"/>
-                    </a:lnB>
-                    <a:solidFill>
-                      <a:srgbClr val="E2EFDA"/>
-                    </a:solidFill>
-                  </a:tcPr>
-                </a:tc>
-                <a:tc>
-                  <a:txBody>
-                    <a:bodyPr/>
-                    <a:lstStyle/>
-                    <a:p>
-                      <a:pPr algn="ctr" fontAlgn="ctr"/>
-                      <a:endParaRPr lang="pt-BR" sz="1100" b="0" i="0" u="none" strike="noStrike">
-                        <a:solidFill>
-                          <a:srgbClr val="000000"/>
-                        </a:solidFill>
-                        <a:effectLst/>
-                        <a:latin typeface="Arial"/>
-                      </a:endParaRPr>
-                    </a:p>
-                  </a:txBody>
-                  <a:tcPr marL="9525" marR="9525" marT="9525" marB="0" anchor="ctr">
+                  <a:tcPr marL="7815" marR="7815" marT="7815" marB="37512" anchor="ctr">
                     <a:lnL w="6350" cap="flat" cmpd="sng" algn="ctr">
                       <a:solidFill>
                         <a:srgbClr val="000000"/>
@@ -8772,11 +10895,11 @@
                 </a:tc>
                 <a:extLst>
                   <a:ext uri="{0D108BD9-81ED-4DB2-BD59-A6C34878D82A}">
-                    <a16:rowId xmlns:a16="http://schemas.microsoft.com/office/drawing/2014/main" val="3622705654"/>
+                    <a16:rowId xmlns:a16="http://schemas.microsoft.com/office/drawing/2014/main" val="2764660211"/>
                   </a:ext>
                 </a:extLst>
               </a:tr>
-              <a:tr h="365760">
+              <a:tr h="360000">
                 <a:tc vMerge="1">
                   <a:txBody>
                     <a:bodyPr/>
@@ -8794,7 +10917,7 @@
                     <a:p>
                       <a:pPr algn="ctr" fontAlgn="ctr"/>
                       <a:r>
-                        <a:rPr lang="pt-BR" sz="1100" b="1" i="0" u="none" strike="noStrike">
+                        <a:rPr lang="pt-BR" sz="900" b="1" i="0" u="none" strike="noStrike">
                           <a:solidFill>
                             <a:srgbClr val="000000"/>
                           </a:solidFill>
@@ -8805,7 +10928,7 @@
                       </a:r>
                     </a:p>
                   </a:txBody>
-                  <a:tcPr marL="9525" marR="9525" marT="9525" marB="0" vert="vert270" anchor="ctr">
+                  <a:tcPr marL="7815" marR="7815" marT="7815" marB="37512" vert="vert270" anchor="ctr">
                     <a:lnL w="6350" cap="flat" cmpd="sng" algn="ctr">
                       <a:solidFill>
                         <a:srgbClr val="000000"/>
@@ -8851,18 +10974,18 @@
                     <a:p>
                       <a:pPr algn="ctr" fontAlgn="ctr"/>
                       <a:r>
-                        <a:rPr lang="pt-BR" sz="1100" b="0" i="0" u="none" strike="noStrike">
+                        <a:rPr lang="pt-BR" sz="900" b="0" i="0" u="none" strike="noStrike">
                           <a:solidFill>
                             <a:srgbClr val="000000"/>
                           </a:solidFill>
                           <a:effectLst/>
                           <a:latin typeface="Arial"/>
                         </a:rPr>
-                        <a:t>8</a:t>
+                        <a:t>12</a:t>
                       </a:r>
                     </a:p>
                   </a:txBody>
-                  <a:tcPr marL="9525" marR="9525" marT="9525" marB="0" anchor="ctr">
+                  <a:tcPr marL="7815" marR="7815" marT="7815" marB="37512" anchor="ctr">
                     <a:lnL w="6350" cap="flat" cmpd="sng" algn="ctr">
                       <a:solidFill>
                         <a:srgbClr val="000000"/>
@@ -8906,9 +11029,9 @@
                     <a:bodyPr/>
                     <a:lstStyle/>
                     <a:p>
-                      <a:pPr algn="l" fontAlgn="ctr"/>
+                      <a:pPr algn="l" rtl="0" fontAlgn="ctr"/>
                       <a:r>
-                        <a:rPr lang="pt-BR" sz="1100" b="0" i="0" u="none" strike="noStrike">
+                        <a:rPr lang="pt-BR" sz="900" b="0" i="0" u="none" strike="noStrike">
                           <a:solidFill>
                             <a:srgbClr val="000000"/>
                           </a:solidFill>
@@ -8919,7 +11042,7 @@
                       </a:r>
                     </a:p>
                   </a:txBody>
-                  <a:tcPr marL="9525" marR="9525" marT="9525" marB="0" anchor="ctr">
+                  <a:tcPr marL="7815" marR="7815" marT="7815" marB="37512" anchor="ctr">
                     <a:lnL w="6350" cap="flat" cmpd="sng" algn="ctr">
                       <a:solidFill>
                         <a:srgbClr val="000000"/>
@@ -8964,16 +11087,16 @@
                     <a:lstStyle/>
                     <a:p>
                       <a:pPr algn="ctr" fontAlgn="ctr"/>
-                      <a:endParaRPr lang="pt-BR" sz="1100" b="0" i="0" u="none" strike="noStrike">
+                      <a:endParaRPr lang="pt-BR" sz="900" b="0" i="0" u="none" strike="noStrike">
                         <a:solidFill>
                           <a:srgbClr val="000000"/>
                         </a:solidFill>
                         <a:effectLst/>
-                        <a:latin typeface="Arial"/>
+                        <a:latin typeface="Arial" panose="020B0604020202020204" pitchFamily="34" charset="0"/>
                       </a:endParaRPr>
                     </a:p>
                   </a:txBody>
-                  <a:tcPr marL="9525" marR="9525" marT="9525" marB="0" anchor="ctr">
+                  <a:tcPr marL="7815" marR="7815" marT="7815" marB="37512" anchor="ctr">
                     <a:lnL w="6350" cap="flat" cmpd="sng" algn="ctr">
                       <a:solidFill>
                         <a:srgbClr val="000000"/>
@@ -9022,18 +11145,18 @@
                     <a:p>
                       <a:pPr algn="ctr" fontAlgn="ctr"/>
                       <a:r>
-                        <a:rPr lang="pt-BR" sz="1100" b="0" i="0" u="none" strike="noStrike">
+                        <a:rPr lang="pt-BR" sz="900" b="0" i="0" u="none" strike="noStrike">
                           <a:solidFill>
                             <a:srgbClr val="000000"/>
                           </a:solidFill>
                           <a:effectLst/>
                           <a:latin typeface="Arial"/>
                         </a:rPr>
-                        <a:t>x(5)</a:t>
+                        <a:t>x</a:t>
                       </a:r>
                     </a:p>
                   </a:txBody>
-                  <a:tcPr marL="9525" marR="9525" marT="9525" marB="0" anchor="ctr">
+                  <a:tcPr marL="7815" marR="7815" marT="7815" marB="37512" anchor="ctr">
                     <a:lnL w="6350" cap="flat" cmpd="sng" algn="ctr">
                       <a:solidFill>
                         <a:srgbClr val="000000"/>
@@ -9081,16 +11204,16 @@
                     <a:lstStyle/>
                     <a:p>
                       <a:pPr algn="ctr" fontAlgn="ctr"/>
-                      <a:endParaRPr lang="pt-BR" sz="1100" b="0" i="0" u="none" strike="noStrike">
+                      <a:endParaRPr lang="pt-BR" sz="900" b="0" i="0" u="none" strike="noStrike">
                         <a:solidFill>
                           <a:srgbClr val="000000"/>
                         </a:solidFill>
                         <a:effectLst/>
-                        <a:latin typeface="Arial"/>
+                        <a:latin typeface="Arial" panose="020B0604020202020204" pitchFamily="34" charset="0"/>
                       </a:endParaRPr>
                     </a:p>
                   </a:txBody>
-                  <a:tcPr marL="9525" marR="9525" marT="9525" marB="0" anchor="ctr">
+                  <a:tcPr marL="7815" marR="7815" marT="7815" marB="37512" anchor="ctr">
                     <a:lnL w="6350" cap="flat" cmpd="sng" algn="ctr">
                       <a:solidFill>
                         <a:srgbClr val="000000"/>
@@ -9138,16 +11261,16 @@
                     <a:lstStyle/>
                     <a:p>
                       <a:pPr algn="ctr" fontAlgn="ctr"/>
-                      <a:endParaRPr lang="pt-BR" sz="1100" b="0" i="0" u="none" strike="noStrike">
+                      <a:endParaRPr lang="pt-BR" sz="900" b="0" i="0" u="none" strike="noStrike">
                         <a:solidFill>
                           <a:srgbClr val="000000"/>
                         </a:solidFill>
                         <a:effectLst/>
-                        <a:latin typeface="Arial"/>
+                        <a:latin typeface="Arial" panose="020B0604020202020204" pitchFamily="34" charset="0"/>
                       </a:endParaRPr>
                     </a:p>
                   </a:txBody>
-                  <a:tcPr marL="9525" marR="9525" marT="9525" marB="0" anchor="ctr">
+                  <a:tcPr marL="7815" marR="7815" marT="7815" marB="37512" anchor="ctr">
                     <a:lnL w="6350" cap="flat" cmpd="sng" algn="ctr">
                       <a:solidFill>
                         <a:srgbClr val="000000"/>
@@ -9195,16 +11318,16 @@
                     <a:lstStyle/>
                     <a:p>
                       <a:pPr algn="ctr" fontAlgn="ctr"/>
-                      <a:endParaRPr lang="pt-BR" sz="1100" b="0" i="0" u="none" strike="noStrike">
+                      <a:endParaRPr lang="pt-BR" sz="900" b="0" i="0" u="none" strike="noStrike">
                         <a:solidFill>
                           <a:srgbClr val="000000"/>
                         </a:solidFill>
                         <a:effectLst/>
-                        <a:latin typeface="Arial"/>
+                        <a:latin typeface="Arial" panose="020B0604020202020204" pitchFamily="34" charset="0"/>
                       </a:endParaRPr>
                     </a:p>
                   </a:txBody>
-                  <a:tcPr marL="9525" marR="9525" marT="9525" marB="0" anchor="ctr">
+                  <a:tcPr marL="7815" marR="7815" marT="7815" marB="37512" anchor="ctr">
                     <a:lnL w="6350" cap="flat" cmpd="sng" algn="ctr">
                       <a:solidFill>
                         <a:srgbClr val="000000"/>
@@ -9252,19 +11375,599 @@
                     <a:lstStyle/>
                     <a:p>
                       <a:pPr algn="ctr" fontAlgn="ctr"/>
+                      <a:endParaRPr lang="pt-BR" sz="900" b="0" i="0" u="none" strike="noStrike">
+                        <a:solidFill>
+                          <a:srgbClr val="000000"/>
+                        </a:solidFill>
+                        <a:effectLst/>
+                        <a:latin typeface="Arial" panose="020B0604020202020204" pitchFamily="34" charset="0"/>
+                      </a:endParaRPr>
+                    </a:p>
+                  </a:txBody>
+                  <a:tcPr marL="7815" marR="7815" marT="7815" marB="37512" anchor="ctr">
+                    <a:lnL w="6350" cap="flat" cmpd="sng" algn="ctr">
+                      <a:solidFill>
+                        <a:srgbClr val="000000"/>
+                      </a:solidFill>
+                      <a:prstDash val="solid"/>
+                      <a:round/>
+                      <a:headEnd type="none" w="med" len="med"/>
+                      <a:tailEnd type="none" w="med" len="med"/>
+                    </a:lnL>
+                    <a:lnR w="6350" cap="flat" cmpd="sng" algn="ctr">
+                      <a:solidFill>
+                        <a:srgbClr val="000000"/>
+                      </a:solidFill>
+                      <a:prstDash val="solid"/>
+                      <a:round/>
+                      <a:headEnd type="none" w="med" len="med"/>
+                      <a:tailEnd type="none" w="med" len="med"/>
+                    </a:lnR>
+                    <a:lnT w="6350" cap="flat" cmpd="sng" algn="ctr">
+                      <a:solidFill>
+                        <a:srgbClr val="000000"/>
+                      </a:solidFill>
+                      <a:prstDash val="solid"/>
+                      <a:round/>
+                      <a:headEnd type="none" w="med" len="med"/>
+                      <a:tailEnd type="none" w="med" len="med"/>
+                    </a:lnT>
+                    <a:lnB w="6350" cap="flat" cmpd="sng" algn="ctr">
+                      <a:solidFill>
+                        <a:srgbClr val="000000"/>
+                      </a:solidFill>
+                      <a:prstDash val="solid"/>
+                      <a:round/>
+                      <a:headEnd type="none" w="med" len="med"/>
+                      <a:tailEnd type="none" w="med" len="med"/>
+                    </a:lnB>
+                    <a:solidFill>
+                      <a:srgbClr val="D0CECE"/>
+                    </a:solidFill>
+                  </a:tcPr>
+                </a:tc>
+                <a:extLst>
+                  <a:ext uri="{0D108BD9-81ED-4DB2-BD59-A6C34878D82A}">
+                    <a16:rowId xmlns:a16="http://schemas.microsoft.com/office/drawing/2014/main" val="554074029"/>
+                  </a:ext>
+                </a:extLst>
+              </a:tr>
+              <a:tr h="360000">
+                <a:tc rowSpan="2">
+                  <a:txBody>
+                    <a:bodyPr/>
+                    <a:lstStyle/>
+                    <a:p>
+                      <a:pPr algn="ctr" fontAlgn="ctr"/>
                       <a:r>
-                        <a:rPr lang="pt-BR" sz="1100" b="0" i="0" u="none" strike="noStrike">
+                        <a:rPr lang="pt-BR" sz="900" b="1" i="0" u="none" strike="noStrike">
                           <a:solidFill>
                             <a:srgbClr val="000000"/>
                           </a:solidFill>
                           <a:effectLst/>
-                          <a:latin typeface="Arial" panose="020B0604020202020204" pitchFamily="34" charset="0"/>
+                          <a:latin typeface="Arial"/>
                         </a:rPr>
-                        <a:t> </a:t>
+                        <a:t>Entregar o pedido ao cliente</a:t>
                       </a:r>
                     </a:p>
                   </a:txBody>
-                  <a:tcPr marL="9525" marR="9525" marT="9525" marB="0" anchor="ctr">
+                  <a:tcPr marL="7815" marR="7815" marT="7815" marB="37512" vert="vert270" anchor="ctr">
+                    <a:lnL w="6350" cap="flat" cmpd="sng" algn="ctr">
+                      <a:solidFill>
+                        <a:srgbClr val="000000"/>
+                      </a:solidFill>
+                      <a:prstDash val="solid"/>
+                      <a:round/>
+                      <a:headEnd type="none" w="med" len="med"/>
+                      <a:tailEnd type="none" w="med" len="med"/>
+                    </a:lnL>
+                    <a:lnR w="6350" cap="flat" cmpd="sng" algn="ctr">
+                      <a:solidFill>
+                        <a:srgbClr val="000000"/>
+                      </a:solidFill>
+                      <a:prstDash val="solid"/>
+                      <a:round/>
+                      <a:headEnd type="none" w="med" len="med"/>
+                      <a:tailEnd type="none" w="med" len="med"/>
+                    </a:lnR>
+                    <a:lnT w="6350" cap="flat" cmpd="sng" algn="ctr">
+                      <a:solidFill>
+                        <a:srgbClr val="000000"/>
+                      </a:solidFill>
+                      <a:prstDash val="solid"/>
+                      <a:round/>
+                      <a:headEnd type="none" w="med" len="med"/>
+                      <a:tailEnd type="none" w="med" len="med"/>
+                    </a:lnT>
+                    <a:lnB w="6350" cap="flat" cmpd="sng" algn="ctr">
+                      <a:solidFill>
+                        <a:srgbClr val="000000"/>
+                      </a:solidFill>
+                      <a:prstDash val="solid"/>
+                      <a:round/>
+                      <a:headEnd type="none" w="med" len="med"/>
+                      <a:tailEnd type="none" w="med" len="med"/>
+                    </a:lnB>
+                    <a:solidFill>
+                      <a:srgbClr val="FF66FF"/>
+                    </a:solidFill>
+                  </a:tcPr>
+                </a:tc>
+                <a:tc rowSpan="2">
+                  <a:txBody>
+                    <a:bodyPr/>
+                    <a:lstStyle/>
+                    <a:p>
+                      <a:pPr algn="ctr" fontAlgn="ctr"/>
+                      <a:r>
+                        <a:rPr lang="pt-BR" sz="900" b="1" i="0" u="none" strike="noStrike">
+                          <a:solidFill>
+                            <a:srgbClr val="000000"/>
+                          </a:solidFill>
+                          <a:effectLst/>
+                          <a:latin typeface="Arial"/>
+                        </a:rPr>
+                        <a:t>FB</a:t>
+                      </a:r>
+                    </a:p>
+                  </a:txBody>
+                  <a:tcPr marL="7815" marR="7815" marT="7815" marB="37512" vert="vert270" anchor="ctr">
+                    <a:lnL w="6350" cap="flat" cmpd="sng" algn="ctr">
+                      <a:solidFill>
+                        <a:srgbClr val="000000"/>
+                      </a:solidFill>
+                      <a:prstDash val="solid"/>
+                      <a:round/>
+                      <a:headEnd type="none" w="med" len="med"/>
+                      <a:tailEnd type="none" w="med" len="med"/>
+                    </a:lnL>
+                    <a:lnR w="6350" cap="flat" cmpd="sng" algn="ctr">
+                      <a:solidFill>
+                        <a:srgbClr val="000000"/>
+                      </a:solidFill>
+                      <a:prstDash val="solid"/>
+                      <a:round/>
+                      <a:headEnd type="none" w="med" len="med"/>
+                      <a:tailEnd type="none" w="med" len="med"/>
+                    </a:lnR>
+                    <a:lnT w="6350" cap="flat" cmpd="sng" algn="ctr">
+                      <a:solidFill>
+                        <a:srgbClr val="000000"/>
+                      </a:solidFill>
+                      <a:prstDash val="solid"/>
+                      <a:round/>
+                      <a:headEnd type="none" w="med" len="med"/>
+                      <a:tailEnd type="none" w="med" len="med"/>
+                    </a:lnT>
+                    <a:lnB w="6350" cap="flat" cmpd="sng" algn="ctr">
+                      <a:solidFill>
+                        <a:srgbClr val="000000"/>
+                      </a:solidFill>
+                      <a:prstDash val="solid"/>
+                      <a:round/>
+                      <a:headEnd type="none" w="med" len="med"/>
+                      <a:tailEnd type="none" w="med" len="med"/>
+                    </a:lnB>
+                  </a:tcPr>
+                </a:tc>
+                <a:tc>
+                  <a:txBody>
+                    <a:bodyPr/>
+                    <a:lstStyle/>
+                    <a:p>
+                      <a:pPr algn="ctr" fontAlgn="ctr"/>
+                      <a:r>
+                        <a:rPr lang="pt-BR" sz="900" b="0" i="0" u="none" strike="noStrike">
+                          <a:solidFill>
+                            <a:srgbClr val="000000"/>
+                          </a:solidFill>
+                          <a:effectLst/>
+                          <a:latin typeface="Arial"/>
+                        </a:rPr>
+                        <a:t>13</a:t>
+                      </a:r>
+                    </a:p>
+                  </a:txBody>
+                  <a:tcPr marL="7815" marR="7815" marT="7815" marB="37512" anchor="ctr">
+                    <a:lnL w="6350" cap="flat" cmpd="sng" algn="ctr">
+                      <a:solidFill>
+                        <a:srgbClr val="000000"/>
+                      </a:solidFill>
+                      <a:prstDash val="solid"/>
+                      <a:round/>
+                      <a:headEnd type="none" w="med" len="med"/>
+                      <a:tailEnd type="none" w="med" len="med"/>
+                    </a:lnL>
+                    <a:lnR w="6350" cap="flat" cmpd="sng" algn="ctr">
+                      <a:solidFill>
+                        <a:srgbClr val="000000"/>
+                      </a:solidFill>
+                      <a:prstDash val="solid"/>
+                      <a:round/>
+                      <a:headEnd type="none" w="med" len="med"/>
+                      <a:tailEnd type="none" w="med" len="med"/>
+                    </a:lnR>
+                    <a:lnT w="6350" cap="flat" cmpd="sng" algn="ctr">
+                      <a:solidFill>
+                        <a:srgbClr val="000000"/>
+                      </a:solidFill>
+                      <a:prstDash val="solid"/>
+                      <a:round/>
+                      <a:headEnd type="none" w="med" len="med"/>
+                      <a:tailEnd type="none" w="med" len="med"/>
+                    </a:lnT>
+                    <a:lnB w="6350" cap="flat" cmpd="sng" algn="ctr">
+                      <a:solidFill>
+                        <a:srgbClr val="000000"/>
+                      </a:solidFill>
+                      <a:prstDash val="solid"/>
+                      <a:round/>
+                      <a:headEnd type="none" w="med" len="med"/>
+                      <a:tailEnd type="none" w="med" len="med"/>
+                    </a:lnB>
+                  </a:tcPr>
+                </a:tc>
+                <a:tc>
+                  <a:txBody>
+                    <a:bodyPr/>
+                    <a:lstStyle/>
+                    <a:p>
+                      <a:pPr algn="l" fontAlgn="ctr"/>
+                      <a:r>
+                        <a:rPr lang="pt-BR" sz="900" b="0" i="0" u="none" strike="noStrike">
+                          <a:solidFill>
+                            <a:srgbClr val="000000"/>
+                          </a:solidFill>
+                          <a:effectLst/>
+                          <a:latin typeface="Arial"/>
+                        </a:rPr>
+                        <a:t>Cliente solicita retirada do pedido</a:t>
+                      </a:r>
+                    </a:p>
+                  </a:txBody>
+                  <a:tcPr marL="7815" marR="7815" marT="7815" marB="37512" anchor="ctr">
+                    <a:lnL w="6350" cap="flat" cmpd="sng" algn="ctr">
+                      <a:solidFill>
+                        <a:srgbClr val="000000"/>
+                      </a:solidFill>
+                      <a:prstDash val="solid"/>
+                      <a:round/>
+                      <a:headEnd type="none" w="med" len="med"/>
+                      <a:tailEnd type="none" w="med" len="med"/>
+                    </a:lnL>
+                    <a:lnR w="6350" cap="flat" cmpd="sng" algn="ctr">
+                      <a:solidFill>
+                        <a:srgbClr val="000000"/>
+                      </a:solidFill>
+                      <a:prstDash val="solid"/>
+                      <a:round/>
+                      <a:headEnd type="none" w="med" len="med"/>
+                      <a:tailEnd type="none" w="med" len="med"/>
+                    </a:lnR>
+                    <a:lnT w="6350" cap="flat" cmpd="sng" algn="ctr">
+                      <a:solidFill>
+                        <a:srgbClr val="000000"/>
+                      </a:solidFill>
+                      <a:prstDash val="solid"/>
+                      <a:round/>
+                      <a:headEnd type="none" w="med" len="med"/>
+                      <a:tailEnd type="none" w="med" len="med"/>
+                    </a:lnT>
+                    <a:lnB w="6350" cap="flat" cmpd="sng" algn="ctr">
+                      <a:solidFill>
+                        <a:srgbClr val="000000"/>
+                      </a:solidFill>
+                      <a:prstDash val="solid"/>
+                      <a:round/>
+                      <a:headEnd type="none" w="med" len="med"/>
+                      <a:tailEnd type="none" w="med" len="med"/>
+                    </a:lnB>
+                  </a:tcPr>
+                </a:tc>
+                <a:tc>
+                  <a:txBody>
+                    <a:bodyPr/>
+                    <a:lstStyle/>
+                    <a:p>
+                      <a:pPr algn="ctr" fontAlgn="ctr"/>
+                      <a:r>
+                        <a:rPr lang="pt-BR" sz="900" b="0" i="0" u="none" strike="noStrike">
+                          <a:solidFill>
+                            <a:srgbClr val="000000"/>
+                          </a:solidFill>
+                          <a:effectLst/>
+                          <a:latin typeface="Arial"/>
+                        </a:rPr>
+                        <a:t>x(7)</a:t>
+                      </a:r>
+                    </a:p>
+                  </a:txBody>
+                  <a:tcPr marL="7815" marR="7815" marT="7815" marB="37512" anchor="ctr">
+                    <a:lnL w="6350" cap="flat" cmpd="sng" algn="ctr">
+                      <a:solidFill>
+                        <a:srgbClr val="000000"/>
+                      </a:solidFill>
+                      <a:prstDash val="solid"/>
+                      <a:round/>
+                      <a:headEnd type="none" w="med" len="med"/>
+                      <a:tailEnd type="none" w="med" len="med"/>
+                    </a:lnL>
+                    <a:lnR w="6350" cap="flat" cmpd="sng" algn="ctr">
+                      <a:solidFill>
+                        <a:srgbClr val="000000"/>
+                      </a:solidFill>
+                      <a:prstDash val="solid"/>
+                      <a:round/>
+                      <a:headEnd type="none" w="med" len="med"/>
+                      <a:tailEnd type="none" w="med" len="med"/>
+                    </a:lnR>
+                    <a:lnT w="6350" cap="flat" cmpd="sng" algn="ctr">
+                      <a:solidFill>
+                        <a:srgbClr val="000000"/>
+                      </a:solidFill>
+                      <a:prstDash val="solid"/>
+                      <a:round/>
+                      <a:headEnd type="none" w="med" len="med"/>
+                      <a:tailEnd type="none" w="med" len="med"/>
+                    </a:lnT>
+                    <a:lnB w="6350" cap="flat" cmpd="sng" algn="ctr">
+                      <a:solidFill>
+                        <a:srgbClr val="000000"/>
+                      </a:solidFill>
+                      <a:prstDash val="solid"/>
+                      <a:round/>
+                      <a:headEnd type="none" w="med" len="med"/>
+                      <a:tailEnd type="none" w="med" len="med"/>
+                    </a:lnB>
+                    <a:solidFill>
+                      <a:srgbClr val="FCE4D6"/>
+                    </a:solidFill>
+                  </a:tcPr>
+                </a:tc>
+                <a:tc>
+                  <a:txBody>
+                    <a:bodyPr/>
+                    <a:lstStyle/>
+                    <a:p>
+                      <a:pPr algn="ctr" fontAlgn="ctr"/>
+                      <a:endParaRPr lang="pt-BR" sz="900" b="0" i="0" u="none" strike="noStrike">
+                        <a:solidFill>
+                          <a:srgbClr val="000000"/>
+                        </a:solidFill>
+                        <a:effectLst/>
+                        <a:latin typeface="Arial" panose="020B0604020202020204" pitchFamily="34" charset="0"/>
+                      </a:endParaRPr>
+                    </a:p>
+                  </a:txBody>
+                  <a:tcPr marL="7815" marR="7815" marT="7815" marB="37512" anchor="ctr">
+                    <a:lnL w="6350" cap="flat" cmpd="sng" algn="ctr">
+                      <a:solidFill>
+                        <a:srgbClr val="000000"/>
+                      </a:solidFill>
+                      <a:prstDash val="solid"/>
+                      <a:round/>
+                      <a:headEnd type="none" w="med" len="med"/>
+                      <a:tailEnd type="none" w="med" len="med"/>
+                    </a:lnL>
+                    <a:lnR w="6350" cap="flat" cmpd="sng" algn="ctr">
+                      <a:solidFill>
+                        <a:srgbClr val="000000"/>
+                      </a:solidFill>
+                      <a:prstDash val="solid"/>
+                      <a:round/>
+                      <a:headEnd type="none" w="med" len="med"/>
+                      <a:tailEnd type="none" w="med" len="med"/>
+                    </a:lnR>
+                    <a:lnT w="6350" cap="flat" cmpd="sng" algn="ctr">
+                      <a:solidFill>
+                        <a:srgbClr val="000000"/>
+                      </a:solidFill>
+                      <a:prstDash val="solid"/>
+                      <a:round/>
+                      <a:headEnd type="none" w="med" len="med"/>
+                      <a:tailEnd type="none" w="med" len="med"/>
+                    </a:lnT>
+                    <a:lnB w="6350" cap="flat" cmpd="sng" algn="ctr">
+                      <a:solidFill>
+                        <a:srgbClr val="000000"/>
+                      </a:solidFill>
+                      <a:prstDash val="solid"/>
+                      <a:round/>
+                      <a:headEnd type="none" w="med" len="med"/>
+                      <a:tailEnd type="none" w="med" len="med"/>
+                    </a:lnB>
+                    <a:solidFill>
+                      <a:srgbClr val="FCE4D6"/>
+                    </a:solidFill>
+                  </a:tcPr>
+                </a:tc>
+                <a:tc>
+                  <a:txBody>
+                    <a:bodyPr/>
+                    <a:lstStyle/>
+                    <a:p>
+                      <a:pPr algn="ctr" fontAlgn="ctr"/>
+                      <a:endParaRPr lang="pt-BR" sz="900" b="0" i="0" u="none" strike="noStrike">
+                        <a:solidFill>
+                          <a:srgbClr val="000000"/>
+                        </a:solidFill>
+                        <a:effectLst/>
+                        <a:latin typeface="Arial" panose="020B0604020202020204" pitchFamily="34" charset="0"/>
+                      </a:endParaRPr>
+                    </a:p>
+                  </a:txBody>
+                  <a:tcPr marL="7815" marR="7815" marT="7815" marB="37512" anchor="ctr">
+                    <a:lnL w="6350" cap="flat" cmpd="sng" algn="ctr">
+                      <a:solidFill>
+                        <a:srgbClr val="000000"/>
+                      </a:solidFill>
+                      <a:prstDash val="solid"/>
+                      <a:round/>
+                      <a:headEnd type="none" w="med" len="med"/>
+                      <a:tailEnd type="none" w="med" len="med"/>
+                    </a:lnL>
+                    <a:lnR w="6350" cap="flat" cmpd="sng" algn="ctr">
+                      <a:solidFill>
+                        <a:srgbClr val="000000"/>
+                      </a:solidFill>
+                      <a:prstDash val="solid"/>
+                      <a:round/>
+                      <a:headEnd type="none" w="med" len="med"/>
+                      <a:tailEnd type="none" w="med" len="med"/>
+                    </a:lnR>
+                    <a:lnT w="6350" cap="flat" cmpd="sng" algn="ctr">
+                      <a:solidFill>
+                        <a:srgbClr val="000000"/>
+                      </a:solidFill>
+                      <a:prstDash val="solid"/>
+                      <a:round/>
+                      <a:headEnd type="none" w="med" len="med"/>
+                      <a:tailEnd type="none" w="med" len="med"/>
+                    </a:lnT>
+                    <a:lnB w="6350" cap="flat" cmpd="sng" algn="ctr">
+                      <a:solidFill>
+                        <a:srgbClr val="000000"/>
+                      </a:solidFill>
+                      <a:prstDash val="solid"/>
+                      <a:round/>
+                      <a:headEnd type="none" w="med" len="med"/>
+                      <a:tailEnd type="none" w="med" len="med"/>
+                    </a:lnB>
+                    <a:solidFill>
+                      <a:srgbClr val="E2EFDA"/>
+                    </a:solidFill>
+                  </a:tcPr>
+                </a:tc>
+                <a:tc>
+                  <a:txBody>
+                    <a:bodyPr/>
+                    <a:lstStyle/>
+                    <a:p>
+                      <a:pPr algn="ctr" fontAlgn="ctr"/>
+                      <a:endParaRPr lang="pt-BR" sz="900" b="0" i="0" u="none" strike="noStrike">
+                        <a:solidFill>
+                          <a:srgbClr val="000000"/>
+                        </a:solidFill>
+                        <a:effectLst/>
+                        <a:latin typeface="Arial" panose="020B0604020202020204" pitchFamily="34" charset="0"/>
+                      </a:endParaRPr>
+                    </a:p>
+                  </a:txBody>
+                  <a:tcPr marL="7815" marR="7815" marT="7815" marB="37512" anchor="ctr">
+                    <a:lnL w="6350" cap="flat" cmpd="sng" algn="ctr">
+                      <a:solidFill>
+                        <a:srgbClr val="000000"/>
+                      </a:solidFill>
+                      <a:prstDash val="solid"/>
+                      <a:round/>
+                      <a:headEnd type="none" w="med" len="med"/>
+                      <a:tailEnd type="none" w="med" len="med"/>
+                    </a:lnL>
+                    <a:lnR w="6350" cap="flat" cmpd="sng" algn="ctr">
+                      <a:solidFill>
+                        <a:srgbClr val="000000"/>
+                      </a:solidFill>
+                      <a:prstDash val="solid"/>
+                      <a:round/>
+                      <a:headEnd type="none" w="med" len="med"/>
+                      <a:tailEnd type="none" w="med" len="med"/>
+                    </a:lnR>
+                    <a:lnT w="6350" cap="flat" cmpd="sng" algn="ctr">
+                      <a:solidFill>
+                        <a:srgbClr val="000000"/>
+                      </a:solidFill>
+                      <a:prstDash val="solid"/>
+                      <a:round/>
+                      <a:headEnd type="none" w="med" len="med"/>
+                      <a:tailEnd type="none" w="med" len="med"/>
+                    </a:lnT>
+                    <a:lnB w="6350" cap="flat" cmpd="sng" algn="ctr">
+                      <a:solidFill>
+                        <a:srgbClr val="000000"/>
+                      </a:solidFill>
+                      <a:prstDash val="solid"/>
+                      <a:round/>
+                      <a:headEnd type="none" w="med" len="med"/>
+                      <a:tailEnd type="none" w="med" len="med"/>
+                    </a:lnB>
+                    <a:solidFill>
+                      <a:srgbClr val="E2EFDA"/>
+                    </a:solidFill>
+                  </a:tcPr>
+                </a:tc>
+                <a:tc>
+                  <a:txBody>
+                    <a:bodyPr/>
+                    <a:lstStyle/>
+                    <a:p>
+                      <a:pPr algn="ctr" fontAlgn="ctr"/>
+                      <a:endParaRPr lang="pt-BR" sz="900" b="0" i="0" u="none" strike="noStrike">
+                        <a:solidFill>
+                          <a:srgbClr val="000000"/>
+                        </a:solidFill>
+                        <a:effectLst/>
+                        <a:latin typeface="Arial" panose="020B0604020202020204" pitchFamily="34" charset="0"/>
+                      </a:endParaRPr>
+                    </a:p>
+                  </a:txBody>
+                  <a:tcPr marL="7815" marR="7815" marT="7815" marB="37512" anchor="ctr">
+                    <a:lnL w="6350" cap="flat" cmpd="sng" algn="ctr">
+                      <a:solidFill>
+                        <a:srgbClr val="000000"/>
+                      </a:solidFill>
+                      <a:prstDash val="solid"/>
+                      <a:round/>
+                      <a:headEnd type="none" w="med" len="med"/>
+                      <a:tailEnd type="none" w="med" len="med"/>
+                    </a:lnL>
+                    <a:lnR w="6350" cap="flat" cmpd="sng" algn="ctr">
+                      <a:solidFill>
+                        <a:srgbClr val="000000"/>
+                      </a:solidFill>
+                      <a:prstDash val="solid"/>
+                      <a:round/>
+                      <a:headEnd type="none" w="med" len="med"/>
+                      <a:tailEnd type="none" w="med" len="med"/>
+                    </a:lnR>
+                    <a:lnT w="6350" cap="flat" cmpd="sng" algn="ctr">
+                      <a:solidFill>
+                        <a:srgbClr val="000000"/>
+                      </a:solidFill>
+                      <a:prstDash val="solid"/>
+                      <a:round/>
+                      <a:headEnd type="none" w="med" len="med"/>
+                      <a:tailEnd type="none" w="med" len="med"/>
+                    </a:lnT>
+                    <a:lnB w="6350" cap="flat" cmpd="sng" algn="ctr">
+                      <a:solidFill>
+                        <a:srgbClr val="000000"/>
+                      </a:solidFill>
+                      <a:prstDash val="solid"/>
+                      <a:round/>
+                      <a:headEnd type="none" w="med" len="med"/>
+                      <a:tailEnd type="none" w="med" len="med"/>
+                    </a:lnB>
+                    <a:solidFill>
+                      <a:srgbClr val="E2EFDA"/>
+                    </a:solidFill>
+                  </a:tcPr>
+                </a:tc>
+                <a:tc>
+                  <a:txBody>
+                    <a:bodyPr/>
+                    <a:lstStyle/>
+                    <a:p>
+                      <a:pPr algn="ctr" fontAlgn="ctr"/>
+                      <a:endParaRPr lang="pt-BR" sz="900" b="0" i="0" u="none" strike="noStrike">
+                        <a:solidFill>
+                          <a:srgbClr val="000000"/>
+                        </a:solidFill>
+                        <a:effectLst/>
+                        <a:latin typeface="Arial" panose="020B0604020202020204" pitchFamily="34" charset="0"/>
+                      </a:endParaRPr>
+                    </a:p>
+                  </a:txBody>
+                  <a:tcPr marL="7815" marR="7815" marT="7815" marB="37512" anchor="ctr">
                     <a:lnL w="6350" cap="flat" cmpd="sng" algn="ctr">
                       <a:solidFill>
                         <a:srgbClr val="000000"/>
@@ -9308,7 +12011,493 @@
                 </a:tc>
                 <a:extLst>
                   <a:ext uri="{0D108BD9-81ED-4DB2-BD59-A6C34878D82A}">
-                    <a16:rowId xmlns:a16="http://schemas.microsoft.com/office/drawing/2014/main" val="1288100427"/>
+                    <a16:rowId xmlns:a16="http://schemas.microsoft.com/office/drawing/2014/main" val="609899788"/>
+                  </a:ext>
+                </a:extLst>
+              </a:tr>
+              <a:tr h="360000">
+                <a:tc vMerge="1">
+                  <a:txBody>
+                    <a:bodyPr/>
+                    <a:lstStyle/>
+                    <a:p>
+                      <a:endParaRPr lang="pt-BR"/>
+                    </a:p>
+                  </a:txBody>
+                  <a:tcPr/>
+                </a:tc>
+                <a:tc vMerge="1">
+                  <a:txBody>
+                    <a:bodyPr/>
+                    <a:lstStyle/>
+                    <a:p>
+                      <a:endParaRPr lang="pt-BR"/>
+                    </a:p>
+                  </a:txBody>
+                  <a:tcPr/>
+                </a:tc>
+                <a:tc>
+                  <a:txBody>
+                    <a:bodyPr/>
+                    <a:lstStyle/>
+                    <a:p>
+                      <a:pPr algn="ctr" fontAlgn="ctr"/>
+                      <a:r>
+                        <a:rPr lang="pt-BR" sz="900" b="0" i="0" u="none" strike="noStrike">
+                          <a:solidFill>
+                            <a:srgbClr val="000000"/>
+                          </a:solidFill>
+                          <a:effectLst/>
+                          <a:latin typeface="Arial"/>
+                        </a:rPr>
+                        <a:t>14</a:t>
+                      </a:r>
+                    </a:p>
+                  </a:txBody>
+                  <a:tcPr marL="7815" marR="7815" marT="7815" marB="37512" anchor="ctr">
+                    <a:lnL w="6350" cap="flat" cmpd="sng" algn="ctr">
+                      <a:solidFill>
+                        <a:srgbClr val="000000"/>
+                      </a:solidFill>
+                      <a:prstDash val="solid"/>
+                      <a:round/>
+                      <a:headEnd type="none" w="med" len="med"/>
+                      <a:tailEnd type="none" w="med" len="med"/>
+                    </a:lnL>
+                    <a:lnR w="6350" cap="flat" cmpd="sng" algn="ctr">
+                      <a:solidFill>
+                        <a:srgbClr val="000000"/>
+                      </a:solidFill>
+                      <a:prstDash val="solid"/>
+                      <a:round/>
+                      <a:headEnd type="none" w="med" len="med"/>
+                      <a:tailEnd type="none" w="med" len="med"/>
+                    </a:lnR>
+                    <a:lnT w="6350" cap="flat" cmpd="sng" algn="ctr">
+                      <a:solidFill>
+                        <a:srgbClr val="000000"/>
+                      </a:solidFill>
+                      <a:prstDash val="solid"/>
+                      <a:round/>
+                      <a:headEnd type="none" w="med" len="med"/>
+                      <a:tailEnd type="none" w="med" len="med"/>
+                    </a:lnT>
+                    <a:lnB w="6350" cap="flat" cmpd="sng" algn="ctr">
+                      <a:solidFill>
+                        <a:srgbClr val="000000"/>
+                      </a:solidFill>
+                      <a:prstDash val="solid"/>
+                      <a:round/>
+                      <a:headEnd type="none" w="med" len="med"/>
+                      <a:tailEnd type="none" w="med" len="med"/>
+                    </a:lnB>
+                  </a:tcPr>
+                </a:tc>
+                <a:tc>
+                  <a:txBody>
+                    <a:bodyPr/>
+                    <a:lstStyle/>
+                    <a:p>
+                      <a:pPr algn="l" fontAlgn="ctr"/>
+                      <a:r>
+                        <a:rPr lang="pt-BR" sz="900" b="0" i="0" u="none" strike="noStrike">
+                          <a:solidFill>
+                            <a:srgbClr val="000000"/>
+                          </a:solidFill>
+                          <a:effectLst/>
+                          <a:latin typeface="Arial"/>
+                        </a:rPr>
+                        <a:t>Confecção verifica status do pedido para retirada</a:t>
+                      </a:r>
+                    </a:p>
+                  </a:txBody>
+                  <a:tcPr marL="7815" marR="7815" marT="7815" marB="37512" anchor="ctr">
+                    <a:lnL w="6350" cap="flat" cmpd="sng" algn="ctr">
+                      <a:solidFill>
+                        <a:srgbClr val="000000"/>
+                      </a:solidFill>
+                      <a:prstDash val="solid"/>
+                      <a:round/>
+                      <a:headEnd type="none" w="med" len="med"/>
+                      <a:tailEnd type="none" w="med" len="med"/>
+                    </a:lnL>
+                    <a:lnR w="6350" cap="flat" cmpd="sng" algn="ctr">
+                      <a:solidFill>
+                        <a:srgbClr val="000000"/>
+                      </a:solidFill>
+                      <a:prstDash val="solid"/>
+                      <a:round/>
+                      <a:headEnd type="none" w="med" len="med"/>
+                      <a:tailEnd type="none" w="med" len="med"/>
+                    </a:lnR>
+                    <a:lnT w="6350" cap="flat" cmpd="sng" algn="ctr">
+                      <a:solidFill>
+                        <a:srgbClr val="000000"/>
+                      </a:solidFill>
+                      <a:prstDash val="solid"/>
+                      <a:round/>
+                      <a:headEnd type="none" w="med" len="med"/>
+                      <a:tailEnd type="none" w="med" len="med"/>
+                    </a:lnT>
+                    <a:lnB w="6350" cap="flat" cmpd="sng" algn="ctr">
+                      <a:solidFill>
+                        <a:srgbClr val="000000"/>
+                      </a:solidFill>
+                      <a:prstDash val="solid"/>
+                      <a:round/>
+                      <a:headEnd type="none" w="med" len="med"/>
+                      <a:tailEnd type="none" w="med" len="med"/>
+                    </a:lnB>
+                  </a:tcPr>
+                </a:tc>
+                <a:tc>
+                  <a:txBody>
+                    <a:bodyPr/>
+                    <a:lstStyle/>
+                    <a:p>
+                      <a:pPr algn="ctr" fontAlgn="ctr"/>
+                      <a:endParaRPr lang="pt-BR" sz="900" b="0" i="0" u="none" strike="noStrike">
+                        <a:solidFill>
+                          <a:srgbClr val="000000"/>
+                        </a:solidFill>
+                        <a:effectLst/>
+                        <a:latin typeface="Arial" panose="020B0604020202020204" pitchFamily="34" charset="0"/>
+                      </a:endParaRPr>
+                    </a:p>
+                  </a:txBody>
+                  <a:tcPr marL="7815" marR="7815" marT="7815" marB="37512" anchor="ctr">
+                    <a:lnL w="6350" cap="flat" cmpd="sng" algn="ctr">
+                      <a:solidFill>
+                        <a:srgbClr val="000000"/>
+                      </a:solidFill>
+                      <a:prstDash val="solid"/>
+                      <a:round/>
+                      <a:headEnd type="none" w="med" len="med"/>
+                      <a:tailEnd type="none" w="med" len="med"/>
+                    </a:lnL>
+                    <a:lnR w="6350" cap="flat" cmpd="sng" algn="ctr">
+                      <a:solidFill>
+                        <a:srgbClr val="000000"/>
+                      </a:solidFill>
+                      <a:prstDash val="solid"/>
+                      <a:round/>
+                      <a:headEnd type="none" w="med" len="med"/>
+                      <a:tailEnd type="none" w="med" len="med"/>
+                    </a:lnR>
+                    <a:lnT w="6350" cap="flat" cmpd="sng" algn="ctr">
+                      <a:solidFill>
+                        <a:srgbClr val="000000"/>
+                      </a:solidFill>
+                      <a:prstDash val="solid"/>
+                      <a:round/>
+                      <a:headEnd type="none" w="med" len="med"/>
+                      <a:tailEnd type="none" w="med" len="med"/>
+                    </a:lnT>
+                    <a:lnB w="6350" cap="flat" cmpd="sng" algn="ctr">
+                      <a:solidFill>
+                        <a:srgbClr val="000000"/>
+                      </a:solidFill>
+                      <a:prstDash val="solid"/>
+                      <a:round/>
+                      <a:headEnd type="none" w="med" len="med"/>
+                      <a:tailEnd type="none" w="med" len="med"/>
+                    </a:lnB>
+                    <a:solidFill>
+                      <a:srgbClr val="FCE4D6"/>
+                    </a:solidFill>
+                  </a:tcPr>
+                </a:tc>
+                <a:tc>
+                  <a:txBody>
+                    <a:bodyPr/>
+                    <a:lstStyle/>
+                    <a:p>
+                      <a:pPr algn="ctr" fontAlgn="ctr"/>
+                      <a:endParaRPr lang="pt-BR" sz="900" b="0" i="0" u="none" strike="noStrike">
+                        <a:solidFill>
+                          <a:srgbClr val="000000"/>
+                        </a:solidFill>
+                        <a:effectLst/>
+                        <a:latin typeface="Arial" panose="020B0604020202020204" pitchFamily="34" charset="0"/>
+                      </a:endParaRPr>
+                    </a:p>
+                  </a:txBody>
+                  <a:tcPr marL="7815" marR="7815" marT="7815" marB="37512" anchor="ctr">
+                    <a:lnL w="6350" cap="flat" cmpd="sng" algn="ctr">
+                      <a:solidFill>
+                        <a:srgbClr val="000000"/>
+                      </a:solidFill>
+                      <a:prstDash val="solid"/>
+                      <a:round/>
+                      <a:headEnd type="none" w="med" len="med"/>
+                      <a:tailEnd type="none" w="med" len="med"/>
+                    </a:lnL>
+                    <a:lnR w="6350" cap="flat" cmpd="sng" algn="ctr">
+                      <a:solidFill>
+                        <a:srgbClr val="000000"/>
+                      </a:solidFill>
+                      <a:prstDash val="solid"/>
+                      <a:round/>
+                      <a:headEnd type="none" w="med" len="med"/>
+                      <a:tailEnd type="none" w="med" len="med"/>
+                    </a:lnR>
+                    <a:lnT w="6350" cap="flat" cmpd="sng" algn="ctr">
+                      <a:solidFill>
+                        <a:srgbClr val="000000"/>
+                      </a:solidFill>
+                      <a:prstDash val="solid"/>
+                      <a:round/>
+                      <a:headEnd type="none" w="med" len="med"/>
+                      <a:tailEnd type="none" w="med" len="med"/>
+                    </a:lnT>
+                    <a:lnB w="6350" cap="flat" cmpd="sng" algn="ctr">
+                      <a:solidFill>
+                        <a:srgbClr val="000000"/>
+                      </a:solidFill>
+                      <a:prstDash val="solid"/>
+                      <a:round/>
+                      <a:headEnd type="none" w="med" len="med"/>
+                      <a:tailEnd type="none" w="med" len="med"/>
+                    </a:lnB>
+                    <a:solidFill>
+                      <a:srgbClr val="FCE4D6"/>
+                    </a:solidFill>
+                  </a:tcPr>
+                </a:tc>
+                <a:tc>
+                  <a:txBody>
+                    <a:bodyPr/>
+                    <a:lstStyle/>
+                    <a:p>
+                      <a:pPr algn="ctr" fontAlgn="ctr"/>
+                      <a:r>
+                        <a:rPr lang="pt-BR" sz="900" b="0" i="0" u="none" strike="noStrike">
+                          <a:solidFill>
+                            <a:srgbClr val="000000"/>
+                          </a:solidFill>
+                          <a:effectLst/>
+                          <a:latin typeface="Arial"/>
+                        </a:rPr>
+                        <a:t>x(13)</a:t>
+                      </a:r>
+                    </a:p>
+                  </a:txBody>
+                  <a:tcPr marL="7815" marR="7815" marT="7815" marB="37512" anchor="ctr">
+                    <a:lnL w="6350" cap="flat" cmpd="sng" algn="ctr">
+                      <a:solidFill>
+                        <a:srgbClr val="000000"/>
+                      </a:solidFill>
+                      <a:prstDash val="solid"/>
+                      <a:round/>
+                      <a:headEnd type="none" w="med" len="med"/>
+                      <a:tailEnd type="none" w="med" len="med"/>
+                    </a:lnL>
+                    <a:lnR w="6350" cap="flat" cmpd="sng" algn="ctr">
+                      <a:solidFill>
+                        <a:srgbClr val="000000"/>
+                      </a:solidFill>
+                      <a:prstDash val="solid"/>
+                      <a:round/>
+                      <a:headEnd type="none" w="med" len="med"/>
+                      <a:tailEnd type="none" w="med" len="med"/>
+                    </a:lnR>
+                    <a:lnT w="6350" cap="flat" cmpd="sng" algn="ctr">
+                      <a:solidFill>
+                        <a:srgbClr val="000000"/>
+                      </a:solidFill>
+                      <a:prstDash val="solid"/>
+                      <a:round/>
+                      <a:headEnd type="none" w="med" len="med"/>
+                      <a:tailEnd type="none" w="med" len="med"/>
+                    </a:lnT>
+                    <a:lnB w="6350" cap="flat" cmpd="sng" algn="ctr">
+                      <a:solidFill>
+                        <a:srgbClr val="000000"/>
+                      </a:solidFill>
+                      <a:prstDash val="solid"/>
+                      <a:round/>
+                      <a:headEnd type="none" w="med" len="med"/>
+                      <a:tailEnd type="none" w="med" len="med"/>
+                    </a:lnB>
+                    <a:solidFill>
+                      <a:srgbClr val="E2EFDA"/>
+                    </a:solidFill>
+                  </a:tcPr>
+                </a:tc>
+                <a:tc>
+                  <a:txBody>
+                    <a:bodyPr/>
+                    <a:lstStyle/>
+                    <a:p>
+                      <a:pPr algn="ctr" fontAlgn="ctr"/>
+                      <a:endParaRPr lang="pt-BR" sz="900" b="0" i="0" u="none" strike="noStrike">
+                        <a:solidFill>
+                          <a:srgbClr val="000000"/>
+                        </a:solidFill>
+                        <a:effectLst/>
+                        <a:latin typeface="Arial" panose="020B0604020202020204" pitchFamily="34" charset="0"/>
+                      </a:endParaRPr>
+                    </a:p>
+                  </a:txBody>
+                  <a:tcPr marL="7815" marR="7815" marT="7815" marB="37512" anchor="ctr">
+                    <a:lnL w="6350" cap="flat" cmpd="sng" algn="ctr">
+                      <a:solidFill>
+                        <a:srgbClr val="000000"/>
+                      </a:solidFill>
+                      <a:prstDash val="solid"/>
+                      <a:round/>
+                      <a:headEnd type="none" w="med" len="med"/>
+                      <a:tailEnd type="none" w="med" len="med"/>
+                    </a:lnL>
+                    <a:lnR w="6350" cap="flat" cmpd="sng" algn="ctr">
+                      <a:solidFill>
+                        <a:srgbClr val="000000"/>
+                      </a:solidFill>
+                      <a:prstDash val="solid"/>
+                      <a:round/>
+                      <a:headEnd type="none" w="med" len="med"/>
+                      <a:tailEnd type="none" w="med" len="med"/>
+                    </a:lnR>
+                    <a:lnT w="6350" cap="flat" cmpd="sng" algn="ctr">
+                      <a:solidFill>
+                        <a:srgbClr val="000000"/>
+                      </a:solidFill>
+                      <a:prstDash val="solid"/>
+                      <a:round/>
+                      <a:headEnd type="none" w="med" len="med"/>
+                      <a:tailEnd type="none" w="med" len="med"/>
+                    </a:lnT>
+                    <a:lnB w="6350" cap="flat" cmpd="sng" algn="ctr">
+                      <a:solidFill>
+                        <a:srgbClr val="000000"/>
+                      </a:solidFill>
+                      <a:prstDash val="solid"/>
+                      <a:round/>
+                      <a:headEnd type="none" w="med" len="med"/>
+                      <a:tailEnd type="none" w="med" len="med"/>
+                    </a:lnB>
+                    <a:solidFill>
+                      <a:srgbClr val="E2EFDA"/>
+                    </a:solidFill>
+                  </a:tcPr>
+                </a:tc>
+                <a:tc>
+                  <a:txBody>
+                    <a:bodyPr/>
+                    <a:lstStyle/>
+                    <a:p>
+                      <a:pPr algn="ctr" fontAlgn="ctr"/>
+                      <a:endParaRPr lang="pt-BR" sz="900" b="0" i="0" u="none" strike="noStrike">
+                        <a:solidFill>
+                          <a:srgbClr val="000000"/>
+                        </a:solidFill>
+                        <a:effectLst/>
+                        <a:latin typeface="Arial" panose="020B0604020202020204" pitchFamily="34" charset="0"/>
+                      </a:endParaRPr>
+                    </a:p>
+                  </a:txBody>
+                  <a:tcPr marL="7815" marR="7815" marT="7815" marB="37512" anchor="ctr">
+                    <a:lnL w="6350" cap="flat" cmpd="sng" algn="ctr">
+                      <a:solidFill>
+                        <a:srgbClr val="000000"/>
+                      </a:solidFill>
+                      <a:prstDash val="solid"/>
+                      <a:round/>
+                      <a:headEnd type="none" w="med" len="med"/>
+                      <a:tailEnd type="none" w="med" len="med"/>
+                    </a:lnL>
+                    <a:lnR w="6350" cap="flat" cmpd="sng" algn="ctr">
+                      <a:solidFill>
+                        <a:srgbClr val="000000"/>
+                      </a:solidFill>
+                      <a:prstDash val="solid"/>
+                      <a:round/>
+                      <a:headEnd type="none" w="med" len="med"/>
+                      <a:tailEnd type="none" w="med" len="med"/>
+                    </a:lnR>
+                    <a:lnT w="6350" cap="flat" cmpd="sng" algn="ctr">
+                      <a:solidFill>
+                        <a:srgbClr val="000000"/>
+                      </a:solidFill>
+                      <a:prstDash val="solid"/>
+                      <a:round/>
+                      <a:headEnd type="none" w="med" len="med"/>
+                      <a:tailEnd type="none" w="med" len="med"/>
+                    </a:lnT>
+                    <a:lnB w="6350" cap="flat" cmpd="sng" algn="ctr">
+                      <a:solidFill>
+                        <a:srgbClr val="000000"/>
+                      </a:solidFill>
+                      <a:prstDash val="solid"/>
+                      <a:round/>
+                      <a:headEnd type="none" w="med" len="med"/>
+                      <a:tailEnd type="none" w="med" len="med"/>
+                    </a:lnB>
+                    <a:solidFill>
+                      <a:srgbClr val="E2EFDA"/>
+                    </a:solidFill>
+                  </a:tcPr>
+                </a:tc>
+                <a:tc>
+                  <a:txBody>
+                    <a:bodyPr/>
+                    <a:lstStyle/>
+                    <a:p>
+                      <a:pPr algn="ctr" fontAlgn="ctr"/>
+                      <a:endParaRPr lang="pt-BR" sz="900" b="0" i="0" u="none" strike="noStrike">
+                        <a:solidFill>
+                          <a:srgbClr val="000000"/>
+                        </a:solidFill>
+                        <a:effectLst/>
+                        <a:latin typeface="Arial" panose="020B0604020202020204" pitchFamily="34" charset="0"/>
+                      </a:endParaRPr>
+                    </a:p>
+                  </a:txBody>
+                  <a:tcPr marL="7815" marR="7815" marT="7815" marB="37512" anchor="ctr">
+                    <a:lnL w="6350" cap="flat" cmpd="sng" algn="ctr">
+                      <a:solidFill>
+                        <a:srgbClr val="000000"/>
+                      </a:solidFill>
+                      <a:prstDash val="solid"/>
+                      <a:round/>
+                      <a:headEnd type="none" w="med" len="med"/>
+                      <a:tailEnd type="none" w="med" len="med"/>
+                    </a:lnL>
+                    <a:lnR w="6350" cap="flat" cmpd="sng" algn="ctr">
+                      <a:solidFill>
+                        <a:srgbClr val="000000"/>
+                      </a:solidFill>
+                      <a:prstDash val="solid"/>
+                      <a:round/>
+                      <a:headEnd type="none" w="med" len="med"/>
+                      <a:tailEnd type="none" w="med" len="med"/>
+                    </a:lnR>
+                    <a:lnT w="6350" cap="flat" cmpd="sng" algn="ctr">
+                      <a:solidFill>
+                        <a:srgbClr val="000000"/>
+                      </a:solidFill>
+                      <a:prstDash val="solid"/>
+                      <a:round/>
+                      <a:headEnd type="none" w="med" len="med"/>
+                      <a:tailEnd type="none" w="med" len="med"/>
+                    </a:lnT>
+                    <a:lnB w="6350" cap="flat" cmpd="sng" algn="ctr">
+                      <a:solidFill>
+                        <a:srgbClr val="000000"/>
+                      </a:solidFill>
+                      <a:prstDash val="solid"/>
+                      <a:round/>
+                      <a:headEnd type="none" w="med" len="med"/>
+                      <a:tailEnd type="none" w="med" len="med"/>
+                    </a:lnB>
+                    <a:solidFill>
+                      <a:srgbClr val="D0CECE"/>
+                    </a:solidFill>
+                  </a:tcPr>
+                </a:tc>
+                <a:extLst>
+                  <a:ext uri="{0D108BD9-81ED-4DB2-BD59-A6C34878D82A}">
+                    <a16:rowId xmlns:a16="http://schemas.microsoft.com/office/drawing/2014/main" val="3785884743"/>
                   </a:ext>
                 </a:extLst>
               </a:tr>
@@ -9319,7 +12508,7 @@
     </p:spTree>
     <p:extLst>
       <p:ext uri="{BB962C8B-B14F-4D97-AF65-F5344CB8AC3E}">
-        <p14:creationId xmlns:p14="http://schemas.microsoft.com/office/powerpoint/2010/main" val="2345061847"/>
+        <p14:creationId xmlns:p14="http://schemas.microsoft.com/office/powerpoint/2010/main" val="2865144536"/>
       </p:ext>
     </p:extLst>
   </p:cSld>

--- a/17. Análise dos Eventos para cada Cenário.pptx
+++ b/17. Análise dos Eventos para cada Cenário.pptx
@@ -117,12 +117,61 @@
   <p1510:revLst>
     <p1510:client id="{7E01F49A-F872-4560-A5C5-3D74EB20C552}" v="72" dt="2020-11-07T05:32:32.699"/>
     <p1510:client id="{88A1B6AE-D1EB-489A-80C9-63C34B722314}" v="1" dt="2020-11-07T05:22:01.786"/>
+    <p1510:client id="{D7FD82B3-4691-4853-8ACE-FD31681EB902}" v="155" dt="2020-11-18T23:19:18.213"/>
   </p1510:revLst>
 </p1510:revInfo>
 </file>
 
 <file path=ppt/changesInfos/changesInfo1.xml><?xml version="1.0" encoding="utf-8"?>
 <pc:chgInfo xmlns:a="http://schemas.openxmlformats.org/drawingml/2006/main" xmlns:r="http://schemas.openxmlformats.org/officeDocument/2006/relationships" xmlns:ac="http://schemas.microsoft.com/office/drawing/2013/main/command" xmlns:pc="http://schemas.microsoft.com/office/powerpoint/2013/main/command">
+  <pc:docChgLst>
+    <pc:chgData name="Caio Ferreira" userId="aa37e96bb8b72277" providerId="LiveId" clId="{3362563C-53B9-484E-8408-855BEC19CDBE}"/>
+    <pc:docChg chg="custSel modSld">
+      <pc:chgData name="Caio Ferreira" userId="aa37e96bb8b72277" providerId="LiveId" clId="{3362563C-53B9-484E-8408-855BEC19CDBE}" dt="2020-09-24T02:04:15.431" v="62" actId="122"/>
+      <pc:docMkLst>
+        <pc:docMk/>
+      </pc:docMkLst>
+      <pc:sldChg chg="addSp delSp modSp mod">
+        <pc:chgData name="Caio Ferreira" userId="aa37e96bb8b72277" providerId="LiveId" clId="{3362563C-53B9-484E-8408-855BEC19CDBE}" dt="2020-09-24T02:04:15.431" v="62" actId="122"/>
+        <pc:sldMkLst>
+          <pc:docMk/>
+          <pc:sldMk cId="2345061847" sldId="256"/>
+        </pc:sldMkLst>
+        <pc:spChg chg="add mod">
+          <ac:chgData name="Caio Ferreira" userId="aa37e96bb8b72277" providerId="LiveId" clId="{3362563C-53B9-484E-8408-855BEC19CDBE}" dt="2020-09-24T01:57:12.083" v="48" actId="1076"/>
+          <ac:spMkLst>
+            <pc:docMk/>
+            <pc:sldMk cId="2345061847" sldId="256"/>
+            <ac:spMk id="2" creationId="{45E9EE82-159C-4AA4-A8E3-C89F6E8A5335}"/>
+          </ac:spMkLst>
+        </pc:spChg>
+        <pc:graphicFrameChg chg="add del mod">
+          <ac:chgData name="Caio Ferreira" userId="aa37e96bb8b72277" providerId="LiveId" clId="{3362563C-53B9-484E-8408-855BEC19CDBE}" dt="2020-09-24T02:03:47.679" v="53"/>
+          <ac:graphicFrameMkLst>
+            <pc:docMk/>
+            <pc:sldMk cId="2345061847" sldId="256"/>
+            <ac:graphicFrameMk id="3" creationId="{BD34E73D-3AE9-4A34-8C28-0FFB5641558C}"/>
+          </ac:graphicFrameMkLst>
+        </pc:graphicFrameChg>
+        <pc:graphicFrameChg chg="add mod modGraphic">
+          <ac:chgData name="Caio Ferreira" userId="aa37e96bb8b72277" providerId="LiveId" clId="{3362563C-53B9-484E-8408-855BEC19CDBE}" dt="2020-09-24T02:04:15.431" v="62" actId="122"/>
+          <ac:graphicFrameMkLst>
+            <pc:docMk/>
+            <pc:sldMk cId="2345061847" sldId="256"/>
+            <ac:graphicFrameMk id="4" creationId="{28BD0582-8EFC-4C90-8082-7251ECA405ED}"/>
+          </ac:graphicFrameMkLst>
+        </pc:graphicFrameChg>
+        <pc:graphicFrameChg chg="del">
+          <ac:chgData name="Caio Ferreira" userId="aa37e96bb8b72277" providerId="LiveId" clId="{3362563C-53B9-484E-8408-855BEC19CDBE}" dt="2020-09-24T02:03:43.943" v="49" actId="478"/>
+          <ac:graphicFrameMkLst>
+            <pc:docMk/>
+            <pc:sldMk cId="2345061847" sldId="256"/>
+            <ac:graphicFrameMk id="5" creationId="{46A473E8-649E-4002-8B3E-C39FF3347046}"/>
+          </ac:graphicFrameMkLst>
+        </pc:graphicFrameChg>
+      </pc:sldChg>
+    </pc:docChg>
+  </pc:docChgLst>
   <pc:docChgLst>
     <pc:chgData name="Gabriel Fernandes C. dos Santos" userId="153fb557aa2a4591" providerId="LiveId" clId="{69299D69-D058-497B-A74B-B762E515ABDB}"/>
     <pc:docChg chg="undo custSel addSld modSld">
@@ -277,54 +326,6 @@
             <pc:docMk/>
             <pc:sldMk cId="2865144536" sldId="257"/>
             <ac:graphicFrameMk id="10" creationId="{76664EEE-91C1-42A6-8D62-37F47B9F8B4A}"/>
-          </ac:graphicFrameMkLst>
-        </pc:graphicFrameChg>
-      </pc:sldChg>
-    </pc:docChg>
-  </pc:docChgLst>
-  <pc:docChgLst>
-    <pc:chgData name="Caio Ferreira" userId="aa37e96bb8b72277" providerId="LiveId" clId="{3362563C-53B9-484E-8408-855BEC19CDBE}"/>
-    <pc:docChg chg="custSel modSld">
-      <pc:chgData name="Caio Ferreira" userId="aa37e96bb8b72277" providerId="LiveId" clId="{3362563C-53B9-484E-8408-855BEC19CDBE}" dt="2020-09-24T02:04:15.431" v="62" actId="122"/>
-      <pc:docMkLst>
-        <pc:docMk/>
-      </pc:docMkLst>
-      <pc:sldChg chg="addSp delSp modSp mod">
-        <pc:chgData name="Caio Ferreira" userId="aa37e96bb8b72277" providerId="LiveId" clId="{3362563C-53B9-484E-8408-855BEC19CDBE}" dt="2020-09-24T02:04:15.431" v="62" actId="122"/>
-        <pc:sldMkLst>
-          <pc:docMk/>
-          <pc:sldMk cId="2345061847" sldId="256"/>
-        </pc:sldMkLst>
-        <pc:spChg chg="add mod">
-          <ac:chgData name="Caio Ferreira" userId="aa37e96bb8b72277" providerId="LiveId" clId="{3362563C-53B9-484E-8408-855BEC19CDBE}" dt="2020-09-24T01:57:12.083" v="48" actId="1076"/>
-          <ac:spMkLst>
-            <pc:docMk/>
-            <pc:sldMk cId="2345061847" sldId="256"/>
-            <ac:spMk id="2" creationId="{45E9EE82-159C-4AA4-A8E3-C89F6E8A5335}"/>
-          </ac:spMkLst>
-        </pc:spChg>
-        <pc:graphicFrameChg chg="add del mod">
-          <ac:chgData name="Caio Ferreira" userId="aa37e96bb8b72277" providerId="LiveId" clId="{3362563C-53B9-484E-8408-855BEC19CDBE}" dt="2020-09-24T02:03:47.679" v="53"/>
-          <ac:graphicFrameMkLst>
-            <pc:docMk/>
-            <pc:sldMk cId="2345061847" sldId="256"/>
-            <ac:graphicFrameMk id="3" creationId="{BD34E73D-3AE9-4A34-8C28-0FFB5641558C}"/>
-          </ac:graphicFrameMkLst>
-        </pc:graphicFrameChg>
-        <pc:graphicFrameChg chg="add mod modGraphic">
-          <ac:chgData name="Caio Ferreira" userId="aa37e96bb8b72277" providerId="LiveId" clId="{3362563C-53B9-484E-8408-855BEC19CDBE}" dt="2020-09-24T02:04:15.431" v="62" actId="122"/>
-          <ac:graphicFrameMkLst>
-            <pc:docMk/>
-            <pc:sldMk cId="2345061847" sldId="256"/>
-            <ac:graphicFrameMk id="4" creationId="{28BD0582-8EFC-4C90-8082-7251ECA405ED}"/>
-          </ac:graphicFrameMkLst>
-        </pc:graphicFrameChg>
-        <pc:graphicFrameChg chg="del">
-          <ac:chgData name="Caio Ferreira" userId="aa37e96bb8b72277" providerId="LiveId" clId="{3362563C-53B9-484E-8408-855BEC19CDBE}" dt="2020-09-24T02:03:43.943" v="49" actId="478"/>
-          <ac:graphicFrameMkLst>
-            <pc:docMk/>
-            <pc:sldMk cId="2345061847" sldId="256"/>
-            <ac:graphicFrameMk id="5" creationId="{46A473E8-649E-4002-8B3E-C39FF3347046}"/>
           </ac:graphicFrameMkLst>
         </pc:graphicFrameChg>
       </pc:sldChg>
@@ -499,6 +500,30 @@
     </pc:docChg>
   </pc:docChgLst>
   <pc:docChgLst>
+    <pc:chgData name="Eduardo Marques" userId="b9dd18581288d1e4" providerId="Windows Live" clId="Web-{8161FFDA-3093-4086-B729-BEC2D76A044F}"/>
+    <pc:docChg chg="modSld">
+      <pc:chgData name="Eduardo Marques" userId="b9dd18581288d1e4" providerId="Windows Live" clId="Web-{8161FFDA-3093-4086-B729-BEC2D76A044F}" dt="2020-10-22T01:52:58.705" v="17"/>
+      <pc:docMkLst>
+        <pc:docMk/>
+      </pc:docMkLst>
+      <pc:sldChg chg="modSp">
+        <pc:chgData name="Eduardo Marques" userId="b9dd18581288d1e4" providerId="Windows Live" clId="Web-{8161FFDA-3093-4086-B729-BEC2D76A044F}" dt="2020-10-22T01:52:58.705" v="17"/>
+        <pc:sldMkLst>
+          <pc:docMk/>
+          <pc:sldMk cId="2345061847" sldId="256"/>
+        </pc:sldMkLst>
+        <pc:graphicFrameChg chg="mod modGraphic">
+          <ac:chgData name="Eduardo Marques" userId="b9dd18581288d1e4" providerId="Windows Live" clId="Web-{8161FFDA-3093-4086-B729-BEC2D76A044F}" dt="2020-10-22T01:52:58.705" v="17"/>
+          <ac:graphicFrameMkLst>
+            <pc:docMk/>
+            <pc:sldMk cId="2345061847" sldId="256"/>
+            <ac:graphicFrameMk id="4" creationId="{E678F784-405B-46CC-8532-C4A18EEEBB49}"/>
+          </ac:graphicFrameMkLst>
+        </pc:graphicFrameChg>
+      </pc:sldChg>
+    </pc:docChg>
+  </pc:docChgLst>
+  <pc:docChgLst>
     <pc:chgData name="Eduardo Marques" userId="b9dd18581288d1e4" providerId="Windows Live" clId="Web-{88A1B6AE-D1EB-489A-80C9-63C34B722314}"/>
     <pc:docChg chg="modSld">
       <pc:chgData name="Eduardo Marques" userId="b9dd18581288d1e4" providerId="Windows Live" clId="Web-{88A1B6AE-D1EB-489A-80C9-63C34B722314}" dt="2020-11-07T05:22:01.786" v="0" actId="1076"/>
@@ -517,30 +542,6 @@
             <pc:docMk/>
             <pc:sldMk cId="2865144536" sldId="257"/>
             <ac:graphicFrameMk id="2" creationId="{B9D7C21E-1554-48F1-B97D-E65C7C876D0F}"/>
-          </ac:graphicFrameMkLst>
-        </pc:graphicFrameChg>
-      </pc:sldChg>
-    </pc:docChg>
-  </pc:docChgLst>
-  <pc:docChgLst>
-    <pc:chgData name="Eduardo Marques" userId="b9dd18581288d1e4" providerId="Windows Live" clId="Web-{8161FFDA-3093-4086-B729-BEC2D76A044F}"/>
-    <pc:docChg chg="modSld">
-      <pc:chgData name="Eduardo Marques" userId="b9dd18581288d1e4" providerId="Windows Live" clId="Web-{8161FFDA-3093-4086-B729-BEC2D76A044F}" dt="2020-10-22T01:52:58.705" v="17"/>
-      <pc:docMkLst>
-        <pc:docMk/>
-      </pc:docMkLst>
-      <pc:sldChg chg="modSp">
-        <pc:chgData name="Eduardo Marques" userId="b9dd18581288d1e4" providerId="Windows Live" clId="Web-{8161FFDA-3093-4086-B729-BEC2D76A044F}" dt="2020-10-22T01:52:58.705" v="17"/>
-        <pc:sldMkLst>
-          <pc:docMk/>
-          <pc:sldMk cId="2345061847" sldId="256"/>
-        </pc:sldMkLst>
-        <pc:graphicFrameChg chg="mod modGraphic">
-          <ac:chgData name="Eduardo Marques" userId="b9dd18581288d1e4" providerId="Windows Live" clId="Web-{8161FFDA-3093-4086-B729-BEC2D76A044F}" dt="2020-10-22T01:52:58.705" v="17"/>
-          <ac:graphicFrameMkLst>
-            <pc:docMk/>
-            <pc:sldMk cId="2345061847" sldId="256"/>
-            <ac:graphicFrameMk id="4" creationId="{E678F784-405B-46CC-8532-C4A18EEEBB49}"/>
           </ac:graphicFrameMkLst>
         </pc:graphicFrameChg>
       </pc:sldChg>
@@ -781,6 +782,30 @@
             <pc:docMk/>
             <pc:sldMk cId="2865144536" sldId="257"/>
             <ac:graphicFrameMk id="3" creationId="{B580F16A-9439-4093-89D7-4096665ED5D7}"/>
+          </ac:graphicFrameMkLst>
+        </pc:graphicFrameChg>
+      </pc:sldChg>
+    </pc:docChg>
+  </pc:docChgLst>
+  <pc:docChgLst>
+    <pc:chgData name="Gabriel Fernandes C. dos Santos" userId="153fb557aa2a4591" providerId="Windows Live" clId="Web-{D7FD82B3-4691-4853-8ACE-FD31681EB902}"/>
+    <pc:docChg chg="modSld">
+      <pc:chgData name="Gabriel Fernandes C. dos Santos" userId="153fb557aa2a4591" providerId="Windows Live" clId="Web-{D7FD82B3-4691-4853-8ACE-FD31681EB902}" dt="2020-11-18T23:00:34.623" v="91"/>
+      <pc:docMkLst>
+        <pc:docMk/>
+      </pc:docMkLst>
+      <pc:sldChg chg="modSp">
+        <pc:chgData name="Gabriel Fernandes C. dos Santos" userId="153fb557aa2a4591" providerId="Windows Live" clId="Web-{D7FD82B3-4691-4853-8ACE-FD31681EB902}" dt="2020-11-18T23:00:34.623" v="91"/>
+        <pc:sldMkLst>
+          <pc:docMk/>
+          <pc:sldMk cId="2865144536" sldId="257"/>
+        </pc:sldMkLst>
+        <pc:graphicFrameChg chg="mod modGraphic">
+          <ac:chgData name="Gabriel Fernandes C. dos Santos" userId="153fb557aa2a4591" providerId="Windows Live" clId="Web-{D7FD82B3-4691-4853-8ACE-FD31681EB902}" dt="2020-11-18T23:00:34.623" v="91"/>
+          <ac:graphicFrameMkLst>
+            <pc:docMk/>
+            <pc:sldMk cId="2865144536" sldId="257"/>
+            <ac:graphicFrameMk id="2" creationId="{B9D7C21E-1554-48F1-B97D-E65C7C876D0F}"/>
           </ac:graphicFrameMkLst>
         </pc:graphicFrameChg>
       </pc:sldChg>
@@ -1063,7 +1088,7 @@
           <a:p>
             <a:fld id="{4301E9E3-EC59-49D9-A019-F72927E38D20}" type="datetimeFigureOut">
               <a:rPr lang="pt-BR" smtClean="0"/>
-              <a:t>06/11/2020</a:t>
+              <a:t>18/11/2020</a:t>
             </a:fld>
             <a:endParaRPr lang="pt-BR"/>
           </a:p>
@@ -1261,7 +1286,7 @@
           <a:p>
             <a:fld id="{4301E9E3-EC59-49D9-A019-F72927E38D20}" type="datetimeFigureOut">
               <a:rPr lang="pt-BR" smtClean="0"/>
-              <a:t>06/11/2020</a:t>
+              <a:t>18/11/2020</a:t>
             </a:fld>
             <a:endParaRPr lang="pt-BR"/>
           </a:p>
@@ -1469,7 +1494,7 @@
           <a:p>
             <a:fld id="{4301E9E3-EC59-49D9-A019-F72927E38D20}" type="datetimeFigureOut">
               <a:rPr lang="pt-BR" smtClean="0"/>
-              <a:t>06/11/2020</a:t>
+              <a:t>18/11/2020</a:t>
             </a:fld>
             <a:endParaRPr lang="pt-BR"/>
           </a:p>
@@ -1667,7 +1692,7 @@
           <a:p>
             <a:fld id="{4301E9E3-EC59-49D9-A019-F72927E38D20}" type="datetimeFigureOut">
               <a:rPr lang="pt-BR" smtClean="0"/>
-              <a:t>06/11/2020</a:t>
+              <a:t>18/11/2020</a:t>
             </a:fld>
             <a:endParaRPr lang="pt-BR"/>
           </a:p>
@@ -1942,7 +1967,7 @@
           <a:p>
             <a:fld id="{4301E9E3-EC59-49D9-A019-F72927E38D20}" type="datetimeFigureOut">
               <a:rPr lang="pt-BR" smtClean="0"/>
-              <a:t>06/11/2020</a:t>
+              <a:t>18/11/2020</a:t>
             </a:fld>
             <a:endParaRPr lang="pt-BR"/>
           </a:p>
@@ -2207,7 +2232,7 @@
           <a:p>
             <a:fld id="{4301E9E3-EC59-49D9-A019-F72927E38D20}" type="datetimeFigureOut">
               <a:rPr lang="pt-BR" smtClean="0"/>
-              <a:t>06/11/2020</a:t>
+              <a:t>18/11/2020</a:t>
             </a:fld>
             <a:endParaRPr lang="pt-BR"/>
           </a:p>
@@ -2619,7 +2644,7 @@
           <a:p>
             <a:fld id="{4301E9E3-EC59-49D9-A019-F72927E38D20}" type="datetimeFigureOut">
               <a:rPr lang="pt-BR" smtClean="0"/>
-              <a:t>06/11/2020</a:t>
+              <a:t>18/11/2020</a:t>
             </a:fld>
             <a:endParaRPr lang="pt-BR"/>
           </a:p>
@@ -2760,7 +2785,7 @@
           <a:p>
             <a:fld id="{4301E9E3-EC59-49D9-A019-F72927E38D20}" type="datetimeFigureOut">
               <a:rPr lang="pt-BR" smtClean="0"/>
-              <a:t>06/11/2020</a:t>
+              <a:t>18/11/2020</a:t>
             </a:fld>
             <a:endParaRPr lang="pt-BR"/>
           </a:p>
@@ -2873,7 +2898,7 @@
           <a:p>
             <a:fld id="{4301E9E3-EC59-49D9-A019-F72927E38D20}" type="datetimeFigureOut">
               <a:rPr lang="pt-BR" smtClean="0"/>
-              <a:t>06/11/2020</a:t>
+              <a:t>18/11/2020</a:t>
             </a:fld>
             <a:endParaRPr lang="pt-BR"/>
           </a:p>
@@ -3184,7 +3209,7 @@
           <a:p>
             <a:fld id="{4301E9E3-EC59-49D9-A019-F72927E38D20}" type="datetimeFigureOut">
               <a:rPr lang="pt-BR" smtClean="0"/>
-              <a:t>06/11/2020</a:t>
+              <a:t>18/11/2020</a:t>
             </a:fld>
             <a:endParaRPr lang="pt-BR"/>
           </a:p>
@@ -3472,7 +3497,7 @@
           <a:p>
             <a:fld id="{4301E9E3-EC59-49D9-A019-F72927E38D20}" type="datetimeFigureOut">
               <a:rPr lang="pt-BR" smtClean="0"/>
-              <a:t>06/11/2020</a:t>
+              <a:t>18/11/2020</a:t>
             </a:fld>
             <a:endParaRPr lang="pt-BR"/>
           </a:p>
@@ -3713,7 +3738,7 @@
           <a:p>
             <a:fld id="{4301E9E3-EC59-49D9-A019-F72927E38D20}" type="datetimeFigureOut">
               <a:rPr lang="pt-BR" smtClean="0"/>
-              <a:t>06/11/2020</a:t>
+              <a:t>18/11/2020</a:t>
             </a:fld>
             <a:endParaRPr lang="pt-BR"/>
           </a:p>
@@ -4145,7 +4170,7 @@
           <p:nvPr>
             <p:extLst>
               <p:ext uri="{D42A27DB-BD31-4B8C-83A1-F6EECF244321}">
-                <p14:modId xmlns:p14="http://schemas.microsoft.com/office/powerpoint/2010/main" val="1134974021"/>
+                <p14:modId xmlns:p14="http://schemas.microsoft.com/office/powerpoint/2010/main" val="3304064310"/>
               </p:ext>
             </p:extLst>
           </p:nvPr>
@@ -4745,7 +4770,7 @@
                             <a:srgbClr val="000000"/>
                           </a:solidFill>
                           <a:effectLst/>
-                          <a:latin typeface="Arial" panose="020B0604020202020204" pitchFamily="34" charset="0"/>
+                          <a:latin typeface="Arial"/>
                         </a:rPr>
                         <a:t>Capacidades</a:t>
                       </a:r>
@@ -4812,7 +4837,7 @@
                             <a:srgbClr val="000000"/>
                           </a:solidFill>
                           <a:effectLst/>
-                          <a:latin typeface="Arial" panose="020B0604020202020204" pitchFamily="34" charset="0"/>
+                          <a:latin typeface="Arial"/>
                         </a:rPr>
                         <a:t>Nº</a:t>
                       </a:r>
@@ -4869,7 +4894,7 @@
                             <a:srgbClr val="000000"/>
                           </a:solidFill>
                           <a:effectLst/>
-                          <a:latin typeface="Arial" panose="020B0604020202020204" pitchFamily="34" charset="0"/>
+                          <a:latin typeface="Arial"/>
                         </a:rPr>
                         <a:t>Evento</a:t>
                       </a:r>
@@ -4926,7 +4951,7 @@
                             <a:srgbClr val="000000"/>
                           </a:solidFill>
                           <a:effectLst/>
-                          <a:latin typeface="Arial" panose="020B0604020202020204" pitchFamily="34" charset="0"/>
+                          <a:latin typeface="Arial"/>
                         </a:rPr>
                         <a:t>Previsível</a:t>
                       </a:r>
@@ -4983,7 +5008,7 @@
                             <a:srgbClr val="000000"/>
                           </a:solidFill>
                           <a:effectLst/>
-                          <a:latin typeface="Arial" panose="020B0604020202020204" pitchFamily="34" charset="0"/>
+                          <a:latin typeface="Arial"/>
                         </a:rPr>
                         <a:t>Não Previsível</a:t>
                       </a:r>
@@ -5040,7 +5065,7 @@
                             <a:srgbClr val="000000"/>
                           </a:solidFill>
                           <a:effectLst/>
-                          <a:latin typeface="Arial" panose="020B0604020202020204" pitchFamily="34" charset="0"/>
+                          <a:latin typeface="Arial"/>
                         </a:rPr>
                         <a:t>Relativo</a:t>
                       </a:r>
@@ -5097,7 +5122,7 @@
                             <a:srgbClr val="000000"/>
                           </a:solidFill>
                           <a:effectLst/>
-                          <a:latin typeface="Arial" panose="020B0604020202020204" pitchFamily="34" charset="0"/>
+                          <a:latin typeface="Arial"/>
                         </a:rPr>
                         <a:t>Absoluto</a:t>
                       </a:r>
@@ -5154,7 +5179,7 @@
                             <a:srgbClr val="000000"/>
                           </a:solidFill>
                           <a:effectLst/>
-                          <a:latin typeface="Arial" panose="020B0604020202020204" pitchFamily="34" charset="0"/>
+                          <a:latin typeface="Arial"/>
                         </a:rPr>
                         <a:t>Não Evento</a:t>
                       </a:r>
@@ -5211,7 +5236,7 @@
                             <a:srgbClr val="000000"/>
                           </a:solidFill>
                           <a:effectLst/>
-                          <a:latin typeface="Arial" panose="020B0604020202020204" pitchFamily="34" charset="0"/>
+                          <a:latin typeface="Arial"/>
                         </a:rPr>
                         <a:t>Extemporâneo</a:t>
                       </a:r>
@@ -5392,7 +5417,7 @@
                             <a:srgbClr val="000000"/>
                           </a:solidFill>
                           <a:effectLst/>
-                          <a:latin typeface="Arial" panose="020B0604020202020204" pitchFamily="34" charset="0"/>
+                          <a:latin typeface="Arial"/>
                         </a:rPr>
                         <a:t>1</a:t>
                       </a:r>
@@ -5449,7 +5474,7 @@
                             <a:srgbClr val="000000"/>
                           </a:solidFill>
                           <a:effectLst/>
-                          <a:latin typeface="Arial" panose="020B0604020202020204" pitchFamily="34" charset="0"/>
+                          <a:latin typeface="Arial"/>
                         </a:rPr>
                         <a:t>Cliente solicita orçamento</a:t>
                       </a:r>
@@ -5878,7 +5903,7 @@
                             <a:srgbClr val="000000"/>
                           </a:solidFill>
                           <a:effectLst/>
-                          <a:latin typeface="Arial" panose="020B0604020202020204" pitchFamily="34" charset="0"/>
+                          <a:latin typeface="Arial"/>
                         </a:rPr>
                         <a:t>2</a:t>
                       </a:r>
@@ -6364,7 +6389,7 @@
                             <a:srgbClr val="000000"/>
                           </a:solidFill>
                           <a:effectLst/>
-                          <a:latin typeface="Arial" panose="020B0604020202020204" pitchFamily="34" charset="0"/>
+                          <a:latin typeface="Arial"/>
                         </a:rPr>
                         <a:t>3</a:t>
                       </a:r>
@@ -6421,9 +6446,9 @@
                             <a:srgbClr val="000000"/>
                           </a:solidFill>
                           <a:effectLst/>
-                          <a:latin typeface="Arial" panose="020B0604020202020204" pitchFamily="34" charset="0"/>
+                          <a:latin typeface="Arial"/>
                         </a:rPr>
-                        <a:t>Cliente aceita resposta ao orçamento</a:t>
+                        <a:t>Cliente responde ao orçamento</a:t>
                       </a:r>
                     </a:p>
                   </a:txBody>
@@ -6830,7 +6855,7 @@
                             <a:srgbClr val="000000"/>
                           </a:solidFill>
                           <a:effectLst/>
-                          <a:latin typeface="Arial" panose="020B0604020202020204" pitchFamily="34" charset="0"/>
+                          <a:latin typeface="Arial"/>
                         </a:rPr>
                         <a:t>Criar o pedido</a:t>
                       </a:r>
@@ -7004,7 +7029,7 @@
                             <a:srgbClr val="000000"/>
                           </a:solidFill>
                           <a:effectLst/>
-                          <a:latin typeface="Arial" panose="020B0604020202020204" pitchFamily="34" charset="0"/>
+                          <a:latin typeface="Arial"/>
                         </a:rPr>
                         <a:t>Cliente entrega comprovante de pagamento</a:t>
                       </a:r>
@@ -7061,7 +7086,7 @@
                             <a:srgbClr val="000000"/>
                           </a:solidFill>
                           <a:effectLst/>
-                          <a:latin typeface="Arial" panose="020B0604020202020204" pitchFamily="34" charset="0"/>
+                          <a:latin typeface="Arial"/>
                         </a:rPr>
                         <a:t>x(3)</a:t>
                       </a:r>
@@ -7492,7 +7517,7 @@
                           <a:effectLst/>
                           <a:latin typeface="Arial"/>
                         </a:rPr>
-                        <a:t>Banco confirma pagamento</a:t>
+                        <a:t>Banco informa os lançamentos</a:t>
                       </a:r>
                     </a:p>
                   </a:txBody>
@@ -10181,66 +10206,11 @@
                     <a:bodyPr/>
                     <a:lstStyle/>
                     <a:p>
-                      <a:pPr algn="ctr" fontAlgn="ctr"/>
-                      <a:endParaRPr lang="pt-BR" sz="900" b="0" i="0" u="none" strike="noStrike">
-                        <a:solidFill>
-                          <a:srgbClr val="000000"/>
-                        </a:solidFill>
-                        <a:effectLst/>
-                        <a:latin typeface="Arial" panose="020B0604020202020204" pitchFamily="34" charset="0"/>
-                      </a:endParaRPr>
-                    </a:p>
-                  </a:txBody>
-                  <a:tcPr marL="7815" marR="7815" marT="7815" marB="37512" anchor="ctr">
-                    <a:lnL w="6350" cap="flat" cmpd="sng" algn="ctr">
-                      <a:solidFill>
-                        <a:srgbClr val="000000"/>
-                      </a:solidFill>
-                      <a:prstDash val="solid"/>
-                      <a:round/>
-                      <a:headEnd type="none" w="med" len="med"/>
-                      <a:tailEnd type="none" w="med" len="med"/>
-                    </a:lnL>
-                    <a:lnR w="6350" cap="flat" cmpd="sng" algn="ctr">
-                      <a:solidFill>
-                        <a:srgbClr val="000000"/>
-                      </a:solidFill>
-                      <a:prstDash val="solid"/>
-                      <a:round/>
-                      <a:headEnd type="none" w="med" len="med"/>
-                      <a:tailEnd type="none" w="med" len="med"/>
-                    </a:lnR>
-                    <a:lnT w="6350" cap="flat" cmpd="sng" algn="ctr">
-                      <a:solidFill>
-                        <a:srgbClr val="000000"/>
-                      </a:solidFill>
-                      <a:prstDash val="solid"/>
-                      <a:round/>
-                      <a:headEnd type="none" w="med" len="med"/>
-                      <a:tailEnd type="none" w="med" len="med"/>
-                    </a:lnT>
-                    <a:lnB w="6350" cap="flat" cmpd="sng" algn="ctr">
-                      <a:solidFill>
-                        <a:srgbClr val="000000"/>
-                      </a:solidFill>
-                      <a:prstDash val="solid"/>
-                      <a:round/>
-                      <a:headEnd type="none" w="med" len="med"/>
-                      <a:tailEnd type="none" w="med" len="med"/>
-                    </a:lnB>
-                    <a:solidFill>
-                      <a:srgbClr val="E2EFDA"/>
-                    </a:solidFill>
-                  </a:tcPr>
-                </a:tc>
-                <a:tc>
-                  <a:txBody>
-                    <a:bodyPr/>
-                    <a:lstStyle/>
-                    <a:p>
-                      <a:pPr algn="ctr" fontAlgn="ctr"/>
+                      <a:pPr lvl="0" algn="ctr">
+                        <a:buNone/>
+                      </a:pPr>
                       <a:r>
-                        <a:rPr lang="pt-BR" sz="900" b="0" i="0" u="none" strike="noStrike">
+                        <a:rPr lang="pt-BR" sz="900" b="0" i="0" u="none" strike="noStrike" noProof="0">
                           <a:solidFill>
                             <a:srgbClr val="000000"/>
                           </a:solidFill>
@@ -10249,6 +10219,64 @@
                         </a:rPr>
                         <a:t>x(9)</a:t>
                       </a:r>
+                      <a:endParaRPr lang="pt-BR"/>
+                    </a:p>
+                  </a:txBody>
+                  <a:tcPr marL="7815" marR="7815" marT="7815" marB="37512" anchor="ctr">
+                    <a:lnL w="6350" cap="flat" cmpd="sng" algn="ctr">
+                      <a:solidFill>
+                        <a:srgbClr val="000000"/>
+                      </a:solidFill>
+                      <a:prstDash val="solid"/>
+                      <a:round/>
+                      <a:headEnd type="none" w="med" len="med"/>
+                      <a:tailEnd type="none" w="med" len="med"/>
+                    </a:lnL>
+                    <a:lnR w="6350" cap="flat" cmpd="sng" algn="ctr">
+                      <a:solidFill>
+                        <a:srgbClr val="000000"/>
+                      </a:solidFill>
+                      <a:prstDash val="solid"/>
+                      <a:round/>
+                      <a:headEnd type="none" w="med" len="med"/>
+                      <a:tailEnd type="none" w="med" len="med"/>
+                    </a:lnR>
+                    <a:lnT w="6350" cap="flat" cmpd="sng" algn="ctr">
+                      <a:solidFill>
+                        <a:srgbClr val="000000"/>
+                      </a:solidFill>
+                      <a:prstDash val="solid"/>
+                      <a:round/>
+                      <a:headEnd type="none" w="med" len="med"/>
+                      <a:tailEnd type="none" w="med" len="med"/>
+                    </a:lnT>
+                    <a:lnB w="6350" cap="flat" cmpd="sng" algn="ctr">
+                      <a:solidFill>
+                        <a:srgbClr val="000000"/>
+                      </a:solidFill>
+                      <a:prstDash val="solid"/>
+                      <a:round/>
+                      <a:headEnd type="none" w="med" len="med"/>
+                      <a:tailEnd type="none" w="med" len="med"/>
+                    </a:lnB>
+                    <a:solidFill>
+                      <a:srgbClr val="E2EFDA"/>
+                    </a:solidFill>
+                  </a:tcPr>
+                </a:tc>
+                <a:tc>
+                  <a:txBody>
+                    <a:bodyPr/>
+                    <a:lstStyle/>
+                    <a:p>
+                      <a:pPr algn="ctr" fontAlgn="ctr"/>
+                      <a:endParaRPr lang="pt-BR" sz="900" b="0" i="0" u="none" strike="noStrike">
+                        <a:solidFill>
+                          <a:srgbClr val="000000"/>
+                        </a:solidFill>
+                        <a:effectLst/>
+                        <a:latin typeface="Arial"/>
+                      </a:endParaRPr>
                     </a:p>
                   </a:txBody>
                   <a:tcPr marL="7815" marR="7815" marT="7815" marB="37512" anchor="ctr">
